--- a/Tratamiento de datos climáticos.pptx
+++ b/Tratamiento de datos climáticos.pptx
@@ -15,15 +15,17 @@
     <p:sldId id="266" r:id="rId9"/>
     <p:sldId id="263" r:id="rId10"/>
     <p:sldId id="264" r:id="rId11"/>
-    <p:sldId id="275" r:id="rId12"/>
-    <p:sldId id="267" r:id="rId13"/>
-    <p:sldId id="272" r:id="rId14"/>
-    <p:sldId id="269" r:id="rId15"/>
-    <p:sldId id="274" r:id="rId16"/>
-    <p:sldId id="268" r:id="rId17"/>
-    <p:sldId id="270" r:id="rId18"/>
-    <p:sldId id="271" r:id="rId19"/>
-    <p:sldId id="273" r:id="rId20"/>
+    <p:sldId id="276" r:id="rId12"/>
+    <p:sldId id="275" r:id="rId13"/>
+    <p:sldId id="267" r:id="rId14"/>
+    <p:sldId id="272" r:id="rId15"/>
+    <p:sldId id="269" r:id="rId16"/>
+    <p:sldId id="274" r:id="rId17"/>
+    <p:sldId id="268" r:id="rId18"/>
+    <p:sldId id="270" r:id="rId19"/>
+    <p:sldId id="271" r:id="rId20"/>
+    <p:sldId id="273" r:id="rId21"/>
+    <p:sldId id="277" r:id="rId22"/>
   </p:sldIdLst>
   <p:sldSz cx="12192000" cy="6858000"/>
   <p:notesSz cx="6858000" cy="9144000"/>
@@ -130,6 +132,55 @@
 </p:presentation>
 </file>
 
+<file path=ppt/commentAuthors.xml><?xml version="1.0" encoding="utf-8"?>
+<p:cmAuthorLst xmlns:a="http://schemas.openxmlformats.org/drawingml/2006/main" xmlns:r="http://schemas.openxmlformats.org/officeDocument/2006/relationships" xmlns:p="http://schemas.openxmlformats.org/presentationml/2006/main">
+  <p:cmAuthor id="1" name="Patino Bravo, Victor Hugo (CIAT)" initials="PBVH(" lastIdx="3" clrIdx="0">
+    <p:extLst>
+      <p:ext uri="{19B8F6BF-5375-455C-9EA6-DF929625EA0E}">
+        <p15:presenceInfo xmlns:p15="http://schemas.microsoft.com/office/powerpoint/2012/main" userId="S-1-5-21-1606980848-162531612-839522115-31803" providerId="AD"/>
+      </p:ext>
+    </p:extLst>
+  </p:cmAuthor>
+</p:cmAuthorLst>
+</file>
+
+<file path=ppt/comments/comment1.xml><?xml version="1.0" encoding="utf-8"?>
+<p:cmLst xmlns:a="http://schemas.openxmlformats.org/drawingml/2006/main" xmlns:r="http://schemas.openxmlformats.org/officeDocument/2006/relationships" xmlns:p="http://schemas.openxmlformats.org/presentationml/2006/main">
+  <p:cm authorId="1" dt="2016-11-24T15:46:53.478" idx="3">
+    <p:pos x="7184" y="2711"/>
+    <p:text>Se puede descargar kmz para trabajar desde el equipo o acceder al mapa en linea de las estaciones (mejor). Desde el mapa en línea puedo utilizarr una función llamada proximity que es similar a bufer en arcgis. Seleccionar estaciones por poligonos a mano y sacar el listado de estas, descargar los datos disponibles</p:text>
+    <p:extLst>
+      <p:ext uri="{C676402C-5697-4E1C-873F-D02D1690AC5C}">
+        <p15:threadingInfo xmlns:p15="http://schemas.microsoft.com/office/powerpoint/2012/main" timeZoneBias="300"/>
+      </p:ext>
+    </p:extLst>
+  </p:cm>
+</p:cmLst>
+</file>
+
+<file path=ppt/comments/comment2.xml><?xml version="1.0" encoding="utf-8"?>
+<p:cmLst xmlns:a="http://schemas.openxmlformats.org/drawingml/2006/main" xmlns:r="http://schemas.openxmlformats.org/officeDocument/2006/relationships" xmlns:p="http://schemas.openxmlformats.org/presentationml/2006/main">
+  <p:cm authorId="1" dt="2016-10-31T10:44:42.372" idx="1">
+    <p:pos x="5581" y="2637"/>
+    <p:text>Si tenemos la certeza de que la información horaria esta midiendo los mismos días que la diaria, es preferible descartar los datos diarios y obtenerlos nosotros mismo en la conversión.</p:text>
+    <p:extLst>
+      <p:ext uri="{C676402C-5697-4E1C-873F-D02D1690AC5C}">
+        <p15:threadingInfo xmlns:p15="http://schemas.microsoft.com/office/powerpoint/2012/main" timeZoneBias="300"/>
+      </p:ext>
+    </p:extLst>
+  </p:cm>
+  <p:cm authorId="1" dt="2016-10-31T10:48:31.040" idx="2">
+    <p:pos x="2080" y="1740"/>
+    <p:text>Ya sea porque se registró de una de las formas hasta cierta fecha y cambió a partir de ella, o porque se registró horario pero como opción se tenga por parte del dueño de la información el resumen diario.</p:text>
+    <p:extLst>
+      <p:ext uri="{C676402C-5697-4E1C-873F-D02D1690AC5C}">
+        <p15:threadingInfo xmlns:p15="http://schemas.microsoft.com/office/powerpoint/2012/main" timeZoneBias="300"/>
+      </p:ext>
+    </p:extLst>
+  </p:cm>
+</p:cmLst>
+</file>
+
 <file path=ppt/slideLayouts/slideLayout1.xml><?xml version="1.0" encoding="utf-8"?>
 <p:sldLayout xmlns:a="http://schemas.openxmlformats.org/drawingml/2006/main" xmlns:r="http://schemas.openxmlformats.org/officeDocument/2006/relationships" xmlns:p="http://schemas.openxmlformats.org/presentationml/2006/main" type="title" preserve="1">
   <p:cSld name="Title Slide">
@@ -261,7 +312,7 @@
           <a:p>
             <a:fld id="{F478E455-2610-4EC8-99BC-ED6763E081C6}" type="datetimeFigureOut">
               <a:rPr lang="es-CO" smtClean="0"/>
-              <a:t>20/10/2016</a:t>
+              <a:t>25/11/2016</a:t>
             </a:fld>
             <a:endParaRPr lang="es-CO"/>
           </a:p>
@@ -431,7 +482,7 @@
           <a:p>
             <a:fld id="{F478E455-2610-4EC8-99BC-ED6763E081C6}" type="datetimeFigureOut">
               <a:rPr lang="es-CO" smtClean="0"/>
-              <a:t>20/10/2016</a:t>
+              <a:t>25/11/2016</a:t>
             </a:fld>
             <a:endParaRPr lang="es-CO"/>
           </a:p>
@@ -611,7 +662,7 @@
           <a:p>
             <a:fld id="{F478E455-2610-4EC8-99BC-ED6763E081C6}" type="datetimeFigureOut">
               <a:rPr lang="es-CO" smtClean="0"/>
-              <a:t>20/10/2016</a:t>
+              <a:t>25/11/2016</a:t>
             </a:fld>
             <a:endParaRPr lang="es-CO"/>
           </a:p>
@@ -781,7 +832,7 @@
           <a:p>
             <a:fld id="{F478E455-2610-4EC8-99BC-ED6763E081C6}" type="datetimeFigureOut">
               <a:rPr lang="es-CO" smtClean="0"/>
-              <a:t>20/10/2016</a:t>
+              <a:t>25/11/2016</a:t>
             </a:fld>
             <a:endParaRPr lang="es-CO"/>
           </a:p>
@@ -1027,7 +1078,7 @@
           <a:p>
             <a:fld id="{F478E455-2610-4EC8-99BC-ED6763E081C6}" type="datetimeFigureOut">
               <a:rPr lang="es-CO" smtClean="0"/>
-              <a:t>20/10/2016</a:t>
+              <a:t>25/11/2016</a:t>
             </a:fld>
             <a:endParaRPr lang="es-CO"/>
           </a:p>
@@ -1259,7 +1310,7 @@
           <a:p>
             <a:fld id="{F478E455-2610-4EC8-99BC-ED6763E081C6}" type="datetimeFigureOut">
               <a:rPr lang="es-CO" smtClean="0"/>
-              <a:t>20/10/2016</a:t>
+              <a:t>25/11/2016</a:t>
             </a:fld>
             <a:endParaRPr lang="es-CO"/>
           </a:p>
@@ -1626,7 +1677,7 @@
           <a:p>
             <a:fld id="{F478E455-2610-4EC8-99BC-ED6763E081C6}" type="datetimeFigureOut">
               <a:rPr lang="es-CO" smtClean="0"/>
-              <a:t>20/10/2016</a:t>
+              <a:t>25/11/2016</a:t>
             </a:fld>
             <a:endParaRPr lang="es-CO"/>
           </a:p>
@@ -1744,7 +1795,7 @@
           <a:p>
             <a:fld id="{F478E455-2610-4EC8-99BC-ED6763E081C6}" type="datetimeFigureOut">
               <a:rPr lang="es-CO" smtClean="0"/>
-              <a:t>20/10/2016</a:t>
+              <a:t>25/11/2016</a:t>
             </a:fld>
             <a:endParaRPr lang="es-CO"/>
           </a:p>
@@ -1839,7 +1890,7 @@
           <a:p>
             <a:fld id="{F478E455-2610-4EC8-99BC-ED6763E081C6}" type="datetimeFigureOut">
               <a:rPr lang="es-CO" smtClean="0"/>
-              <a:t>20/10/2016</a:t>
+              <a:t>25/11/2016</a:t>
             </a:fld>
             <a:endParaRPr lang="es-CO"/>
           </a:p>
@@ -2116,7 +2167,7 @@
           <a:p>
             <a:fld id="{F478E455-2610-4EC8-99BC-ED6763E081C6}" type="datetimeFigureOut">
               <a:rPr lang="es-CO" smtClean="0"/>
-              <a:t>20/10/2016</a:t>
+              <a:t>25/11/2016</a:t>
             </a:fld>
             <a:endParaRPr lang="es-CO"/>
           </a:p>
@@ -2369,7 +2420,7 @@
           <a:p>
             <a:fld id="{F478E455-2610-4EC8-99BC-ED6763E081C6}" type="datetimeFigureOut">
               <a:rPr lang="es-CO" smtClean="0"/>
-              <a:t>20/10/2016</a:t>
+              <a:t>25/11/2016</a:t>
             </a:fld>
             <a:endParaRPr lang="es-CO"/>
           </a:p>
@@ -2582,7 +2633,7 @@
           <a:p>
             <a:fld id="{F478E455-2610-4EC8-99BC-ED6763E081C6}" type="datetimeFigureOut">
               <a:rPr lang="es-CO" smtClean="0"/>
-              <a:t>20/10/2016</a:t>
+              <a:t>25/11/2016</a:t>
             </a:fld>
             <a:endParaRPr lang="es-CO"/>
           </a:p>
@@ -3289,6 +3340,430 @@
   <p:clrMapOvr>
     <a:masterClrMapping/>
   </p:clrMapOvr>
+  <p:timing>
+    <p:tnLst>
+      <p:par>
+        <p:cTn id="1" dur="indefinite" restart="never" nodeType="tmRoot">
+          <p:childTnLst>
+            <p:seq concurrent="1" nextAc="seek">
+              <p:cTn id="2" dur="indefinite" nodeType="mainSeq">
+                <p:childTnLst>
+                  <p:par>
+                    <p:cTn id="3" fill="hold">
+                      <p:stCondLst>
+                        <p:cond delay="indefinite"/>
+                      </p:stCondLst>
+                      <p:childTnLst>
+                        <p:par>
+                          <p:cTn id="4" fill="hold">
+                            <p:stCondLst>
+                              <p:cond delay="0"/>
+                            </p:stCondLst>
+                            <p:childTnLst>
+                              <p:par>
+                                <p:cTn id="5" presetID="2" presetClass="entr" presetSubtype="4" fill="hold" nodeType="clickEffect">
+                                  <p:stCondLst>
+                                    <p:cond delay="0"/>
+                                  </p:stCondLst>
+                                  <p:childTnLst>
+                                    <p:set>
+                                      <p:cBhvr>
+                                        <p:cTn id="6" dur="1" fill="hold">
+                                          <p:stCondLst>
+                                            <p:cond delay="0"/>
+                                          </p:stCondLst>
+                                        </p:cTn>
+                                        <p:tgtEl>
+                                          <p:spTgt spid="3">
+                                            <p:txEl>
+                                              <p:pRg st="1" end="1"/>
+                                            </p:txEl>
+                                          </p:spTgt>
+                                        </p:tgtEl>
+                                        <p:attrNameLst>
+                                          <p:attrName>style.visibility</p:attrName>
+                                        </p:attrNameLst>
+                                      </p:cBhvr>
+                                      <p:to>
+                                        <p:strVal val="visible"/>
+                                      </p:to>
+                                    </p:set>
+                                    <p:anim calcmode="lin" valueType="num">
+                                      <p:cBhvr additive="base">
+                                        <p:cTn id="7" dur="500" fill="hold"/>
+                                        <p:tgtEl>
+                                          <p:spTgt spid="3">
+                                            <p:txEl>
+                                              <p:pRg st="1" end="1"/>
+                                            </p:txEl>
+                                          </p:spTgt>
+                                        </p:tgtEl>
+                                        <p:attrNameLst>
+                                          <p:attrName>ppt_x</p:attrName>
+                                        </p:attrNameLst>
+                                      </p:cBhvr>
+                                      <p:tavLst>
+                                        <p:tav tm="0">
+                                          <p:val>
+                                            <p:strVal val="#ppt_x"/>
+                                          </p:val>
+                                        </p:tav>
+                                        <p:tav tm="100000">
+                                          <p:val>
+                                            <p:strVal val="#ppt_x"/>
+                                          </p:val>
+                                        </p:tav>
+                                      </p:tavLst>
+                                    </p:anim>
+                                    <p:anim calcmode="lin" valueType="num">
+                                      <p:cBhvr additive="base">
+                                        <p:cTn id="8" dur="500" fill="hold"/>
+                                        <p:tgtEl>
+                                          <p:spTgt spid="3">
+                                            <p:txEl>
+                                              <p:pRg st="1" end="1"/>
+                                            </p:txEl>
+                                          </p:spTgt>
+                                        </p:tgtEl>
+                                        <p:attrNameLst>
+                                          <p:attrName>ppt_y</p:attrName>
+                                        </p:attrNameLst>
+                                      </p:cBhvr>
+                                      <p:tavLst>
+                                        <p:tav tm="0">
+                                          <p:val>
+                                            <p:strVal val="1+#ppt_h/2"/>
+                                          </p:val>
+                                        </p:tav>
+                                        <p:tav tm="100000">
+                                          <p:val>
+                                            <p:strVal val="#ppt_y"/>
+                                          </p:val>
+                                        </p:tav>
+                                      </p:tavLst>
+                                    </p:anim>
+                                  </p:childTnLst>
+                                </p:cTn>
+                              </p:par>
+                              <p:par>
+                                <p:cTn id="9" presetID="2" presetClass="entr" presetSubtype="4" fill="hold" nodeType="withEffect">
+                                  <p:stCondLst>
+                                    <p:cond delay="0"/>
+                                  </p:stCondLst>
+                                  <p:childTnLst>
+                                    <p:set>
+                                      <p:cBhvr>
+                                        <p:cTn id="10" dur="1" fill="hold">
+                                          <p:stCondLst>
+                                            <p:cond delay="0"/>
+                                          </p:stCondLst>
+                                        </p:cTn>
+                                        <p:tgtEl>
+                                          <p:spTgt spid="3">
+                                            <p:txEl>
+                                              <p:pRg st="2" end="2"/>
+                                            </p:txEl>
+                                          </p:spTgt>
+                                        </p:tgtEl>
+                                        <p:attrNameLst>
+                                          <p:attrName>style.visibility</p:attrName>
+                                        </p:attrNameLst>
+                                      </p:cBhvr>
+                                      <p:to>
+                                        <p:strVal val="visible"/>
+                                      </p:to>
+                                    </p:set>
+                                    <p:anim calcmode="lin" valueType="num">
+                                      <p:cBhvr additive="base">
+                                        <p:cTn id="11" dur="500" fill="hold"/>
+                                        <p:tgtEl>
+                                          <p:spTgt spid="3">
+                                            <p:txEl>
+                                              <p:pRg st="2" end="2"/>
+                                            </p:txEl>
+                                          </p:spTgt>
+                                        </p:tgtEl>
+                                        <p:attrNameLst>
+                                          <p:attrName>ppt_x</p:attrName>
+                                        </p:attrNameLst>
+                                      </p:cBhvr>
+                                      <p:tavLst>
+                                        <p:tav tm="0">
+                                          <p:val>
+                                            <p:strVal val="#ppt_x"/>
+                                          </p:val>
+                                        </p:tav>
+                                        <p:tav tm="100000">
+                                          <p:val>
+                                            <p:strVal val="#ppt_x"/>
+                                          </p:val>
+                                        </p:tav>
+                                      </p:tavLst>
+                                    </p:anim>
+                                    <p:anim calcmode="lin" valueType="num">
+                                      <p:cBhvr additive="base">
+                                        <p:cTn id="12" dur="500" fill="hold"/>
+                                        <p:tgtEl>
+                                          <p:spTgt spid="3">
+                                            <p:txEl>
+                                              <p:pRg st="2" end="2"/>
+                                            </p:txEl>
+                                          </p:spTgt>
+                                        </p:tgtEl>
+                                        <p:attrNameLst>
+                                          <p:attrName>ppt_y</p:attrName>
+                                        </p:attrNameLst>
+                                      </p:cBhvr>
+                                      <p:tavLst>
+                                        <p:tav tm="0">
+                                          <p:val>
+                                            <p:strVal val="1+#ppt_h/2"/>
+                                          </p:val>
+                                        </p:tav>
+                                        <p:tav tm="100000">
+                                          <p:val>
+                                            <p:strVal val="#ppt_y"/>
+                                          </p:val>
+                                        </p:tav>
+                                      </p:tavLst>
+                                    </p:anim>
+                                  </p:childTnLst>
+                                </p:cTn>
+                              </p:par>
+                            </p:childTnLst>
+                          </p:cTn>
+                        </p:par>
+                      </p:childTnLst>
+                    </p:cTn>
+                  </p:par>
+                  <p:par>
+                    <p:cTn id="13" fill="hold">
+                      <p:stCondLst>
+                        <p:cond delay="indefinite"/>
+                      </p:stCondLst>
+                      <p:childTnLst>
+                        <p:par>
+                          <p:cTn id="14" fill="hold">
+                            <p:stCondLst>
+                              <p:cond delay="0"/>
+                            </p:stCondLst>
+                            <p:childTnLst>
+                              <p:par>
+                                <p:cTn id="15" presetID="2" presetClass="entr" presetSubtype="4" fill="hold" nodeType="clickEffect">
+                                  <p:stCondLst>
+                                    <p:cond delay="0"/>
+                                  </p:stCondLst>
+                                  <p:childTnLst>
+                                    <p:set>
+                                      <p:cBhvr>
+                                        <p:cTn id="16" dur="1" fill="hold">
+                                          <p:stCondLst>
+                                            <p:cond delay="0"/>
+                                          </p:stCondLst>
+                                        </p:cTn>
+                                        <p:tgtEl>
+                                          <p:spTgt spid="3">
+                                            <p:txEl>
+                                              <p:pRg st="3" end="3"/>
+                                            </p:txEl>
+                                          </p:spTgt>
+                                        </p:tgtEl>
+                                        <p:attrNameLst>
+                                          <p:attrName>style.visibility</p:attrName>
+                                        </p:attrNameLst>
+                                      </p:cBhvr>
+                                      <p:to>
+                                        <p:strVal val="visible"/>
+                                      </p:to>
+                                    </p:set>
+                                    <p:anim calcmode="lin" valueType="num">
+                                      <p:cBhvr additive="base">
+                                        <p:cTn id="17" dur="500" fill="hold"/>
+                                        <p:tgtEl>
+                                          <p:spTgt spid="3">
+                                            <p:txEl>
+                                              <p:pRg st="3" end="3"/>
+                                            </p:txEl>
+                                          </p:spTgt>
+                                        </p:tgtEl>
+                                        <p:attrNameLst>
+                                          <p:attrName>ppt_x</p:attrName>
+                                        </p:attrNameLst>
+                                      </p:cBhvr>
+                                      <p:tavLst>
+                                        <p:tav tm="0">
+                                          <p:val>
+                                            <p:strVal val="#ppt_x"/>
+                                          </p:val>
+                                        </p:tav>
+                                        <p:tav tm="100000">
+                                          <p:val>
+                                            <p:strVal val="#ppt_x"/>
+                                          </p:val>
+                                        </p:tav>
+                                      </p:tavLst>
+                                    </p:anim>
+                                    <p:anim calcmode="lin" valueType="num">
+                                      <p:cBhvr additive="base">
+                                        <p:cTn id="18" dur="500" fill="hold"/>
+                                        <p:tgtEl>
+                                          <p:spTgt spid="3">
+                                            <p:txEl>
+                                              <p:pRg st="3" end="3"/>
+                                            </p:txEl>
+                                          </p:spTgt>
+                                        </p:tgtEl>
+                                        <p:attrNameLst>
+                                          <p:attrName>ppt_y</p:attrName>
+                                        </p:attrNameLst>
+                                      </p:cBhvr>
+                                      <p:tavLst>
+                                        <p:tav tm="0">
+                                          <p:val>
+                                            <p:strVal val="1+#ppt_h/2"/>
+                                          </p:val>
+                                        </p:tav>
+                                        <p:tav tm="100000">
+                                          <p:val>
+                                            <p:strVal val="#ppt_y"/>
+                                          </p:val>
+                                        </p:tav>
+                                      </p:tavLst>
+                                    </p:anim>
+                                  </p:childTnLst>
+                                </p:cTn>
+                              </p:par>
+                            </p:childTnLst>
+                          </p:cTn>
+                        </p:par>
+                      </p:childTnLst>
+                    </p:cTn>
+                  </p:par>
+                  <p:par>
+                    <p:cTn id="19" fill="hold">
+                      <p:stCondLst>
+                        <p:cond delay="indefinite"/>
+                      </p:stCondLst>
+                      <p:childTnLst>
+                        <p:par>
+                          <p:cTn id="20" fill="hold">
+                            <p:stCondLst>
+                              <p:cond delay="0"/>
+                            </p:stCondLst>
+                            <p:childTnLst>
+                              <p:par>
+                                <p:cTn id="21" presetID="2" presetClass="entr" presetSubtype="4" fill="hold" nodeType="clickEffect">
+                                  <p:stCondLst>
+                                    <p:cond delay="0"/>
+                                  </p:stCondLst>
+                                  <p:childTnLst>
+                                    <p:set>
+                                      <p:cBhvr>
+                                        <p:cTn id="22" dur="1" fill="hold">
+                                          <p:stCondLst>
+                                            <p:cond delay="0"/>
+                                          </p:stCondLst>
+                                        </p:cTn>
+                                        <p:tgtEl>
+                                          <p:spTgt spid="3">
+                                            <p:txEl>
+                                              <p:pRg st="4" end="4"/>
+                                            </p:txEl>
+                                          </p:spTgt>
+                                        </p:tgtEl>
+                                        <p:attrNameLst>
+                                          <p:attrName>style.visibility</p:attrName>
+                                        </p:attrNameLst>
+                                      </p:cBhvr>
+                                      <p:to>
+                                        <p:strVal val="visible"/>
+                                      </p:to>
+                                    </p:set>
+                                    <p:anim calcmode="lin" valueType="num">
+                                      <p:cBhvr additive="base">
+                                        <p:cTn id="23" dur="500" fill="hold"/>
+                                        <p:tgtEl>
+                                          <p:spTgt spid="3">
+                                            <p:txEl>
+                                              <p:pRg st="4" end="4"/>
+                                            </p:txEl>
+                                          </p:spTgt>
+                                        </p:tgtEl>
+                                        <p:attrNameLst>
+                                          <p:attrName>ppt_x</p:attrName>
+                                        </p:attrNameLst>
+                                      </p:cBhvr>
+                                      <p:tavLst>
+                                        <p:tav tm="0">
+                                          <p:val>
+                                            <p:strVal val="#ppt_x"/>
+                                          </p:val>
+                                        </p:tav>
+                                        <p:tav tm="100000">
+                                          <p:val>
+                                            <p:strVal val="#ppt_x"/>
+                                          </p:val>
+                                        </p:tav>
+                                      </p:tavLst>
+                                    </p:anim>
+                                    <p:anim calcmode="lin" valueType="num">
+                                      <p:cBhvr additive="base">
+                                        <p:cTn id="24" dur="500" fill="hold"/>
+                                        <p:tgtEl>
+                                          <p:spTgt spid="3">
+                                            <p:txEl>
+                                              <p:pRg st="4" end="4"/>
+                                            </p:txEl>
+                                          </p:spTgt>
+                                        </p:tgtEl>
+                                        <p:attrNameLst>
+                                          <p:attrName>ppt_y</p:attrName>
+                                        </p:attrNameLst>
+                                      </p:cBhvr>
+                                      <p:tavLst>
+                                        <p:tav tm="0">
+                                          <p:val>
+                                            <p:strVal val="1+#ppt_h/2"/>
+                                          </p:val>
+                                        </p:tav>
+                                        <p:tav tm="100000">
+                                          <p:val>
+                                            <p:strVal val="#ppt_y"/>
+                                          </p:val>
+                                        </p:tav>
+                                      </p:tavLst>
+                                    </p:anim>
+                                  </p:childTnLst>
+                                </p:cTn>
+                              </p:par>
+                            </p:childTnLst>
+                          </p:cTn>
+                        </p:par>
+                      </p:childTnLst>
+                    </p:cTn>
+                  </p:par>
+                </p:childTnLst>
+              </p:cTn>
+              <p:prevCondLst>
+                <p:cond evt="onPrev" delay="0">
+                  <p:tgtEl>
+                    <p:sldTgt/>
+                  </p:tgtEl>
+                </p:cond>
+              </p:prevCondLst>
+              <p:nextCondLst>
+                <p:cond evt="onNext" delay="0">
+                  <p:tgtEl>
+                    <p:sldTgt/>
+                  </p:tgtEl>
+                </p:cond>
+              </p:nextCondLst>
+            </p:seq>
+          </p:childTnLst>
+        </p:cTn>
+      </p:par>
+    </p:tnLst>
+  </p:timing>
 </p:sld>
 </file>
 
@@ -3319,52 +3794,76 @@
             <p:ph type="title"/>
           </p:nvPr>
         </p:nvSpPr>
-        <p:spPr/>
+        <p:spPr>
+          <a:xfrm>
+            <a:off x="838200" y="0"/>
+            <a:ext cx="10515600" cy="1325563"/>
+          </a:xfrm>
+        </p:spPr>
         <p:txBody>
           <a:bodyPr/>
           <a:lstStyle/>
           <a:p>
+            <a:pPr algn="just"/>
             <a:r>
               <a:rPr lang="es-CO" dirty="0" smtClean="0"/>
-              <a:t>Control de calidad…</a:t>
+              <a:t>Unir duplicidad de fuentes de información…</a:t>
             </a:r>
             <a:endParaRPr lang="es-CO" dirty="0"/>
           </a:p>
         </p:txBody>
       </p:sp>
-      <p:pic>
-        <p:nvPicPr>
-          <p:cNvPr id="4" name="Content Placeholder 3"/>
-          <p:cNvPicPr>
-            <a:picLocks noGrp="1" noChangeAspect="1"/>
-          </p:cNvPicPr>
+      <p:sp>
+        <p:nvSpPr>
+          <p:cNvPr id="3" name="Content Placeholder 2"/>
+          <p:cNvSpPr>
+            <a:spLocks noGrp="1"/>
+          </p:cNvSpPr>
           <p:nvPr>
             <p:ph idx="1"/>
           </p:nvPr>
-        </p:nvPicPr>
-        <p:blipFill>
-          <a:blip r:embed="rId2" cstate="print">
-            <a:extLst>
-              <a:ext uri="{28A0092B-C50C-407E-A947-70E740481C1C}">
-                <a14:useLocalDpi xmlns:a14="http://schemas.microsoft.com/office/drawing/2010/main" val="0"/>
-              </a:ext>
-            </a:extLst>
-          </a:blip>
-          <a:stretch>
-            <a:fillRect/>
-          </a:stretch>
-        </p:blipFill>
-        <p:spPr>
-          <a:xfrm>
-            <a:off x="1276865" y="1408670"/>
-            <a:ext cx="9712411" cy="5082746"/>
-          </a:xfrm>
-        </p:spPr>
-      </p:pic>
+        </p:nvSpPr>
+        <p:spPr/>
+        <p:txBody>
+          <a:bodyPr/>
+          <a:lstStyle/>
+          <a:p>
+            <a:pPr marL="0" indent="0" algn="just">
+              <a:buNone/>
+            </a:pPr>
+            <a:endParaRPr lang="es-CO" dirty="0"/>
+          </a:p>
+          <a:p>
+            <a:pPr marL="0" indent="0" algn="just">
+              <a:buNone/>
+            </a:pPr>
+            <a:r>
+              <a:rPr lang="es-CO" dirty="0" smtClean="0"/>
+              <a:t>Puede darse el caso de que la misma estación tenga registros a nivel horario y diario.</a:t>
+            </a:r>
+          </a:p>
+          <a:p>
+            <a:pPr marL="0" indent="0" algn="just">
+              <a:buNone/>
+            </a:pPr>
+            <a:endParaRPr lang="es-CO" dirty="0"/>
+          </a:p>
+          <a:p>
+            <a:pPr marL="0" indent="0" algn="just">
+              <a:buNone/>
+            </a:pPr>
+            <a:r>
+              <a:rPr lang="es-CO" dirty="0" smtClean="0"/>
+              <a:t>Para evitar el dilema de cuál de las dos fuentes usar, se contempla una mezcla de estas dos antes del control de calidad diario.</a:t>
+            </a:r>
+            <a:endParaRPr lang="es-CO" dirty="0"/>
+          </a:p>
+        </p:txBody>
+      </p:sp>
     </p:spTree>
     <p:extLst>
       <p:ext uri="{BB962C8B-B14F-4D97-AF65-F5344CB8AC3E}">
-        <p14:creationId xmlns:p14="http://schemas.microsoft.com/office/powerpoint/2010/main" val="3012780800"/>
+        <p14:creationId xmlns:p14="http://schemas.microsoft.com/office/powerpoint/2010/main" val="1331504795"/>
       </p:ext>
     </p:extLst>
   </p:cSld>
@@ -3415,6 +3914,95 @@
           <a:p>
             <a:r>
               <a:rPr lang="es-CO" dirty="0" smtClean="0"/>
+              <a:t>Control de calidad…</a:t>
+            </a:r>
+            <a:endParaRPr lang="es-CO" dirty="0"/>
+          </a:p>
+        </p:txBody>
+      </p:sp>
+      <p:pic>
+        <p:nvPicPr>
+          <p:cNvPr id="4" name="Content Placeholder 3"/>
+          <p:cNvPicPr>
+            <a:picLocks noGrp="1" noChangeAspect="1"/>
+          </p:cNvPicPr>
+          <p:nvPr>
+            <p:ph idx="1"/>
+          </p:nvPr>
+        </p:nvPicPr>
+        <p:blipFill>
+          <a:blip r:embed="rId2" cstate="print">
+            <a:extLst>
+              <a:ext uri="{28A0092B-C50C-407E-A947-70E740481C1C}">
+                <a14:useLocalDpi xmlns:a14="http://schemas.microsoft.com/office/drawing/2010/main" val="0"/>
+              </a:ext>
+            </a:extLst>
+          </a:blip>
+          <a:stretch>
+            <a:fillRect/>
+          </a:stretch>
+        </p:blipFill>
+        <p:spPr>
+          <a:xfrm>
+            <a:off x="622300" y="1408670"/>
+            <a:ext cx="10731499" cy="5082746"/>
+          </a:xfrm>
+        </p:spPr>
+      </p:pic>
+    </p:spTree>
+    <p:extLst>
+      <p:ext uri="{BB962C8B-B14F-4D97-AF65-F5344CB8AC3E}">
+        <p14:creationId xmlns:p14="http://schemas.microsoft.com/office/powerpoint/2010/main" val="3012780800"/>
+      </p:ext>
+    </p:extLst>
+  </p:cSld>
+  <p:clrMapOvr>
+    <a:masterClrMapping/>
+  </p:clrMapOvr>
+  <p:timing>
+    <p:tnLst>
+      <p:par>
+        <p:cTn id="1" dur="indefinite" restart="never" nodeType="tmRoot"/>
+      </p:par>
+    </p:tnLst>
+  </p:timing>
+</p:sld>
+</file>
+
+<file path=ppt/slides/slide13.xml><?xml version="1.0" encoding="utf-8"?>
+<p:sld xmlns:a="http://schemas.openxmlformats.org/drawingml/2006/main" xmlns:r="http://schemas.openxmlformats.org/officeDocument/2006/relationships" xmlns:p="http://schemas.openxmlformats.org/presentationml/2006/main">
+  <p:cSld>
+    <p:spTree>
+      <p:nvGrpSpPr>
+        <p:cNvPr id="1" name=""/>
+        <p:cNvGrpSpPr/>
+        <p:nvPr/>
+      </p:nvGrpSpPr>
+      <p:grpSpPr>
+        <a:xfrm>
+          <a:off x="0" y="0"/>
+          <a:ext cx="0" cy="0"/>
+          <a:chOff x="0" y="0"/>
+          <a:chExt cx="0" cy="0"/>
+        </a:xfrm>
+      </p:grpSpPr>
+      <p:sp>
+        <p:nvSpPr>
+          <p:cNvPr id="2" name="Title 1"/>
+          <p:cNvSpPr>
+            <a:spLocks noGrp="1"/>
+          </p:cNvSpPr>
+          <p:nvPr>
+            <p:ph type="title"/>
+          </p:nvPr>
+        </p:nvSpPr>
+        <p:spPr/>
+        <p:txBody>
+          <a:bodyPr/>
+          <a:lstStyle/>
+          <a:p>
+            <a:r>
+              <a:rPr lang="es-CO" dirty="0" smtClean="0"/>
               <a:t>Llenado de faltantes</a:t>
             </a:r>
             <a:endParaRPr lang="es-CO" dirty="0"/>
@@ -3459,16 +4047,20 @@
               <a:t>Rmawgen</a:t>
             </a:r>
             <a:r>
-              <a:rPr lang="es-CO" sz="4400" i="1" dirty="0"/>
-              <a:t>(), </a:t>
+              <a:rPr lang="es-CO" sz="4400" i="1" dirty="0" smtClean="0"/>
+              <a:t>(), la cual hace uso de modelos VAR que permiten mantener la correlación temporal y espacial entre las variables</a:t>
+            </a:r>
+            <a:r>
+              <a:rPr lang="es-CO" sz="4400" dirty="0" smtClean="0"/>
+              <a:t> (TMAX</a:t>
             </a:r>
             <a:r>
               <a:rPr lang="es-CO" sz="4400" dirty="0"/>
-              <a:t>se lleva a cabo el proceso de llenado de faltantes para TMAX, TMIN y RAIN</a:t>
+              <a:t>, TMIN y </a:t>
             </a:r>
             <a:r>
               <a:rPr lang="es-CO" sz="4400" dirty="0" smtClean="0"/>
-              <a:t>.</a:t>
+              <a:t>RAIN).</a:t>
             </a:r>
             <a:endParaRPr lang="es-CO" sz="4400" dirty="0"/>
           </a:p>
@@ -3494,7 +4086,7 @@
 </p:sld>
 </file>
 
-<file path=ppt/slides/slide13.xml><?xml version="1.0" encoding="utf-8"?>
+<file path=ppt/slides/slide14.xml><?xml version="1.0" encoding="utf-8"?>
 <p:sld xmlns:a="http://schemas.openxmlformats.org/drawingml/2006/main" xmlns:r="http://schemas.openxmlformats.org/officeDocument/2006/relationships" xmlns:p="http://schemas.openxmlformats.org/presentationml/2006/main">
   <p:cSld>
     <p:spTree>
@@ -3583,7 +4175,7 @@
 </p:sld>
 </file>
 
-<file path=ppt/slides/slide14.xml><?xml version="1.0" encoding="utf-8"?>
+<file path=ppt/slides/slide15.xml><?xml version="1.0" encoding="utf-8"?>
 <p:sld xmlns:a="http://schemas.openxmlformats.org/drawingml/2006/main" xmlns:r="http://schemas.openxmlformats.org/officeDocument/2006/relationships" xmlns:p="http://schemas.openxmlformats.org/presentationml/2006/main">
   <p:cSld>
     <p:spTree>
@@ -3648,7 +4240,11 @@
             </a:pPr>
             <a:r>
               <a:rPr lang="es-CO" sz="5400" dirty="0" smtClean="0"/>
-              <a:t>En el caso de RHUM y ESOL, se utilizan un modelo de machine </a:t>
+              <a:t>Para RHUM </a:t>
+            </a:r>
+            <a:r>
+              <a:rPr lang="es-CO" sz="5400" dirty="0" smtClean="0"/>
+              <a:t>y ESOL, se utilizan un modelo de machine </a:t>
             </a:r>
             <a:r>
               <a:rPr lang="es-CO" sz="5400" dirty="0" err="1" smtClean="0"/>
@@ -3723,7 +4319,7 @@
 </p:sld>
 </file>
 
-<file path=ppt/slides/slide15.xml><?xml version="1.0" encoding="utf-8"?>
+<file path=ppt/slides/slide16.xml><?xml version="1.0" encoding="utf-8"?>
 <p:sld xmlns:a="http://schemas.openxmlformats.org/drawingml/2006/main" xmlns:r="http://schemas.openxmlformats.org/officeDocument/2006/relationships" xmlns:p="http://schemas.openxmlformats.org/presentationml/2006/main">
   <p:cSld>
     <p:spTree>
@@ -3787,31 +4383,7 @@
                 </a:pPr>
                 <a:r>
                   <a:rPr lang="es-CO" sz="3600" dirty="0" smtClean="0"/>
-                  <a:t>Pueden resultar varias estaciones asignadas a un mismo punto de interés. </a:t>
-                </a:r>
-                <a:r>
-                  <a:rPr lang="es-CO" sz="3600" dirty="0" smtClean="0"/>
-                  <a:t>Definir cuál es la </a:t>
-                </a:r>
-                <a:r>
-                  <a:rPr lang="es-CO" sz="3600" dirty="0" smtClean="0"/>
-                  <a:t>más adecuada </a:t>
-                </a:r>
-                <a:r>
-                  <a:rPr lang="es-CO" sz="3600" dirty="0" smtClean="0"/>
-                  <a:t>en </a:t>
-                </a:r>
-                <a:r>
-                  <a:rPr lang="es-CO" sz="3600" dirty="0" smtClean="0"/>
-                  <a:t>un punto dado </a:t>
-                </a:r>
-                <a:r>
-                  <a:rPr lang="es-CO" sz="3600" dirty="0" smtClean="0"/>
-                  <a:t>se determina por </a:t>
-                </a:r>
-                <a:r>
-                  <a:rPr lang="es-CO" sz="3600" dirty="0" smtClean="0"/>
-                  <a:t>un indicador por variable que ha sido construido, teniendo en cuenta la distancia, la altura y la información faltante.</a:t>
+                  <a:t>Pueden resultar varias estaciones asignadas a un mismo punto de interés. Definir cuál es la más adecuada en un punto dado se determina por un indicador por variable que ha sido construido, teniendo en cuenta la distancia, la altura y la información faltante.</a:t>
                 </a:r>
               </a:p>
               <a:p>
@@ -3861,31 +4433,12 @@
                         </a:rPr>
                         <m:t>=</m:t>
                       </m:r>
-                      <m:sSub>
-                        <m:sSubPr>
-                          <m:ctrlPr>
-                            <a:rPr lang="en-US" sz="3600" b="0" i="1" smtClean="0">
-                              <a:latin typeface="Cambria Math" panose="02040503050406030204" pitchFamily="18" charset="0"/>
-                            </a:rPr>
-                          </m:ctrlPr>
-                        </m:sSubPr>
-                        <m:e>
-                          <m:r>
-                            <a:rPr lang="en-US" sz="3600" i="1">
-                              <a:latin typeface="Cambria Math" panose="02040503050406030204" pitchFamily="18" charset="0"/>
-                            </a:rPr>
-                            <m:t>𝑊</m:t>
-                          </m:r>
-                        </m:e>
-                        <m:sub>
-                          <m:r>
-                            <a:rPr lang="en-US" sz="3600" b="0" i="1" smtClean="0">
-                              <a:latin typeface="Cambria Math" panose="02040503050406030204" pitchFamily="18" charset="0"/>
-                            </a:rPr>
-                            <m:t>1</m:t>
-                          </m:r>
-                        </m:sub>
-                      </m:sSub>
+                      <m:r>
+                        <a:rPr lang="en-US" sz="3600" b="0" i="1" smtClean="0">
+                          <a:latin typeface="Cambria Math" panose="02040503050406030204" pitchFamily="18" charset="0"/>
+                        </a:rPr>
+                        <m:t>       </m:t>
+                      </m:r>
                       <m:r>
                         <a:rPr lang="en-US" sz="3600" b="0" i="1" smtClean="0">
                           <a:latin typeface="Cambria Math" panose="02040503050406030204" pitchFamily="18" charset="0"/>
@@ -3902,38 +4455,7 @@
                         <a:rPr lang="en-US" sz="3600" b="0" i="1" smtClean="0">
                           <a:latin typeface="Cambria Math" panose="02040503050406030204" pitchFamily="18" charset="0"/>
                         </a:rPr>
-                        <m:t>+</m:t>
-                      </m:r>
-                      <m:sSub>
-                        <m:sSubPr>
-                          <m:ctrlPr>
-                            <a:rPr lang="en-US" sz="3600" i="1">
-                              <a:latin typeface="Cambria Math" panose="02040503050406030204" pitchFamily="18" charset="0"/>
-                            </a:rPr>
-                          </m:ctrlPr>
-                        </m:sSubPr>
-                        <m:e>
-                          <m:r>
-                            <a:rPr lang="en-US" sz="3600" i="1">
-                              <a:latin typeface="Cambria Math" panose="02040503050406030204" pitchFamily="18" charset="0"/>
-                            </a:rPr>
-                            <m:t>𝑊</m:t>
-                          </m:r>
-                        </m:e>
-                        <m:sub>
-                          <m:r>
-                            <a:rPr lang="en-US" sz="3600" i="1" smtClean="0">
-                              <a:latin typeface="Cambria Math" panose="02040503050406030204" pitchFamily="18" charset="0"/>
-                            </a:rPr>
-                            <m:t>2</m:t>
-                          </m:r>
-                        </m:sub>
-                      </m:sSub>
-                      <m:r>
-                        <a:rPr lang="en-US" sz="3600" b="0" i="1" smtClean="0">
-                          <a:latin typeface="Cambria Math" panose="02040503050406030204" pitchFamily="18" charset="0"/>
-                        </a:rPr>
-                        <m:t>∗</m:t>
+                        <m:t>+       ∗</m:t>
                       </m:r>
                       <m:r>
                         <a:rPr lang="en-US" sz="3600" b="0" i="1" smtClean="0">
@@ -3945,38 +4467,7 @@
                         <a:rPr lang="en-US" sz="3600" b="0" i="1" smtClean="0">
                           <a:latin typeface="Cambria Math" panose="02040503050406030204" pitchFamily="18" charset="0"/>
                         </a:rPr>
-                        <m:t>+</m:t>
-                      </m:r>
-                      <m:sSub>
-                        <m:sSubPr>
-                          <m:ctrlPr>
-                            <a:rPr lang="en-US" sz="3600" i="1">
-                              <a:latin typeface="Cambria Math" panose="02040503050406030204" pitchFamily="18" charset="0"/>
-                            </a:rPr>
-                          </m:ctrlPr>
-                        </m:sSubPr>
-                        <m:e>
-                          <m:r>
-                            <a:rPr lang="en-US" sz="3600" i="1">
-                              <a:latin typeface="Cambria Math" panose="02040503050406030204" pitchFamily="18" charset="0"/>
-                            </a:rPr>
-                            <m:t>𝑊</m:t>
-                          </m:r>
-                        </m:e>
-                        <m:sub>
-                          <m:r>
-                            <a:rPr lang="en-US" sz="3600" b="0" i="1" smtClean="0">
-                              <a:latin typeface="Cambria Math" panose="02040503050406030204" pitchFamily="18" charset="0"/>
-                            </a:rPr>
-                            <m:t>3</m:t>
-                          </m:r>
-                        </m:sub>
-                      </m:sSub>
-                      <m:r>
-                        <a:rPr lang="en-US" sz="3600" b="0" i="1" smtClean="0">
-                          <a:latin typeface="Cambria Math" panose="02040503050406030204" pitchFamily="18" charset="0"/>
-                        </a:rPr>
-                        <m:t>∗</m:t>
+                        <m:t>+        ∗</m:t>
                       </m:r>
                       <m:r>
                         <a:rPr lang="en-US" sz="3600" b="0" i="1" smtClean="0">
@@ -4026,6 +4517,414 @@
           </p:sp>
         </mc:Fallback>
       </mc:AlternateContent>
+      <mc:AlternateContent xmlns:mc="http://schemas.openxmlformats.org/markup-compatibility/2006">
+        <mc:Choice xmlns:a14="http://schemas.microsoft.com/office/drawing/2010/main" Requires="a14">
+          <p:sp>
+            <p:nvSpPr>
+              <p:cNvPr id="4" name="Rectangle 3"/>
+              <p:cNvSpPr/>
+              <p:nvPr/>
+            </p:nvSpPr>
+            <p:spPr>
+              <a:xfrm>
+                <a:off x="3820885" y="5404757"/>
+                <a:ext cx="669473" cy="620486"/>
+              </a:xfrm>
+              <a:prstGeom prst="rect">
+                <a:avLst/>
+              </a:prstGeom>
+              <a:noFill/>
+              <a:ln>
+                <a:noFill/>
+              </a:ln>
+            </p:spPr>
+            <p:style>
+              <a:lnRef idx="2">
+                <a:schemeClr val="accent1">
+                  <a:shade val="50000"/>
+                </a:schemeClr>
+              </a:lnRef>
+              <a:fillRef idx="1">
+                <a:schemeClr val="accent1"/>
+              </a:fillRef>
+              <a:effectRef idx="0">
+                <a:schemeClr val="accent1"/>
+              </a:effectRef>
+              <a:fontRef idx="minor">
+                <a:schemeClr val="lt1"/>
+              </a:fontRef>
+            </p:style>
+            <p:txBody>
+              <a:bodyPr rtlCol="0" anchor="ctr"/>
+              <a:lstStyle/>
+              <a:p>
+                <a:pPr algn="just"/>
+                <a14:m>
+                  <m:oMathPara xmlns:m="http://schemas.openxmlformats.org/officeDocument/2006/math">
+                    <m:oMathParaPr>
+                      <m:jc m:val="centerGroup"/>
+                    </m:oMathParaPr>
+                    <m:oMath xmlns:m="http://schemas.openxmlformats.org/officeDocument/2006/math">
+                      <m:sSub>
+                        <m:sSubPr>
+                          <m:ctrlPr>
+                            <a:rPr lang="en-US" sz="3600" i="1" smtClean="0">
+                              <a:solidFill>
+                                <a:schemeClr val="tx1"/>
+                              </a:solidFill>
+                              <a:latin typeface="Cambria Math" panose="02040503050406030204" pitchFamily="18" charset="0"/>
+                            </a:rPr>
+                          </m:ctrlPr>
+                        </m:sSubPr>
+                        <m:e>
+                          <m:r>
+                            <a:rPr lang="en-US" sz="3600" i="1">
+                              <a:solidFill>
+                                <a:schemeClr val="tx1"/>
+                              </a:solidFill>
+                              <a:latin typeface="Cambria Math" panose="02040503050406030204" pitchFamily="18" charset="0"/>
+                            </a:rPr>
+                            <m:t>𝑊</m:t>
+                          </m:r>
+                        </m:e>
+                        <m:sub>
+                          <m:r>
+                            <a:rPr lang="en-US" sz="3600" i="1">
+                              <a:solidFill>
+                                <a:schemeClr val="tx1"/>
+                              </a:solidFill>
+                              <a:latin typeface="Cambria Math" panose="02040503050406030204" pitchFamily="18" charset="0"/>
+                            </a:rPr>
+                            <m:t>1</m:t>
+                          </m:r>
+                        </m:sub>
+                      </m:sSub>
+                    </m:oMath>
+                  </m:oMathPara>
+                </a14:m>
+                <a:endParaRPr lang="es-CO" sz="3600" dirty="0">
+                  <a:solidFill>
+                    <a:schemeClr val="tx1"/>
+                  </a:solidFill>
+                </a:endParaRPr>
+              </a:p>
+            </p:txBody>
+          </p:sp>
+        </mc:Choice>
+        <mc:Fallback>
+          <p:sp>
+            <p:nvSpPr>
+              <p:cNvPr id="4" name="Rectangle 3"/>
+              <p:cNvSpPr>
+                <a:spLocks noRot="1" noChangeAspect="1" noMove="1" noResize="1" noEditPoints="1" noAdjustHandles="1" noChangeArrowheads="1" noChangeShapeType="1" noTextEdit="1"/>
+              </p:cNvSpPr>
+              <p:nvPr/>
+            </p:nvSpPr>
+            <p:spPr>
+              <a:xfrm>
+                <a:off x="3820885" y="5404757"/>
+                <a:ext cx="669473" cy="620486"/>
+              </a:xfrm>
+              <a:prstGeom prst="rect">
+                <a:avLst/>
+              </a:prstGeom>
+              <a:blipFill rotWithShape="0">
+                <a:blip r:embed="rId3"/>
+                <a:stretch>
+                  <a:fillRect/>
+                </a:stretch>
+              </a:blipFill>
+              <a:ln>
+                <a:noFill/>
+              </a:ln>
+            </p:spPr>
+            <p:txBody>
+              <a:bodyPr/>
+              <a:lstStyle/>
+              <a:p>
+                <a:r>
+                  <a:rPr lang="es-CO">
+                    <a:noFill/>
+                  </a:rPr>
+                  <a:t> </a:t>
+                </a:r>
+              </a:p>
+            </p:txBody>
+          </p:sp>
+        </mc:Fallback>
+      </mc:AlternateContent>
+      <mc:AlternateContent xmlns:mc="http://schemas.openxmlformats.org/markup-compatibility/2006">
+        <mc:Choice xmlns:a14="http://schemas.microsoft.com/office/drawing/2010/main" Requires="a14">
+          <p:sp>
+            <p:nvSpPr>
+              <p:cNvPr id="6" name="Rectangle 5"/>
+              <p:cNvSpPr/>
+              <p:nvPr/>
+            </p:nvSpPr>
+            <p:spPr>
+              <a:xfrm>
+                <a:off x="6096000" y="5404757"/>
+                <a:ext cx="669473" cy="620486"/>
+              </a:xfrm>
+              <a:prstGeom prst="rect">
+                <a:avLst/>
+              </a:prstGeom>
+              <a:noFill/>
+              <a:ln>
+                <a:noFill/>
+              </a:ln>
+            </p:spPr>
+            <p:style>
+              <a:lnRef idx="2">
+                <a:schemeClr val="accent1">
+                  <a:shade val="50000"/>
+                </a:schemeClr>
+              </a:lnRef>
+              <a:fillRef idx="1">
+                <a:schemeClr val="accent1"/>
+              </a:fillRef>
+              <a:effectRef idx="0">
+                <a:schemeClr val="accent1"/>
+              </a:effectRef>
+              <a:fontRef idx="minor">
+                <a:schemeClr val="lt1"/>
+              </a:fontRef>
+            </p:style>
+            <p:txBody>
+              <a:bodyPr rtlCol="0" anchor="ctr"/>
+              <a:lstStyle/>
+              <a:p>
+                <a:pPr algn="just"/>
+                <a14:m>
+                  <m:oMathPara xmlns:m="http://schemas.openxmlformats.org/officeDocument/2006/math">
+                    <m:oMathParaPr>
+                      <m:jc m:val="centerGroup"/>
+                    </m:oMathParaPr>
+                    <m:oMath xmlns:m="http://schemas.openxmlformats.org/officeDocument/2006/math">
+                      <m:sSub>
+                        <m:sSubPr>
+                          <m:ctrlPr>
+                            <a:rPr lang="en-US" sz="3600" i="1" smtClean="0">
+                              <a:solidFill>
+                                <a:schemeClr val="tx1"/>
+                              </a:solidFill>
+                              <a:latin typeface="Cambria Math" panose="02040503050406030204" pitchFamily="18" charset="0"/>
+                            </a:rPr>
+                          </m:ctrlPr>
+                        </m:sSubPr>
+                        <m:e>
+                          <m:r>
+                            <a:rPr lang="en-US" sz="3600" i="1">
+                              <a:solidFill>
+                                <a:schemeClr val="tx1"/>
+                              </a:solidFill>
+                              <a:latin typeface="Cambria Math" panose="02040503050406030204" pitchFamily="18" charset="0"/>
+                            </a:rPr>
+                            <m:t>𝑊</m:t>
+                          </m:r>
+                        </m:e>
+                        <m:sub>
+                          <m:r>
+                            <a:rPr lang="en-US" sz="3600" b="0" i="1" smtClean="0">
+                              <a:solidFill>
+                                <a:schemeClr val="tx1"/>
+                              </a:solidFill>
+                              <a:latin typeface="Cambria Math" panose="02040503050406030204" pitchFamily="18" charset="0"/>
+                            </a:rPr>
+                            <m:t>2</m:t>
+                          </m:r>
+                        </m:sub>
+                      </m:sSub>
+                    </m:oMath>
+                  </m:oMathPara>
+                </a14:m>
+                <a:endParaRPr lang="es-CO" sz="3600" dirty="0">
+                  <a:solidFill>
+                    <a:schemeClr val="tx1"/>
+                  </a:solidFill>
+                </a:endParaRPr>
+              </a:p>
+            </p:txBody>
+          </p:sp>
+        </mc:Choice>
+        <mc:Fallback>
+          <p:sp>
+            <p:nvSpPr>
+              <p:cNvPr id="6" name="Rectangle 5"/>
+              <p:cNvSpPr>
+                <a:spLocks noRot="1" noChangeAspect="1" noMove="1" noResize="1" noEditPoints="1" noAdjustHandles="1" noChangeArrowheads="1" noChangeShapeType="1" noTextEdit="1"/>
+              </p:cNvSpPr>
+              <p:nvPr/>
+            </p:nvSpPr>
+            <p:spPr>
+              <a:xfrm>
+                <a:off x="6096000" y="5404757"/>
+                <a:ext cx="669473" cy="620486"/>
+              </a:xfrm>
+              <a:prstGeom prst="rect">
+                <a:avLst/>
+              </a:prstGeom>
+              <a:blipFill rotWithShape="0">
+                <a:blip r:embed="rId4"/>
+                <a:stretch>
+                  <a:fillRect/>
+                </a:stretch>
+              </a:blipFill>
+              <a:ln>
+                <a:noFill/>
+              </a:ln>
+            </p:spPr>
+            <p:txBody>
+              <a:bodyPr/>
+              <a:lstStyle/>
+              <a:p>
+                <a:r>
+                  <a:rPr lang="es-CO">
+                    <a:noFill/>
+                  </a:rPr>
+                  <a:t> </a:t>
+                </a:r>
+              </a:p>
+            </p:txBody>
+          </p:sp>
+        </mc:Fallback>
+      </mc:AlternateContent>
+      <mc:AlternateContent xmlns:mc="http://schemas.openxmlformats.org/markup-compatibility/2006">
+        <mc:Choice xmlns:a14="http://schemas.microsoft.com/office/drawing/2010/main" Requires="a14">
+          <p:sp>
+            <p:nvSpPr>
+              <p:cNvPr id="8" name="Rectangle 7"/>
+              <p:cNvSpPr/>
+              <p:nvPr/>
+            </p:nvSpPr>
+            <p:spPr>
+              <a:xfrm>
+                <a:off x="8240486" y="5404757"/>
+                <a:ext cx="669473" cy="620486"/>
+              </a:xfrm>
+              <a:prstGeom prst="rect">
+                <a:avLst/>
+              </a:prstGeom>
+              <a:noFill/>
+              <a:ln>
+                <a:noFill/>
+              </a:ln>
+            </p:spPr>
+            <p:style>
+              <a:lnRef idx="2">
+                <a:schemeClr val="accent1">
+                  <a:shade val="50000"/>
+                </a:schemeClr>
+              </a:lnRef>
+              <a:fillRef idx="1">
+                <a:schemeClr val="accent1"/>
+              </a:fillRef>
+              <a:effectRef idx="0">
+                <a:schemeClr val="accent1"/>
+              </a:effectRef>
+              <a:fontRef idx="minor">
+                <a:schemeClr val="lt1"/>
+              </a:fontRef>
+            </p:style>
+            <p:txBody>
+              <a:bodyPr rtlCol="0" anchor="ctr"/>
+              <a:lstStyle/>
+              <a:p>
+                <a:pPr algn="just"/>
+                <a14:m>
+                  <m:oMathPara xmlns:m="http://schemas.openxmlformats.org/officeDocument/2006/math">
+                    <m:oMathParaPr>
+                      <m:jc m:val="centerGroup"/>
+                    </m:oMathParaPr>
+                    <m:oMath xmlns:m="http://schemas.openxmlformats.org/officeDocument/2006/math">
+                      <m:sSub>
+                        <m:sSubPr>
+                          <m:ctrlPr>
+                            <a:rPr lang="en-US" sz="3600" i="1" smtClean="0">
+                              <a:solidFill>
+                                <a:schemeClr val="tx1"/>
+                              </a:solidFill>
+                              <a:latin typeface="Cambria Math" panose="02040503050406030204" pitchFamily="18" charset="0"/>
+                            </a:rPr>
+                          </m:ctrlPr>
+                        </m:sSubPr>
+                        <m:e>
+                          <m:r>
+                            <a:rPr lang="en-US" sz="3600" i="1">
+                              <a:solidFill>
+                                <a:schemeClr val="tx1"/>
+                              </a:solidFill>
+                              <a:latin typeface="Cambria Math" panose="02040503050406030204" pitchFamily="18" charset="0"/>
+                            </a:rPr>
+                            <m:t>𝑊</m:t>
+                          </m:r>
+                        </m:e>
+                        <m:sub>
+                          <m:r>
+                            <a:rPr lang="en-US" sz="3600" b="0" i="1" smtClean="0">
+                              <a:solidFill>
+                                <a:schemeClr val="tx1"/>
+                              </a:solidFill>
+                              <a:latin typeface="Cambria Math" panose="02040503050406030204" pitchFamily="18" charset="0"/>
+                            </a:rPr>
+                            <m:t>3</m:t>
+                          </m:r>
+                        </m:sub>
+                      </m:sSub>
+                    </m:oMath>
+                  </m:oMathPara>
+                </a14:m>
+                <a:endParaRPr lang="es-CO" sz="3600" dirty="0">
+                  <a:solidFill>
+                    <a:schemeClr val="tx1"/>
+                  </a:solidFill>
+                </a:endParaRPr>
+              </a:p>
+            </p:txBody>
+          </p:sp>
+        </mc:Choice>
+        <mc:Fallback>
+          <p:sp>
+            <p:nvSpPr>
+              <p:cNvPr id="8" name="Rectangle 7"/>
+              <p:cNvSpPr>
+                <a:spLocks noRot="1" noChangeAspect="1" noMove="1" noResize="1" noEditPoints="1" noAdjustHandles="1" noChangeArrowheads="1" noChangeShapeType="1" noTextEdit="1"/>
+              </p:cNvSpPr>
+              <p:nvPr/>
+            </p:nvSpPr>
+            <p:spPr>
+              <a:xfrm>
+                <a:off x="8240486" y="5404757"/>
+                <a:ext cx="669473" cy="620486"/>
+              </a:xfrm>
+              <a:prstGeom prst="rect">
+                <a:avLst/>
+              </a:prstGeom>
+              <a:blipFill rotWithShape="0">
+                <a:blip r:embed="rId5"/>
+                <a:stretch>
+                  <a:fillRect/>
+                </a:stretch>
+              </a:blipFill>
+              <a:ln>
+                <a:noFill/>
+              </a:ln>
+            </p:spPr>
+            <p:txBody>
+              <a:bodyPr/>
+              <a:lstStyle/>
+              <a:p>
+                <a:r>
+                  <a:rPr lang="es-CO">
+                    <a:noFill/>
+                  </a:rPr>
+                  <a:t> </a:t>
+                </a:r>
+              </a:p>
+            </p:txBody>
+          </p:sp>
+        </mc:Fallback>
+      </mc:AlternateContent>
     </p:spTree>
     <p:extLst>
       <p:ext uri="{BB962C8B-B14F-4D97-AF65-F5344CB8AC3E}">
@@ -4036,10 +4935,347 @@
   <p:clrMapOvr>
     <a:masterClrMapping/>
   </p:clrMapOvr>
+  <p:timing>
+    <p:tnLst>
+      <p:par>
+        <p:cTn id="1" dur="indefinite" restart="never" nodeType="tmRoot">
+          <p:childTnLst>
+            <p:seq concurrent="1" nextAc="seek">
+              <p:cTn id="2" dur="indefinite" nodeType="mainSeq">
+                <p:childTnLst>
+                  <p:par>
+                    <p:cTn id="3" fill="hold">
+                      <p:stCondLst>
+                        <p:cond delay="indefinite"/>
+                      </p:stCondLst>
+                      <p:childTnLst>
+                        <p:par>
+                          <p:cTn id="4" fill="hold">
+                            <p:stCondLst>
+                              <p:cond delay="0"/>
+                            </p:stCondLst>
+                            <p:childTnLst>
+                              <p:par>
+                                <p:cTn id="5" presetID="34" presetClass="emph" presetSubtype="0" fill="hold" grpId="0" nodeType="clickEffect">
+                                  <p:stCondLst>
+                                    <p:cond delay="0"/>
+                                  </p:stCondLst>
+                                  <p:iterate type="lt">
+                                    <p:tmPct val="10000"/>
+                                  </p:iterate>
+                                  <p:childTnLst>
+                                    <p:animMotion origin="layout" path="M 0.0 0.0 L 0.0 -0.07213" pathEditMode="relative" ptsTypes="">
+                                      <p:cBhvr>
+                                        <p:cTn id="6" dur="250" accel="50000" decel="50000" autoRev="1" fill="hold">
+                                          <p:stCondLst>
+                                            <p:cond delay="0"/>
+                                          </p:stCondLst>
+                                        </p:cTn>
+                                        <p:tgtEl>
+                                          <p:spTgt spid="4"/>
+                                        </p:tgtEl>
+                                        <p:attrNameLst>
+                                          <p:attrName>ppt_x</p:attrName>
+                                          <p:attrName>ppt_y</p:attrName>
+                                        </p:attrNameLst>
+                                      </p:cBhvr>
+                                    </p:animMotion>
+                                    <p:animRot by="1500000">
+                                      <p:cBhvr>
+                                        <p:cTn id="7" dur="125" fill="hold">
+                                          <p:stCondLst>
+                                            <p:cond delay="0"/>
+                                          </p:stCondLst>
+                                        </p:cTn>
+                                        <p:tgtEl>
+                                          <p:spTgt spid="4"/>
+                                        </p:tgtEl>
+                                        <p:attrNameLst>
+                                          <p:attrName>r</p:attrName>
+                                        </p:attrNameLst>
+                                      </p:cBhvr>
+                                    </p:animRot>
+                                    <p:animRot by="-1500000">
+                                      <p:cBhvr>
+                                        <p:cTn id="8" dur="125" fill="hold">
+                                          <p:stCondLst>
+                                            <p:cond delay="125"/>
+                                          </p:stCondLst>
+                                        </p:cTn>
+                                        <p:tgtEl>
+                                          <p:spTgt spid="4"/>
+                                        </p:tgtEl>
+                                        <p:attrNameLst>
+                                          <p:attrName>r</p:attrName>
+                                        </p:attrNameLst>
+                                      </p:cBhvr>
+                                    </p:animRot>
+                                    <p:animRot by="-1500000">
+                                      <p:cBhvr>
+                                        <p:cTn id="9" dur="125" fill="hold">
+                                          <p:stCondLst>
+                                            <p:cond delay="250"/>
+                                          </p:stCondLst>
+                                        </p:cTn>
+                                        <p:tgtEl>
+                                          <p:spTgt spid="4"/>
+                                        </p:tgtEl>
+                                        <p:attrNameLst>
+                                          <p:attrName>r</p:attrName>
+                                        </p:attrNameLst>
+                                      </p:cBhvr>
+                                    </p:animRot>
+                                    <p:animRot by="1500000">
+                                      <p:cBhvr>
+                                        <p:cTn id="10" dur="125" fill="hold">
+                                          <p:stCondLst>
+                                            <p:cond delay="375"/>
+                                          </p:stCondLst>
+                                        </p:cTn>
+                                        <p:tgtEl>
+                                          <p:spTgt spid="4"/>
+                                        </p:tgtEl>
+                                        <p:attrNameLst>
+                                          <p:attrName>r</p:attrName>
+                                        </p:attrNameLst>
+                                      </p:cBhvr>
+                                    </p:animRot>
+                                  </p:childTnLst>
+                                </p:cTn>
+                              </p:par>
+                            </p:childTnLst>
+                          </p:cTn>
+                        </p:par>
+                        <p:par>
+                          <p:cTn id="11" fill="hold">
+                            <p:stCondLst>
+                              <p:cond delay="700"/>
+                            </p:stCondLst>
+                            <p:childTnLst>
+                              <p:par>
+                                <p:cTn id="12" presetID="34" presetClass="emph" presetSubtype="0" fill="hold" grpId="0" nodeType="afterEffect">
+                                  <p:stCondLst>
+                                    <p:cond delay="0"/>
+                                  </p:stCondLst>
+                                  <p:iterate type="lt">
+                                    <p:tmPct val="10000"/>
+                                  </p:iterate>
+                                  <p:childTnLst>
+                                    <p:animMotion origin="layout" path="M -3.95833E-6 -3.33333E-6 L -3.95833E-6 -0.07222 " pathEditMode="relative" rAng="0" ptsTypes="AA">
+                                      <p:cBhvr>
+                                        <p:cTn id="13" dur="250" accel="50000" decel="50000" autoRev="1" fill="hold">
+                                          <p:stCondLst>
+                                            <p:cond delay="0"/>
+                                          </p:stCondLst>
+                                        </p:cTn>
+                                        <p:tgtEl>
+                                          <p:spTgt spid="6"/>
+                                        </p:tgtEl>
+                                        <p:attrNameLst>
+                                          <p:attrName>ppt_x</p:attrName>
+                                          <p:attrName>ppt_y</p:attrName>
+                                        </p:attrNameLst>
+                                      </p:cBhvr>
+                                      <p:rCtr x="0" y="-3611"/>
+                                    </p:animMotion>
+                                    <p:animRot by="1500000">
+                                      <p:cBhvr>
+                                        <p:cTn id="14" dur="125" fill="hold">
+                                          <p:stCondLst>
+                                            <p:cond delay="0"/>
+                                          </p:stCondLst>
+                                        </p:cTn>
+                                        <p:tgtEl>
+                                          <p:spTgt spid="6"/>
+                                        </p:tgtEl>
+                                        <p:attrNameLst>
+                                          <p:attrName>r</p:attrName>
+                                        </p:attrNameLst>
+                                      </p:cBhvr>
+                                    </p:animRot>
+                                    <p:animRot by="-1500000">
+                                      <p:cBhvr>
+                                        <p:cTn id="15" dur="125" fill="hold">
+                                          <p:stCondLst>
+                                            <p:cond delay="125"/>
+                                          </p:stCondLst>
+                                        </p:cTn>
+                                        <p:tgtEl>
+                                          <p:spTgt spid="6"/>
+                                        </p:tgtEl>
+                                        <p:attrNameLst>
+                                          <p:attrName>r</p:attrName>
+                                        </p:attrNameLst>
+                                      </p:cBhvr>
+                                    </p:animRot>
+                                    <p:animRot by="-1500000">
+                                      <p:cBhvr>
+                                        <p:cTn id="16" dur="125" fill="hold">
+                                          <p:stCondLst>
+                                            <p:cond delay="250"/>
+                                          </p:stCondLst>
+                                        </p:cTn>
+                                        <p:tgtEl>
+                                          <p:spTgt spid="6"/>
+                                        </p:tgtEl>
+                                        <p:attrNameLst>
+                                          <p:attrName>r</p:attrName>
+                                        </p:attrNameLst>
+                                      </p:cBhvr>
+                                    </p:animRot>
+                                    <p:animRot by="1500000">
+                                      <p:cBhvr>
+                                        <p:cTn id="17" dur="125" fill="hold">
+                                          <p:stCondLst>
+                                            <p:cond delay="375"/>
+                                          </p:stCondLst>
+                                        </p:cTn>
+                                        <p:tgtEl>
+                                          <p:spTgt spid="6"/>
+                                        </p:tgtEl>
+                                        <p:attrNameLst>
+                                          <p:attrName>r</p:attrName>
+                                        </p:attrNameLst>
+                                      </p:cBhvr>
+                                    </p:animRot>
+                                  </p:childTnLst>
+                                </p:cTn>
+                              </p:par>
+                            </p:childTnLst>
+                          </p:cTn>
+                        </p:par>
+                        <p:par>
+                          <p:cTn id="18" fill="hold">
+                            <p:stCondLst>
+                              <p:cond delay="1400"/>
+                            </p:stCondLst>
+                            <p:childTnLst>
+                              <p:par>
+                                <p:cTn id="19" presetID="34" presetClass="emph" presetSubtype="0" fill="hold" grpId="0" nodeType="afterEffect">
+                                  <p:stCondLst>
+                                    <p:cond delay="0"/>
+                                  </p:stCondLst>
+                                  <p:iterate type="lt">
+                                    <p:tmPct val="10000"/>
+                                  </p:iterate>
+                                  <p:childTnLst>
+                                    <p:animMotion origin="layout" path="M 4.58333E-6 -3.33333E-6 L 4.58333E-6 -0.07222 " pathEditMode="relative" rAng="0" ptsTypes="AA">
+                                      <p:cBhvr>
+                                        <p:cTn id="20" dur="250" accel="50000" decel="50000" autoRev="1" fill="hold">
+                                          <p:stCondLst>
+                                            <p:cond delay="0"/>
+                                          </p:stCondLst>
+                                        </p:cTn>
+                                        <p:tgtEl>
+                                          <p:spTgt spid="8"/>
+                                        </p:tgtEl>
+                                        <p:attrNameLst>
+                                          <p:attrName>ppt_x</p:attrName>
+                                          <p:attrName>ppt_y</p:attrName>
+                                        </p:attrNameLst>
+                                      </p:cBhvr>
+                                      <p:rCtr x="0" y="-3611"/>
+                                    </p:animMotion>
+                                    <p:animRot by="1500000">
+                                      <p:cBhvr>
+                                        <p:cTn id="21" dur="125" fill="hold">
+                                          <p:stCondLst>
+                                            <p:cond delay="0"/>
+                                          </p:stCondLst>
+                                        </p:cTn>
+                                        <p:tgtEl>
+                                          <p:spTgt spid="8"/>
+                                        </p:tgtEl>
+                                        <p:attrNameLst>
+                                          <p:attrName>r</p:attrName>
+                                        </p:attrNameLst>
+                                      </p:cBhvr>
+                                    </p:animRot>
+                                    <p:animRot by="-1500000">
+                                      <p:cBhvr>
+                                        <p:cTn id="22" dur="125" fill="hold">
+                                          <p:stCondLst>
+                                            <p:cond delay="125"/>
+                                          </p:stCondLst>
+                                        </p:cTn>
+                                        <p:tgtEl>
+                                          <p:spTgt spid="8"/>
+                                        </p:tgtEl>
+                                        <p:attrNameLst>
+                                          <p:attrName>r</p:attrName>
+                                        </p:attrNameLst>
+                                      </p:cBhvr>
+                                    </p:animRot>
+                                    <p:animRot by="-1500000">
+                                      <p:cBhvr>
+                                        <p:cTn id="23" dur="125" fill="hold">
+                                          <p:stCondLst>
+                                            <p:cond delay="250"/>
+                                          </p:stCondLst>
+                                        </p:cTn>
+                                        <p:tgtEl>
+                                          <p:spTgt spid="8"/>
+                                        </p:tgtEl>
+                                        <p:attrNameLst>
+                                          <p:attrName>r</p:attrName>
+                                        </p:attrNameLst>
+                                      </p:cBhvr>
+                                    </p:animRot>
+                                    <p:animRot by="1500000">
+                                      <p:cBhvr>
+                                        <p:cTn id="24" dur="125" fill="hold">
+                                          <p:stCondLst>
+                                            <p:cond delay="375"/>
+                                          </p:stCondLst>
+                                        </p:cTn>
+                                        <p:tgtEl>
+                                          <p:spTgt spid="8"/>
+                                        </p:tgtEl>
+                                        <p:attrNameLst>
+                                          <p:attrName>r</p:attrName>
+                                        </p:attrNameLst>
+                                      </p:cBhvr>
+                                    </p:animRot>
+                                  </p:childTnLst>
+                                </p:cTn>
+                              </p:par>
+                            </p:childTnLst>
+                          </p:cTn>
+                        </p:par>
+                      </p:childTnLst>
+                    </p:cTn>
+                  </p:par>
+                </p:childTnLst>
+              </p:cTn>
+              <p:prevCondLst>
+                <p:cond evt="onPrev" delay="0">
+                  <p:tgtEl>
+                    <p:sldTgt/>
+                  </p:tgtEl>
+                </p:cond>
+              </p:prevCondLst>
+              <p:nextCondLst>
+                <p:cond evt="onNext" delay="0">
+                  <p:tgtEl>
+                    <p:sldTgt/>
+                  </p:tgtEl>
+                </p:cond>
+              </p:nextCondLst>
+            </p:seq>
+          </p:childTnLst>
+        </p:cTn>
+      </p:par>
+    </p:tnLst>
+    <p:bldLst>
+      <p:bldP spid="4" grpId="0"/>
+      <p:bldP spid="6" grpId="0"/>
+      <p:bldP spid="8" grpId="0"/>
+    </p:bldLst>
+  </p:timing>
 </p:sld>
 </file>
 
-<file path=ppt/slides/slide16.xml><?xml version="1.0" encoding="utf-8"?>
+<file path=ppt/slides/slide17.xml><?xml version="1.0" encoding="utf-8"?>
 <p:sld xmlns:a="http://schemas.openxmlformats.org/drawingml/2006/main" xmlns:r="http://schemas.openxmlformats.org/officeDocument/2006/relationships" xmlns:p="http://schemas.openxmlformats.org/presentationml/2006/main">
   <p:cSld>
     <p:spTree>
@@ -4119,10 +5355,17 @@
   <p:clrMapOvr>
     <a:masterClrMapping/>
   </p:clrMapOvr>
+  <p:timing>
+    <p:tnLst>
+      <p:par>
+        <p:cTn id="1" dur="indefinite" restart="never" nodeType="tmRoot"/>
+      </p:par>
+    </p:tnLst>
+  </p:timing>
 </p:sld>
 </file>
 
-<file path=ppt/slides/slide17.xml><?xml version="1.0" encoding="utf-8"?>
+<file path=ppt/slides/slide18.xml><?xml version="1.0" encoding="utf-8"?>
 <p:sld xmlns:a="http://schemas.openxmlformats.org/drawingml/2006/main" xmlns:r="http://schemas.openxmlformats.org/officeDocument/2006/relationships" xmlns:p="http://schemas.openxmlformats.org/presentationml/2006/main">
   <p:cSld>
     <p:spTree>
@@ -4202,10 +5445,17 @@
   <p:clrMapOvr>
     <a:masterClrMapping/>
   </p:clrMapOvr>
+  <p:timing>
+    <p:tnLst>
+      <p:par>
+        <p:cTn id="1" dur="indefinite" restart="never" nodeType="tmRoot"/>
+      </p:par>
+    </p:tnLst>
+  </p:timing>
 </p:sld>
 </file>
 
-<file path=ppt/slides/slide18.xml><?xml version="1.0" encoding="utf-8"?>
+<file path=ppt/slides/slide19.xml><?xml version="1.0" encoding="utf-8"?>
 <p:sld xmlns:a="http://schemas.openxmlformats.org/drawingml/2006/main" xmlns:r="http://schemas.openxmlformats.org/officeDocument/2006/relationships" xmlns:p="http://schemas.openxmlformats.org/presentationml/2006/main">
   <p:cSld>
     <p:spTree>
@@ -4285,141 +5535,13 @@
   <p:clrMapOvr>
     <a:masterClrMapping/>
   </p:clrMapOvr>
-</p:sld>
-</file>
-
-<file path=ppt/slides/slide19.xml><?xml version="1.0" encoding="utf-8"?>
-<p:sld xmlns:a="http://schemas.openxmlformats.org/drawingml/2006/main" xmlns:r="http://schemas.openxmlformats.org/officeDocument/2006/relationships" xmlns:p="http://schemas.openxmlformats.org/presentationml/2006/main">
-  <p:cSld>
-    <p:spTree>
-      <p:nvGrpSpPr>
-        <p:cNvPr id="1" name=""/>
-        <p:cNvGrpSpPr/>
-        <p:nvPr/>
-      </p:nvGrpSpPr>
-      <p:grpSpPr>
-        <a:xfrm>
-          <a:off x="0" y="0"/>
-          <a:ext cx="0" cy="0"/>
-          <a:chOff x="0" y="0"/>
-          <a:chExt cx="0" cy="0"/>
-        </a:xfrm>
-      </p:grpSpPr>
-      <p:sp>
-        <p:nvSpPr>
-          <p:cNvPr id="2" name="Title 1"/>
-          <p:cNvSpPr>
-            <a:spLocks noGrp="1"/>
-          </p:cNvSpPr>
-          <p:nvPr>
-            <p:ph type="title"/>
-          </p:nvPr>
-        </p:nvSpPr>
-        <p:spPr/>
-        <p:txBody>
-          <a:bodyPr/>
-          <a:lstStyle/>
-          <a:p>
-            <a:r>
-              <a:rPr lang="es-CO" dirty="0" smtClean="0"/>
-              <a:t>Enlaces…</a:t>
-            </a:r>
-            <a:endParaRPr lang="es-CO" dirty="0"/>
-          </a:p>
-        </p:txBody>
-      </p:sp>
-      <p:sp>
-        <p:nvSpPr>
-          <p:cNvPr id="3" name="Content Placeholder 2"/>
-          <p:cNvSpPr>
-            <a:spLocks noGrp="1"/>
-          </p:cNvSpPr>
-          <p:nvPr>
-            <p:ph idx="1"/>
-          </p:nvPr>
-        </p:nvSpPr>
-        <p:spPr/>
-        <p:txBody>
-          <a:bodyPr/>
-          <a:lstStyle/>
-          <a:p>
-            <a:r>
-              <a:rPr lang="es-CO" dirty="0">
-                <a:hlinkClick r:id="rId2"/>
-              </a:rPr>
-              <a:t>https://</a:t>
-            </a:r>
-            <a:r>
-              <a:rPr lang="es-CO" dirty="0" smtClean="0">
-                <a:hlinkClick r:id="rId2"/>
-              </a:rPr>
-              <a:t>github.com/victor1130/Scripts_Clima</a:t>
-            </a:r>
-            <a:endParaRPr lang="es-CO" dirty="0" smtClean="0"/>
-          </a:p>
-          <a:p>
-            <a:r>
-              <a:rPr lang="es-CO" dirty="0">
-                <a:hlinkClick r:id="rId3"/>
-              </a:rPr>
-              <a:t>http://</a:t>
-            </a:r>
-            <a:r>
-              <a:rPr lang="es-CO" dirty="0" smtClean="0">
-                <a:hlinkClick r:id="rId3"/>
-              </a:rPr>
-              <a:t>www.ideam.gov.co/solicitud-de-informacion</a:t>
-            </a:r>
-            <a:endParaRPr lang="es-CO" dirty="0" smtClean="0"/>
-          </a:p>
-          <a:p>
-            <a:r>
-              <a:rPr lang="es-CO" dirty="0">
-                <a:hlinkClick r:id="rId4"/>
-              </a:rPr>
-              <a:t>https://cran.r-project.org</a:t>
-            </a:r>
-            <a:r>
-              <a:rPr lang="es-CO" dirty="0" smtClean="0">
-                <a:hlinkClick r:id="rId4"/>
-              </a:rPr>
-              <a:t>/</a:t>
-            </a:r>
-            <a:endParaRPr lang="es-CO" dirty="0" smtClean="0"/>
-          </a:p>
-          <a:p>
-            <a:r>
-              <a:rPr lang="es-CO" dirty="0">
-                <a:hlinkClick r:id="rId5"/>
-              </a:rPr>
-              <a:t>ftp://</a:t>
-            </a:r>
-            <a:r>
-              <a:rPr lang="es-CO" dirty="0" smtClean="0">
-                <a:hlinkClick r:id="rId5"/>
-              </a:rPr>
-              <a:t>ftp.fao.org/docrep/fao/009/x0490s/x0490s01.pdf</a:t>
-            </a:r>
-            <a:endParaRPr lang="es-CO" dirty="0" smtClean="0"/>
-          </a:p>
-          <a:p>
-            <a:endParaRPr lang="es-CO" dirty="0" smtClean="0"/>
-          </a:p>
-          <a:p>
-            <a:endParaRPr lang="es-CO" dirty="0"/>
-          </a:p>
-        </p:txBody>
-      </p:sp>
-    </p:spTree>
-    <p:extLst>
-      <p:ext uri="{BB962C8B-B14F-4D97-AF65-F5344CB8AC3E}">
-        <p14:creationId xmlns:p14="http://schemas.microsoft.com/office/powerpoint/2010/main" val="889554074"/>
-      </p:ext>
-    </p:extLst>
-  </p:cSld>
-  <p:clrMapOvr>
-    <a:masterClrMapping/>
-  </p:clrMapOvr>
+  <p:timing>
+    <p:tnLst>
+      <p:par>
+        <p:cTn id="1" dur="indefinite" restart="never" nodeType="tmRoot"/>
+      </p:par>
+    </p:tnLst>
+  </p:timing>
 </p:sld>
 </file>
 
@@ -4531,10 +5653,1101 @@
           </a:prstGeom>
         </p:spPr>
       </p:pic>
+      <p:pic>
+        <p:nvPicPr>
+          <p:cNvPr id="3" name="Picture 2"/>
+          <p:cNvPicPr>
+            <a:picLocks noChangeAspect="1"/>
+          </p:cNvPicPr>
+          <p:nvPr/>
+        </p:nvPicPr>
+        <p:blipFill>
+          <a:blip r:embed="rId4">
+            <a:extLst>
+              <a:ext uri="{28A0092B-C50C-407E-A947-70E740481C1C}">
+                <a14:useLocalDpi xmlns:a14="http://schemas.microsoft.com/office/drawing/2010/main" val="0"/>
+              </a:ext>
+            </a:extLst>
+          </a:blip>
+          <a:stretch>
+            <a:fillRect/>
+          </a:stretch>
+        </p:blipFill>
+        <p:spPr>
+          <a:xfrm>
+            <a:off x="0" y="5429250"/>
+            <a:ext cx="1857375" cy="1428750"/>
+          </a:xfrm>
+          <a:prstGeom prst="rect">
+            <a:avLst/>
+          </a:prstGeom>
+        </p:spPr>
+      </p:pic>
     </p:spTree>
     <p:extLst>
       <p:ext uri="{BB962C8B-B14F-4D97-AF65-F5344CB8AC3E}">
         <p14:creationId xmlns:p14="http://schemas.microsoft.com/office/powerpoint/2010/main" val="1433908717"/>
+      </p:ext>
+    </p:extLst>
+  </p:cSld>
+  <p:clrMapOvr>
+    <a:masterClrMapping/>
+  </p:clrMapOvr>
+  <p:timing>
+    <p:tnLst>
+      <p:par>
+        <p:cTn id="1" dur="indefinite" restart="never" nodeType="tmRoot"/>
+      </p:par>
+    </p:tnLst>
+  </p:timing>
+</p:sld>
+</file>
+
+<file path=ppt/slides/slide20.xml><?xml version="1.0" encoding="utf-8"?>
+<p:sld xmlns:a="http://schemas.openxmlformats.org/drawingml/2006/main" xmlns:r="http://schemas.openxmlformats.org/officeDocument/2006/relationships" xmlns:p="http://schemas.openxmlformats.org/presentationml/2006/main">
+  <p:cSld>
+    <p:spTree>
+      <p:nvGrpSpPr>
+        <p:cNvPr id="1" name=""/>
+        <p:cNvGrpSpPr/>
+        <p:nvPr/>
+      </p:nvGrpSpPr>
+      <p:grpSpPr>
+        <a:xfrm>
+          <a:off x="0" y="0"/>
+          <a:ext cx="0" cy="0"/>
+          <a:chOff x="0" y="0"/>
+          <a:chExt cx="0" cy="0"/>
+        </a:xfrm>
+      </p:grpSpPr>
+      <p:sp>
+        <p:nvSpPr>
+          <p:cNvPr id="2" name="Title 1"/>
+          <p:cNvSpPr>
+            <a:spLocks noGrp="1"/>
+          </p:cNvSpPr>
+          <p:nvPr>
+            <p:ph type="title"/>
+          </p:nvPr>
+        </p:nvSpPr>
+        <p:spPr/>
+        <p:txBody>
+          <a:bodyPr/>
+          <a:lstStyle/>
+          <a:p>
+            <a:r>
+              <a:rPr lang="es-CO" dirty="0" smtClean="0"/>
+              <a:t>Enlaces de interés…</a:t>
+            </a:r>
+            <a:endParaRPr lang="es-CO" dirty="0"/>
+          </a:p>
+        </p:txBody>
+      </p:sp>
+      <p:sp>
+        <p:nvSpPr>
+          <p:cNvPr id="3" name="Content Placeholder 2"/>
+          <p:cNvSpPr>
+            <a:spLocks noGrp="1"/>
+          </p:cNvSpPr>
+          <p:nvPr>
+            <p:ph idx="1"/>
+          </p:nvPr>
+        </p:nvSpPr>
+        <p:spPr>
+          <a:xfrm>
+            <a:off x="230659" y="1825625"/>
+            <a:ext cx="11689492" cy="5042919"/>
+          </a:xfrm>
+        </p:spPr>
+        <p:txBody>
+          <a:bodyPr>
+            <a:normAutofit/>
+          </a:bodyPr>
+          <a:lstStyle/>
+          <a:p>
+            <a:pPr marL="0" indent="0">
+              <a:buNone/>
+            </a:pPr>
+            <a:r>
+              <a:rPr lang="es-CO" dirty="0" smtClean="0"/>
+              <a:t>Software R y </a:t>
+            </a:r>
+            <a:r>
+              <a:rPr lang="es-CO" dirty="0" err="1" smtClean="0"/>
+              <a:t>Rstudio</a:t>
+            </a:r>
+            <a:endParaRPr lang="es-CO" dirty="0"/>
+          </a:p>
+          <a:p>
+            <a:pPr lvl="1">
+              <a:buFont typeface="Wingdings" panose="05000000000000000000" pitchFamily="2" charset="2"/>
+              <a:buChar char="ü"/>
+            </a:pPr>
+            <a:r>
+              <a:rPr lang="es-CO" dirty="0">
+                <a:solidFill>
+                  <a:schemeClr val="accent5">
+                    <a:lumMod val="75000"/>
+                  </a:schemeClr>
+                </a:solidFill>
+              </a:rPr>
+              <a:t>https://cran.r-project.org</a:t>
+            </a:r>
+            <a:r>
+              <a:rPr lang="es-CO" dirty="0" smtClean="0">
+                <a:solidFill>
+                  <a:schemeClr val="accent5">
+                    <a:lumMod val="75000"/>
+                  </a:schemeClr>
+                </a:solidFill>
+              </a:rPr>
+              <a:t>/</a:t>
+            </a:r>
+            <a:endParaRPr lang="es-CO" dirty="0">
+              <a:solidFill>
+                <a:schemeClr val="accent5">
+                  <a:lumMod val="75000"/>
+                </a:schemeClr>
+              </a:solidFill>
+            </a:endParaRPr>
+          </a:p>
+          <a:p>
+            <a:pPr lvl="1">
+              <a:buFont typeface="Wingdings" panose="05000000000000000000" pitchFamily="2" charset="2"/>
+              <a:buChar char="ü"/>
+            </a:pPr>
+            <a:r>
+              <a:rPr lang="es-CO" dirty="0">
+                <a:solidFill>
+                  <a:schemeClr val="accent5">
+                    <a:lumMod val="75000"/>
+                  </a:schemeClr>
+                </a:solidFill>
+              </a:rPr>
+              <a:t>https://www.rstudio.com</a:t>
+            </a:r>
+            <a:r>
+              <a:rPr lang="es-CO" dirty="0" smtClean="0">
+                <a:solidFill>
+                  <a:schemeClr val="accent5">
+                    <a:lumMod val="75000"/>
+                  </a:schemeClr>
+                </a:solidFill>
+              </a:rPr>
+              <a:t>/</a:t>
+            </a:r>
+            <a:endParaRPr lang="es-CO" dirty="0">
+              <a:solidFill>
+                <a:schemeClr val="accent5">
+                  <a:lumMod val="75000"/>
+                </a:schemeClr>
+              </a:solidFill>
+            </a:endParaRPr>
+          </a:p>
+          <a:p>
+            <a:pPr marL="0" indent="0">
+              <a:buNone/>
+            </a:pPr>
+            <a:r>
+              <a:rPr lang="es-CO" dirty="0" smtClean="0"/>
+              <a:t>Scripts y manuales de metodología.</a:t>
+            </a:r>
+          </a:p>
+          <a:p>
+            <a:pPr lvl="1">
+              <a:buFont typeface="Wingdings" panose="05000000000000000000" pitchFamily="2" charset="2"/>
+              <a:buChar char="ü"/>
+            </a:pPr>
+            <a:r>
+              <a:rPr lang="es-CO" dirty="0" smtClean="0">
+                <a:solidFill>
+                  <a:schemeClr val="accent5">
+                    <a:lumMod val="75000"/>
+                  </a:schemeClr>
+                </a:solidFill>
+              </a:rPr>
+              <a:t>https</a:t>
+            </a:r>
+            <a:r>
+              <a:rPr lang="es-CO" dirty="0">
+                <a:solidFill>
+                  <a:schemeClr val="accent5">
+                    <a:lumMod val="75000"/>
+                  </a:schemeClr>
+                </a:solidFill>
+              </a:rPr>
+              <a:t>://</a:t>
+            </a:r>
+            <a:r>
+              <a:rPr lang="es-CO" dirty="0" smtClean="0">
+                <a:solidFill>
+                  <a:schemeClr val="accent5">
+                    <a:lumMod val="75000"/>
+                  </a:schemeClr>
+                </a:solidFill>
+              </a:rPr>
+              <a:t>github.com/victor1130/Scripts_Clima</a:t>
+            </a:r>
+            <a:endParaRPr lang="es-CO" dirty="0" smtClean="0">
+              <a:solidFill>
+                <a:schemeClr val="accent5">
+                  <a:lumMod val="75000"/>
+                </a:schemeClr>
+              </a:solidFill>
+            </a:endParaRPr>
+          </a:p>
+          <a:p>
+            <a:pPr marL="0" indent="0">
+              <a:buNone/>
+            </a:pPr>
+            <a:r>
+              <a:rPr lang="es-CO" dirty="0" smtClean="0"/>
+              <a:t>Ecuación </a:t>
+            </a:r>
+            <a:r>
+              <a:rPr lang="es-CO" dirty="0" smtClean="0"/>
+              <a:t>para convertir brillo a energía solar.</a:t>
+            </a:r>
+          </a:p>
+          <a:p>
+            <a:pPr lvl="1">
+              <a:buFont typeface="Wingdings" panose="05000000000000000000" pitchFamily="2" charset="2"/>
+              <a:buChar char="ü"/>
+            </a:pPr>
+            <a:r>
+              <a:rPr lang="es-CO" dirty="0" smtClean="0">
+                <a:solidFill>
+                  <a:schemeClr val="accent5">
+                    <a:lumMod val="75000"/>
+                  </a:schemeClr>
+                </a:solidFill>
+              </a:rPr>
+              <a:t>ftp</a:t>
+            </a:r>
+            <a:r>
+              <a:rPr lang="es-CO" dirty="0">
+                <a:solidFill>
+                  <a:schemeClr val="accent5">
+                    <a:lumMod val="75000"/>
+                  </a:schemeClr>
+                </a:solidFill>
+              </a:rPr>
+              <a:t>://</a:t>
+            </a:r>
+            <a:r>
+              <a:rPr lang="es-CO" dirty="0" smtClean="0">
+                <a:solidFill>
+                  <a:schemeClr val="accent5">
+                    <a:lumMod val="75000"/>
+                  </a:schemeClr>
+                </a:solidFill>
+              </a:rPr>
+              <a:t>ftp.fao.org/docrep/fao/009/x0490s/x0490s01.pdf</a:t>
+            </a:r>
+            <a:endParaRPr lang="es-CO" dirty="0" smtClean="0">
+              <a:solidFill>
+                <a:schemeClr val="accent5">
+                  <a:lumMod val="75000"/>
+                </a:schemeClr>
+              </a:solidFill>
+            </a:endParaRPr>
+          </a:p>
+          <a:p>
+            <a:pPr marL="0" indent="0">
+              <a:buNone/>
+            </a:pPr>
+            <a:r>
+              <a:rPr lang="es-CO" dirty="0" smtClean="0"/>
+              <a:t>Metodología RMAWGEN</a:t>
+            </a:r>
+          </a:p>
+          <a:p>
+            <a:pPr lvl="1">
+              <a:buFont typeface="Wingdings" panose="05000000000000000000" pitchFamily="2" charset="2"/>
+              <a:buChar char="ü"/>
+            </a:pPr>
+            <a:r>
+              <a:rPr lang="es-CO" dirty="0" smtClean="0">
+                <a:solidFill>
+                  <a:schemeClr val="accent5">
+                    <a:lumMod val="75000"/>
+                  </a:schemeClr>
+                </a:solidFill>
+              </a:rPr>
+              <a:t>http</a:t>
+            </a:r>
+            <a:r>
+              <a:rPr lang="es-CO" dirty="0">
+                <a:solidFill>
+                  <a:schemeClr val="accent5">
+                    <a:lumMod val="75000"/>
+                  </a:schemeClr>
+                </a:solidFill>
+              </a:rPr>
+              <a:t>://</a:t>
+            </a:r>
+            <a:r>
+              <a:rPr lang="es-CO" dirty="0" smtClean="0">
+                <a:solidFill>
+                  <a:schemeClr val="accent5">
+                    <a:lumMod val="75000"/>
+                  </a:schemeClr>
+                </a:solidFill>
+              </a:rPr>
+              <a:t>presentations.copernicus.org/EGU2012-14026_presentation.pdf</a:t>
+            </a:r>
+            <a:endParaRPr lang="es-CO" dirty="0" smtClean="0">
+              <a:solidFill>
+                <a:schemeClr val="accent5">
+                  <a:lumMod val="75000"/>
+                </a:schemeClr>
+              </a:solidFill>
+            </a:endParaRPr>
+          </a:p>
+          <a:p>
+            <a:endParaRPr lang="es-CO" dirty="0" smtClean="0"/>
+          </a:p>
+          <a:p>
+            <a:endParaRPr lang="es-CO" dirty="0"/>
+          </a:p>
+        </p:txBody>
+      </p:sp>
+      <p:sp>
+        <p:nvSpPr>
+          <p:cNvPr id="4" name="Rectangle 3">
+            <a:hlinkClick r:id="rId2"/>
+          </p:cNvPr>
+          <p:cNvSpPr/>
+          <p:nvPr/>
+        </p:nvSpPr>
+        <p:spPr>
+          <a:xfrm>
+            <a:off x="996042" y="2269670"/>
+            <a:ext cx="3510643" cy="408215"/>
+          </a:xfrm>
+          <a:prstGeom prst="rect">
+            <a:avLst/>
+          </a:prstGeom>
+          <a:noFill/>
+          <a:ln>
+            <a:noFill/>
+          </a:ln>
+        </p:spPr>
+        <p:style>
+          <a:lnRef idx="2">
+            <a:schemeClr val="accent1">
+              <a:shade val="50000"/>
+            </a:schemeClr>
+          </a:lnRef>
+          <a:fillRef idx="1">
+            <a:schemeClr val="accent1"/>
+          </a:fillRef>
+          <a:effectRef idx="0">
+            <a:schemeClr val="accent1"/>
+          </a:effectRef>
+          <a:fontRef idx="minor">
+            <a:schemeClr val="lt1"/>
+          </a:fontRef>
+        </p:style>
+        <p:txBody>
+          <a:bodyPr rtlCol="0" anchor="ctr"/>
+          <a:lstStyle/>
+          <a:p>
+            <a:pPr algn="ctr"/>
+            <a:endParaRPr lang="es-CO"/>
+          </a:p>
+        </p:txBody>
+      </p:sp>
+      <p:sp>
+        <p:nvSpPr>
+          <p:cNvPr id="6" name="Rectangle 5">
+            <a:hlinkClick r:id="rId3"/>
+          </p:cNvPr>
+          <p:cNvSpPr/>
+          <p:nvPr/>
+        </p:nvSpPr>
+        <p:spPr>
+          <a:xfrm>
+            <a:off x="996042" y="2713715"/>
+            <a:ext cx="3510643" cy="408215"/>
+          </a:xfrm>
+          <a:prstGeom prst="rect">
+            <a:avLst/>
+          </a:prstGeom>
+          <a:noFill/>
+          <a:ln>
+            <a:noFill/>
+          </a:ln>
+        </p:spPr>
+        <p:style>
+          <a:lnRef idx="2">
+            <a:schemeClr val="accent1">
+              <a:shade val="50000"/>
+            </a:schemeClr>
+          </a:lnRef>
+          <a:fillRef idx="1">
+            <a:schemeClr val="accent1"/>
+          </a:fillRef>
+          <a:effectRef idx="0">
+            <a:schemeClr val="accent1"/>
+          </a:effectRef>
+          <a:fontRef idx="minor">
+            <a:schemeClr val="lt1"/>
+          </a:fontRef>
+        </p:style>
+        <p:txBody>
+          <a:bodyPr rtlCol="0" anchor="ctr"/>
+          <a:lstStyle/>
+          <a:p>
+            <a:pPr algn="ctr"/>
+            <a:endParaRPr lang="es-CO"/>
+          </a:p>
+        </p:txBody>
+      </p:sp>
+      <p:sp>
+        <p:nvSpPr>
+          <p:cNvPr id="7" name="Rectangle 6">
+            <a:hlinkClick r:id="rId4"/>
+          </p:cNvPr>
+          <p:cNvSpPr/>
+          <p:nvPr/>
+        </p:nvSpPr>
+        <p:spPr>
+          <a:xfrm>
+            <a:off x="996042" y="3624943"/>
+            <a:ext cx="5698672" cy="310243"/>
+          </a:xfrm>
+          <a:prstGeom prst="rect">
+            <a:avLst/>
+          </a:prstGeom>
+          <a:noFill/>
+          <a:ln>
+            <a:noFill/>
+          </a:ln>
+        </p:spPr>
+        <p:style>
+          <a:lnRef idx="2">
+            <a:schemeClr val="accent1">
+              <a:shade val="50000"/>
+            </a:schemeClr>
+          </a:lnRef>
+          <a:fillRef idx="1">
+            <a:schemeClr val="accent1"/>
+          </a:fillRef>
+          <a:effectRef idx="0">
+            <a:schemeClr val="accent1"/>
+          </a:effectRef>
+          <a:fontRef idx="minor">
+            <a:schemeClr val="lt1"/>
+          </a:fontRef>
+        </p:style>
+        <p:txBody>
+          <a:bodyPr rtlCol="0" anchor="ctr"/>
+          <a:lstStyle/>
+          <a:p>
+            <a:pPr algn="ctr"/>
+            <a:endParaRPr lang="es-CO"/>
+          </a:p>
+        </p:txBody>
+      </p:sp>
+      <p:sp>
+        <p:nvSpPr>
+          <p:cNvPr id="8" name="Rectangle 7">
+            <a:hlinkClick r:id="rId5"/>
+          </p:cNvPr>
+          <p:cNvSpPr/>
+          <p:nvPr/>
+        </p:nvSpPr>
+        <p:spPr>
+          <a:xfrm>
+            <a:off x="996042" y="4509860"/>
+            <a:ext cx="6939644" cy="372384"/>
+          </a:xfrm>
+          <a:prstGeom prst="rect">
+            <a:avLst/>
+          </a:prstGeom>
+          <a:noFill/>
+          <a:ln>
+            <a:noFill/>
+          </a:ln>
+        </p:spPr>
+        <p:style>
+          <a:lnRef idx="2">
+            <a:schemeClr val="accent1">
+              <a:shade val="50000"/>
+            </a:schemeClr>
+          </a:lnRef>
+          <a:fillRef idx="1">
+            <a:schemeClr val="accent1"/>
+          </a:fillRef>
+          <a:effectRef idx="0">
+            <a:schemeClr val="accent1"/>
+          </a:effectRef>
+          <a:fontRef idx="minor">
+            <a:schemeClr val="lt1"/>
+          </a:fontRef>
+        </p:style>
+        <p:txBody>
+          <a:bodyPr rtlCol="0" anchor="ctr"/>
+          <a:lstStyle/>
+          <a:p>
+            <a:pPr algn="ctr"/>
+            <a:endParaRPr lang="es-CO"/>
+          </a:p>
+        </p:txBody>
+      </p:sp>
+      <p:sp>
+        <p:nvSpPr>
+          <p:cNvPr id="9" name="Rectangle 8">
+            <a:hlinkClick r:id="rId6"/>
+          </p:cNvPr>
+          <p:cNvSpPr/>
+          <p:nvPr/>
+        </p:nvSpPr>
+        <p:spPr>
+          <a:xfrm>
+            <a:off x="996041" y="5456919"/>
+            <a:ext cx="8817429" cy="277586"/>
+          </a:xfrm>
+          <a:prstGeom prst="rect">
+            <a:avLst/>
+          </a:prstGeom>
+          <a:noFill/>
+          <a:ln>
+            <a:noFill/>
+          </a:ln>
+        </p:spPr>
+        <p:style>
+          <a:lnRef idx="2">
+            <a:schemeClr val="accent1">
+              <a:shade val="50000"/>
+            </a:schemeClr>
+          </a:lnRef>
+          <a:fillRef idx="1">
+            <a:schemeClr val="accent1"/>
+          </a:fillRef>
+          <a:effectRef idx="0">
+            <a:schemeClr val="accent1"/>
+          </a:effectRef>
+          <a:fontRef idx="minor">
+            <a:schemeClr val="lt1"/>
+          </a:fontRef>
+        </p:style>
+        <p:txBody>
+          <a:bodyPr rtlCol="0" anchor="ctr"/>
+          <a:lstStyle/>
+          <a:p>
+            <a:pPr algn="ctr"/>
+            <a:endParaRPr lang="es-CO"/>
+          </a:p>
+        </p:txBody>
+      </p:sp>
+    </p:spTree>
+    <p:extLst>
+      <p:ext uri="{BB962C8B-B14F-4D97-AF65-F5344CB8AC3E}">
+        <p14:creationId xmlns:p14="http://schemas.microsoft.com/office/powerpoint/2010/main" val="889554074"/>
+      </p:ext>
+    </p:extLst>
+  </p:cSld>
+  <p:clrMapOvr>
+    <a:masterClrMapping/>
+  </p:clrMapOvr>
+  <p:timing>
+    <p:tnLst>
+      <p:par>
+        <p:cTn id="1" dur="indefinite" restart="never" nodeType="tmRoot"/>
+      </p:par>
+    </p:tnLst>
+  </p:timing>
+</p:sld>
+</file>
+
+<file path=ppt/slides/slide21.xml><?xml version="1.0" encoding="utf-8"?>
+<p:sld xmlns:a="http://schemas.openxmlformats.org/drawingml/2006/main" xmlns:r="http://schemas.openxmlformats.org/officeDocument/2006/relationships" xmlns:p="http://schemas.openxmlformats.org/presentationml/2006/main">
+  <p:cSld>
+    <p:spTree>
+      <p:nvGrpSpPr>
+        <p:cNvPr id="1" name=""/>
+        <p:cNvGrpSpPr/>
+        <p:nvPr/>
+      </p:nvGrpSpPr>
+      <p:grpSpPr>
+        <a:xfrm>
+          <a:off x="0" y="0"/>
+          <a:ext cx="0" cy="0"/>
+          <a:chOff x="0" y="0"/>
+          <a:chExt cx="0" cy="0"/>
+        </a:xfrm>
+      </p:grpSpPr>
+      <p:sp>
+        <p:nvSpPr>
+          <p:cNvPr id="2" name="Title 1"/>
+          <p:cNvSpPr>
+            <a:spLocks noGrp="1"/>
+          </p:cNvSpPr>
+          <p:nvPr>
+            <p:ph type="title"/>
+          </p:nvPr>
+        </p:nvSpPr>
+        <p:spPr/>
+        <p:txBody>
+          <a:bodyPr/>
+          <a:lstStyle/>
+          <a:p>
+            <a:r>
+              <a:rPr lang="es-CO" dirty="0" smtClean="0"/>
+              <a:t>Enlaces de interés…</a:t>
+            </a:r>
+            <a:endParaRPr lang="es-CO" dirty="0"/>
+          </a:p>
+        </p:txBody>
+      </p:sp>
+      <p:sp>
+        <p:nvSpPr>
+          <p:cNvPr id="3" name="Content Placeholder 2"/>
+          <p:cNvSpPr>
+            <a:spLocks noGrp="1"/>
+          </p:cNvSpPr>
+          <p:nvPr>
+            <p:ph idx="1"/>
+          </p:nvPr>
+        </p:nvSpPr>
+        <p:spPr>
+          <a:xfrm>
+            <a:off x="230659" y="1825625"/>
+            <a:ext cx="11689492" cy="4351338"/>
+          </a:xfrm>
+        </p:spPr>
+        <p:txBody>
+          <a:bodyPr>
+            <a:normAutofit/>
+          </a:bodyPr>
+          <a:lstStyle/>
+          <a:p>
+            <a:pPr marL="0" indent="0">
+              <a:buNone/>
+            </a:pPr>
+            <a:r>
+              <a:rPr lang="es-CO" dirty="0" smtClean="0"/>
+              <a:t>Datos libres de </a:t>
+            </a:r>
+            <a:r>
+              <a:rPr lang="es-CO" dirty="0" smtClean="0"/>
+              <a:t>clima.</a:t>
+            </a:r>
+            <a:endParaRPr lang="es-CO" dirty="0"/>
+          </a:p>
+          <a:p>
+            <a:pPr lvl="1">
+              <a:buFont typeface="Wingdings" panose="05000000000000000000" pitchFamily="2" charset="2"/>
+              <a:buChar char="ü"/>
+            </a:pPr>
+            <a:r>
+              <a:rPr lang="es-CO" dirty="0">
+                <a:solidFill>
+                  <a:schemeClr val="accent5">
+                    <a:lumMod val="75000"/>
+                  </a:schemeClr>
+                </a:solidFill>
+              </a:rPr>
+              <a:t>https://</a:t>
+            </a:r>
+            <a:r>
+              <a:rPr lang="es-CO" dirty="0" smtClean="0">
+                <a:solidFill>
+                  <a:schemeClr val="accent5">
+                    <a:lumMod val="75000"/>
+                  </a:schemeClr>
+                </a:solidFill>
+              </a:rPr>
+              <a:t>data.noaa.gov/dataset/global-surface-summary-of-the-day-gsod</a:t>
+            </a:r>
+          </a:p>
+          <a:p>
+            <a:pPr lvl="1">
+              <a:buFont typeface="Wingdings" panose="05000000000000000000" pitchFamily="2" charset="2"/>
+              <a:buChar char="ü"/>
+            </a:pPr>
+            <a:r>
+              <a:rPr lang="es-CO" dirty="0">
+                <a:solidFill>
+                  <a:schemeClr val="accent5">
+                    <a:lumMod val="75000"/>
+                  </a:schemeClr>
+                </a:solidFill>
+              </a:rPr>
+              <a:t>https://</a:t>
+            </a:r>
+            <a:r>
+              <a:rPr lang="es-CO" dirty="0" smtClean="0">
+                <a:solidFill>
+                  <a:schemeClr val="accent5">
+                    <a:lumMod val="75000"/>
+                  </a:schemeClr>
+                </a:solidFill>
+              </a:rPr>
+              <a:t>www.car.gov.co/index.php?idcategoria=10571</a:t>
+            </a:r>
+            <a:endParaRPr lang="es-CO" dirty="0">
+              <a:solidFill>
+                <a:schemeClr val="accent5">
+                  <a:lumMod val="75000"/>
+                </a:schemeClr>
+              </a:solidFill>
+            </a:endParaRPr>
+          </a:p>
+          <a:p>
+            <a:pPr lvl="1">
+              <a:buFont typeface="Wingdings" panose="05000000000000000000" pitchFamily="2" charset="2"/>
+              <a:buChar char="ü"/>
+            </a:pPr>
+            <a:r>
+              <a:rPr lang="es-CO" dirty="0">
+                <a:solidFill>
+                  <a:schemeClr val="accent5">
+                    <a:lumMod val="75000"/>
+                  </a:schemeClr>
+                </a:solidFill>
+              </a:rPr>
+              <a:t>http://</a:t>
+            </a:r>
+            <a:r>
+              <a:rPr lang="es-CO" dirty="0" smtClean="0">
+                <a:solidFill>
+                  <a:schemeClr val="accent5">
+                    <a:lumMod val="75000"/>
+                  </a:schemeClr>
+                </a:solidFill>
+              </a:rPr>
+              <a:t>www.ideam.gov.co/solicitud-de-informacion</a:t>
+            </a:r>
+            <a:endParaRPr lang="es-CO" dirty="0">
+              <a:solidFill>
+                <a:schemeClr val="accent5">
+                  <a:lumMod val="75000"/>
+                </a:schemeClr>
+              </a:solidFill>
+            </a:endParaRPr>
+          </a:p>
+          <a:p>
+            <a:pPr lvl="1">
+              <a:buFont typeface="Wingdings" panose="05000000000000000000" pitchFamily="2" charset="2"/>
+              <a:buChar char="ü"/>
+            </a:pPr>
+            <a:r>
+              <a:rPr lang="es-CO" dirty="0" smtClean="0">
+                <a:solidFill>
+                  <a:schemeClr val="accent5">
+                    <a:lumMod val="75000"/>
+                  </a:schemeClr>
+                </a:solidFill>
+              </a:rPr>
+              <a:t>http</a:t>
+            </a:r>
+            <a:r>
+              <a:rPr lang="es-CO" dirty="0">
+                <a:solidFill>
+                  <a:schemeClr val="accent5">
+                    <a:lumMod val="75000"/>
+                  </a:schemeClr>
+                </a:solidFill>
+              </a:rPr>
+              <a:t>://chg.geog.ucsb.edu/data/chirps</a:t>
+            </a:r>
+            <a:r>
+              <a:rPr lang="es-CO" dirty="0" smtClean="0">
+                <a:solidFill>
+                  <a:schemeClr val="accent5">
+                    <a:lumMod val="75000"/>
+                  </a:schemeClr>
+                </a:solidFill>
+              </a:rPr>
+              <a:t>/</a:t>
+            </a:r>
+          </a:p>
+          <a:p>
+            <a:pPr marL="457200" lvl="1" indent="0">
+              <a:buNone/>
+            </a:pPr>
+            <a:endParaRPr lang="es-CO" dirty="0" smtClean="0">
+              <a:solidFill>
+                <a:schemeClr val="accent5">
+                  <a:lumMod val="75000"/>
+                </a:schemeClr>
+              </a:solidFill>
+            </a:endParaRPr>
+          </a:p>
+          <a:p>
+            <a:pPr marL="0" indent="0">
+              <a:buNone/>
+            </a:pPr>
+            <a:r>
+              <a:rPr lang="es-CO" dirty="0" smtClean="0"/>
+              <a:t>Datos espaciales libres</a:t>
+            </a:r>
+          </a:p>
+          <a:p>
+            <a:pPr lvl="1">
+              <a:buFont typeface="Wingdings" panose="05000000000000000000" pitchFamily="2" charset="2"/>
+              <a:buChar char="ü"/>
+            </a:pPr>
+            <a:r>
+              <a:rPr lang="es-CO" dirty="0">
+                <a:solidFill>
+                  <a:schemeClr val="accent5">
+                    <a:lumMod val="75000"/>
+                  </a:schemeClr>
+                </a:solidFill>
+              </a:rPr>
+              <a:t>http://</a:t>
+            </a:r>
+            <a:r>
+              <a:rPr lang="es-CO" dirty="0" smtClean="0">
+                <a:solidFill>
+                  <a:schemeClr val="accent5">
+                    <a:lumMod val="75000"/>
+                  </a:schemeClr>
+                </a:solidFill>
+              </a:rPr>
+              <a:t>www.diva-gis.org/Data</a:t>
+            </a:r>
+          </a:p>
+        </p:txBody>
+      </p:sp>
+      <p:sp>
+        <p:nvSpPr>
+          <p:cNvPr id="4" name="Rectangle 3">
+            <a:hlinkClick r:id="rId2"/>
+          </p:cNvPr>
+          <p:cNvSpPr/>
+          <p:nvPr/>
+        </p:nvSpPr>
+        <p:spPr>
+          <a:xfrm>
+            <a:off x="1012371" y="2334986"/>
+            <a:ext cx="8948058" cy="277585"/>
+          </a:xfrm>
+          <a:prstGeom prst="rect">
+            <a:avLst/>
+          </a:prstGeom>
+          <a:noFill/>
+          <a:ln>
+            <a:noFill/>
+          </a:ln>
+        </p:spPr>
+        <p:style>
+          <a:lnRef idx="2">
+            <a:schemeClr val="accent1">
+              <a:shade val="50000"/>
+            </a:schemeClr>
+          </a:lnRef>
+          <a:fillRef idx="1">
+            <a:schemeClr val="accent1"/>
+          </a:fillRef>
+          <a:effectRef idx="0">
+            <a:schemeClr val="accent1"/>
+          </a:effectRef>
+          <a:fontRef idx="minor">
+            <a:schemeClr val="lt1"/>
+          </a:fontRef>
+        </p:style>
+        <p:txBody>
+          <a:bodyPr rtlCol="0" anchor="ctr"/>
+          <a:lstStyle/>
+          <a:p>
+            <a:pPr algn="ctr"/>
+            <a:endParaRPr lang="es-CO"/>
+          </a:p>
+        </p:txBody>
+      </p:sp>
+      <p:sp>
+        <p:nvSpPr>
+          <p:cNvPr id="5" name="Rectangle 4">
+            <a:hlinkClick r:id="rId3"/>
+          </p:cNvPr>
+          <p:cNvSpPr/>
+          <p:nvPr/>
+        </p:nvSpPr>
+        <p:spPr>
+          <a:xfrm>
+            <a:off x="1012371" y="2730105"/>
+            <a:ext cx="8948058" cy="277585"/>
+          </a:xfrm>
+          <a:prstGeom prst="rect">
+            <a:avLst/>
+          </a:prstGeom>
+          <a:noFill/>
+          <a:ln>
+            <a:noFill/>
+          </a:ln>
+        </p:spPr>
+        <p:style>
+          <a:lnRef idx="2">
+            <a:schemeClr val="accent1">
+              <a:shade val="50000"/>
+            </a:schemeClr>
+          </a:lnRef>
+          <a:fillRef idx="1">
+            <a:schemeClr val="accent1"/>
+          </a:fillRef>
+          <a:effectRef idx="0">
+            <a:schemeClr val="accent1"/>
+          </a:effectRef>
+          <a:fontRef idx="minor">
+            <a:schemeClr val="lt1"/>
+          </a:fontRef>
+        </p:style>
+        <p:txBody>
+          <a:bodyPr rtlCol="0" anchor="ctr"/>
+          <a:lstStyle/>
+          <a:p>
+            <a:pPr algn="ctr"/>
+            <a:endParaRPr lang="es-CO"/>
+          </a:p>
+        </p:txBody>
+      </p:sp>
+      <p:sp>
+        <p:nvSpPr>
+          <p:cNvPr id="6" name="Rectangle 5">
+            <a:hlinkClick r:id="rId4"/>
+          </p:cNvPr>
+          <p:cNvSpPr/>
+          <p:nvPr/>
+        </p:nvSpPr>
+        <p:spPr>
+          <a:xfrm>
+            <a:off x="1012371" y="3123861"/>
+            <a:ext cx="8948058" cy="277585"/>
+          </a:xfrm>
+          <a:prstGeom prst="rect">
+            <a:avLst/>
+          </a:prstGeom>
+          <a:noFill/>
+          <a:ln>
+            <a:noFill/>
+          </a:ln>
+        </p:spPr>
+        <p:style>
+          <a:lnRef idx="2">
+            <a:schemeClr val="accent1">
+              <a:shade val="50000"/>
+            </a:schemeClr>
+          </a:lnRef>
+          <a:fillRef idx="1">
+            <a:schemeClr val="accent1"/>
+          </a:fillRef>
+          <a:effectRef idx="0">
+            <a:schemeClr val="accent1"/>
+          </a:effectRef>
+          <a:fontRef idx="minor">
+            <a:schemeClr val="lt1"/>
+          </a:fontRef>
+        </p:style>
+        <p:txBody>
+          <a:bodyPr rtlCol="0" anchor="ctr"/>
+          <a:lstStyle/>
+          <a:p>
+            <a:pPr algn="ctr"/>
+            <a:endParaRPr lang="es-CO"/>
+          </a:p>
+        </p:txBody>
+      </p:sp>
+      <p:sp>
+        <p:nvSpPr>
+          <p:cNvPr id="7" name="Rectangle 6">
+            <a:hlinkClick r:id="rId5"/>
+          </p:cNvPr>
+          <p:cNvSpPr/>
+          <p:nvPr/>
+        </p:nvSpPr>
+        <p:spPr>
+          <a:xfrm>
+            <a:off x="1012371" y="3507921"/>
+            <a:ext cx="8948058" cy="277585"/>
+          </a:xfrm>
+          <a:prstGeom prst="rect">
+            <a:avLst/>
+          </a:prstGeom>
+          <a:noFill/>
+          <a:ln>
+            <a:noFill/>
+          </a:ln>
+        </p:spPr>
+        <p:style>
+          <a:lnRef idx="2">
+            <a:schemeClr val="accent1">
+              <a:shade val="50000"/>
+            </a:schemeClr>
+          </a:lnRef>
+          <a:fillRef idx="1">
+            <a:schemeClr val="accent1"/>
+          </a:fillRef>
+          <a:effectRef idx="0">
+            <a:schemeClr val="accent1"/>
+          </a:effectRef>
+          <a:fontRef idx="minor">
+            <a:schemeClr val="lt1"/>
+          </a:fontRef>
+        </p:style>
+        <p:txBody>
+          <a:bodyPr rtlCol="0" anchor="ctr"/>
+          <a:lstStyle/>
+          <a:p>
+            <a:pPr algn="ctr"/>
+            <a:endParaRPr lang="es-CO"/>
+          </a:p>
+        </p:txBody>
+      </p:sp>
+      <p:sp>
+        <p:nvSpPr>
+          <p:cNvPr id="8" name="Rectangle 7">
+            <a:hlinkClick r:id="rId6"/>
+          </p:cNvPr>
+          <p:cNvSpPr/>
+          <p:nvPr/>
+        </p:nvSpPr>
+        <p:spPr>
+          <a:xfrm>
+            <a:off x="1012371" y="4806043"/>
+            <a:ext cx="8948058" cy="277585"/>
+          </a:xfrm>
+          <a:prstGeom prst="rect">
+            <a:avLst/>
+          </a:prstGeom>
+          <a:noFill/>
+          <a:ln>
+            <a:noFill/>
+          </a:ln>
+        </p:spPr>
+        <p:style>
+          <a:lnRef idx="2">
+            <a:schemeClr val="accent1">
+              <a:shade val="50000"/>
+            </a:schemeClr>
+          </a:lnRef>
+          <a:fillRef idx="1">
+            <a:schemeClr val="accent1"/>
+          </a:fillRef>
+          <a:effectRef idx="0">
+            <a:schemeClr val="accent1"/>
+          </a:effectRef>
+          <a:fontRef idx="minor">
+            <a:schemeClr val="lt1"/>
+          </a:fontRef>
+        </p:style>
+        <p:txBody>
+          <a:bodyPr rtlCol="0" anchor="ctr"/>
+          <a:lstStyle/>
+          <a:p>
+            <a:pPr algn="ctr"/>
+            <a:endParaRPr lang="es-CO"/>
+          </a:p>
+        </p:txBody>
+      </p:sp>
+    </p:spTree>
+    <p:extLst>
+      <p:ext uri="{BB962C8B-B14F-4D97-AF65-F5344CB8AC3E}">
+        <p14:creationId xmlns:p14="http://schemas.microsoft.com/office/powerpoint/2010/main" val="4015080790"/>
       </p:ext>
     </p:extLst>
   </p:cSld>
@@ -4598,7 +6811,9 @@
       </p:sp>
       <p:pic>
         <p:nvPicPr>
-          <p:cNvPr id="4" name="Content Placeholder 3"/>
+          <p:cNvPr id="4" name="Content Placeholder 3">
+            <a:hlinkClick r:id="rId2"/>
+          </p:cNvPr>
           <p:cNvPicPr>
             <a:picLocks noGrp="1" noChangeAspect="1"/>
           </p:cNvPicPr>
@@ -4607,7 +6822,7 @@
           </p:nvPr>
         </p:nvPicPr>
         <p:blipFill>
-          <a:blip r:embed="rId2" cstate="print">
+          <a:blip r:embed="rId3" cstate="print">
             <a:extLst>
               <a:ext uri="{28A0092B-C50C-407E-A947-70E740481C1C}">
                 <a14:useLocalDpi xmlns:a14="http://schemas.microsoft.com/office/drawing/2010/main" val="0"/>
@@ -4620,21 +6835,23 @@
         </p:blipFill>
         <p:spPr>
           <a:xfrm>
-            <a:off x="1549400" y="2673000"/>
+            <a:off x="838199" y="1617698"/>
             <a:ext cx="1587501" cy="1543051"/>
           </a:xfrm>
         </p:spPr>
       </p:pic>
       <p:pic>
         <p:nvPicPr>
-          <p:cNvPr id="7" name="Picture 6"/>
+          <p:cNvPr id="7" name="Picture 6">
+            <a:hlinkClick r:id="rId4"/>
+          </p:cNvPr>
           <p:cNvPicPr>
             <a:picLocks noChangeAspect="1"/>
           </p:cNvPicPr>
           <p:nvPr/>
         </p:nvPicPr>
         <p:blipFill>
-          <a:blip r:embed="rId3">
+          <a:blip r:embed="rId5">
             <a:extLst>
               <a:ext uri="{28A0092B-C50C-407E-A947-70E740481C1C}">
                 <a14:useLocalDpi xmlns:a14="http://schemas.microsoft.com/office/drawing/2010/main" val="0"/>
@@ -4647,38 +6864,8 @@
         </p:blipFill>
         <p:spPr>
           <a:xfrm>
-            <a:off x="4798821" y="2672999"/>
+            <a:off x="4719444" y="1617697"/>
             <a:ext cx="2753109" cy="1543051"/>
-          </a:xfrm>
-          <a:prstGeom prst="rect">
-            <a:avLst/>
-          </a:prstGeom>
-        </p:spPr>
-      </p:pic>
-      <p:pic>
-        <p:nvPicPr>
-          <p:cNvPr id="8" name="Picture 7"/>
-          <p:cNvPicPr>
-            <a:picLocks noChangeAspect="1"/>
-          </p:cNvPicPr>
-          <p:nvPr/>
-        </p:nvPicPr>
-        <p:blipFill>
-          <a:blip r:embed="rId4">
-            <a:extLst>
-              <a:ext uri="{28A0092B-C50C-407E-A947-70E740481C1C}">
-                <a14:useLocalDpi xmlns:a14="http://schemas.microsoft.com/office/drawing/2010/main" val="0"/>
-              </a:ext>
-            </a:extLst>
-          </a:blip>
-          <a:stretch>
-            <a:fillRect/>
-          </a:stretch>
-        </p:blipFill>
-        <p:spPr>
-          <a:xfrm>
-            <a:off x="5353254" y="462990"/>
-            <a:ext cx="1485491" cy="1485491"/>
           </a:xfrm>
           <a:prstGeom prst="rect">
             <a:avLst/>
@@ -4694,7 +6881,7 @@
           <p:nvPr/>
         </p:nvPicPr>
         <p:blipFill rotWithShape="1">
-          <a:blip r:embed="rId5">
+          <a:blip r:embed="rId6">
             <a:extLst>
               <a:ext uri="{28A0092B-C50C-407E-A947-70E740481C1C}">
                 <a14:useLocalDpi xmlns:a14="http://schemas.microsoft.com/office/drawing/2010/main" val="0"/>
@@ -4706,7 +6893,7 @@
         </p:blipFill>
         <p:spPr>
           <a:xfrm>
-            <a:off x="9213850" y="2672999"/>
+            <a:off x="9409792" y="1617697"/>
             <a:ext cx="1532680" cy="1543051"/>
           </a:xfrm>
           <a:prstGeom prst="rect">
@@ -4716,14 +6903,16 @@
       </p:pic>
       <p:pic>
         <p:nvPicPr>
-          <p:cNvPr id="10" name="Picture 9"/>
+          <p:cNvPr id="10" name="Picture 9">
+            <a:hlinkClick r:id="rId7"/>
+          </p:cNvPr>
           <p:cNvPicPr>
             <a:picLocks noChangeAspect="1"/>
           </p:cNvPicPr>
           <p:nvPr/>
         </p:nvPicPr>
         <p:blipFill>
-          <a:blip r:embed="rId6" cstate="print">
+          <a:blip r:embed="rId8" cstate="print">
             <a:extLst>
               <a:ext uri="{28A0092B-C50C-407E-A947-70E740481C1C}">
                 <a14:useLocalDpi xmlns:a14="http://schemas.microsoft.com/office/drawing/2010/main" val="0"/>
@@ -4736,7 +6925,7 @@
         </p:blipFill>
         <p:spPr>
           <a:xfrm>
-            <a:off x="3136901" y="4612499"/>
+            <a:off x="6150425" y="4594360"/>
             <a:ext cx="2070620" cy="1634700"/>
           </a:xfrm>
           <a:prstGeom prst="rect">
@@ -4746,14 +6935,16 @@
       </p:pic>
       <p:pic>
         <p:nvPicPr>
-          <p:cNvPr id="11" name="Picture 10"/>
+          <p:cNvPr id="11" name="Picture 10">
+            <a:hlinkClick r:id="rId9"/>
+          </p:cNvPr>
           <p:cNvPicPr>
             <a:picLocks noChangeAspect="1"/>
           </p:cNvPicPr>
           <p:nvPr/>
         </p:nvPicPr>
         <p:blipFill>
-          <a:blip r:embed="rId7" cstate="print">
+          <a:blip r:embed="rId10" cstate="print">
             <a:extLst>
               <a:ext uri="{28A0092B-C50C-407E-A947-70E740481C1C}">
                 <a14:useLocalDpi xmlns:a14="http://schemas.microsoft.com/office/drawing/2010/main" val="0"/>
@@ -4766,7 +6957,7 @@
         </p:blipFill>
         <p:spPr>
           <a:xfrm>
-            <a:off x="7549181" y="4612499"/>
+            <a:off x="9409792" y="4607212"/>
             <a:ext cx="1634700" cy="1634700"/>
           </a:xfrm>
           <a:prstGeom prst="rect">
@@ -4776,14 +6967,16 @@
       </p:pic>
       <p:pic>
         <p:nvPicPr>
-          <p:cNvPr id="1026" name="Picture 2" descr="Resultado de imagen para igac"/>
+          <p:cNvPr id="1026" name="Picture 2" descr="Resultado de imagen para igac">
+            <a:hlinkClick r:id="rId11"/>
+          </p:cNvPr>
           <p:cNvPicPr>
             <a:picLocks noChangeAspect="1" noChangeArrowheads="1"/>
           </p:cNvPicPr>
           <p:nvPr/>
         </p:nvPicPr>
         <p:blipFill>
-          <a:blip r:embed="rId8" cstate="print">
+          <a:blip r:embed="rId12" cstate="print">
             <a:extLst>
               <a:ext uri="{28A0092B-C50C-407E-A947-70E740481C1C}">
                 <a14:useLocalDpi xmlns:a14="http://schemas.microsoft.com/office/drawing/2010/main" val="0"/>
@@ -4797,7 +6990,7 @@
         </p:blipFill>
         <p:spPr bwMode="auto">
           <a:xfrm>
-            <a:off x="649601" y="4995937"/>
+            <a:off x="838199" y="4995937"/>
             <a:ext cx="1673225" cy="867824"/>
           </a:xfrm>
           <a:prstGeom prst="rect">
@@ -4813,6 +7006,32 @@
               </a14:hiddenFill>
             </a:ext>
           </a:extLst>
+        </p:spPr>
+      </p:pic>
+      <p:pic>
+        <p:nvPicPr>
+          <p:cNvPr id="3" name="Picture 2">
+            <a:hlinkClick r:id="rId13"/>
+          </p:cNvPr>
+          <p:cNvPicPr>
+            <a:picLocks noChangeAspect="1"/>
+          </p:cNvPicPr>
+          <p:nvPr/>
+        </p:nvPicPr>
+        <p:blipFill>
+          <a:blip r:embed="rId14"/>
+          <a:stretch>
+            <a:fillRect/>
+          </a:stretch>
+        </p:blipFill>
+        <p:spPr>
+          <a:xfrm>
+            <a:off x="3454624" y="4995937"/>
+            <a:ext cx="1752600" cy="857250"/>
+          </a:xfrm>
+          <a:prstGeom prst="rect">
+            <a:avLst/>
+          </a:prstGeom>
         </p:spPr>
       </p:pic>
     </p:spTree>
@@ -5069,7 +7288,375 @@
   <p:timing>
     <p:tnLst>
       <p:par>
-        <p:cTn id="1" dur="indefinite" restart="never" nodeType="tmRoot"/>
+        <p:cTn id="1" dur="indefinite" restart="never" nodeType="tmRoot">
+          <p:childTnLst>
+            <p:seq concurrent="1" nextAc="seek">
+              <p:cTn id="2" dur="indefinite" nodeType="mainSeq">
+                <p:childTnLst>
+                  <p:par>
+                    <p:cTn id="3" fill="hold">
+                      <p:stCondLst>
+                        <p:cond delay="indefinite"/>
+                      </p:stCondLst>
+                      <p:childTnLst>
+                        <p:par>
+                          <p:cTn id="4" fill="hold">
+                            <p:stCondLst>
+                              <p:cond delay="0"/>
+                            </p:stCondLst>
+                            <p:childTnLst>
+                              <p:par>
+                                <p:cTn id="5" presetID="53" presetClass="entr" presetSubtype="16" fill="hold" nodeType="clickEffect">
+                                  <p:stCondLst>
+                                    <p:cond delay="0"/>
+                                  </p:stCondLst>
+                                  <p:childTnLst>
+                                    <p:set>
+                                      <p:cBhvr>
+                                        <p:cTn id="6" dur="1" fill="hold">
+                                          <p:stCondLst>
+                                            <p:cond delay="0"/>
+                                          </p:stCondLst>
+                                        </p:cTn>
+                                        <p:tgtEl>
+                                          <p:spTgt spid="3">
+                                            <p:txEl>
+                                              <p:pRg st="2" end="2"/>
+                                            </p:txEl>
+                                          </p:spTgt>
+                                        </p:tgtEl>
+                                        <p:attrNameLst>
+                                          <p:attrName>style.visibility</p:attrName>
+                                        </p:attrNameLst>
+                                      </p:cBhvr>
+                                      <p:to>
+                                        <p:strVal val="visible"/>
+                                      </p:to>
+                                    </p:set>
+                                    <p:anim calcmode="lin" valueType="num">
+                                      <p:cBhvr>
+                                        <p:cTn id="7" dur="500" fill="hold"/>
+                                        <p:tgtEl>
+                                          <p:spTgt spid="3">
+                                            <p:txEl>
+                                              <p:pRg st="2" end="2"/>
+                                            </p:txEl>
+                                          </p:spTgt>
+                                        </p:tgtEl>
+                                        <p:attrNameLst>
+                                          <p:attrName>ppt_w</p:attrName>
+                                        </p:attrNameLst>
+                                      </p:cBhvr>
+                                      <p:tavLst>
+                                        <p:tav tm="0">
+                                          <p:val>
+                                            <p:fltVal val="0"/>
+                                          </p:val>
+                                        </p:tav>
+                                        <p:tav tm="100000">
+                                          <p:val>
+                                            <p:strVal val="#ppt_w"/>
+                                          </p:val>
+                                        </p:tav>
+                                      </p:tavLst>
+                                    </p:anim>
+                                    <p:anim calcmode="lin" valueType="num">
+                                      <p:cBhvr>
+                                        <p:cTn id="8" dur="500" fill="hold"/>
+                                        <p:tgtEl>
+                                          <p:spTgt spid="3">
+                                            <p:txEl>
+                                              <p:pRg st="2" end="2"/>
+                                            </p:txEl>
+                                          </p:spTgt>
+                                        </p:tgtEl>
+                                        <p:attrNameLst>
+                                          <p:attrName>ppt_h</p:attrName>
+                                        </p:attrNameLst>
+                                      </p:cBhvr>
+                                      <p:tavLst>
+                                        <p:tav tm="0">
+                                          <p:val>
+                                            <p:fltVal val="0"/>
+                                          </p:val>
+                                        </p:tav>
+                                        <p:tav tm="100000">
+                                          <p:val>
+                                            <p:strVal val="#ppt_h"/>
+                                          </p:val>
+                                        </p:tav>
+                                      </p:tavLst>
+                                    </p:anim>
+                                    <p:animEffect transition="in" filter="fade">
+                                      <p:cBhvr>
+                                        <p:cTn id="9" dur="500"/>
+                                        <p:tgtEl>
+                                          <p:spTgt spid="3">
+                                            <p:txEl>
+                                              <p:pRg st="2" end="2"/>
+                                            </p:txEl>
+                                          </p:spTgt>
+                                        </p:tgtEl>
+                                      </p:cBhvr>
+                                    </p:animEffect>
+                                  </p:childTnLst>
+                                </p:cTn>
+                              </p:par>
+                            </p:childTnLst>
+                          </p:cTn>
+                        </p:par>
+                      </p:childTnLst>
+                    </p:cTn>
+                  </p:par>
+                  <p:par>
+                    <p:cTn id="10" fill="hold">
+                      <p:stCondLst>
+                        <p:cond delay="indefinite"/>
+                      </p:stCondLst>
+                      <p:childTnLst>
+                        <p:par>
+                          <p:cTn id="11" fill="hold">
+                            <p:stCondLst>
+                              <p:cond delay="0"/>
+                            </p:stCondLst>
+                            <p:childTnLst>
+                              <p:par>
+                                <p:cTn id="12" presetID="53" presetClass="entr" presetSubtype="16" fill="hold" nodeType="clickEffect">
+                                  <p:stCondLst>
+                                    <p:cond delay="0"/>
+                                  </p:stCondLst>
+                                  <p:childTnLst>
+                                    <p:set>
+                                      <p:cBhvr>
+                                        <p:cTn id="13" dur="1" fill="hold">
+                                          <p:stCondLst>
+                                            <p:cond delay="0"/>
+                                          </p:stCondLst>
+                                        </p:cTn>
+                                        <p:tgtEl>
+                                          <p:spTgt spid="3">
+                                            <p:txEl>
+                                              <p:pRg st="3" end="3"/>
+                                            </p:txEl>
+                                          </p:spTgt>
+                                        </p:tgtEl>
+                                        <p:attrNameLst>
+                                          <p:attrName>style.visibility</p:attrName>
+                                        </p:attrNameLst>
+                                      </p:cBhvr>
+                                      <p:to>
+                                        <p:strVal val="visible"/>
+                                      </p:to>
+                                    </p:set>
+                                    <p:anim calcmode="lin" valueType="num">
+                                      <p:cBhvr>
+                                        <p:cTn id="14" dur="500" fill="hold"/>
+                                        <p:tgtEl>
+                                          <p:spTgt spid="3">
+                                            <p:txEl>
+                                              <p:pRg st="3" end="3"/>
+                                            </p:txEl>
+                                          </p:spTgt>
+                                        </p:tgtEl>
+                                        <p:attrNameLst>
+                                          <p:attrName>ppt_w</p:attrName>
+                                        </p:attrNameLst>
+                                      </p:cBhvr>
+                                      <p:tavLst>
+                                        <p:tav tm="0">
+                                          <p:val>
+                                            <p:fltVal val="0"/>
+                                          </p:val>
+                                        </p:tav>
+                                        <p:tav tm="100000">
+                                          <p:val>
+                                            <p:strVal val="#ppt_w"/>
+                                          </p:val>
+                                        </p:tav>
+                                      </p:tavLst>
+                                    </p:anim>
+                                    <p:anim calcmode="lin" valueType="num">
+                                      <p:cBhvr>
+                                        <p:cTn id="15" dur="500" fill="hold"/>
+                                        <p:tgtEl>
+                                          <p:spTgt spid="3">
+                                            <p:txEl>
+                                              <p:pRg st="3" end="3"/>
+                                            </p:txEl>
+                                          </p:spTgt>
+                                        </p:tgtEl>
+                                        <p:attrNameLst>
+                                          <p:attrName>ppt_h</p:attrName>
+                                        </p:attrNameLst>
+                                      </p:cBhvr>
+                                      <p:tavLst>
+                                        <p:tav tm="0">
+                                          <p:val>
+                                            <p:fltVal val="0"/>
+                                          </p:val>
+                                        </p:tav>
+                                        <p:tav tm="100000">
+                                          <p:val>
+                                            <p:strVal val="#ppt_h"/>
+                                          </p:val>
+                                        </p:tav>
+                                      </p:tavLst>
+                                    </p:anim>
+                                    <p:animEffect transition="in" filter="fade">
+                                      <p:cBhvr>
+                                        <p:cTn id="16" dur="500"/>
+                                        <p:tgtEl>
+                                          <p:spTgt spid="3">
+                                            <p:txEl>
+                                              <p:pRg st="3" end="3"/>
+                                            </p:txEl>
+                                          </p:spTgt>
+                                        </p:tgtEl>
+                                      </p:cBhvr>
+                                    </p:animEffect>
+                                  </p:childTnLst>
+                                </p:cTn>
+                              </p:par>
+                            </p:childTnLst>
+                          </p:cTn>
+                        </p:par>
+                      </p:childTnLst>
+                    </p:cTn>
+                  </p:par>
+                  <p:par>
+                    <p:cTn id="17" fill="hold">
+                      <p:stCondLst>
+                        <p:cond delay="indefinite"/>
+                      </p:stCondLst>
+                      <p:childTnLst>
+                        <p:par>
+                          <p:cTn id="18" fill="hold">
+                            <p:stCondLst>
+                              <p:cond delay="0"/>
+                            </p:stCondLst>
+                            <p:childTnLst>
+                              <p:par>
+                                <p:cTn id="19" presetID="53" presetClass="entr" presetSubtype="16" fill="hold" nodeType="clickEffect">
+                                  <p:stCondLst>
+                                    <p:cond delay="0"/>
+                                  </p:stCondLst>
+                                  <p:childTnLst>
+                                    <p:set>
+                                      <p:cBhvr>
+                                        <p:cTn id="20" dur="1" fill="hold">
+                                          <p:stCondLst>
+                                            <p:cond delay="0"/>
+                                          </p:stCondLst>
+                                        </p:cTn>
+                                        <p:tgtEl>
+                                          <p:spTgt spid="3">
+                                            <p:txEl>
+                                              <p:pRg st="4" end="4"/>
+                                            </p:txEl>
+                                          </p:spTgt>
+                                        </p:tgtEl>
+                                        <p:attrNameLst>
+                                          <p:attrName>style.visibility</p:attrName>
+                                        </p:attrNameLst>
+                                      </p:cBhvr>
+                                      <p:to>
+                                        <p:strVal val="visible"/>
+                                      </p:to>
+                                    </p:set>
+                                    <p:anim calcmode="lin" valueType="num">
+                                      <p:cBhvr>
+                                        <p:cTn id="21" dur="500" fill="hold"/>
+                                        <p:tgtEl>
+                                          <p:spTgt spid="3">
+                                            <p:txEl>
+                                              <p:pRg st="4" end="4"/>
+                                            </p:txEl>
+                                          </p:spTgt>
+                                        </p:tgtEl>
+                                        <p:attrNameLst>
+                                          <p:attrName>ppt_w</p:attrName>
+                                        </p:attrNameLst>
+                                      </p:cBhvr>
+                                      <p:tavLst>
+                                        <p:tav tm="0">
+                                          <p:val>
+                                            <p:fltVal val="0"/>
+                                          </p:val>
+                                        </p:tav>
+                                        <p:tav tm="100000">
+                                          <p:val>
+                                            <p:strVal val="#ppt_w"/>
+                                          </p:val>
+                                        </p:tav>
+                                      </p:tavLst>
+                                    </p:anim>
+                                    <p:anim calcmode="lin" valueType="num">
+                                      <p:cBhvr>
+                                        <p:cTn id="22" dur="500" fill="hold"/>
+                                        <p:tgtEl>
+                                          <p:spTgt spid="3">
+                                            <p:txEl>
+                                              <p:pRg st="4" end="4"/>
+                                            </p:txEl>
+                                          </p:spTgt>
+                                        </p:tgtEl>
+                                        <p:attrNameLst>
+                                          <p:attrName>ppt_h</p:attrName>
+                                        </p:attrNameLst>
+                                      </p:cBhvr>
+                                      <p:tavLst>
+                                        <p:tav tm="0">
+                                          <p:val>
+                                            <p:fltVal val="0"/>
+                                          </p:val>
+                                        </p:tav>
+                                        <p:tav tm="100000">
+                                          <p:val>
+                                            <p:strVal val="#ppt_h"/>
+                                          </p:val>
+                                        </p:tav>
+                                      </p:tavLst>
+                                    </p:anim>
+                                    <p:animEffect transition="in" filter="fade">
+                                      <p:cBhvr>
+                                        <p:cTn id="23" dur="500"/>
+                                        <p:tgtEl>
+                                          <p:spTgt spid="3">
+                                            <p:txEl>
+                                              <p:pRg st="4" end="4"/>
+                                            </p:txEl>
+                                          </p:spTgt>
+                                        </p:tgtEl>
+                                      </p:cBhvr>
+                                    </p:animEffect>
+                                  </p:childTnLst>
+                                </p:cTn>
+                              </p:par>
+                            </p:childTnLst>
+                          </p:cTn>
+                        </p:par>
+                      </p:childTnLst>
+                    </p:cTn>
+                  </p:par>
+                </p:childTnLst>
+              </p:cTn>
+              <p:prevCondLst>
+                <p:cond evt="onPrev" delay="0">
+                  <p:tgtEl>
+                    <p:sldTgt/>
+                  </p:tgtEl>
+                </p:cond>
+              </p:prevCondLst>
+              <p:nextCondLst>
+                <p:cond evt="onNext" delay="0">
+                  <p:tgtEl>
+                    <p:sldTgt/>
+                  </p:tgtEl>
+                </p:cond>
+              </p:nextCondLst>
+            </p:seq>
+          </p:childTnLst>
+        </p:cTn>
       </p:par>
     </p:tnLst>
   </p:timing>
@@ -5145,15 +7732,7 @@
             </a:pPr>
             <a:r>
               <a:rPr lang="es-CO" dirty="0" smtClean="0"/>
-              <a:t>Un algoritmo en R tendrá en cuenta la ubicación de los puntos de interés, </a:t>
-            </a:r>
-            <a:r>
-              <a:rPr lang="es-CO" dirty="0" err="1" smtClean="0"/>
-              <a:t>asi</a:t>
-            </a:r>
-            <a:r>
-              <a:rPr lang="es-CO" dirty="0" smtClean="0"/>
-              <a:t>, las estaciones deben estar:</a:t>
+              <a:t>Un algoritmo en R tendrá en cuenta la ubicación de los puntos de interés, teniendo en cuenta:</a:t>
             </a:r>
           </a:p>
           <a:p>
@@ -5166,14 +7745,50 @@
             <a:pPr algn="just"/>
             <a:r>
               <a:rPr lang="es-CO" dirty="0" smtClean="0"/>
-              <a:t>A un radio máximo de 30 km para variables de temperatura, humedad relativa y energía solar. Máximo 5 km para precipitación.</a:t>
+              <a:t>Un radio máximo de </a:t>
+            </a:r>
+            <a:r>
+              <a:rPr lang="es-CO" dirty="0" smtClean="0">
+                <a:solidFill>
+                  <a:srgbClr val="FF0000"/>
+                </a:solidFill>
+              </a:rPr>
+              <a:t>30 km </a:t>
+            </a:r>
+            <a:r>
+              <a:rPr lang="es-CO" dirty="0" smtClean="0"/>
+              <a:t>para variables de temperatura, humedad relativa y energía solar. Máximo </a:t>
+            </a:r>
+            <a:r>
+              <a:rPr lang="es-CO" dirty="0" smtClean="0">
+                <a:solidFill>
+                  <a:srgbClr val="FF0000"/>
+                </a:solidFill>
+              </a:rPr>
+              <a:t>5 km </a:t>
+            </a:r>
+            <a:r>
+              <a:rPr lang="es-CO" dirty="0" smtClean="0"/>
+              <a:t>para precipitación.</a:t>
             </a:r>
           </a:p>
           <a:p>
             <a:pPr algn="just"/>
             <a:r>
               <a:rPr lang="es-CO" dirty="0" smtClean="0"/>
-              <a:t>A una diferencia de altura ± 150 metros máximo.</a:t>
+              <a:t>A una diferencia de altura </a:t>
+            </a:r>
+            <a:r>
+              <a:rPr lang="es-CO" dirty="0" smtClean="0">
+                <a:solidFill>
+                  <a:srgbClr val="FF0000"/>
+                </a:solidFill>
+              </a:rPr>
+              <a:t>± 150 metros</a:t>
+            </a:r>
+            <a:r>
+              <a:rPr lang="es-CO" dirty="0" smtClean="0"/>
+              <a:t> máximo entre estaciones y puntos de interés.</a:t>
             </a:r>
           </a:p>
           <a:p>
@@ -5207,7 +7822,375 @@
   <p:timing>
     <p:tnLst>
       <p:par>
-        <p:cTn id="1" dur="indefinite" restart="never" nodeType="tmRoot"/>
+        <p:cTn id="1" dur="indefinite" restart="never" nodeType="tmRoot">
+          <p:childTnLst>
+            <p:seq concurrent="1" nextAc="seek">
+              <p:cTn id="2" dur="indefinite" nodeType="mainSeq">
+                <p:childTnLst>
+                  <p:par>
+                    <p:cTn id="3" fill="hold">
+                      <p:stCondLst>
+                        <p:cond delay="indefinite"/>
+                      </p:stCondLst>
+                      <p:childTnLst>
+                        <p:par>
+                          <p:cTn id="4" fill="hold">
+                            <p:stCondLst>
+                              <p:cond delay="0"/>
+                            </p:stCondLst>
+                            <p:childTnLst>
+                              <p:par>
+                                <p:cTn id="5" presetID="53" presetClass="entr" presetSubtype="16" fill="hold" nodeType="clickEffect">
+                                  <p:stCondLst>
+                                    <p:cond delay="0"/>
+                                  </p:stCondLst>
+                                  <p:childTnLst>
+                                    <p:set>
+                                      <p:cBhvr>
+                                        <p:cTn id="6" dur="1" fill="hold">
+                                          <p:stCondLst>
+                                            <p:cond delay="0"/>
+                                          </p:stCondLst>
+                                        </p:cTn>
+                                        <p:tgtEl>
+                                          <p:spTgt spid="3">
+                                            <p:txEl>
+                                              <p:pRg st="2" end="2"/>
+                                            </p:txEl>
+                                          </p:spTgt>
+                                        </p:tgtEl>
+                                        <p:attrNameLst>
+                                          <p:attrName>style.visibility</p:attrName>
+                                        </p:attrNameLst>
+                                      </p:cBhvr>
+                                      <p:to>
+                                        <p:strVal val="visible"/>
+                                      </p:to>
+                                    </p:set>
+                                    <p:anim calcmode="lin" valueType="num">
+                                      <p:cBhvr>
+                                        <p:cTn id="7" dur="500" fill="hold"/>
+                                        <p:tgtEl>
+                                          <p:spTgt spid="3">
+                                            <p:txEl>
+                                              <p:pRg st="2" end="2"/>
+                                            </p:txEl>
+                                          </p:spTgt>
+                                        </p:tgtEl>
+                                        <p:attrNameLst>
+                                          <p:attrName>ppt_w</p:attrName>
+                                        </p:attrNameLst>
+                                      </p:cBhvr>
+                                      <p:tavLst>
+                                        <p:tav tm="0">
+                                          <p:val>
+                                            <p:fltVal val="0"/>
+                                          </p:val>
+                                        </p:tav>
+                                        <p:tav tm="100000">
+                                          <p:val>
+                                            <p:strVal val="#ppt_w"/>
+                                          </p:val>
+                                        </p:tav>
+                                      </p:tavLst>
+                                    </p:anim>
+                                    <p:anim calcmode="lin" valueType="num">
+                                      <p:cBhvr>
+                                        <p:cTn id="8" dur="500" fill="hold"/>
+                                        <p:tgtEl>
+                                          <p:spTgt spid="3">
+                                            <p:txEl>
+                                              <p:pRg st="2" end="2"/>
+                                            </p:txEl>
+                                          </p:spTgt>
+                                        </p:tgtEl>
+                                        <p:attrNameLst>
+                                          <p:attrName>ppt_h</p:attrName>
+                                        </p:attrNameLst>
+                                      </p:cBhvr>
+                                      <p:tavLst>
+                                        <p:tav tm="0">
+                                          <p:val>
+                                            <p:fltVal val="0"/>
+                                          </p:val>
+                                        </p:tav>
+                                        <p:tav tm="100000">
+                                          <p:val>
+                                            <p:strVal val="#ppt_h"/>
+                                          </p:val>
+                                        </p:tav>
+                                      </p:tavLst>
+                                    </p:anim>
+                                    <p:animEffect transition="in" filter="fade">
+                                      <p:cBhvr>
+                                        <p:cTn id="9" dur="500"/>
+                                        <p:tgtEl>
+                                          <p:spTgt spid="3">
+                                            <p:txEl>
+                                              <p:pRg st="2" end="2"/>
+                                            </p:txEl>
+                                          </p:spTgt>
+                                        </p:tgtEl>
+                                      </p:cBhvr>
+                                    </p:animEffect>
+                                  </p:childTnLst>
+                                </p:cTn>
+                              </p:par>
+                            </p:childTnLst>
+                          </p:cTn>
+                        </p:par>
+                      </p:childTnLst>
+                    </p:cTn>
+                  </p:par>
+                  <p:par>
+                    <p:cTn id="10" fill="hold">
+                      <p:stCondLst>
+                        <p:cond delay="indefinite"/>
+                      </p:stCondLst>
+                      <p:childTnLst>
+                        <p:par>
+                          <p:cTn id="11" fill="hold">
+                            <p:stCondLst>
+                              <p:cond delay="0"/>
+                            </p:stCondLst>
+                            <p:childTnLst>
+                              <p:par>
+                                <p:cTn id="12" presetID="53" presetClass="entr" presetSubtype="16" fill="hold" nodeType="clickEffect">
+                                  <p:stCondLst>
+                                    <p:cond delay="0"/>
+                                  </p:stCondLst>
+                                  <p:childTnLst>
+                                    <p:set>
+                                      <p:cBhvr>
+                                        <p:cTn id="13" dur="1" fill="hold">
+                                          <p:stCondLst>
+                                            <p:cond delay="0"/>
+                                          </p:stCondLst>
+                                        </p:cTn>
+                                        <p:tgtEl>
+                                          <p:spTgt spid="3">
+                                            <p:txEl>
+                                              <p:pRg st="3" end="3"/>
+                                            </p:txEl>
+                                          </p:spTgt>
+                                        </p:tgtEl>
+                                        <p:attrNameLst>
+                                          <p:attrName>style.visibility</p:attrName>
+                                        </p:attrNameLst>
+                                      </p:cBhvr>
+                                      <p:to>
+                                        <p:strVal val="visible"/>
+                                      </p:to>
+                                    </p:set>
+                                    <p:anim calcmode="lin" valueType="num">
+                                      <p:cBhvr>
+                                        <p:cTn id="14" dur="500" fill="hold"/>
+                                        <p:tgtEl>
+                                          <p:spTgt spid="3">
+                                            <p:txEl>
+                                              <p:pRg st="3" end="3"/>
+                                            </p:txEl>
+                                          </p:spTgt>
+                                        </p:tgtEl>
+                                        <p:attrNameLst>
+                                          <p:attrName>ppt_w</p:attrName>
+                                        </p:attrNameLst>
+                                      </p:cBhvr>
+                                      <p:tavLst>
+                                        <p:tav tm="0">
+                                          <p:val>
+                                            <p:fltVal val="0"/>
+                                          </p:val>
+                                        </p:tav>
+                                        <p:tav tm="100000">
+                                          <p:val>
+                                            <p:strVal val="#ppt_w"/>
+                                          </p:val>
+                                        </p:tav>
+                                      </p:tavLst>
+                                    </p:anim>
+                                    <p:anim calcmode="lin" valueType="num">
+                                      <p:cBhvr>
+                                        <p:cTn id="15" dur="500" fill="hold"/>
+                                        <p:tgtEl>
+                                          <p:spTgt spid="3">
+                                            <p:txEl>
+                                              <p:pRg st="3" end="3"/>
+                                            </p:txEl>
+                                          </p:spTgt>
+                                        </p:tgtEl>
+                                        <p:attrNameLst>
+                                          <p:attrName>ppt_h</p:attrName>
+                                        </p:attrNameLst>
+                                      </p:cBhvr>
+                                      <p:tavLst>
+                                        <p:tav tm="0">
+                                          <p:val>
+                                            <p:fltVal val="0"/>
+                                          </p:val>
+                                        </p:tav>
+                                        <p:tav tm="100000">
+                                          <p:val>
+                                            <p:strVal val="#ppt_h"/>
+                                          </p:val>
+                                        </p:tav>
+                                      </p:tavLst>
+                                    </p:anim>
+                                    <p:animEffect transition="in" filter="fade">
+                                      <p:cBhvr>
+                                        <p:cTn id="16" dur="500"/>
+                                        <p:tgtEl>
+                                          <p:spTgt spid="3">
+                                            <p:txEl>
+                                              <p:pRg st="3" end="3"/>
+                                            </p:txEl>
+                                          </p:spTgt>
+                                        </p:tgtEl>
+                                      </p:cBhvr>
+                                    </p:animEffect>
+                                  </p:childTnLst>
+                                </p:cTn>
+                              </p:par>
+                            </p:childTnLst>
+                          </p:cTn>
+                        </p:par>
+                      </p:childTnLst>
+                    </p:cTn>
+                  </p:par>
+                  <p:par>
+                    <p:cTn id="17" fill="hold">
+                      <p:stCondLst>
+                        <p:cond delay="indefinite"/>
+                      </p:stCondLst>
+                      <p:childTnLst>
+                        <p:par>
+                          <p:cTn id="18" fill="hold">
+                            <p:stCondLst>
+                              <p:cond delay="0"/>
+                            </p:stCondLst>
+                            <p:childTnLst>
+                              <p:par>
+                                <p:cTn id="19" presetID="53" presetClass="entr" presetSubtype="16" fill="hold" nodeType="clickEffect">
+                                  <p:stCondLst>
+                                    <p:cond delay="0"/>
+                                  </p:stCondLst>
+                                  <p:childTnLst>
+                                    <p:set>
+                                      <p:cBhvr>
+                                        <p:cTn id="20" dur="1" fill="hold">
+                                          <p:stCondLst>
+                                            <p:cond delay="0"/>
+                                          </p:stCondLst>
+                                        </p:cTn>
+                                        <p:tgtEl>
+                                          <p:spTgt spid="3">
+                                            <p:txEl>
+                                              <p:pRg st="4" end="4"/>
+                                            </p:txEl>
+                                          </p:spTgt>
+                                        </p:tgtEl>
+                                        <p:attrNameLst>
+                                          <p:attrName>style.visibility</p:attrName>
+                                        </p:attrNameLst>
+                                      </p:cBhvr>
+                                      <p:to>
+                                        <p:strVal val="visible"/>
+                                      </p:to>
+                                    </p:set>
+                                    <p:anim calcmode="lin" valueType="num">
+                                      <p:cBhvr>
+                                        <p:cTn id="21" dur="500" fill="hold"/>
+                                        <p:tgtEl>
+                                          <p:spTgt spid="3">
+                                            <p:txEl>
+                                              <p:pRg st="4" end="4"/>
+                                            </p:txEl>
+                                          </p:spTgt>
+                                        </p:tgtEl>
+                                        <p:attrNameLst>
+                                          <p:attrName>ppt_w</p:attrName>
+                                        </p:attrNameLst>
+                                      </p:cBhvr>
+                                      <p:tavLst>
+                                        <p:tav tm="0">
+                                          <p:val>
+                                            <p:fltVal val="0"/>
+                                          </p:val>
+                                        </p:tav>
+                                        <p:tav tm="100000">
+                                          <p:val>
+                                            <p:strVal val="#ppt_w"/>
+                                          </p:val>
+                                        </p:tav>
+                                      </p:tavLst>
+                                    </p:anim>
+                                    <p:anim calcmode="lin" valueType="num">
+                                      <p:cBhvr>
+                                        <p:cTn id="22" dur="500" fill="hold"/>
+                                        <p:tgtEl>
+                                          <p:spTgt spid="3">
+                                            <p:txEl>
+                                              <p:pRg st="4" end="4"/>
+                                            </p:txEl>
+                                          </p:spTgt>
+                                        </p:tgtEl>
+                                        <p:attrNameLst>
+                                          <p:attrName>ppt_h</p:attrName>
+                                        </p:attrNameLst>
+                                      </p:cBhvr>
+                                      <p:tavLst>
+                                        <p:tav tm="0">
+                                          <p:val>
+                                            <p:fltVal val="0"/>
+                                          </p:val>
+                                        </p:tav>
+                                        <p:tav tm="100000">
+                                          <p:val>
+                                            <p:strVal val="#ppt_h"/>
+                                          </p:val>
+                                        </p:tav>
+                                      </p:tavLst>
+                                    </p:anim>
+                                    <p:animEffect transition="in" filter="fade">
+                                      <p:cBhvr>
+                                        <p:cTn id="23" dur="500"/>
+                                        <p:tgtEl>
+                                          <p:spTgt spid="3">
+                                            <p:txEl>
+                                              <p:pRg st="4" end="4"/>
+                                            </p:txEl>
+                                          </p:spTgt>
+                                        </p:tgtEl>
+                                      </p:cBhvr>
+                                    </p:animEffect>
+                                  </p:childTnLst>
+                                </p:cTn>
+                              </p:par>
+                            </p:childTnLst>
+                          </p:cTn>
+                        </p:par>
+                      </p:childTnLst>
+                    </p:cTn>
+                  </p:par>
+                </p:childTnLst>
+              </p:cTn>
+              <p:prevCondLst>
+                <p:cond evt="onPrev" delay="0">
+                  <p:tgtEl>
+                    <p:sldTgt/>
+                  </p:tgtEl>
+                </p:cond>
+              </p:prevCondLst>
+              <p:nextCondLst>
+                <p:cond evt="onNext" delay="0">
+                  <p:tgtEl>
+                    <p:sldTgt/>
+                  </p:tgtEl>
+                </p:cond>
+              </p:nextCondLst>
+            </p:seq>
+          </p:childTnLst>
+        </p:cTn>
       </p:par>
     </p:tnLst>
   </p:timing>
@@ -5276,12 +8259,16 @@
               <a:buNone/>
             </a:pPr>
             <a:r>
+              <a:rPr lang="es-CO" sz="4000" dirty="0" smtClean="0"/>
+              <a:t>Con múltiples fuentes posibles, se </a:t>
+            </a:r>
+            <a:r>
               <a:rPr lang="es-CO" sz="4000" dirty="0"/>
-              <a:t>Se parte de un formato de entrada básico desagregando la información por estación y variable en archivos con extensión </a:t>
-            </a:r>
-            <a:r>
-              <a:rPr lang="es-CO" sz="4000" i="1" dirty="0" err="1" smtClean="0"/>
-              <a:t>txt</a:t>
+              <a:t>parte de un formato de entrada básico desagregando la información por estación y </a:t>
+            </a:r>
+            <a:r>
+              <a:rPr lang="es-CO" sz="4000" dirty="0" smtClean="0"/>
+              <a:t>variable</a:t>
             </a:r>
             <a:r>
               <a:rPr lang="es-CO" sz="4000" i="1" dirty="0" smtClean="0"/>
@@ -5318,13 +8305,60 @@
         </p:nvPicPr>
         <p:blipFill rotWithShape="1">
           <a:blip r:embed="rId2"/>
-          <a:srcRect l="1018" t="2358" b="28117"/>
+          <a:srcRect l="16434" t="2358" r="55859" b="28117"/>
           <a:stretch/>
         </p:blipFill>
         <p:spPr>
           <a:xfrm>
-            <a:off x="2575774" y="4172754"/>
-            <a:ext cx="6510690" cy="1571223"/>
+            <a:off x="4273563" y="4253456"/>
+            <a:ext cx="1822437" cy="1571223"/>
+          </a:xfrm>
+          <a:prstGeom prst="rect">
+            <a:avLst/>
+          </a:prstGeom>
+        </p:spPr>
+      </p:pic>
+      <p:pic>
+        <p:nvPicPr>
+          <p:cNvPr id="5" name="Picture 4"/>
+          <p:cNvPicPr>
+            <a:picLocks noChangeAspect="1"/>
+          </p:cNvPicPr>
+          <p:nvPr/>
+        </p:nvPicPr>
+        <p:blipFill>
+          <a:blip r:embed="rId3"/>
+          <a:stretch>
+            <a:fillRect/>
+          </a:stretch>
+        </p:blipFill>
+        <p:spPr>
+          <a:xfrm>
+            <a:off x="7674898" y="4316980"/>
+            <a:ext cx="2688753" cy="1444177"/>
+          </a:xfrm>
+          <a:prstGeom prst="rect">
+            <a:avLst/>
+          </a:prstGeom>
+        </p:spPr>
+      </p:pic>
+      <p:pic>
+        <p:nvPicPr>
+          <p:cNvPr id="6" name="Picture 5"/>
+          <p:cNvPicPr>
+            <a:picLocks noChangeAspect="1"/>
+          </p:cNvPicPr>
+          <p:nvPr/>
+        </p:nvPicPr>
+        <p:blipFill rotWithShape="1">
+          <a:blip r:embed="rId2"/>
+          <a:srcRect l="1017" t="2358" r="86269" b="73433"/>
+          <a:stretch/>
+        </p:blipFill>
+        <p:spPr>
+          <a:xfrm>
+            <a:off x="1503767" y="4765511"/>
+            <a:ext cx="836248" cy="547118"/>
           </a:xfrm>
           <a:prstGeom prst="rect">
             <a:avLst/>
@@ -5344,7 +8378,309 @@
   <p:timing>
     <p:tnLst>
       <p:par>
-        <p:cTn id="1" dur="indefinite" restart="never" nodeType="tmRoot"/>
+        <p:cTn id="1" dur="indefinite" restart="never" nodeType="tmRoot">
+          <p:childTnLst>
+            <p:seq concurrent="1" nextAc="seek">
+              <p:cTn id="2" dur="indefinite" nodeType="mainSeq">
+                <p:childTnLst>
+                  <p:par>
+                    <p:cTn id="3" fill="hold">
+                      <p:stCondLst>
+                        <p:cond delay="indefinite"/>
+                      </p:stCondLst>
+                      <p:childTnLst>
+                        <p:par>
+                          <p:cTn id="4" fill="hold">
+                            <p:stCondLst>
+                              <p:cond delay="0"/>
+                            </p:stCondLst>
+                            <p:childTnLst>
+                              <p:par>
+                                <p:cTn id="5" presetID="42" presetClass="entr" presetSubtype="0" fill="hold" nodeType="clickEffect">
+                                  <p:stCondLst>
+                                    <p:cond delay="0"/>
+                                  </p:stCondLst>
+                                  <p:childTnLst>
+                                    <p:set>
+                                      <p:cBhvr>
+                                        <p:cTn id="6" dur="1" fill="hold">
+                                          <p:stCondLst>
+                                            <p:cond delay="0"/>
+                                          </p:stCondLst>
+                                        </p:cTn>
+                                        <p:tgtEl>
+                                          <p:spTgt spid="6"/>
+                                        </p:tgtEl>
+                                        <p:attrNameLst>
+                                          <p:attrName>style.visibility</p:attrName>
+                                        </p:attrNameLst>
+                                      </p:cBhvr>
+                                      <p:to>
+                                        <p:strVal val="visible"/>
+                                      </p:to>
+                                    </p:set>
+                                    <p:animEffect transition="in" filter="fade">
+                                      <p:cBhvr>
+                                        <p:cTn id="7" dur="1000"/>
+                                        <p:tgtEl>
+                                          <p:spTgt spid="6"/>
+                                        </p:tgtEl>
+                                      </p:cBhvr>
+                                    </p:animEffect>
+                                    <p:anim calcmode="lin" valueType="num">
+                                      <p:cBhvr>
+                                        <p:cTn id="8" dur="1000" fill="hold"/>
+                                        <p:tgtEl>
+                                          <p:spTgt spid="6"/>
+                                        </p:tgtEl>
+                                        <p:attrNameLst>
+                                          <p:attrName>ppt_x</p:attrName>
+                                        </p:attrNameLst>
+                                      </p:cBhvr>
+                                      <p:tavLst>
+                                        <p:tav tm="0">
+                                          <p:val>
+                                            <p:strVal val="#ppt_x"/>
+                                          </p:val>
+                                        </p:tav>
+                                        <p:tav tm="100000">
+                                          <p:val>
+                                            <p:strVal val="#ppt_x"/>
+                                          </p:val>
+                                        </p:tav>
+                                      </p:tavLst>
+                                    </p:anim>
+                                    <p:anim calcmode="lin" valueType="num">
+                                      <p:cBhvr>
+                                        <p:cTn id="9" dur="1000" fill="hold"/>
+                                        <p:tgtEl>
+                                          <p:spTgt spid="6"/>
+                                        </p:tgtEl>
+                                        <p:attrNameLst>
+                                          <p:attrName>ppt_y</p:attrName>
+                                        </p:attrNameLst>
+                                      </p:cBhvr>
+                                      <p:tavLst>
+                                        <p:tav tm="0">
+                                          <p:val>
+                                            <p:strVal val="#ppt_y+.1"/>
+                                          </p:val>
+                                        </p:tav>
+                                        <p:tav tm="100000">
+                                          <p:val>
+                                            <p:strVal val="#ppt_y"/>
+                                          </p:val>
+                                        </p:tav>
+                                      </p:tavLst>
+                                    </p:anim>
+                                  </p:childTnLst>
+                                </p:cTn>
+                              </p:par>
+                            </p:childTnLst>
+                          </p:cTn>
+                        </p:par>
+                        <p:par>
+                          <p:cTn id="10" fill="hold">
+                            <p:stCondLst>
+                              <p:cond delay="1000"/>
+                            </p:stCondLst>
+                            <p:childTnLst>
+                              <p:par>
+                                <p:cTn id="11" presetID="42" presetClass="entr" presetSubtype="0" fill="hold" nodeType="afterEffect">
+                                  <p:stCondLst>
+                                    <p:cond delay="0"/>
+                                  </p:stCondLst>
+                                  <p:childTnLst>
+                                    <p:set>
+                                      <p:cBhvr>
+                                        <p:cTn id="12" dur="1" fill="hold">
+                                          <p:stCondLst>
+                                            <p:cond delay="0"/>
+                                          </p:stCondLst>
+                                        </p:cTn>
+                                        <p:tgtEl>
+                                          <p:spTgt spid="4"/>
+                                        </p:tgtEl>
+                                        <p:attrNameLst>
+                                          <p:attrName>style.visibility</p:attrName>
+                                        </p:attrNameLst>
+                                      </p:cBhvr>
+                                      <p:to>
+                                        <p:strVal val="visible"/>
+                                      </p:to>
+                                    </p:set>
+                                    <p:animEffect transition="in" filter="fade">
+                                      <p:cBhvr>
+                                        <p:cTn id="13" dur="1000"/>
+                                        <p:tgtEl>
+                                          <p:spTgt spid="4"/>
+                                        </p:tgtEl>
+                                      </p:cBhvr>
+                                    </p:animEffect>
+                                    <p:anim calcmode="lin" valueType="num">
+                                      <p:cBhvr>
+                                        <p:cTn id="14" dur="1000" fill="hold"/>
+                                        <p:tgtEl>
+                                          <p:spTgt spid="4"/>
+                                        </p:tgtEl>
+                                        <p:attrNameLst>
+                                          <p:attrName>ppt_x</p:attrName>
+                                        </p:attrNameLst>
+                                      </p:cBhvr>
+                                      <p:tavLst>
+                                        <p:tav tm="0">
+                                          <p:val>
+                                            <p:strVal val="#ppt_x"/>
+                                          </p:val>
+                                        </p:tav>
+                                        <p:tav tm="100000">
+                                          <p:val>
+                                            <p:strVal val="#ppt_x"/>
+                                          </p:val>
+                                        </p:tav>
+                                      </p:tavLst>
+                                    </p:anim>
+                                    <p:anim calcmode="lin" valueType="num">
+                                      <p:cBhvr>
+                                        <p:cTn id="15" dur="1000" fill="hold"/>
+                                        <p:tgtEl>
+                                          <p:spTgt spid="4"/>
+                                        </p:tgtEl>
+                                        <p:attrNameLst>
+                                          <p:attrName>ppt_y</p:attrName>
+                                        </p:attrNameLst>
+                                      </p:cBhvr>
+                                      <p:tavLst>
+                                        <p:tav tm="0">
+                                          <p:val>
+                                            <p:strVal val="#ppt_y+.1"/>
+                                          </p:val>
+                                        </p:tav>
+                                        <p:tav tm="100000">
+                                          <p:val>
+                                            <p:strVal val="#ppt_y"/>
+                                          </p:val>
+                                        </p:tav>
+                                      </p:tavLst>
+                                    </p:anim>
+                                  </p:childTnLst>
+                                </p:cTn>
+                              </p:par>
+                            </p:childTnLst>
+                          </p:cTn>
+                        </p:par>
+                        <p:par>
+                          <p:cTn id="16" fill="hold">
+                            <p:stCondLst>
+                              <p:cond delay="2000"/>
+                            </p:stCondLst>
+                            <p:childTnLst>
+                              <p:par>
+                                <p:cTn id="17" presetID="42" presetClass="entr" presetSubtype="0" fill="hold" nodeType="afterEffect">
+                                  <p:stCondLst>
+                                    <p:cond delay="0"/>
+                                  </p:stCondLst>
+                                  <p:childTnLst>
+                                    <p:set>
+                                      <p:cBhvr>
+                                        <p:cTn id="18" dur="1" fill="hold">
+                                          <p:stCondLst>
+                                            <p:cond delay="0"/>
+                                          </p:stCondLst>
+                                        </p:cTn>
+                                        <p:tgtEl>
+                                          <p:spTgt spid="5"/>
+                                        </p:tgtEl>
+                                        <p:attrNameLst>
+                                          <p:attrName>style.visibility</p:attrName>
+                                        </p:attrNameLst>
+                                      </p:cBhvr>
+                                      <p:to>
+                                        <p:strVal val="visible"/>
+                                      </p:to>
+                                    </p:set>
+                                    <p:animEffect transition="in" filter="fade">
+                                      <p:cBhvr>
+                                        <p:cTn id="19" dur="1000"/>
+                                        <p:tgtEl>
+                                          <p:spTgt spid="5"/>
+                                        </p:tgtEl>
+                                      </p:cBhvr>
+                                    </p:animEffect>
+                                    <p:anim calcmode="lin" valueType="num">
+                                      <p:cBhvr>
+                                        <p:cTn id="20" dur="1000" fill="hold"/>
+                                        <p:tgtEl>
+                                          <p:spTgt spid="5"/>
+                                        </p:tgtEl>
+                                        <p:attrNameLst>
+                                          <p:attrName>ppt_x</p:attrName>
+                                        </p:attrNameLst>
+                                      </p:cBhvr>
+                                      <p:tavLst>
+                                        <p:tav tm="0">
+                                          <p:val>
+                                            <p:strVal val="#ppt_x"/>
+                                          </p:val>
+                                        </p:tav>
+                                        <p:tav tm="100000">
+                                          <p:val>
+                                            <p:strVal val="#ppt_x"/>
+                                          </p:val>
+                                        </p:tav>
+                                      </p:tavLst>
+                                    </p:anim>
+                                    <p:anim calcmode="lin" valueType="num">
+                                      <p:cBhvr>
+                                        <p:cTn id="21" dur="1000" fill="hold"/>
+                                        <p:tgtEl>
+                                          <p:spTgt spid="5"/>
+                                        </p:tgtEl>
+                                        <p:attrNameLst>
+                                          <p:attrName>ppt_y</p:attrName>
+                                        </p:attrNameLst>
+                                      </p:cBhvr>
+                                      <p:tavLst>
+                                        <p:tav tm="0">
+                                          <p:val>
+                                            <p:strVal val="#ppt_y+.1"/>
+                                          </p:val>
+                                        </p:tav>
+                                        <p:tav tm="100000">
+                                          <p:val>
+                                            <p:strVal val="#ppt_y"/>
+                                          </p:val>
+                                        </p:tav>
+                                      </p:tavLst>
+                                    </p:anim>
+                                  </p:childTnLst>
+                                </p:cTn>
+                              </p:par>
+                            </p:childTnLst>
+                          </p:cTn>
+                        </p:par>
+                      </p:childTnLst>
+                    </p:cTn>
+                  </p:par>
+                </p:childTnLst>
+              </p:cTn>
+              <p:prevCondLst>
+                <p:cond evt="onPrev" delay="0">
+                  <p:tgtEl>
+                    <p:sldTgt/>
+                  </p:tgtEl>
+                </p:cond>
+              </p:prevCondLst>
+              <p:nextCondLst>
+                <p:cond evt="onNext" delay="0">
+                  <p:tgtEl>
+                    <p:sldTgt/>
+                  </p:tgtEl>
+                </p:cond>
+              </p:nextCondLst>
+            </p:seq>
+          </p:childTnLst>
+        </p:cTn>
       </p:par>
     </p:tnLst>
   </p:timing>
@@ -5821,15 +9157,7 @@
           <a:p>
             <a:r>
               <a:rPr lang="es-CO" dirty="0" smtClean="0"/>
-              <a:t>Control de </a:t>
-            </a:r>
-            <a:r>
-              <a:rPr lang="es-CO" dirty="0" smtClean="0"/>
-              <a:t>calidad</a:t>
-            </a:r>
-            <a:r>
-              <a:rPr lang="es-CO" dirty="0" smtClean="0"/>
-              <a:t>…</a:t>
+              <a:t>Control de calidad…</a:t>
             </a:r>
             <a:endParaRPr lang="es-CO" dirty="0"/>
           </a:p>
@@ -5914,6 +9242,551 @@
   <p:clrMapOvr>
     <a:masterClrMapping/>
   </p:clrMapOvr>
+  <p:timing>
+    <p:tnLst>
+      <p:par>
+        <p:cTn id="1" dur="indefinite" restart="never" nodeType="tmRoot">
+          <p:childTnLst>
+            <p:seq concurrent="1" nextAc="seek">
+              <p:cTn id="2" dur="indefinite" nodeType="mainSeq">
+                <p:childTnLst>
+                  <p:par>
+                    <p:cTn id="3" fill="hold">
+                      <p:stCondLst>
+                        <p:cond delay="indefinite"/>
+                      </p:stCondLst>
+                      <p:childTnLst>
+                        <p:par>
+                          <p:cTn id="4" fill="hold">
+                            <p:stCondLst>
+                              <p:cond delay="0"/>
+                            </p:stCondLst>
+                            <p:childTnLst>
+                              <p:par>
+                                <p:cTn id="5" presetID="2" presetClass="entr" presetSubtype="4" fill="hold" nodeType="clickEffect">
+                                  <p:stCondLst>
+                                    <p:cond delay="0"/>
+                                  </p:stCondLst>
+                                  <p:childTnLst>
+                                    <p:set>
+                                      <p:cBhvr>
+                                        <p:cTn id="6" dur="1" fill="hold">
+                                          <p:stCondLst>
+                                            <p:cond delay="0"/>
+                                          </p:stCondLst>
+                                        </p:cTn>
+                                        <p:tgtEl>
+                                          <p:spTgt spid="3">
+                                            <p:txEl>
+                                              <p:pRg st="2" end="2"/>
+                                            </p:txEl>
+                                          </p:spTgt>
+                                        </p:tgtEl>
+                                        <p:attrNameLst>
+                                          <p:attrName>style.visibility</p:attrName>
+                                        </p:attrNameLst>
+                                      </p:cBhvr>
+                                      <p:to>
+                                        <p:strVal val="visible"/>
+                                      </p:to>
+                                    </p:set>
+                                    <p:anim calcmode="lin" valueType="num">
+                                      <p:cBhvr additive="base">
+                                        <p:cTn id="7" dur="500" fill="hold"/>
+                                        <p:tgtEl>
+                                          <p:spTgt spid="3">
+                                            <p:txEl>
+                                              <p:pRg st="2" end="2"/>
+                                            </p:txEl>
+                                          </p:spTgt>
+                                        </p:tgtEl>
+                                        <p:attrNameLst>
+                                          <p:attrName>ppt_x</p:attrName>
+                                        </p:attrNameLst>
+                                      </p:cBhvr>
+                                      <p:tavLst>
+                                        <p:tav tm="0">
+                                          <p:val>
+                                            <p:strVal val="#ppt_x"/>
+                                          </p:val>
+                                        </p:tav>
+                                        <p:tav tm="100000">
+                                          <p:val>
+                                            <p:strVal val="#ppt_x"/>
+                                          </p:val>
+                                        </p:tav>
+                                      </p:tavLst>
+                                    </p:anim>
+                                    <p:anim calcmode="lin" valueType="num">
+                                      <p:cBhvr additive="base">
+                                        <p:cTn id="8" dur="500" fill="hold"/>
+                                        <p:tgtEl>
+                                          <p:spTgt spid="3">
+                                            <p:txEl>
+                                              <p:pRg st="2" end="2"/>
+                                            </p:txEl>
+                                          </p:spTgt>
+                                        </p:tgtEl>
+                                        <p:attrNameLst>
+                                          <p:attrName>ppt_y</p:attrName>
+                                        </p:attrNameLst>
+                                      </p:cBhvr>
+                                      <p:tavLst>
+                                        <p:tav tm="0">
+                                          <p:val>
+                                            <p:strVal val="1+#ppt_h/2"/>
+                                          </p:val>
+                                        </p:tav>
+                                        <p:tav tm="100000">
+                                          <p:val>
+                                            <p:strVal val="#ppt_y"/>
+                                          </p:val>
+                                        </p:tav>
+                                      </p:tavLst>
+                                    </p:anim>
+                                  </p:childTnLst>
+                                </p:cTn>
+                              </p:par>
+                            </p:childTnLst>
+                          </p:cTn>
+                        </p:par>
+                      </p:childTnLst>
+                    </p:cTn>
+                  </p:par>
+                  <p:par>
+                    <p:cTn id="9" fill="hold">
+                      <p:stCondLst>
+                        <p:cond delay="indefinite"/>
+                      </p:stCondLst>
+                      <p:childTnLst>
+                        <p:par>
+                          <p:cTn id="10" fill="hold">
+                            <p:stCondLst>
+                              <p:cond delay="0"/>
+                            </p:stCondLst>
+                            <p:childTnLst>
+                              <p:par>
+                                <p:cTn id="11" presetID="2" presetClass="entr" presetSubtype="4" fill="hold" nodeType="clickEffect">
+                                  <p:stCondLst>
+                                    <p:cond delay="0"/>
+                                  </p:stCondLst>
+                                  <p:childTnLst>
+                                    <p:set>
+                                      <p:cBhvr>
+                                        <p:cTn id="12" dur="1" fill="hold">
+                                          <p:stCondLst>
+                                            <p:cond delay="0"/>
+                                          </p:stCondLst>
+                                        </p:cTn>
+                                        <p:tgtEl>
+                                          <p:spTgt spid="3">
+                                            <p:txEl>
+                                              <p:pRg st="3" end="3"/>
+                                            </p:txEl>
+                                          </p:spTgt>
+                                        </p:tgtEl>
+                                        <p:attrNameLst>
+                                          <p:attrName>style.visibility</p:attrName>
+                                        </p:attrNameLst>
+                                      </p:cBhvr>
+                                      <p:to>
+                                        <p:strVal val="visible"/>
+                                      </p:to>
+                                    </p:set>
+                                    <p:anim calcmode="lin" valueType="num">
+                                      <p:cBhvr additive="base">
+                                        <p:cTn id="13" dur="500" fill="hold"/>
+                                        <p:tgtEl>
+                                          <p:spTgt spid="3">
+                                            <p:txEl>
+                                              <p:pRg st="3" end="3"/>
+                                            </p:txEl>
+                                          </p:spTgt>
+                                        </p:tgtEl>
+                                        <p:attrNameLst>
+                                          <p:attrName>ppt_x</p:attrName>
+                                        </p:attrNameLst>
+                                      </p:cBhvr>
+                                      <p:tavLst>
+                                        <p:tav tm="0">
+                                          <p:val>
+                                            <p:strVal val="#ppt_x"/>
+                                          </p:val>
+                                        </p:tav>
+                                        <p:tav tm="100000">
+                                          <p:val>
+                                            <p:strVal val="#ppt_x"/>
+                                          </p:val>
+                                        </p:tav>
+                                      </p:tavLst>
+                                    </p:anim>
+                                    <p:anim calcmode="lin" valueType="num">
+                                      <p:cBhvr additive="base">
+                                        <p:cTn id="14" dur="500" fill="hold"/>
+                                        <p:tgtEl>
+                                          <p:spTgt spid="3">
+                                            <p:txEl>
+                                              <p:pRg st="3" end="3"/>
+                                            </p:txEl>
+                                          </p:spTgt>
+                                        </p:tgtEl>
+                                        <p:attrNameLst>
+                                          <p:attrName>ppt_y</p:attrName>
+                                        </p:attrNameLst>
+                                      </p:cBhvr>
+                                      <p:tavLst>
+                                        <p:tav tm="0">
+                                          <p:val>
+                                            <p:strVal val="1+#ppt_h/2"/>
+                                          </p:val>
+                                        </p:tav>
+                                        <p:tav tm="100000">
+                                          <p:val>
+                                            <p:strVal val="#ppt_y"/>
+                                          </p:val>
+                                        </p:tav>
+                                      </p:tavLst>
+                                    </p:anim>
+                                  </p:childTnLst>
+                                </p:cTn>
+                              </p:par>
+                            </p:childTnLst>
+                          </p:cTn>
+                        </p:par>
+                      </p:childTnLst>
+                    </p:cTn>
+                  </p:par>
+                  <p:par>
+                    <p:cTn id="15" fill="hold">
+                      <p:stCondLst>
+                        <p:cond delay="indefinite"/>
+                      </p:stCondLst>
+                      <p:childTnLst>
+                        <p:par>
+                          <p:cTn id="16" fill="hold">
+                            <p:stCondLst>
+                              <p:cond delay="0"/>
+                            </p:stCondLst>
+                            <p:childTnLst>
+                              <p:par>
+                                <p:cTn id="17" presetID="2" presetClass="entr" presetSubtype="4" fill="hold" nodeType="clickEffect">
+                                  <p:stCondLst>
+                                    <p:cond delay="0"/>
+                                  </p:stCondLst>
+                                  <p:childTnLst>
+                                    <p:set>
+                                      <p:cBhvr>
+                                        <p:cTn id="18" dur="1" fill="hold">
+                                          <p:stCondLst>
+                                            <p:cond delay="0"/>
+                                          </p:stCondLst>
+                                        </p:cTn>
+                                        <p:tgtEl>
+                                          <p:spTgt spid="3">
+                                            <p:txEl>
+                                              <p:pRg st="4" end="4"/>
+                                            </p:txEl>
+                                          </p:spTgt>
+                                        </p:tgtEl>
+                                        <p:attrNameLst>
+                                          <p:attrName>style.visibility</p:attrName>
+                                        </p:attrNameLst>
+                                      </p:cBhvr>
+                                      <p:to>
+                                        <p:strVal val="visible"/>
+                                      </p:to>
+                                    </p:set>
+                                    <p:anim calcmode="lin" valueType="num">
+                                      <p:cBhvr additive="base">
+                                        <p:cTn id="19" dur="500" fill="hold"/>
+                                        <p:tgtEl>
+                                          <p:spTgt spid="3">
+                                            <p:txEl>
+                                              <p:pRg st="4" end="4"/>
+                                            </p:txEl>
+                                          </p:spTgt>
+                                        </p:tgtEl>
+                                        <p:attrNameLst>
+                                          <p:attrName>ppt_x</p:attrName>
+                                        </p:attrNameLst>
+                                      </p:cBhvr>
+                                      <p:tavLst>
+                                        <p:tav tm="0">
+                                          <p:val>
+                                            <p:strVal val="#ppt_x"/>
+                                          </p:val>
+                                        </p:tav>
+                                        <p:tav tm="100000">
+                                          <p:val>
+                                            <p:strVal val="#ppt_x"/>
+                                          </p:val>
+                                        </p:tav>
+                                      </p:tavLst>
+                                    </p:anim>
+                                    <p:anim calcmode="lin" valueType="num">
+                                      <p:cBhvr additive="base">
+                                        <p:cTn id="20" dur="500" fill="hold"/>
+                                        <p:tgtEl>
+                                          <p:spTgt spid="3">
+                                            <p:txEl>
+                                              <p:pRg st="4" end="4"/>
+                                            </p:txEl>
+                                          </p:spTgt>
+                                        </p:tgtEl>
+                                        <p:attrNameLst>
+                                          <p:attrName>ppt_y</p:attrName>
+                                        </p:attrNameLst>
+                                      </p:cBhvr>
+                                      <p:tavLst>
+                                        <p:tav tm="0">
+                                          <p:val>
+                                            <p:strVal val="1+#ppt_h/2"/>
+                                          </p:val>
+                                        </p:tav>
+                                        <p:tav tm="100000">
+                                          <p:val>
+                                            <p:strVal val="#ppt_y"/>
+                                          </p:val>
+                                        </p:tav>
+                                      </p:tavLst>
+                                    </p:anim>
+                                  </p:childTnLst>
+                                </p:cTn>
+                              </p:par>
+                            </p:childTnLst>
+                          </p:cTn>
+                        </p:par>
+                      </p:childTnLst>
+                    </p:cTn>
+                  </p:par>
+                  <p:par>
+                    <p:cTn id="21" fill="hold">
+                      <p:stCondLst>
+                        <p:cond delay="indefinite"/>
+                      </p:stCondLst>
+                      <p:childTnLst>
+                        <p:par>
+                          <p:cTn id="22" fill="hold">
+                            <p:stCondLst>
+                              <p:cond delay="0"/>
+                            </p:stCondLst>
+                            <p:childTnLst>
+                              <p:par>
+                                <p:cTn id="23" presetID="2" presetClass="entr" presetSubtype="4" fill="hold" nodeType="clickEffect">
+                                  <p:stCondLst>
+                                    <p:cond delay="0"/>
+                                  </p:stCondLst>
+                                  <p:childTnLst>
+                                    <p:set>
+                                      <p:cBhvr>
+                                        <p:cTn id="24" dur="1" fill="hold">
+                                          <p:stCondLst>
+                                            <p:cond delay="0"/>
+                                          </p:stCondLst>
+                                        </p:cTn>
+                                        <p:tgtEl>
+                                          <p:spTgt spid="3">
+                                            <p:txEl>
+                                              <p:pRg st="5" end="5"/>
+                                            </p:txEl>
+                                          </p:spTgt>
+                                        </p:tgtEl>
+                                        <p:attrNameLst>
+                                          <p:attrName>style.visibility</p:attrName>
+                                        </p:attrNameLst>
+                                      </p:cBhvr>
+                                      <p:to>
+                                        <p:strVal val="visible"/>
+                                      </p:to>
+                                    </p:set>
+                                    <p:anim calcmode="lin" valueType="num">
+                                      <p:cBhvr additive="base">
+                                        <p:cTn id="25" dur="500" fill="hold"/>
+                                        <p:tgtEl>
+                                          <p:spTgt spid="3">
+                                            <p:txEl>
+                                              <p:pRg st="5" end="5"/>
+                                            </p:txEl>
+                                          </p:spTgt>
+                                        </p:tgtEl>
+                                        <p:attrNameLst>
+                                          <p:attrName>ppt_x</p:attrName>
+                                        </p:attrNameLst>
+                                      </p:cBhvr>
+                                      <p:tavLst>
+                                        <p:tav tm="0">
+                                          <p:val>
+                                            <p:strVal val="#ppt_x"/>
+                                          </p:val>
+                                        </p:tav>
+                                        <p:tav tm="100000">
+                                          <p:val>
+                                            <p:strVal val="#ppt_x"/>
+                                          </p:val>
+                                        </p:tav>
+                                      </p:tavLst>
+                                    </p:anim>
+                                    <p:anim calcmode="lin" valueType="num">
+                                      <p:cBhvr additive="base">
+                                        <p:cTn id="26" dur="500" fill="hold"/>
+                                        <p:tgtEl>
+                                          <p:spTgt spid="3">
+                                            <p:txEl>
+                                              <p:pRg st="5" end="5"/>
+                                            </p:txEl>
+                                          </p:spTgt>
+                                        </p:tgtEl>
+                                        <p:attrNameLst>
+                                          <p:attrName>ppt_y</p:attrName>
+                                        </p:attrNameLst>
+                                      </p:cBhvr>
+                                      <p:tavLst>
+                                        <p:tav tm="0">
+                                          <p:val>
+                                            <p:strVal val="1+#ppt_h/2"/>
+                                          </p:val>
+                                        </p:tav>
+                                        <p:tav tm="100000">
+                                          <p:val>
+                                            <p:strVal val="#ppt_y"/>
+                                          </p:val>
+                                        </p:tav>
+                                      </p:tavLst>
+                                    </p:anim>
+                                  </p:childTnLst>
+                                </p:cTn>
+                              </p:par>
+                            </p:childTnLst>
+                          </p:cTn>
+                        </p:par>
+                      </p:childTnLst>
+                    </p:cTn>
+                  </p:par>
+                  <p:par>
+                    <p:cTn id="27" fill="hold">
+                      <p:stCondLst>
+                        <p:cond delay="indefinite"/>
+                      </p:stCondLst>
+                      <p:childTnLst>
+                        <p:par>
+                          <p:cTn id="28" fill="hold">
+                            <p:stCondLst>
+                              <p:cond delay="0"/>
+                            </p:stCondLst>
+                            <p:childTnLst>
+                              <p:par>
+                                <p:cTn id="29" presetID="2" presetClass="entr" presetSubtype="4" fill="hold" nodeType="clickEffect">
+                                  <p:stCondLst>
+                                    <p:cond delay="0"/>
+                                  </p:stCondLst>
+                                  <p:childTnLst>
+                                    <p:set>
+                                      <p:cBhvr>
+                                        <p:cTn id="30" dur="1" fill="hold">
+                                          <p:stCondLst>
+                                            <p:cond delay="0"/>
+                                          </p:stCondLst>
+                                        </p:cTn>
+                                        <p:tgtEl>
+                                          <p:spTgt spid="3">
+                                            <p:txEl>
+                                              <p:pRg st="6" end="6"/>
+                                            </p:txEl>
+                                          </p:spTgt>
+                                        </p:tgtEl>
+                                        <p:attrNameLst>
+                                          <p:attrName>style.visibility</p:attrName>
+                                        </p:attrNameLst>
+                                      </p:cBhvr>
+                                      <p:to>
+                                        <p:strVal val="visible"/>
+                                      </p:to>
+                                    </p:set>
+                                    <p:anim calcmode="lin" valueType="num">
+                                      <p:cBhvr additive="base">
+                                        <p:cTn id="31" dur="500" fill="hold"/>
+                                        <p:tgtEl>
+                                          <p:spTgt spid="3">
+                                            <p:txEl>
+                                              <p:pRg st="6" end="6"/>
+                                            </p:txEl>
+                                          </p:spTgt>
+                                        </p:tgtEl>
+                                        <p:attrNameLst>
+                                          <p:attrName>ppt_x</p:attrName>
+                                        </p:attrNameLst>
+                                      </p:cBhvr>
+                                      <p:tavLst>
+                                        <p:tav tm="0">
+                                          <p:val>
+                                            <p:strVal val="#ppt_x"/>
+                                          </p:val>
+                                        </p:tav>
+                                        <p:tav tm="100000">
+                                          <p:val>
+                                            <p:strVal val="#ppt_x"/>
+                                          </p:val>
+                                        </p:tav>
+                                      </p:tavLst>
+                                    </p:anim>
+                                    <p:anim calcmode="lin" valueType="num">
+                                      <p:cBhvr additive="base">
+                                        <p:cTn id="32" dur="500" fill="hold"/>
+                                        <p:tgtEl>
+                                          <p:spTgt spid="3">
+                                            <p:txEl>
+                                              <p:pRg st="6" end="6"/>
+                                            </p:txEl>
+                                          </p:spTgt>
+                                        </p:tgtEl>
+                                        <p:attrNameLst>
+                                          <p:attrName>ppt_y</p:attrName>
+                                        </p:attrNameLst>
+                                      </p:cBhvr>
+                                      <p:tavLst>
+                                        <p:tav tm="0">
+                                          <p:val>
+                                            <p:strVal val="1+#ppt_h/2"/>
+                                          </p:val>
+                                        </p:tav>
+                                        <p:tav tm="100000">
+                                          <p:val>
+                                            <p:strVal val="#ppt_y"/>
+                                          </p:val>
+                                        </p:tav>
+                                      </p:tavLst>
+                                    </p:anim>
+                                  </p:childTnLst>
+                                </p:cTn>
+                              </p:par>
+                            </p:childTnLst>
+                          </p:cTn>
+                        </p:par>
+                      </p:childTnLst>
+                    </p:cTn>
+                  </p:par>
+                </p:childTnLst>
+              </p:cTn>
+              <p:prevCondLst>
+                <p:cond evt="onPrev" delay="0">
+                  <p:tgtEl>
+                    <p:sldTgt/>
+                  </p:tgtEl>
+                </p:cond>
+              </p:prevCondLst>
+              <p:nextCondLst>
+                <p:cond evt="onNext" delay="0">
+                  <p:tgtEl>
+                    <p:sldTgt/>
+                  </p:tgtEl>
+                </p:cond>
+              </p:nextCondLst>
+            </p:seq>
+          </p:childTnLst>
+        </p:cTn>
+      </p:par>
+    </p:tnLst>
+  </p:timing>
 </p:sld>
 </file>
 

--- a/Tratamiento de datos climáticos.pptx
+++ b/Tratamiento de datos climáticos.pptx
@@ -2,7 +2,7 @@
 <file path=ppt/presentation.xml><?xml version="1.0" encoding="utf-8"?>
 <p:presentation xmlns:a="http://schemas.openxmlformats.org/drawingml/2006/main" xmlns:r="http://schemas.openxmlformats.org/officeDocument/2006/relationships" xmlns:p="http://schemas.openxmlformats.org/presentationml/2006/main" saveSubsetFonts="1">
   <p:sldMasterIdLst>
-    <p:sldMasterId id="2147483648" r:id="rId1"/>
+    <p:sldMasterId id="2147483677" r:id="rId1"/>
   </p:sldMasterIdLst>
   <p:sldIdLst>
     <p:sldId id="256" r:id="rId2"/>
@@ -14,18 +14,20 @@
     <p:sldId id="265" r:id="rId8"/>
     <p:sldId id="266" r:id="rId9"/>
     <p:sldId id="263" r:id="rId10"/>
-    <p:sldId id="264" r:id="rId11"/>
-    <p:sldId id="276" r:id="rId12"/>
+    <p:sldId id="279" r:id="rId11"/>
+    <p:sldId id="264" r:id="rId12"/>
     <p:sldId id="275" r:id="rId13"/>
-    <p:sldId id="267" r:id="rId14"/>
-    <p:sldId id="272" r:id="rId15"/>
-    <p:sldId id="269" r:id="rId16"/>
-    <p:sldId id="274" r:id="rId17"/>
-    <p:sldId id="268" r:id="rId18"/>
-    <p:sldId id="270" r:id="rId19"/>
-    <p:sldId id="271" r:id="rId20"/>
-    <p:sldId id="273" r:id="rId21"/>
-    <p:sldId id="277" r:id="rId22"/>
+    <p:sldId id="276" r:id="rId14"/>
+    <p:sldId id="267" r:id="rId15"/>
+    <p:sldId id="272" r:id="rId16"/>
+    <p:sldId id="269" r:id="rId17"/>
+    <p:sldId id="274" r:id="rId18"/>
+    <p:sldId id="268" r:id="rId19"/>
+    <p:sldId id="270" r:id="rId20"/>
+    <p:sldId id="271" r:id="rId21"/>
+    <p:sldId id="278" r:id="rId22"/>
+    <p:sldId id="273" r:id="rId23"/>
+    <p:sldId id="277" r:id="rId24"/>
   </p:sldIdLst>
   <p:sldSz cx="12192000" cy="6858000"/>
   <p:notesSz cx="6858000" cy="9144000"/>
@@ -147,9 +149,9 @@
 <file path=ppt/comments/comment1.xml><?xml version="1.0" encoding="utf-8"?>
 <p:cmLst xmlns:a="http://schemas.openxmlformats.org/drawingml/2006/main" xmlns:r="http://schemas.openxmlformats.org/officeDocument/2006/relationships" xmlns:p="http://schemas.openxmlformats.org/presentationml/2006/main">
   <p:cm authorId="1" dt="2016-11-24T15:46:53.478" idx="3">
-    <p:pos x="7184" y="2711"/>
+    <p:pos x="6063" y="2711"/>
     <p:text>Se puede descargar kmz para trabajar desde el equipo o acceder al mapa en linea de las estaciones (mejor). Desde el mapa en línea puedo utilizarr una función llamada proximity que es similar a bufer en arcgis. Seleccionar estaciones por poligonos a mano y sacar el listado de estas, descargar los datos disponibles</p:text>
-    <p:extLst>
+    <p:extLst mod="1">
       <p:ext uri="{C676402C-5697-4E1C-873F-D02D1690AC5C}">
         <p15:threadingInfo xmlns:p15="http://schemas.microsoft.com/office/powerpoint/2012/main" timeZoneBias="300"/>
       </p:ext>
@@ -312,7 +314,7 @@
           <a:p>
             <a:fld id="{F478E455-2610-4EC8-99BC-ED6763E081C6}" type="datetimeFigureOut">
               <a:rPr lang="es-CO" smtClean="0"/>
-              <a:t>25/11/2016</a:t>
+              <a:t>06/01/2017</a:t>
             </a:fld>
             <a:endParaRPr lang="es-CO"/>
           </a:p>
@@ -363,7 +365,7 @@
     </p:spTree>
     <p:extLst>
       <p:ext uri="{BB962C8B-B14F-4D97-AF65-F5344CB8AC3E}">
-        <p14:creationId xmlns:p14="http://schemas.microsoft.com/office/powerpoint/2010/main" val="885155808"/>
+        <p14:creationId xmlns:p14="http://schemas.microsoft.com/office/powerpoint/2010/main" val="28397347"/>
       </p:ext>
     </p:extLst>
   </p:cSld>
@@ -482,7 +484,7 @@
           <a:p>
             <a:fld id="{F478E455-2610-4EC8-99BC-ED6763E081C6}" type="datetimeFigureOut">
               <a:rPr lang="es-CO" smtClean="0"/>
-              <a:t>25/11/2016</a:t>
+              <a:t>06/01/2017</a:t>
             </a:fld>
             <a:endParaRPr lang="es-CO"/>
           </a:p>
@@ -533,7 +535,7 @@
     </p:spTree>
     <p:extLst>
       <p:ext uri="{BB962C8B-B14F-4D97-AF65-F5344CB8AC3E}">
-        <p14:creationId xmlns:p14="http://schemas.microsoft.com/office/powerpoint/2010/main" val="424781933"/>
+        <p14:creationId xmlns:p14="http://schemas.microsoft.com/office/powerpoint/2010/main" val="224356524"/>
       </p:ext>
     </p:extLst>
   </p:cSld>
@@ -662,7 +664,7 @@
           <a:p>
             <a:fld id="{F478E455-2610-4EC8-99BC-ED6763E081C6}" type="datetimeFigureOut">
               <a:rPr lang="es-CO" smtClean="0"/>
-              <a:t>25/11/2016</a:t>
+              <a:t>06/01/2017</a:t>
             </a:fld>
             <a:endParaRPr lang="es-CO"/>
           </a:p>
@@ -713,7 +715,7 @@
     </p:spTree>
     <p:extLst>
       <p:ext uri="{BB962C8B-B14F-4D97-AF65-F5344CB8AC3E}">
-        <p14:creationId xmlns:p14="http://schemas.microsoft.com/office/powerpoint/2010/main" val="3492016374"/>
+        <p14:creationId xmlns:p14="http://schemas.microsoft.com/office/powerpoint/2010/main" val="1418687891"/>
       </p:ext>
     </p:extLst>
   </p:cSld>
@@ -832,7 +834,7 @@
           <a:p>
             <a:fld id="{F478E455-2610-4EC8-99BC-ED6763E081C6}" type="datetimeFigureOut">
               <a:rPr lang="es-CO" smtClean="0"/>
-              <a:t>25/11/2016</a:t>
+              <a:t>06/01/2017</a:t>
             </a:fld>
             <a:endParaRPr lang="es-CO"/>
           </a:p>
@@ -883,7 +885,7 @@
     </p:spTree>
     <p:extLst>
       <p:ext uri="{BB962C8B-B14F-4D97-AF65-F5344CB8AC3E}">
-        <p14:creationId xmlns:p14="http://schemas.microsoft.com/office/powerpoint/2010/main" val="3173048889"/>
+        <p14:creationId xmlns:p14="http://schemas.microsoft.com/office/powerpoint/2010/main" val="3879524413"/>
       </p:ext>
     </p:extLst>
   </p:cSld>
@@ -1078,7 +1080,7 @@
           <a:p>
             <a:fld id="{F478E455-2610-4EC8-99BC-ED6763E081C6}" type="datetimeFigureOut">
               <a:rPr lang="es-CO" smtClean="0"/>
-              <a:t>25/11/2016</a:t>
+              <a:t>06/01/2017</a:t>
             </a:fld>
             <a:endParaRPr lang="es-CO"/>
           </a:p>
@@ -1129,7 +1131,7 @@
     </p:spTree>
     <p:extLst>
       <p:ext uri="{BB962C8B-B14F-4D97-AF65-F5344CB8AC3E}">
-        <p14:creationId xmlns:p14="http://schemas.microsoft.com/office/powerpoint/2010/main" val="1240463842"/>
+        <p14:creationId xmlns:p14="http://schemas.microsoft.com/office/powerpoint/2010/main" val="4013297393"/>
       </p:ext>
     </p:extLst>
   </p:cSld>
@@ -1310,7 +1312,7 @@
           <a:p>
             <a:fld id="{F478E455-2610-4EC8-99BC-ED6763E081C6}" type="datetimeFigureOut">
               <a:rPr lang="es-CO" smtClean="0"/>
-              <a:t>25/11/2016</a:t>
+              <a:t>06/01/2017</a:t>
             </a:fld>
             <a:endParaRPr lang="es-CO"/>
           </a:p>
@@ -1361,7 +1363,7 @@
     </p:spTree>
     <p:extLst>
       <p:ext uri="{BB962C8B-B14F-4D97-AF65-F5344CB8AC3E}">
-        <p14:creationId xmlns:p14="http://schemas.microsoft.com/office/powerpoint/2010/main" val="1330712405"/>
+        <p14:creationId xmlns:p14="http://schemas.microsoft.com/office/powerpoint/2010/main" val="4149774805"/>
       </p:ext>
     </p:extLst>
   </p:cSld>
@@ -1677,7 +1679,7 @@
           <a:p>
             <a:fld id="{F478E455-2610-4EC8-99BC-ED6763E081C6}" type="datetimeFigureOut">
               <a:rPr lang="es-CO" smtClean="0"/>
-              <a:t>25/11/2016</a:t>
+              <a:t>06/01/2017</a:t>
             </a:fld>
             <a:endParaRPr lang="es-CO"/>
           </a:p>
@@ -1728,7 +1730,7 @@
     </p:spTree>
     <p:extLst>
       <p:ext uri="{BB962C8B-B14F-4D97-AF65-F5344CB8AC3E}">
-        <p14:creationId xmlns:p14="http://schemas.microsoft.com/office/powerpoint/2010/main" val="1174546245"/>
+        <p14:creationId xmlns:p14="http://schemas.microsoft.com/office/powerpoint/2010/main" val="2862128007"/>
       </p:ext>
     </p:extLst>
   </p:cSld>
@@ -1795,7 +1797,7 @@
           <a:p>
             <a:fld id="{F478E455-2610-4EC8-99BC-ED6763E081C6}" type="datetimeFigureOut">
               <a:rPr lang="es-CO" smtClean="0"/>
-              <a:t>25/11/2016</a:t>
+              <a:t>06/01/2017</a:t>
             </a:fld>
             <a:endParaRPr lang="es-CO"/>
           </a:p>
@@ -1846,7 +1848,7 @@
     </p:spTree>
     <p:extLst>
       <p:ext uri="{BB962C8B-B14F-4D97-AF65-F5344CB8AC3E}">
-        <p14:creationId xmlns:p14="http://schemas.microsoft.com/office/powerpoint/2010/main" val="3533330909"/>
+        <p14:creationId xmlns:p14="http://schemas.microsoft.com/office/powerpoint/2010/main" val="1300898273"/>
       </p:ext>
     </p:extLst>
   </p:cSld>
@@ -1890,7 +1892,7 @@
           <a:p>
             <a:fld id="{F478E455-2610-4EC8-99BC-ED6763E081C6}" type="datetimeFigureOut">
               <a:rPr lang="es-CO" smtClean="0"/>
-              <a:t>25/11/2016</a:t>
+              <a:t>06/01/2017</a:t>
             </a:fld>
             <a:endParaRPr lang="es-CO"/>
           </a:p>
@@ -1941,7 +1943,7 @@
     </p:spTree>
     <p:extLst>
       <p:ext uri="{BB962C8B-B14F-4D97-AF65-F5344CB8AC3E}">
-        <p14:creationId xmlns:p14="http://schemas.microsoft.com/office/powerpoint/2010/main" val="3864289513"/>
+        <p14:creationId xmlns:p14="http://schemas.microsoft.com/office/powerpoint/2010/main" val="1384779064"/>
       </p:ext>
     </p:extLst>
   </p:cSld>
@@ -2167,7 +2169,7 @@
           <a:p>
             <a:fld id="{F478E455-2610-4EC8-99BC-ED6763E081C6}" type="datetimeFigureOut">
               <a:rPr lang="es-CO" smtClean="0"/>
-              <a:t>25/11/2016</a:t>
+              <a:t>06/01/2017</a:t>
             </a:fld>
             <a:endParaRPr lang="es-CO"/>
           </a:p>
@@ -2218,7 +2220,7 @@
     </p:spTree>
     <p:extLst>
       <p:ext uri="{BB962C8B-B14F-4D97-AF65-F5344CB8AC3E}">
-        <p14:creationId xmlns:p14="http://schemas.microsoft.com/office/powerpoint/2010/main" val="683932790"/>
+        <p14:creationId xmlns:p14="http://schemas.microsoft.com/office/powerpoint/2010/main" val="2248188209"/>
       </p:ext>
     </p:extLst>
   </p:cSld>
@@ -2420,7 +2422,7 @@
           <a:p>
             <a:fld id="{F478E455-2610-4EC8-99BC-ED6763E081C6}" type="datetimeFigureOut">
               <a:rPr lang="es-CO" smtClean="0"/>
-              <a:t>25/11/2016</a:t>
+              <a:t>06/01/2017</a:t>
             </a:fld>
             <a:endParaRPr lang="es-CO"/>
           </a:p>
@@ -2471,7 +2473,7 @@
     </p:spTree>
     <p:extLst>
       <p:ext uri="{BB962C8B-B14F-4D97-AF65-F5344CB8AC3E}">
-        <p14:creationId xmlns:p14="http://schemas.microsoft.com/office/powerpoint/2010/main" val="186008474"/>
+        <p14:creationId xmlns:p14="http://schemas.microsoft.com/office/powerpoint/2010/main" val="493220638"/>
       </p:ext>
     </p:extLst>
   </p:cSld>
@@ -2633,7 +2635,7 @@
           <a:p>
             <a:fld id="{F478E455-2610-4EC8-99BC-ED6763E081C6}" type="datetimeFigureOut">
               <a:rPr lang="es-CO" smtClean="0"/>
-              <a:t>25/11/2016</a:t>
+              <a:t>06/01/2017</a:t>
             </a:fld>
             <a:endParaRPr lang="es-CO"/>
           </a:p>
@@ -2720,23 +2722,23 @@
     </p:spTree>
     <p:extLst>
       <p:ext uri="{BB962C8B-B14F-4D97-AF65-F5344CB8AC3E}">
-        <p14:creationId xmlns:p14="http://schemas.microsoft.com/office/powerpoint/2010/main" val="3212626523"/>
+        <p14:creationId xmlns:p14="http://schemas.microsoft.com/office/powerpoint/2010/main" val="2023330925"/>
       </p:ext>
     </p:extLst>
   </p:cSld>
   <p:clrMap bg1="lt1" tx1="dk1" bg2="lt2" tx2="dk2" accent1="accent1" accent2="accent2" accent3="accent3" accent4="accent4" accent5="accent5" accent6="accent6" hlink="hlink" folHlink="folHlink"/>
   <p:sldLayoutIdLst>
-    <p:sldLayoutId id="2147483649" r:id="rId1"/>
-    <p:sldLayoutId id="2147483650" r:id="rId2"/>
-    <p:sldLayoutId id="2147483651" r:id="rId3"/>
-    <p:sldLayoutId id="2147483652" r:id="rId4"/>
-    <p:sldLayoutId id="2147483653" r:id="rId5"/>
-    <p:sldLayoutId id="2147483654" r:id="rId6"/>
-    <p:sldLayoutId id="2147483655" r:id="rId7"/>
-    <p:sldLayoutId id="2147483656" r:id="rId8"/>
-    <p:sldLayoutId id="2147483657" r:id="rId9"/>
-    <p:sldLayoutId id="2147483658" r:id="rId10"/>
-    <p:sldLayoutId id="2147483659" r:id="rId11"/>
+    <p:sldLayoutId id="2147483678" r:id="rId1"/>
+    <p:sldLayoutId id="2147483679" r:id="rId2"/>
+    <p:sldLayoutId id="2147483680" r:id="rId3"/>
+    <p:sldLayoutId id="2147483681" r:id="rId4"/>
+    <p:sldLayoutId id="2147483682" r:id="rId5"/>
+    <p:sldLayoutId id="2147483683" r:id="rId6"/>
+    <p:sldLayoutId id="2147483684" r:id="rId7"/>
+    <p:sldLayoutId id="2147483685" r:id="rId8"/>
+    <p:sldLayoutId id="2147483686" r:id="rId9"/>
+    <p:sldLayoutId id="2147483687" r:id="rId10"/>
+    <p:sldLayoutId id="2147483688" r:id="rId11"/>
   </p:sldLayoutIdLst>
   <p:txStyles>
     <p:titleStyle>
@@ -3054,10 +3056,40 @@
           <a:lstStyle/>
           <a:p>
             <a:r>
-              <a:rPr lang="es-CO" dirty="0" smtClean="0"/>
+              <a:rPr lang="es-CO" dirty="0" smtClean="0">
+                <a:ln w="0"/>
+                <a:solidFill>
+                  <a:schemeClr val="accent1">
+                    <a:lumMod val="75000"/>
+                  </a:schemeClr>
+                </a:solidFill>
+                <a:effectLst>
+                  <a:outerShdw blurRad="38100" dist="38100" dir="2700000" algn="tl">
+                    <a:srgbClr val="000000">
+                      <a:alpha val="43137"/>
+                    </a:srgbClr>
+                  </a:outerShdw>
+                </a:effectLst>
+                <a:latin typeface="Arial Black" panose="020B0A04020102020204" pitchFamily="34" charset="0"/>
+              </a:rPr>
               <a:t>Tratamiento de datos climáticos.</a:t>
             </a:r>
-            <a:endParaRPr lang="es-CO" dirty="0"/>
+            <a:endParaRPr lang="es-CO" dirty="0">
+              <a:ln w="0"/>
+              <a:solidFill>
+                <a:schemeClr val="accent1">
+                  <a:lumMod val="75000"/>
+                </a:schemeClr>
+              </a:solidFill>
+              <a:effectLst>
+                <a:outerShdw blurRad="38100" dist="38100" dir="2700000" algn="tl">
+                  <a:srgbClr val="000000">
+                    <a:alpha val="43137"/>
+                  </a:srgbClr>
+                </a:outerShdw>
+              </a:effectLst>
+              <a:latin typeface="Arial Black" panose="020B0A04020102020204" pitchFamily="34" charset="0"/>
+            </a:endParaRPr>
           </a:p>
         </p:txBody>
       </p:sp>
@@ -3113,7 +3145,7 @@
         </p:blipFill>
         <p:spPr>
           <a:xfrm>
-            <a:off x="1859692" y="4429919"/>
+            <a:off x="2331308" y="4499358"/>
             <a:ext cx="1179721" cy="1198168"/>
           </a:xfrm>
           <a:prstGeom prst="rect">
@@ -3143,7 +3175,7 @@
         </p:blipFill>
         <p:spPr>
           <a:xfrm>
-            <a:off x="9586173" y="4429919"/>
+            <a:off x="8862273" y="4499358"/>
             <a:ext cx="1198168" cy="1198168"/>
           </a:xfrm>
           <a:prstGeom prst="rect">
@@ -3263,6 +3295,633 @@
           <a:bodyPr/>
           <a:lstStyle/>
           <a:p>
+            <a:r>
+              <a:rPr lang="es-CO" dirty="0" smtClean="0"/>
+              <a:t>Control de calidad diaria…</a:t>
+            </a:r>
+            <a:endParaRPr lang="es-CO" dirty="0"/>
+          </a:p>
+        </p:txBody>
+      </p:sp>
+      <p:sp>
+        <p:nvSpPr>
+          <p:cNvPr id="3" name="Content Placeholder 2"/>
+          <p:cNvSpPr>
+            <a:spLocks noGrp="1"/>
+          </p:cNvSpPr>
+          <p:nvPr>
+            <p:ph idx="1"/>
+          </p:nvPr>
+        </p:nvSpPr>
+        <p:spPr>
+          <a:xfrm>
+            <a:off x="838200" y="1416676"/>
+            <a:ext cx="10515600" cy="4760287"/>
+          </a:xfrm>
+        </p:spPr>
+        <p:txBody>
+          <a:bodyPr>
+            <a:noAutofit/>
+          </a:bodyPr>
+          <a:lstStyle/>
+          <a:p>
+            <a:pPr marL="0" indent="0" algn="just">
+              <a:buNone/>
+            </a:pPr>
+            <a:endParaRPr lang="es-CO" sz="3200" dirty="0"/>
+          </a:p>
+          <a:p>
+            <a:pPr algn="just"/>
+            <a:r>
+              <a:rPr lang="es-CO" sz="3200" dirty="0" smtClean="0"/>
+              <a:t>3 o 4 Desviaciones estándar.</a:t>
+            </a:r>
+          </a:p>
+          <a:p>
+            <a:pPr algn="just"/>
+            <a:r>
+              <a:rPr lang="es-CO" sz="3200" dirty="0" smtClean="0"/>
+              <a:t>Ayudas gráficas.</a:t>
+            </a:r>
+          </a:p>
+          <a:p>
+            <a:pPr algn="just"/>
+            <a:r>
+              <a:rPr lang="es-CO" sz="3200" dirty="0" smtClean="0"/>
+              <a:t>Valores referencia </a:t>
+            </a:r>
+            <a:r>
+              <a:rPr lang="es-CO" sz="3200" dirty="0"/>
+              <a:t>según la zona </a:t>
+            </a:r>
+            <a:r>
+              <a:rPr lang="es-CO" sz="3200" dirty="0" smtClean="0"/>
+              <a:t>/ historia.</a:t>
+            </a:r>
+          </a:p>
+          <a:p>
+            <a:pPr algn="just"/>
+            <a:r>
+              <a:rPr lang="es-CO" sz="3200" dirty="0" err="1" smtClean="0"/>
+              <a:t>Tmax</a:t>
+            </a:r>
+            <a:r>
+              <a:rPr lang="es-CO" sz="3200" dirty="0" smtClean="0"/>
+              <a:t>&gt;</a:t>
+            </a:r>
+            <a:r>
+              <a:rPr lang="es-CO" sz="3200" dirty="0" err="1" smtClean="0"/>
+              <a:t>Tmin</a:t>
+            </a:r>
+            <a:r>
+              <a:rPr lang="es-CO" sz="3200" dirty="0" smtClean="0"/>
+              <a:t>.</a:t>
+            </a:r>
+          </a:p>
+          <a:p>
+            <a:pPr algn="just"/>
+            <a:endParaRPr lang="es-CO" sz="3200" dirty="0"/>
+          </a:p>
+        </p:txBody>
+      </p:sp>
+      <p:sp>
+        <p:nvSpPr>
+          <p:cNvPr id="4" name="Rectangle 3">
+            <a:hlinkClick r:id="rId2" action="ppaction://hlinksldjump"/>
+          </p:cNvPr>
+          <p:cNvSpPr/>
+          <p:nvPr/>
+        </p:nvSpPr>
+        <p:spPr>
+          <a:xfrm>
+            <a:off x="1124988" y="2630771"/>
+            <a:ext cx="2685535" cy="387178"/>
+          </a:xfrm>
+          <a:prstGeom prst="rect">
+            <a:avLst/>
+          </a:prstGeom>
+          <a:noFill/>
+          <a:ln>
+            <a:noFill/>
+          </a:ln>
+        </p:spPr>
+        <p:style>
+          <a:lnRef idx="2">
+            <a:schemeClr val="accent1">
+              <a:shade val="50000"/>
+            </a:schemeClr>
+          </a:lnRef>
+          <a:fillRef idx="1">
+            <a:schemeClr val="accent1"/>
+          </a:fillRef>
+          <a:effectRef idx="0">
+            <a:schemeClr val="accent1"/>
+          </a:effectRef>
+          <a:fontRef idx="minor">
+            <a:schemeClr val="lt1"/>
+          </a:fontRef>
+        </p:style>
+        <p:txBody>
+          <a:bodyPr rtlCol="0" anchor="ctr"/>
+          <a:lstStyle/>
+          <a:p>
+            <a:pPr algn="ctr"/>
+            <a:endParaRPr lang="es-CO"/>
+          </a:p>
+        </p:txBody>
+      </p:sp>
+    </p:spTree>
+    <p:extLst>
+      <p:ext uri="{BB962C8B-B14F-4D97-AF65-F5344CB8AC3E}">
+        <p14:creationId xmlns:p14="http://schemas.microsoft.com/office/powerpoint/2010/main" val="3585087802"/>
+      </p:ext>
+    </p:extLst>
+  </p:cSld>
+  <p:clrMapOvr>
+    <a:masterClrMapping/>
+  </p:clrMapOvr>
+  <p:timing>
+    <p:tnLst>
+      <p:par>
+        <p:cTn id="1" dur="indefinite" restart="never" nodeType="tmRoot">
+          <p:childTnLst>
+            <p:seq concurrent="1" nextAc="seek">
+              <p:cTn id="2" dur="indefinite" nodeType="mainSeq">
+                <p:childTnLst>
+                  <p:par>
+                    <p:cTn id="3" fill="hold">
+                      <p:stCondLst>
+                        <p:cond delay="indefinite"/>
+                      </p:stCondLst>
+                      <p:childTnLst>
+                        <p:par>
+                          <p:cTn id="4" fill="hold">
+                            <p:stCondLst>
+                              <p:cond delay="0"/>
+                            </p:stCondLst>
+                            <p:childTnLst>
+                              <p:par>
+                                <p:cTn id="5" presetID="2" presetClass="entr" presetSubtype="4" fill="hold" nodeType="clickEffect">
+                                  <p:stCondLst>
+                                    <p:cond delay="0"/>
+                                  </p:stCondLst>
+                                  <p:childTnLst>
+                                    <p:set>
+                                      <p:cBhvr>
+                                        <p:cTn id="6" dur="1" fill="hold">
+                                          <p:stCondLst>
+                                            <p:cond delay="0"/>
+                                          </p:stCondLst>
+                                        </p:cTn>
+                                        <p:tgtEl>
+                                          <p:spTgt spid="3">
+                                            <p:txEl>
+                                              <p:pRg st="1" end="1"/>
+                                            </p:txEl>
+                                          </p:spTgt>
+                                        </p:tgtEl>
+                                        <p:attrNameLst>
+                                          <p:attrName>style.visibility</p:attrName>
+                                        </p:attrNameLst>
+                                      </p:cBhvr>
+                                      <p:to>
+                                        <p:strVal val="visible"/>
+                                      </p:to>
+                                    </p:set>
+                                    <p:anim calcmode="lin" valueType="num">
+                                      <p:cBhvr additive="base">
+                                        <p:cTn id="7" dur="500" fill="hold"/>
+                                        <p:tgtEl>
+                                          <p:spTgt spid="3">
+                                            <p:txEl>
+                                              <p:pRg st="1" end="1"/>
+                                            </p:txEl>
+                                          </p:spTgt>
+                                        </p:tgtEl>
+                                        <p:attrNameLst>
+                                          <p:attrName>ppt_x</p:attrName>
+                                        </p:attrNameLst>
+                                      </p:cBhvr>
+                                      <p:tavLst>
+                                        <p:tav tm="0">
+                                          <p:val>
+                                            <p:strVal val="#ppt_x"/>
+                                          </p:val>
+                                        </p:tav>
+                                        <p:tav tm="100000">
+                                          <p:val>
+                                            <p:strVal val="#ppt_x"/>
+                                          </p:val>
+                                        </p:tav>
+                                      </p:tavLst>
+                                    </p:anim>
+                                    <p:anim calcmode="lin" valueType="num">
+                                      <p:cBhvr additive="base">
+                                        <p:cTn id="8" dur="500" fill="hold"/>
+                                        <p:tgtEl>
+                                          <p:spTgt spid="3">
+                                            <p:txEl>
+                                              <p:pRg st="1" end="1"/>
+                                            </p:txEl>
+                                          </p:spTgt>
+                                        </p:tgtEl>
+                                        <p:attrNameLst>
+                                          <p:attrName>ppt_y</p:attrName>
+                                        </p:attrNameLst>
+                                      </p:cBhvr>
+                                      <p:tavLst>
+                                        <p:tav tm="0">
+                                          <p:val>
+                                            <p:strVal val="1+#ppt_h/2"/>
+                                          </p:val>
+                                        </p:tav>
+                                        <p:tav tm="100000">
+                                          <p:val>
+                                            <p:strVal val="#ppt_y"/>
+                                          </p:val>
+                                        </p:tav>
+                                      </p:tavLst>
+                                    </p:anim>
+                                  </p:childTnLst>
+                                </p:cTn>
+                              </p:par>
+                            </p:childTnLst>
+                          </p:cTn>
+                        </p:par>
+                      </p:childTnLst>
+                    </p:cTn>
+                  </p:par>
+                  <p:par>
+                    <p:cTn id="9" fill="hold">
+                      <p:stCondLst>
+                        <p:cond delay="indefinite"/>
+                      </p:stCondLst>
+                      <p:childTnLst>
+                        <p:par>
+                          <p:cTn id="10" fill="hold">
+                            <p:stCondLst>
+                              <p:cond delay="0"/>
+                            </p:stCondLst>
+                            <p:childTnLst>
+                              <p:par>
+                                <p:cTn id="11" presetID="2" presetClass="entr" presetSubtype="4" fill="hold" nodeType="clickEffect">
+                                  <p:stCondLst>
+                                    <p:cond delay="0"/>
+                                  </p:stCondLst>
+                                  <p:childTnLst>
+                                    <p:set>
+                                      <p:cBhvr>
+                                        <p:cTn id="12" dur="1" fill="hold">
+                                          <p:stCondLst>
+                                            <p:cond delay="0"/>
+                                          </p:stCondLst>
+                                        </p:cTn>
+                                        <p:tgtEl>
+                                          <p:spTgt spid="3">
+                                            <p:txEl>
+                                              <p:pRg st="2" end="2"/>
+                                            </p:txEl>
+                                          </p:spTgt>
+                                        </p:tgtEl>
+                                        <p:attrNameLst>
+                                          <p:attrName>style.visibility</p:attrName>
+                                        </p:attrNameLst>
+                                      </p:cBhvr>
+                                      <p:to>
+                                        <p:strVal val="visible"/>
+                                      </p:to>
+                                    </p:set>
+                                    <p:anim calcmode="lin" valueType="num">
+                                      <p:cBhvr additive="base">
+                                        <p:cTn id="13" dur="500" fill="hold"/>
+                                        <p:tgtEl>
+                                          <p:spTgt spid="3">
+                                            <p:txEl>
+                                              <p:pRg st="2" end="2"/>
+                                            </p:txEl>
+                                          </p:spTgt>
+                                        </p:tgtEl>
+                                        <p:attrNameLst>
+                                          <p:attrName>ppt_x</p:attrName>
+                                        </p:attrNameLst>
+                                      </p:cBhvr>
+                                      <p:tavLst>
+                                        <p:tav tm="0">
+                                          <p:val>
+                                            <p:strVal val="#ppt_x"/>
+                                          </p:val>
+                                        </p:tav>
+                                        <p:tav tm="100000">
+                                          <p:val>
+                                            <p:strVal val="#ppt_x"/>
+                                          </p:val>
+                                        </p:tav>
+                                      </p:tavLst>
+                                    </p:anim>
+                                    <p:anim calcmode="lin" valueType="num">
+                                      <p:cBhvr additive="base">
+                                        <p:cTn id="14" dur="500" fill="hold"/>
+                                        <p:tgtEl>
+                                          <p:spTgt spid="3">
+                                            <p:txEl>
+                                              <p:pRg st="2" end="2"/>
+                                            </p:txEl>
+                                          </p:spTgt>
+                                        </p:tgtEl>
+                                        <p:attrNameLst>
+                                          <p:attrName>ppt_y</p:attrName>
+                                        </p:attrNameLst>
+                                      </p:cBhvr>
+                                      <p:tavLst>
+                                        <p:tav tm="0">
+                                          <p:val>
+                                            <p:strVal val="1+#ppt_h/2"/>
+                                          </p:val>
+                                        </p:tav>
+                                        <p:tav tm="100000">
+                                          <p:val>
+                                            <p:strVal val="#ppt_y"/>
+                                          </p:val>
+                                        </p:tav>
+                                      </p:tavLst>
+                                    </p:anim>
+                                  </p:childTnLst>
+                                </p:cTn>
+                              </p:par>
+                            </p:childTnLst>
+                          </p:cTn>
+                        </p:par>
+                      </p:childTnLst>
+                    </p:cTn>
+                  </p:par>
+                  <p:par>
+                    <p:cTn id="15" fill="hold">
+                      <p:stCondLst>
+                        <p:cond delay="indefinite"/>
+                      </p:stCondLst>
+                      <p:childTnLst>
+                        <p:par>
+                          <p:cTn id="16" fill="hold">
+                            <p:stCondLst>
+                              <p:cond delay="0"/>
+                            </p:stCondLst>
+                            <p:childTnLst>
+                              <p:par>
+                                <p:cTn id="17" presetID="2" presetClass="entr" presetSubtype="4" fill="hold" nodeType="clickEffect">
+                                  <p:stCondLst>
+                                    <p:cond delay="0"/>
+                                  </p:stCondLst>
+                                  <p:childTnLst>
+                                    <p:set>
+                                      <p:cBhvr>
+                                        <p:cTn id="18" dur="1" fill="hold">
+                                          <p:stCondLst>
+                                            <p:cond delay="0"/>
+                                          </p:stCondLst>
+                                        </p:cTn>
+                                        <p:tgtEl>
+                                          <p:spTgt spid="3">
+                                            <p:txEl>
+                                              <p:pRg st="3" end="3"/>
+                                            </p:txEl>
+                                          </p:spTgt>
+                                        </p:tgtEl>
+                                        <p:attrNameLst>
+                                          <p:attrName>style.visibility</p:attrName>
+                                        </p:attrNameLst>
+                                      </p:cBhvr>
+                                      <p:to>
+                                        <p:strVal val="visible"/>
+                                      </p:to>
+                                    </p:set>
+                                    <p:anim calcmode="lin" valueType="num">
+                                      <p:cBhvr additive="base">
+                                        <p:cTn id="19" dur="500" fill="hold"/>
+                                        <p:tgtEl>
+                                          <p:spTgt spid="3">
+                                            <p:txEl>
+                                              <p:pRg st="3" end="3"/>
+                                            </p:txEl>
+                                          </p:spTgt>
+                                        </p:tgtEl>
+                                        <p:attrNameLst>
+                                          <p:attrName>ppt_x</p:attrName>
+                                        </p:attrNameLst>
+                                      </p:cBhvr>
+                                      <p:tavLst>
+                                        <p:tav tm="0">
+                                          <p:val>
+                                            <p:strVal val="#ppt_x"/>
+                                          </p:val>
+                                        </p:tav>
+                                        <p:tav tm="100000">
+                                          <p:val>
+                                            <p:strVal val="#ppt_x"/>
+                                          </p:val>
+                                        </p:tav>
+                                      </p:tavLst>
+                                    </p:anim>
+                                    <p:anim calcmode="lin" valueType="num">
+                                      <p:cBhvr additive="base">
+                                        <p:cTn id="20" dur="500" fill="hold"/>
+                                        <p:tgtEl>
+                                          <p:spTgt spid="3">
+                                            <p:txEl>
+                                              <p:pRg st="3" end="3"/>
+                                            </p:txEl>
+                                          </p:spTgt>
+                                        </p:tgtEl>
+                                        <p:attrNameLst>
+                                          <p:attrName>ppt_y</p:attrName>
+                                        </p:attrNameLst>
+                                      </p:cBhvr>
+                                      <p:tavLst>
+                                        <p:tav tm="0">
+                                          <p:val>
+                                            <p:strVal val="1+#ppt_h/2"/>
+                                          </p:val>
+                                        </p:tav>
+                                        <p:tav tm="100000">
+                                          <p:val>
+                                            <p:strVal val="#ppt_y"/>
+                                          </p:val>
+                                        </p:tav>
+                                      </p:tavLst>
+                                    </p:anim>
+                                  </p:childTnLst>
+                                </p:cTn>
+                              </p:par>
+                            </p:childTnLst>
+                          </p:cTn>
+                        </p:par>
+                      </p:childTnLst>
+                    </p:cTn>
+                  </p:par>
+                  <p:par>
+                    <p:cTn id="21" fill="hold">
+                      <p:stCondLst>
+                        <p:cond delay="indefinite"/>
+                      </p:stCondLst>
+                      <p:childTnLst>
+                        <p:par>
+                          <p:cTn id="22" fill="hold">
+                            <p:stCondLst>
+                              <p:cond delay="0"/>
+                            </p:stCondLst>
+                            <p:childTnLst>
+                              <p:par>
+                                <p:cTn id="23" presetID="2" presetClass="entr" presetSubtype="4" fill="hold" nodeType="clickEffect">
+                                  <p:stCondLst>
+                                    <p:cond delay="0"/>
+                                  </p:stCondLst>
+                                  <p:childTnLst>
+                                    <p:set>
+                                      <p:cBhvr>
+                                        <p:cTn id="24" dur="1" fill="hold">
+                                          <p:stCondLst>
+                                            <p:cond delay="0"/>
+                                          </p:stCondLst>
+                                        </p:cTn>
+                                        <p:tgtEl>
+                                          <p:spTgt spid="3">
+                                            <p:txEl>
+                                              <p:pRg st="4" end="4"/>
+                                            </p:txEl>
+                                          </p:spTgt>
+                                        </p:tgtEl>
+                                        <p:attrNameLst>
+                                          <p:attrName>style.visibility</p:attrName>
+                                        </p:attrNameLst>
+                                      </p:cBhvr>
+                                      <p:to>
+                                        <p:strVal val="visible"/>
+                                      </p:to>
+                                    </p:set>
+                                    <p:anim calcmode="lin" valueType="num">
+                                      <p:cBhvr additive="base">
+                                        <p:cTn id="25" dur="500" fill="hold"/>
+                                        <p:tgtEl>
+                                          <p:spTgt spid="3">
+                                            <p:txEl>
+                                              <p:pRg st="4" end="4"/>
+                                            </p:txEl>
+                                          </p:spTgt>
+                                        </p:tgtEl>
+                                        <p:attrNameLst>
+                                          <p:attrName>ppt_x</p:attrName>
+                                        </p:attrNameLst>
+                                      </p:cBhvr>
+                                      <p:tavLst>
+                                        <p:tav tm="0">
+                                          <p:val>
+                                            <p:strVal val="#ppt_x"/>
+                                          </p:val>
+                                        </p:tav>
+                                        <p:tav tm="100000">
+                                          <p:val>
+                                            <p:strVal val="#ppt_x"/>
+                                          </p:val>
+                                        </p:tav>
+                                      </p:tavLst>
+                                    </p:anim>
+                                    <p:anim calcmode="lin" valueType="num">
+                                      <p:cBhvr additive="base">
+                                        <p:cTn id="26" dur="500" fill="hold"/>
+                                        <p:tgtEl>
+                                          <p:spTgt spid="3">
+                                            <p:txEl>
+                                              <p:pRg st="4" end="4"/>
+                                            </p:txEl>
+                                          </p:spTgt>
+                                        </p:tgtEl>
+                                        <p:attrNameLst>
+                                          <p:attrName>ppt_y</p:attrName>
+                                        </p:attrNameLst>
+                                      </p:cBhvr>
+                                      <p:tavLst>
+                                        <p:tav tm="0">
+                                          <p:val>
+                                            <p:strVal val="1+#ppt_h/2"/>
+                                          </p:val>
+                                        </p:tav>
+                                        <p:tav tm="100000">
+                                          <p:val>
+                                            <p:strVal val="#ppt_y"/>
+                                          </p:val>
+                                        </p:tav>
+                                      </p:tavLst>
+                                    </p:anim>
+                                  </p:childTnLst>
+                                </p:cTn>
+                              </p:par>
+                            </p:childTnLst>
+                          </p:cTn>
+                        </p:par>
+                      </p:childTnLst>
+                    </p:cTn>
+                  </p:par>
+                </p:childTnLst>
+              </p:cTn>
+              <p:prevCondLst>
+                <p:cond evt="onPrev" delay="0">
+                  <p:tgtEl>
+                    <p:sldTgt/>
+                  </p:tgtEl>
+                </p:cond>
+              </p:prevCondLst>
+              <p:nextCondLst>
+                <p:cond evt="onNext" delay="0">
+                  <p:tgtEl>
+                    <p:sldTgt/>
+                  </p:tgtEl>
+                </p:cond>
+              </p:nextCondLst>
+            </p:seq>
+          </p:childTnLst>
+        </p:cTn>
+      </p:par>
+    </p:tnLst>
+  </p:timing>
+</p:sld>
+</file>
+
+<file path=ppt/slides/slide11.xml><?xml version="1.0" encoding="utf-8"?>
+<p:sld xmlns:a="http://schemas.openxmlformats.org/drawingml/2006/main" xmlns:r="http://schemas.openxmlformats.org/officeDocument/2006/relationships" xmlns:p="http://schemas.openxmlformats.org/presentationml/2006/main">
+  <p:cSld>
+    <p:spTree>
+      <p:nvGrpSpPr>
+        <p:cNvPr id="1" name=""/>
+        <p:cNvGrpSpPr/>
+        <p:nvPr/>
+      </p:nvGrpSpPr>
+      <p:grpSpPr>
+        <a:xfrm>
+          <a:off x="0" y="0"/>
+          <a:ext cx="0" cy="0"/>
+          <a:chOff x="0" y="0"/>
+          <a:chExt cx="0" cy="0"/>
+        </a:xfrm>
+      </p:grpSpPr>
+      <p:sp>
+        <p:nvSpPr>
+          <p:cNvPr id="2" name="Title 1"/>
+          <p:cNvSpPr>
+            <a:spLocks noGrp="1"/>
+          </p:cNvSpPr>
+          <p:nvPr>
+            <p:ph type="title"/>
+          </p:nvPr>
+        </p:nvSpPr>
+        <p:spPr>
+          <a:xfrm>
+            <a:off x="838200" y="0"/>
+            <a:ext cx="10515600" cy="1325563"/>
+          </a:xfrm>
+        </p:spPr>
+        <p:txBody>
+          <a:bodyPr/>
+          <a:lstStyle/>
+          <a:p>
             <a:pPr algn="just"/>
             <a:r>
               <a:rPr lang="es-CO" dirty="0"/>
@@ -3323,10 +3982,6 @@
               <a:rPr lang="es-CO" sz="3600" dirty="0" smtClean="0"/>
               <a:t>Regla del 80% (Validez del dato).</a:t>
             </a:r>
-          </a:p>
-          <a:p>
-            <a:pPr algn="just"/>
-            <a:endParaRPr lang="es-CO" dirty="0"/>
           </a:p>
         </p:txBody>
       </p:sp>
@@ -3767,119 +4422,6 @@
 </p:sld>
 </file>
 
-<file path=ppt/slides/slide11.xml><?xml version="1.0" encoding="utf-8"?>
-<p:sld xmlns:a="http://schemas.openxmlformats.org/drawingml/2006/main" xmlns:r="http://schemas.openxmlformats.org/officeDocument/2006/relationships" xmlns:p="http://schemas.openxmlformats.org/presentationml/2006/main">
-  <p:cSld>
-    <p:spTree>
-      <p:nvGrpSpPr>
-        <p:cNvPr id="1" name=""/>
-        <p:cNvGrpSpPr/>
-        <p:nvPr/>
-      </p:nvGrpSpPr>
-      <p:grpSpPr>
-        <a:xfrm>
-          <a:off x="0" y="0"/>
-          <a:ext cx="0" cy="0"/>
-          <a:chOff x="0" y="0"/>
-          <a:chExt cx="0" cy="0"/>
-        </a:xfrm>
-      </p:grpSpPr>
-      <p:sp>
-        <p:nvSpPr>
-          <p:cNvPr id="2" name="Title 1"/>
-          <p:cNvSpPr>
-            <a:spLocks noGrp="1"/>
-          </p:cNvSpPr>
-          <p:nvPr>
-            <p:ph type="title"/>
-          </p:nvPr>
-        </p:nvSpPr>
-        <p:spPr>
-          <a:xfrm>
-            <a:off x="838200" y="0"/>
-            <a:ext cx="10515600" cy="1325563"/>
-          </a:xfrm>
-        </p:spPr>
-        <p:txBody>
-          <a:bodyPr/>
-          <a:lstStyle/>
-          <a:p>
-            <a:pPr algn="just"/>
-            <a:r>
-              <a:rPr lang="es-CO" dirty="0" smtClean="0"/>
-              <a:t>Unir duplicidad de fuentes de información…</a:t>
-            </a:r>
-            <a:endParaRPr lang="es-CO" dirty="0"/>
-          </a:p>
-        </p:txBody>
-      </p:sp>
-      <p:sp>
-        <p:nvSpPr>
-          <p:cNvPr id="3" name="Content Placeholder 2"/>
-          <p:cNvSpPr>
-            <a:spLocks noGrp="1"/>
-          </p:cNvSpPr>
-          <p:nvPr>
-            <p:ph idx="1"/>
-          </p:nvPr>
-        </p:nvSpPr>
-        <p:spPr/>
-        <p:txBody>
-          <a:bodyPr/>
-          <a:lstStyle/>
-          <a:p>
-            <a:pPr marL="0" indent="0" algn="just">
-              <a:buNone/>
-            </a:pPr>
-            <a:endParaRPr lang="es-CO" dirty="0"/>
-          </a:p>
-          <a:p>
-            <a:pPr marL="0" indent="0" algn="just">
-              <a:buNone/>
-            </a:pPr>
-            <a:r>
-              <a:rPr lang="es-CO" dirty="0" smtClean="0"/>
-              <a:t>Puede darse el caso de que la misma estación tenga registros a nivel horario y diario.</a:t>
-            </a:r>
-          </a:p>
-          <a:p>
-            <a:pPr marL="0" indent="0" algn="just">
-              <a:buNone/>
-            </a:pPr>
-            <a:endParaRPr lang="es-CO" dirty="0"/>
-          </a:p>
-          <a:p>
-            <a:pPr marL="0" indent="0" algn="just">
-              <a:buNone/>
-            </a:pPr>
-            <a:r>
-              <a:rPr lang="es-CO" dirty="0" smtClean="0"/>
-              <a:t>Para evitar el dilema de cuál de las dos fuentes usar, se contempla una mezcla de estas dos antes del control de calidad diario.</a:t>
-            </a:r>
-            <a:endParaRPr lang="es-CO" dirty="0"/>
-          </a:p>
-        </p:txBody>
-      </p:sp>
-    </p:spTree>
-    <p:extLst>
-      <p:ext uri="{BB962C8B-B14F-4D97-AF65-F5344CB8AC3E}">
-        <p14:creationId xmlns:p14="http://schemas.microsoft.com/office/powerpoint/2010/main" val="1331504795"/>
-      </p:ext>
-    </p:extLst>
-  </p:cSld>
-  <p:clrMapOvr>
-    <a:masterClrMapping/>
-  </p:clrMapOvr>
-  <p:timing>
-    <p:tnLst>
-      <p:par>
-        <p:cTn id="1" dur="indefinite" restart="never" nodeType="tmRoot"/>
-      </p:par>
-    </p:tnLst>
-  </p:timing>
-</p:sld>
-</file>
-
 <file path=ppt/slides/slide12.xml><?xml version="1.0" encoding="utf-8"?>
 <p:sld xmlns:a="http://schemas.openxmlformats.org/drawingml/2006/main" xmlns:r="http://schemas.openxmlformats.org/officeDocument/2006/relationships" xmlns:p="http://schemas.openxmlformats.org/presentationml/2006/main">
   <p:cSld>
@@ -3949,6 +4491,48 @@
           </a:xfrm>
         </p:spPr>
       </p:pic>
+      <p:sp>
+        <p:nvSpPr>
+          <p:cNvPr id="3" name="Up Arrow 2">
+            <a:hlinkClick r:id="rId3" action="ppaction://hlinksldjump"/>
+          </p:cNvPr>
+          <p:cNvSpPr/>
+          <p:nvPr/>
+        </p:nvSpPr>
+        <p:spPr>
+          <a:xfrm>
+            <a:off x="82379" y="6598509"/>
+            <a:ext cx="148281" cy="197708"/>
+          </a:xfrm>
+          <a:prstGeom prst="upArrow">
+            <a:avLst/>
+          </a:prstGeom>
+        </p:spPr>
+        <p:style>
+          <a:lnRef idx="2">
+            <a:schemeClr val="accent1">
+              <a:shade val="50000"/>
+            </a:schemeClr>
+          </a:lnRef>
+          <a:fillRef idx="1">
+            <a:schemeClr val="accent1"/>
+          </a:fillRef>
+          <a:effectRef idx="0">
+            <a:schemeClr val="accent1"/>
+          </a:effectRef>
+          <a:fontRef idx="minor">
+            <a:schemeClr val="lt1"/>
+          </a:fontRef>
+        </p:style>
+        <p:txBody>
+          <a:bodyPr rtlCol="0" anchor="ctr"/>
+          <a:lstStyle/>
+          <a:p>
+            <a:pPr algn="ctr"/>
+            <a:endParaRPr lang="es-CO"/>
+          </a:p>
+        </p:txBody>
+      </p:sp>
     </p:spTree>
     <p:extLst>
       <p:ext uri="{BB962C8B-B14F-4D97-AF65-F5344CB8AC3E}">
@@ -3996,14 +4580,20 @@
             <p:ph type="title"/>
           </p:nvPr>
         </p:nvSpPr>
-        <p:spPr/>
+        <p:spPr>
+          <a:xfrm>
+            <a:off x="838200" y="0"/>
+            <a:ext cx="10515600" cy="1325563"/>
+          </a:xfrm>
+        </p:spPr>
         <p:txBody>
           <a:bodyPr/>
           <a:lstStyle/>
           <a:p>
+            <a:pPr algn="just"/>
             <a:r>
               <a:rPr lang="es-CO" dirty="0" smtClean="0"/>
-              <a:t>Llenado de faltantes</a:t>
+              <a:t>Unir duplicidad de fuentes de información…</a:t>
             </a:r>
             <a:endParaRPr lang="es-CO" dirty="0"/>
           </a:p>
@@ -4024,52 +4614,42 @@
           <a:bodyPr/>
           <a:lstStyle/>
           <a:p>
-            <a:endParaRPr lang="es-CO" dirty="0"/>
-          </a:p>
-          <a:p>
             <a:pPr marL="0" indent="0" algn="just">
               <a:buNone/>
             </a:pPr>
-            <a:r>
-              <a:rPr lang="es-CO" sz="4400" dirty="0"/>
-              <a:t>Utilizando una </a:t>
-            </a:r>
-            <a:r>
-              <a:rPr lang="es-CO" sz="4400" dirty="0" smtClean="0"/>
-              <a:t>librería </a:t>
-            </a:r>
-            <a:r>
-              <a:rPr lang="es-CO" sz="4400" dirty="0"/>
-              <a:t>de R llamada </a:t>
-            </a:r>
-            <a:r>
-              <a:rPr lang="es-CO" sz="4400" i="1" dirty="0" err="1"/>
-              <a:t>Rmawgen</a:t>
-            </a:r>
-            <a:r>
-              <a:rPr lang="es-CO" sz="4400" i="1" dirty="0" smtClean="0"/>
-              <a:t>(), la cual hace uso de modelos VAR que permiten mantener la correlación temporal y espacial entre las variables</a:t>
-            </a:r>
-            <a:r>
-              <a:rPr lang="es-CO" sz="4400" dirty="0" smtClean="0"/>
-              <a:t> (TMAX</a:t>
-            </a:r>
-            <a:r>
-              <a:rPr lang="es-CO" sz="4400" dirty="0"/>
-              <a:t>, TMIN y </a:t>
-            </a:r>
-            <a:r>
-              <a:rPr lang="es-CO" sz="4400" dirty="0" smtClean="0"/>
-              <a:t>RAIN).</a:t>
-            </a:r>
-            <a:endParaRPr lang="es-CO" sz="4400" dirty="0"/>
+            <a:endParaRPr lang="es-CO" dirty="0"/>
+          </a:p>
+          <a:p>
+            <a:pPr marL="0" indent="0" algn="just">
+              <a:buNone/>
+            </a:pPr>
+            <a:r>
+              <a:rPr lang="es-CO" dirty="0" smtClean="0"/>
+              <a:t>Puede darse el caso de que la misma estación tenga registros a nivel horario y diario.</a:t>
+            </a:r>
+          </a:p>
+          <a:p>
+            <a:pPr marL="0" indent="0" algn="just">
+              <a:buNone/>
+            </a:pPr>
+            <a:endParaRPr lang="es-CO" dirty="0"/>
+          </a:p>
+          <a:p>
+            <a:pPr marL="0" indent="0" algn="just">
+              <a:buNone/>
+            </a:pPr>
+            <a:r>
+              <a:rPr lang="es-CO" dirty="0" smtClean="0"/>
+              <a:t>Para evitar el dilema de cuál de las dos fuentes usar, se contempla una mezcla de estas dos antes del control de calidad diario.</a:t>
+            </a:r>
+            <a:endParaRPr lang="es-CO" dirty="0"/>
           </a:p>
         </p:txBody>
       </p:sp>
     </p:spTree>
     <p:extLst>
       <p:ext uri="{BB962C8B-B14F-4D97-AF65-F5344CB8AC3E}">
-        <p14:creationId xmlns:p14="http://schemas.microsoft.com/office/powerpoint/2010/main" val="3087038393"/>
+        <p14:creationId xmlns:p14="http://schemas.microsoft.com/office/powerpoint/2010/main" val="1331504795"/>
       </p:ext>
     </p:extLst>
   </p:cSld>
@@ -4126,39 +4706,69 @@
           </a:p>
         </p:txBody>
       </p:sp>
-      <p:pic>
-        <p:nvPicPr>
-          <p:cNvPr id="4" name="Content Placeholder 3"/>
-          <p:cNvPicPr>
-            <a:picLocks noGrp="1" noChangeAspect="1"/>
-          </p:cNvPicPr>
+      <p:sp>
+        <p:nvSpPr>
+          <p:cNvPr id="3" name="Content Placeholder 2"/>
+          <p:cNvSpPr>
+            <a:spLocks noGrp="1"/>
+          </p:cNvSpPr>
           <p:nvPr>
             <p:ph idx="1"/>
           </p:nvPr>
-        </p:nvPicPr>
-        <p:blipFill>
-          <a:blip r:embed="rId2" cstate="print">
-            <a:extLst>
-              <a:ext uri="{28A0092B-C50C-407E-A947-70E740481C1C}">
-                <a14:useLocalDpi xmlns:a14="http://schemas.microsoft.com/office/drawing/2010/main" val="0"/>
-              </a:ext>
-            </a:extLst>
-          </a:blip>
-          <a:stretch>
-            <a:fillRect/>
-          </a:stretch>
-        </p:blipFill>
-        <p:spPr>
-          <a:xfrm>
-            <a:off x="530311" y="1472226"/>
-            <a:ext cx="11131378" cy="5221017"/>
-          </a:xfrm>
-        </p:spPr>
-      </p:pic>
+        </p:nvSpPr>
+        <p:spPr/>
+        <p:txBody>
+          <a:bodyPr>
+            <a:normAutofit/>
+          </a:bodyPr>
+          <a:lstStyle/>
+          <a:p>
+            <a:endParaRPr lang="es-CO" dirty="0"/>
+          </a:p>
+          <a:p>
+            <a:pPr marL="0" indent="0" algn="just">
+              <a:buNone/>
+            </a:pPr>
+            <a:r>
+              <a:rPr lang="es-CO" sz="4400" dirty="0"/>
+              <a:t>Utilizando una </a:t>
+            </a:r>
+            <a:r>
+              <a:rPr lang="es-CO" sz="4400" dirty="0" smtClean="0"/>
+              <a:t>librería </a:t>
+            </a:r>
+            <a:r>
+              <a:rPr lang="es-CO" sz="4400" dirty="0"/>
+              <a:t>de R llamada </a:t>
+            </a:r>
+            <a:r>
+              <a:rPr lang="es-CO" sz="4400" i="1" dirty="0" err="1"/>
+              <a:t>Rmawgen</a:t>
+            </a:r>
+            <a:r>
+              <a:rPr lang="es-CO" sz="4400" i="1" dirty="0" smtClean="0"/>
+              <a:t>(), la cual hace uso de modelos VAR que permiten mantener la correlación temporal y espacial entre las variables</a:t>
+            </a:r>
+            <a:r>
+              <a:rPr lang="es-CO" sz="4400" dirty="0" smtClean="0"/>
+              <a:t> (TMAX</a:t>
+            </a:r>
+            <a:r>
+              <a:rPr lang="es-CO" sz="4400" dirty="0"/>
+              <a:t>, TMIN y </a:t>
+            </a:r>
+            <a:r>
+              <a:rPr lang="es-CO" sz="4400" dirty="0" smtClean="0"/>
+              <a:t>RAIN).</a:t>
+            </a:r>
+            <a:endParaRPr lang="es-CO" sz="4400" dirty="0"/>
+          </a:p>
+        </p:txBody>
+      </p:sp>
     </p:spTree>
     <p:extLst>
       <p:ext uri="{BB962C8B-B14F-4D97-AF65-F5344CB8AC3E}">
-        <p14:creationId xmlns:p14="http://schemas.microsoft.com/office/powerpoint/2010/main" val="2089996926"/>
+        <p14:creationId xmlns:p14="http://schemas.microsoft.com/office/powerpoint/2010/main" val="3087038393"/>
       </p:ext>
     </p:extLst>
   </p:cSld>
@@ -4215,6 +4825,95 @@
           </a:p>
         </p:txBody>
       </p:sp>
+      <p:pic>
+        <p:nvPicPr>
+          <p:cNvPr id="4" name="Content Placeholder 3"/>
+          <p:cNvPicPr>
+            <a:picLocks noGrp="1" noChangeAspect="1"/>
+          </p:cNvPicPr>
+          <p:nvPr>
+            <p:ph idx="1"/>
+          </p:nvPr>
+        </p:nvPicPr>
+        <p:blipFill>
+          <a:blip r:embed="rId2" cstate="print">
+            <a:extLst>
+              <a:ext uri="{28A0092B-C50C-407E-A947-70E740481C1C}">
+                <a14:useLocalDpi xmlns:a14="http://schemas.microsoft.com/office/drawing/2010/main" val="0"/>
+              </a:ext>
+            </a:extLst>
+          </a:blip>
+          <a:stretch>
+            <a:fillRect/>
+          </a:stretch>
+        </p:blipFill>
+        <p:spPr>
+          <a:xfrm>
+            <a:off x="1409700" y="1270000"/>
+            <a:ext cx="9385300" cy="5359400"/>
+          </a:xfrm>
+        </p:spPr>
+      </p:pic>
+    </p:spTree>
+    <p:extLst>
+      <p:ext uri="{BB962C8B-B14F-4D97-AF65-F5344CB8AC3E}">
+        <p14:creationId xmlns:p14="http://schemas.microsoft.com/office/powerpoint/2010/main" val="2089996926"/>
+      </p:ext>
+    </p:extLst>
+  </p:cSld>
+  <p:clrMapOvr>
+    <a:masterClrMapping/>
+  </p:clrMapOvr>
+  <p:timing>
+    <p:tnLst>
+      <p:par>
+        <p:cTn id="1" dur="indefinite" restart="never" nodeType="tmRoot"/>
+      </p:par>
+    </p:tnLst>
+  </p:timing>
+</p:sld>
+</file>
+
+<file path=ppt/slides/slide16.xml><?xml version="1.0" encoding="utf-8"?>
+<p:sld xmlns:a="http://schemas.openxmlformats.org/drawingml/2006/main" xmlns:r="http://schemas.openxmlformats.org/officeDocument/2006/relationships" xmlns:p="http://schemas.openxmlformats.org/presentationml/2006/main">
+  <p:cSld>
+    <p:spTree>
+      <p:nvGrpSpPr>
+        <p:cNvPr id="1" name=""/>
+        <p:cNvGrpSpPr/>
+        <p:nvPr/>
+      </p:nvGrpSpPr>
+      <p:grpSpPr>
+        <a:xfrm>
+          <a:off x="0" y="0"/>
+          <a:ext cx="0" cy="0"/>
+          <a:chOff x="0" y="0"/>
+          <a:chExt cx="0" cy="0"/>
+        </a:xfrm>
+      </p:grpSpPr>
+      <p:sp>
+        <p:nvSpPr>
+          <p:cNvPr id="2" name="Title 1"/>
+          <p:cNvSpPr>
+            <a:spLocks noGrp="1"/>
+          </p:cNvSpPr>
+          <p:nvPr>
+            <p:ph type="title"/>
+          </p:nvPr>
+        </p:nvSpPr>
+        <p:spPr/>
+        <p:txBody>
+          <a:bodyPr/>
+          <a:lstStyle/>
+          <a:p>
+            <a:r>
+              <a:rPr lang="es-CO" dirty="0" smtClean="0"/>
+              <a:t>Llenado de faltantes</a:t>
+            </a:r>
+            <a:endParaRPr lang="es-CO" dirty="0"/>
+          </a:p>
+        </p:txBody>
+      </p:sp>
       <p:sp>
         <p:nvSpPr>
           <p:cNvPr id="3" name="Content Placeholder 2"/>
@@ -4240,11 +4939,7 @@
             </a:pPr>
             <a:r>
               <a:rPr lang="es-CO" sz="5400" dirty="0" smtClean="0"/>
-              <a:t>Para RHUM </a:t>
-            </a:r>
-            <a:r>
-              <a:rPr lang="es-CO" sz="5400" dirty="0" smtClean="0"/>
-              <a:t>y ESOL, se utilizan un modelo de machine </a:t>
+              <a:t>Para RHUM y ESOL, se utilizan un modelo de machine </a:t>
             </a:r>
             <a:r>
               <a:rPr lang="es-CO" sz="5400" dirty="0" err="1" smtClean="0"/>
@@ -4269,36 +4964,6 @@
           </a:p>
         </p:txBody>
       </p:sp>
-      <p:pic>
-        <p:nvPicPr>
-          <p:cNvPr id="5" name="Picture 4"/>
-          <p:cNvPicPr>
-            <a:picLocks noChangeAspect="1"/>
-          </p:cNvPicPr>
-          <p:nvPr/>
-        </p:nvPicPr>
-        <p:blipFill>
-          <a:blip r:embed="rId2">
-            <a:extLst>
-              <a:ext uri="{28A0092B-C50C-407E-A947-70E740481C1C}">
-                <a14:useLocalDpi xmlns:a14="http://schemas.microsoft.com/office/drawing/2010/main" val="0"/>
-              </a:ext>
-            </a:extLst>
-          </a:blip>
-          <a:stretch>
-            <a:fillRect/>
-          </a:stretch>
-        </p:blipFill>
-        <p:spPr>
-          <a:xfrm>
-            <a:off x="5963992" y="4194244"/>
-            <a:ext cx="5150476" cy="2663756"/>
-          </a:xfrm>
-          <a:prstGeom prst="rect">
-            <a:avLst/>
-          </a:prstGeom>
-        </p:spPr>
-      </p:pic>
     </p:spTree>
     <p:extLst>
       <p:ext uri="{BB962C8B-B14F-4D97-AF65-F5344CB8AC3E}">
@@ -4319,7 +4984,7 @@
 </p:sld>
 </file>
 
-<file path=ppt/slides/slide16.xml><?xml version="1.0" encoding="utf-8"?>
+<file path=ppt/slides/slide17.xml><?xml version="1.0" encoding="utf-8"?>
 <p:sld xmlns:a="http://schemas.openxmlformats.org/drawingml/2006/main" xmlns:r="http://schemas.openxmlformats.org/officeDocument/2006/relationships" xmlns:p="http://schemas.openxmlformats.org/presentationml/2006/main">
   <p:cSld>
     <p:spTree>
@@ -4431,19 +5096,7 @@
                         <a:rPr lang="en-US" sz="3600" b="0" i="1" smtClean="0">
                           <a:latin typeface="Cambria Math" panose="02040503050406030204" pitchFamily="18" charset="0"/>
                         </a:rPr>
-                        <m:t>=</m:t>
-                      </m:r>
-                      <m:r>
-                        <a:rPr lang="en-US" sz="3600" b="0" i="1" smtClean="0">
-                          <a:latin typeface="Cambria Math" panose="02040503050406030204" pitchFamily="18" charset="0"/>
-                        </a:rPr>
-                        <m:t>       </m:t>
-                      </m:r>
-                      <m:r>
-                        <a:rPr lang="en-US" sz="3600" b="0" i="1" smtClean="0">
-                          <a:latin typeface="Cambria Math" panose="02040503050406030204" pitchFamily="18" charset="0"/>
-                        </a:rPr>
-                        <m:t>∗</m:t>
+                        <m:t>=       ∗</m:t>
                       </m:r>
                       <m:r>
                         <a:rPr lang="en-US" sz="3600" b="0" i="1" smtClean="0">
@@ -4527,7 +5180,7 @@
             </p:nvSpPr>
             <p:spPr>
               <a:xfrm>
-                <a:off x="3820885" y="5404757"/>
+                <a:off x="3830711" y="5379357"/>
                 <a:ext cx="669473" cy="620486"/>
               </a:xfrm>
               <a:prstGeom prst="rect">
@@ -4622,7 +5275,7 @@
             </p:nvSpPr>
             <p:spPr>
               <a:xfrm>
-                <a:off x="3820885" y="5404757"/>
+                <a:off x="3830711" y="5379357"/>
                 <a:ext cx="669473" cy="620486"/>
               </a:xfrm>
               <a:prstGeom prst="rect">
@@ -4663,7 +5316,7 @@
             </p:nvSpPr>
             <p:spPr>
               <a:xfrm>
-                <a:off x="6096000" y="5404757"/>
+                <a:off x="6096000" y="5373914"/>
                 <a:ext cx="669473" cy="620486"/>
               </a:xfrm>
               <a:prstGeom prst="rect">
@@ -4758,7 +5411,7 @@
             </p:nvSpPr>
             <p:spPr>
               <a:xfrm>
-                <a:off x="6096000" y="5404757"/>
+                <a:off x="6096000" y="5373914"/>
                 <a:ext cx="669473" cy="620486"/>
               </a:xfrm>
               <a:prstGeom prst="rect">
@@ -4799,7 +5452,7 @@
             </p:nvSpPr>
             <p:spPr>
               <a:xfrm>
-                <a:off x="8240486" y="5404757"/>
+                <a:off x="8164734" y="5373914"/>
                 <a:ext cx="669473" cy="620486"/>
               </a:xfrm>
               <a:prstGeom prst="rect">
@@ -4894,7 +5547,7 @@
             </p:nvSpPr>
             <p:spPr>
               <a:xfrm>
-                <a:off x="8240486" y="5404757"/>
+                <a:off x="8164734" y="5373914"/>
                 <a:ext cx="669473" cy="620486"/>
               </a:xfrm>
               <a:prstGeom prst="rect">
@@ -5275,7 +5928,7 @@
 </p:sld>
 </file>
 
-<file path=ppt/slides/slide17.xml><?xml version="1.0" encoding="utf-8"?>
+<file path=ppt/slides/slide18.xml><?xml version="1.0" encoding="utf-8"?>
 <p:sld xmlns:a="http://schemas.openxmlformats.org/drawingml/2006/main" xmlns:r="http://schemas.openxmlformats.org/officeDocument/2006/relationships" xmlns:p="http://schemas.openxmlformats.org/presentationml/2006/main">
   <p:cSld>
     <p:spTree>
@@ -5365,7 +6018,7 @@
 </p:sld>
 </file>
 
-<file path=ppt/slides/slide18.xml><?xml version="1.0" encoding="utf-8"?>
+<file path=ppt/slides/slide19.xml><?xml version="1.0" encoding="utf-8"?>
 <p:sld xmlns:a="http://schemas.openxmlformats.org/drawingml/2006/main" xmlns:r="http://schemas.openxmlformats.org/officeDocument/2006/relationships" xmlns:p="http://schemas.openxmlformats.org/presentationml/2006/main">
   <p:cSld>
     <p:spTree>
@@ -5455,96 +6108,6 @@
 </p:sld>
 </file>
 
-<file path=ppt/slides/slide19.xml><?xml version="1.0" encoding="utf-8"?>
-<p:sld xmlns:a="http://schemas.openxmlformats.org/drawingml/2006/main" xmlns:r="http://schemas.openxmlformats.org/officeDocument/2006/relationships" xmlns:p="http://schemas.openxmlformats.org/presentationml/2006/main">
-  <p:cSld>
-    <p:spTree>
-      <p:nvGrpSpPr>
-        <p:cNvPr id="1" name=""/>
-        <p:cNvGrpSpPr/>
-        <p:nvPr/>
-      </p:nvGrpSpPr>
-      <p:grpSpPr>
-        <a:xfrm>
-          <a:off x="0" y="0"/>
-          <a:ext cx="0" cy="0"/>
-          <a:chOff x="0" y="0"/>
-          <a:chExt cx="0" cy="0"/>
-        </a:xfrm>
-      </p:grpSpPr>
-      <p:sp>
-        <p:nvSpPr>
-          <p:cNvPr id="2" name="Title 1"/>
-          <p:cNvSpPr>
-            <a:spLocks noGrp="1"/>
-          </p:cNvSpPr>
-          <p:nvPr>
-            <p:ph type="title"/>
-          </p:nvPr>
-        </p:nvSpPr>
-        <p:spPr/>
-        <p:txBody>
-          <a:bodyPr/>
-          <a:lstStyle/>
-          <a:p>
-            <a:r>
-              <a:rPr lang="es-CO" dirty="0" smtClean="0"/>
-              <a:t>Resultados…</a:t>
-            </a:r>
-            <a:endParaRPr lang="es-CO" dirty="0"/>
-          </a:p>
-        </p:txBody>
-      </p:sp>
-      <p:pic>
-        <p:nvPicPr>
-          <p:cNvPr id="3" name="Picture 2"/>
-          <p:cNvPicPr>
-            <a:picLocks noChangeAspect="1"/>
-          </p:cNvPicPr>
-          <p:nvPr/>
-        </p:nvPicPr>
-        <p:blipFill>
-          <a:blip r:embed="rId2">
-            <a:extLst>
-              <a:ext uri="{28A0092B-C50C-407E-A947-70E740481C1C}">
-                <a14:useLocalDpi xmlns:a14="http://schemas.microsoft.com/office/drawing/2010/main" val="0"/>
-              </a:ext>
-            </a:extLst>
-          </a:blip>
-          <a:stretch>
-            <a:fillRect/>
-          </a:stretch>
-        </p:blipFill>
-        <p:spPr>
-          <a:xfrm>
-            <a:off x="434546" y="1303808"/>
-            <a:ext cx="10799085" cy="5394971"/>
-          </a:xfrm>
-          <a:prstGeom prst="rect">
-            <a:avLst/>
-          </a:prstGeom>
-        </p:spPr>
-      </p:pic>
-    </p:spTree>
-    <p:extLst>
-      <p:ext uri="{BB962C8B-B14F-4D97-AF65-F5344CB8AC3E}">
-        <p14:creationId xmlns:p14="http://schemas.microsoft.com/office/powerpoint/2010/main" val="4162755373"/>
-      </p:ext>
-    </p:extLst>
-  </p:cSld>
-  <p:clrMapOvr>
-    <a:masterClrMapping/>
-  </p:clrMapOvr>
-  <p:timing>
-    <p:tnLst>
-      <p:par>
-        <p:cTn id="1" dur="indefinite" restart="never" nodeType="tmRoot"/>
-      </p:par>
-    </p:tnLst>
-  </p:timing>
-</p:sld>
-</file>
-
 <file path=ppt/slides/slide2.xml><?xml version="1.0" encoding="utf-8"?>
 <p:sld xmlns:a="http://schemas.openxmlformats.org/drawingml/2006/main" xmlns:r="http://schemas.openxmlformats.org/officeDocument/2006/relationships" xmlns:p="http://schemas.openxmlformats.org/presentationml/2006/main">
   <p:cSld>
@@ -5584,11 +6147,11 @@
           <a:p>
             <a:r>
               <a:rPr lang="en-US" dirty="0" err="1" smtClean="0"/>
-              <a:t>Donde</a:t>
+              <a:t>Dónde</a:t>
             </a:r>
             <a:r>
               <a:rPr lang="en-US" dirty="0" smtClean="0"/>
-              <a:t>???...</a:t>
+              <a:t>?</a:t>
             </a:r>
             <a:endParaRPr lang="es-CO" dirty="0"/>
           </a:p>
@@ -5618,8 +6181,8 @@
         </p:blipFill>
         <p:spPr>
           <a:xfrm>
-            <a:off x="3912906" y="1825625"/>
-            <a:ext cx="4366188" cy="4351338"/>
+            <a:off x="4148658" y="1436688"/>
+            <a:ext cx="3894684" cy="3881437"/>
           </a:xfrm>
         </p:spPr>
       </p:pic>
@@ -5645,7 +6208,7 @@
         </p:blipFill>
         <p:spPr>
           <a:xfrm>
-            <a:off x="11066635" y="5589431"/>
+            <a:off x="366004" y="4049556"/>
             <a:ext cx="1125365" cy="1268569"/>
           </a:xfrm>
           <a:prstGeom prst="rect">
@@ -5737,515 +6300,46 @@
           <a:p>
             <a:r>
               <a:rPr lang="es-CO" dirty="0" smtClean="0"/>
-              <a:t>Enlaces de interés…</a:t>
+              <a:t>Resultados…</a:t>
             </a:r>
             <a:endParaRPr lang="es-CO" dirty="0"/>
           </a:p>
         </p:txBody>
       </p:sp>
-      <p:sp>
-        <p:nvSpPr>
-          <p:cNvPr id="3" name="Content Placeholder 2"/>
-          <p:cNvSpPr>
-            <a:spLocks noGrp="1"/>
-          </p:cNvSpPr>
-          <p:nvPr>
-            <p:ph idx="1"/>
-          </p:nvPr>
-        </p:nvSpPr>
+      <p:pic>
+        <p:nvPicPr>
+          <p:cNvPr id="3" name="Picture 2"/>
+          <p:cNvPicPr>
+            <a:picLocks noChangeAspect="1"/>
+          </p:cNvPicPr>
+          <p:nvPr/>
+        </p:nvPicPr>
+        <p:blipFill>
+          <a:blip r:embed="rId2">
+            <a:extLst>
+              <a:ext uri="{28A0092B-C50C-407E-A947-70E740481C1C}">
+                <a14:useLocalDpi xmlns:a14="http://schemas.microsoft.com/office/drawing/2010/main" val="0"/>
+              </a:ext>
+            </a:extLst>
+          </a:blip>
+          <a:stretch>
+            <a:fillRect/>
+          </a:stretch>
+        </p:blipFill>
         <p:spPr>
           <a:xfrm>
-            <a:off x="230659" y="1825625"/>
-            <a:ext cx="11689492" cy="5042919"/>
-          </a:xfrm>
-        </p:spPr>
-        <p:txBody>
-          <a:bodyPr>
-            <a:normAutofit/>
-          </a:bodyPr>
-          <a:lstStyle/>
-          <a:p>
-            <a:pPr marL="0" indent="0">
-              <a:buNone/>
-            </a:pPr>
-            <a:r>
-              <a:rPr lang="es-CO" dirty="0" smtClean="0"/>
-              <a:t>Software R y </a:t>
-            </a:r>
-            <a:r>
-              <a:rPr lang="es-CO" dirty="0" err="1" smtClean="0"/>
-              <a:t>Rstudio</a:t>
-            </a:r>
-            <a:endParaRPr lang="es-CO" dirty="0"/>
-          </a:p>
-          <a:p>
-            <a:pPr lvl="1">
-              <a:buFont typeface="Wingdings" panose="05000000000000000000" pitchFamily="2" charset="2"/>
-              <a:buChar char="ü"/>
-            </a:pPr>
-            <a:r>
-              <a:rPr lang="es-CO" dirty="0">
-                <a:solidFill>
-                  <a:schemeClr val="accent5">
-                    <a:lumMod val="75000"/>
-                  </a:schemeClr>
-                </a:solidFill>
-              </a:rPr>
-              <a:t>https://cran.r-project.org</a:t>
-            </a:r>
-            <a:r>
-              <a:rPr lang="es-CO" dirty="0" smtClean="0">
-                <a:solidFill>
-                  <a:schemeClr val="accent5">
-                    <a:lumMod val="75000"/>
-                  </a:schemeClr>
-                </a:solidFill>
-              </a:rPr>
-              <a:t>/</a:t>
-            </a:r>
-            <a:endParaRPr lang="es-CO" dirty="0">
-              <a:solidFill>
-                <a:schemeClr val="accent5">
-                  <a:lumMod val="75000"/>
-                </a:schemeClr>
-              </a:solidFill>
-            </a:endParaRPr>
-          </a:p>
-          <a:p>
-            <a:pPr lvl="1">
-              <a:buFont typeface="Wingdings" panose="05000000000000000000" pitchFamily="2" charset="2"/>
-              <a:buChar char="ü"/>
-            </a:pPr>
-            <a:r>
-              <a:rPr lang="es-CO" dirty="0">
-                <a:solidFill>
-                  <a:schemeClr val="accent5">
-                    <a:lumMod val="75000"/>
-                  </a:schemeClr>
-                </a:solidFill>
-              </a:rPr>
-              <a:t>https://www.rstudio.com</a:t>
-            </a:r>
-            <a:r>
-              <a:rPr lang="es-CO" dirty="0" smtClean="0">
-                <a:solidFill>
-                  <a:schemeClr val="accent5">
-                    <a:lumMod val="75000"/>
-                  </a:schemeClr>
-                </a:solidFill>
-              </a:rPr>
-              <a:t>/</a:t>
-            </a:r>
-            <a:endParaRPr lang="es-CO" dirty="0">
-              <a:solidFill>
-                <a:schemeClr val="accent5">
-                  <a:lumMod val="75000"/>
-                </a:schemeClr>
-              </a:solidFill>
-            </a:endParaRPr>
-          </a:p>
-          <a:p>
-            <a:pPr marL="0" indent="0">
-              <a:buNone/>
-            </a:pPr>
-            <a:r>
-              <a:rPr lang="es-CO" dirty="0" smtClean="0"/>
-              <a:t>Scripts y manuales de metodología.</a:t>
-            </a:r>
-          </a:p>
-          <a:p>
-            <a:pPr lvl="1">
-              <a:buFont typeface="Wingdings" panose="05000000000000000000" pitchFamily="2" charset="2"/>
-              <a:buChar char="ü"/>
-            </a:pPr>
-            <a:r>
-              <a:rPr lang="es-CO" dirty="0" smtClean="0">
-                <a:solidFill>
-                  <a:schemeClr val="accent5">
-                    <a:lumMod val="75000"/>
-                  </a:schemeClr>
-                </a:solidFill>
-              </a:rPr>
-              <a:t>https</a:t>
-            </a:r>
-            <a:r>
-              <a:rPr lang="es-CO" dirty="0">
-                <a:solidFill>
-                  <a:schemeClr val="accent5">
-                    <a:lumMod val="75000"/>
-                  </a:schemeClr>
-                </a:solidFill>
-              </a:rPr>
-              <a:t>://</a:t>
-            </a:r>
-            <a:r>
-              <a:rPr lang="es-CO" dirty="0" smtClean="0">
-                <a:solidFill>
-                  <a:schemeClr val="accent5">
-                    <a:lumMod val="75000"/>
-                  </a:schemeClr>
-                </a:solidFill>
-              </a:rPr>
-              <a:t>github.com/victor1130/Scripts_Clima</a:t>
-            </a:r>
-            <a:endParaRPr lang="es-CO" dirty="0" smtClean="0">
-              <a:solidFill>
-                <a:schemeClr val="accent5">
-                  <a:lumMod val="75000"/>
-                </a:schemeClr>
-              </a:solidFill>
-            </a:endParaRPr>
-          </a:p>
-          <a:p>
-            <a:pPr marL="0" indent="0">
-              <a:buNone/>
-            </a:pPr>
-            <a:r>
-              <a:rPr lang="es-CO" dirty="0" smtClean="0"/>
-              <a:t>Ecuación </a:t>
-            </a:r>
-            <a:r>
-              <a:rPr lang="es-CO" dirty="0" smtClean="0"/>
-              <a:t>para convertir brillo a energía solar.</a:t>
-            </a:r>
-          </a:p>
-          <a:p>
-            <a:pPr lvl="1">
-              <a:buFont typeface="Wingdings" panose="05000000000000000000" pitchFamily="2" charset="2"/>
-              <a:buChar char="ü"/>
-            </a:pPr>
-            <a:r>
-              <a:rPr lang="es-CO" dirty="0" smtClean="0">
-                <a:solidFill>
-                  <a:schemeClr val="accent5">
-                    <a:lumMod val="75000"/>
-                  </a:schemeClr>
-                </a:solidFill>
-              </a:rPr>
-              <a:t>ftp</a:t>
-            </a:r>
-            <a:r>
-              <a:rPr lang="es-CO" dirty="0">
-                <a:solidFill>
-                  <a:schemeClr val="accent5">
-                    <a:lumMod val="75000"/>
-                  </a:schemeClr>
-                </a:solidFill>
-              </a:rPr>
-              <a:t>://</a:t>
-            </a:r>
-            <a:r>
-              <a:rPr lang="es-CO" dirty="0" smtClean="0">
-                <a:solidFill>
-                  <a:schemeClr val="accent5">
-                    <a:lumMod val="75000"/>
-                  </a:schemeClr>
-                </a:solidFill>
-              </a:rPr>
-              <a:t>ftp.fao.org/docrep/fao/009/x0490s/x0490s01.pdf</a:t>
-            </a:r>
-            <a:endParaRPr lang="es-CO" dirty="0" smtClean="0">
-              <a:solidFill>
-                <a:schemeClr val="accent5">
-                  <a:lumMod val="75000"/>
-                </a:schemeClr>
-              </a:solidFill>
-            </a:endParaRPr>
-          </a:p>
-          <a:p>
-            <a:pPr marL="0" indent="0">
-              <a:buNone/>
-            </a:pPr>
-            <a:r>
-              <a:rPr lang="es-CO" dirty="0" smtClean="0"/>
-              <a:t>Metodología RMAWGEN</a:t>
-            </a:r>
-          </a:p>
-          <a:p>
-            <a:pPr lvl="1">
-              <a:buFont typeface="Wingdings" panose="05000000000000000000" pitchFamily="2" charset="2"/>
-              <a:buChar char="ü"/>
-            </a:pPr>
-            <a:r>
-              <a:rPr lang="es-CO" dirty="0" smtClean="0">
-                <a:solidFill>
-                  <a:schemeClr val="accent5">
-                    <a:lumMod val="75000"/>
-                  </a:schemeClr>
-                </a:solidFill>
-              </a:rPr>
-              <a:t>http</a:t>
-            </a:r>
-            <a:r>
-              <a:rPr lang="es-CO" dirty="0">
-                <a:solidFill>
-                  <a:schemeClr val="accent5">
-                    <a:lumMod val="75000"/>
-                  </a:schemeClr>
-                </a:solidFill>
-              </a:rPr>
-              <a:t>://</a:t>
-            </a:r>
-            <a:r>
-              <a:rPr lang="es-CO" dirty="0" smtClean="0">
-                <a:solidFill>
-                  <a:schemeClr val="accent5">
-                    <a:lumMod val="75000"/>
-                  </a:schemeClr>
-                </a:solidFill>
-              </a:rPr>
-              <a:t>presentations.copernicus.org/EGU2012-14026_presentation.pdf</a:t>
-            </a:r>
-            <a:endParaRPr lang="es-CO" dirty="0" smtClean="0">
-              <a:solidFill>
-                <a:schemeClr val="accent5">
-                  <a:lumMod val="75000"/>
-                </a:schemeClr>
-              </a:solidFill>
-            </a:endParaRPr>
-          </a:p>
-          <a:p>
-            <a:endParaRPr lang="es-CO" dirty="0" smtClean="0"/>
-          </a:p>
-          <a:p>
-            <a:endParaRPr lang="es-CO" dirty="0"/>
-          </a:p>
-        </p:txBody>
-      </p:sp>
-      <p:sp>
-        <p:nvSpPr>
-          <p:cNvPr id="4" name="Rectangle 3">
-            <a:hlinkClick r:id="rId2"/>
-          </p:cNvPr>
-          <p:cNvSpPr/>
-          <p:nvPr/>
-        </p:nvSpPr>
-        <p:spPr>
-          <a:xfrm>
-            <a:off x="996042" y="2269670"/>
-            <a:ext cx="3510643" cy="408215"/>
+            <a:off x="434546" y="1303808"/>
+            <a:ext cx="10799085" cy="5394971"/>
           </a:xfrm>
           <a:prstGeom prst="rect">
             <a:avLst/>
           </a:prstGeom>
-          <a:noFill/>
-          <a:ln>
-            <a:noFill/>
-          </a:ln>
         </p:spPr>
-        <p:style>
-          <a:lnRef idx="2">
-            <a:schemeClr val="accent1">
-              <a:shade val="50000"/>
-            </a:schemeClr>
-          </a:lnRef>
-          <a:fillRef idx="1">
-            <a:schemeClr val="accent1"/>
-          </a:fillRef>
-          <a:effectRef idx="0">
-            <a:schemeClr val="accent1"/>
-          </a:effectRef>
-          <a:fontRef idx="minor">
-            <a:schemeClr val="lt1"/>
-          </a:fontRef>
-        </p:style>
-        <p:txBody>
-          <a:bodyPr rtlCol="0" anchor="ctr"/>
-          <a:lstStyle/>
-          <a:p>
-            <a:pPr algn="ctr"/>
-            <a:endParaRPr lang="es-CO"/>
-          </a:p>
-        </p:txBody>
-      </p:sp>
-      <p:sp>
-        <p:nvSpPr>
-          <p:cNvPr id="6" name="Rectangle 5">
-            <a:hlinkClick r:id="rId3"/>
-          </p:cNvPr>
-          <p:cNvSpPr/>
-          <p:nvPr/>
-        </p:nvSpPr>
-        <p:spPr>
-          <a:xfrm>
-            <a:off x="996042" y="2713715"/>
-            <a:ext cx="3510643" cy="408215"/>
-          </a:xfrm>
-          <a:prstGeom prst="rect">
-            <a:avLst/>
-          </a:prstGeom>
-          <a:noFill/>
-          <a:ln>
-            <a:noFill/>
-          </a:ln>
-        </p:spPr>
-        <p:style>
-          <a:lnRef idx="2">
-            <a:schemeClr val="accent1">
-              <a:shade val="50000"/>
-            </a:schemeClr>
-          </a:lnRef>
-          <a:fillRef idx="1">
-            <a:schemeClr val="accent1"/>
-          </a:fillRef>
-          <a:effectRef idx="0">
-            <a:schemeClr val="accent1"/>
-          </a:effectRef>
-          <a:fontRef idx="minor">
-            <a:schemeClr val="lt1"/>
-          </a:fontRef>
-        </p:style>
-        <p:txBody>
-          <a:bodyPr rtlCol="0" anchor="ctr"/>
-          <a:lstStyle/>
-          <a:p>
-            <a:pPr algn="ctr"/>
-            <a:endParaRPr lang="es-CO"/>
-          </a:p>
-        </p:txBody>
-      </p:sp>
-      <p:sp>
-        <p:nvSpPr>
-          <p:cNvPr id="7" name="Rectangle 6">
-            <a:hlinkClick r:id="rId4"/>
-          </p:cNvPr>
-          <p:cNvSpPr/>
-          <p:nvPr/>
-        </p:nvSpPr>
-        <p:spPr>
-          <a:xfrm>
-            <a:off x="996042" y="3624943"/>
-            <a:ext cx="5698672" cy="310243"/>
-          </a:xfrm>
-          <a:prstGeom prst="rect">
-            <a:avLst/>
-          </a:prstGeom>
-          <a:noFill/>
-          <a:ln>
-            <a:noFill/>
-          </a:ln>
-        </p:spPr>
-        <p:style>
-          <a:lnRef idx="2">
-            <a:schemeClr val="accent1">
-              <a:shade val="50000"/>
-            </a:schemeClr>
-          </a:lnRef>
-          <a:fillRef idx="1">
-            <a:schemeClr val="accent1"/>
-          </a:fillRef>
-          <a:effectRef idx="0">
-            <a:schemeClr val="accent1"/>
-          </a:effectRef>
-          <a:fontRef idx="minor">
-            <a:schemeClr val="lt1"/>
-          </a:fontRef>
-        </p:style>
-        <p:txBody>
-          <a:bodyPr rtlCol="0" anchor="ctr"/>
-          <a:lstStyle/>
-          <a:p>
-            <a:pPr algn="ctr"/>
-            <a:endParaRPr lang="es-CO"/>
-          </a:p>
-        </p:txBody>
-      </p:sp>
-      <p:sp>
-        <p:nvSpPr>
-          <p:cNvPr id="8" name="Rectangle 7">
-            <a:hlinkClick r:id="rId5"/>
-          </p:cNvPr>
-          <p:cNvSpPr/>
-          <p:nvPr/>
-        </p:nvSpPr>
-        <p:spPr>
-          <a:xfrm>
-            <a:off x="996042" y="4509860"/>
-            <a:ext cx="6939644" cy="372384"/>
-          </a:xfrm>
-          <a:prstGeom prst="rect">
-            <a:avLst/>
-          </a:prstGeom>
-          <a:noFill/>
-          <a:ln>
-            <a:noFill/>
-          </a:ln>
-        </p:spPr>
-        <p:style>
-          <a:lnRef idx="2">
-            <a:schemeClr val="accent1">
-              <a:shade val="50000"/>
-            </a:schemeClr>
-          </a:lnRef>
-          <a:fillRef idx="1">
-            <a:schemeClr val="accent1"/>
-          </a:fillRef>
-          <a:effectRef idx="0">
-            <a:schemeClr val="accent1"/>
-          </a:effectRef>
-          <a:fontRef idx="minor">
-            <a:schemeClr val="lt1"/>
-          </a:fontRef>
-        </p:style>
-        <p:txBody>
-          <a:bodyPr rtlCol="0" anchor="ctr"/>
-          <a:lstStyle/>
-          <a:p>
-            <a:pPr algn="ctr"/>
-            <a:endParaRPr lang="es-CO"/>
-          </a:p>
-        </p:txBody>
-      </p:sp>
-      <p:sp>
-        <p:nvSpPr>
-          <p:cNvPr id="9" name="Rectangle 8">
-            <a:hlinkClick r:id="rId6"/>
-          </p:cNvPr>
-          <p:cNvSpPr/>
-          <p:nvPr/>
-        </p:nvSpPr>
-        <p:spPr>
-          <a:xfrm>
-            <a:off x="996041" y="5456919"/>
-            <a:ext cx="8817429" cy="277586"/>
-          </a:xfrm>
-          <a:prstGeom prst="rect">
-            <a:avLst/>
-          </a:prstGeom>
-          <a:noFill/>
-          <a:ln>
-            <a:noFill/>
-          </a:ln>
-        </p:spPr>
-        <p:style>
-          <a:lnRef idx="2">
-            <a:schemeClr val="accent1">
-              <a:shade val="50000"/>
-            </a:schemeClr>
-          </a:lnRef>
-          <a:fillRef idx="1">
-            <a:schemeClr val="accent1"/>
-          </a:fillRef>
-          <a:effectRef idx="0">
-            <a:schemeClr val="accent1"/>
-          </a:effectRef>
-          <a:fontRef idx="minor">
-            <a:schemeClr val="lt1"/>
-          </a:fontRef>
-        </p:style>
-        <p:txBody>
-          <a:bodyPr rtlCol="0" anchor="ctr"/>
-          <a:lstStyle/>
-          <a:p>
-            <a:pPr algn="ctr"/>
-            <a:endParaRPr lang="es-CO"/>
-          </a:p>
-        </p:txBody>
-      </p:sp>
+      </p:pic>
     </p:spTree>
     <p:extLst>
       <p:ext uri="{BB962C8B-B14F-4D97-AF65-F5344CB8AC3E}">
-        <p14:creationId xmlns:p14="http://schemas.microsoft.com/office/powerpoint/2010/main" val="889554074"/>
+        <p14:creationId xmlns:p14="http://schemas.microsoft.com/office/powerpoint/2010/main" val="4162755373"/>
       </p:ext>
     </p:extLst>
   </p:cSld>
@@ -6281,6 +6375,1233 @@
       </p:grpSpPr>
       <p:sp>
         <p:nvSpPr>
+          <p:cNvPr id="3" name="Content Placeholder 2"/>
+          <p:cNvSpPr>
+            <a:spLocks noGrp="1"/>
+          </p:cNvSpPr>
+          <p:nvPr>
+            <p:ph idx="1"/>
+          </p:nvPr>
+        </p:nvSpPr>
+        <p:spPr>
+          <a:xfrm>
+            <a:off x="838200" y="450760"/>
+            <a:ext cx="10515600" cy="5988677"/>
+          </a:xfrm>
+        </p:spPr>
+        <p:txBody>
+          <a:bodyPr>
+            <a:noAutofit/>
+          </a:bodyPr>
+          <a:lstStyle/>
+          <a:p>
+            <a:pPr marL="0" indent="0">
+              <a:buNone/>
+            </a:pPr>
+            <a:r>
+              <a:rPr lang="es-CO" dirty="0"/>
+              <a:t>A </a:t>
+            </a:r>
+            <a:r>
+              <a:rPr lang="es-CO" dirty="0" smtClean="0"/>
+              <a:t>dónde </a:t>
+            </a:r>
+            <a:r>
+              <a:rPr lang="es-CO" dirty="0"/>
+              <a:t>queremos llegar?</a:t>
+            </a:r>
+          </a:p>
+          <a:p>
+            <a:pPr marL="0" indent="0">
+              <a:buNone/>
+            </a:pPr>
+            <a:r>
+              <a:rPr lang="es-CO" sz="1800" dirty="0"/>
+              <a:t> </a:t>
+            </a:r>
+          </a:p>
+          <a:p>
+            <a:r>
+              <a:rPr lang="es-CO" sz="1800" dirty="0"/>
+              <a:t>Poder integrar fuentes de información NO diaria en el análisis </a:t>
+            </a:r>
+            <a:r>
+              <a:rPr lang="es-CO" sz="1800" dirty="0" smtClean="0"/>
+              <a:t>(estaciones </a:t>
+            </a:r>
+            <a:r>
+              <a:rPr lang="es-CO" sz="1800" dirty="0"/>
+              <a:t>automáticas</a:t>
+            </a:r>
+            <a:r>
+              <a:rPr lang="es-CO" sz="1800" dirty="0" smtClean="0"/>
+              <a:t>).</a:t>
+            </a:r>
+          </a:p>
+          <a:p>
+            <a:r>
+              <a:rPr lang="es-CO" sz="1800" dirty="0" smtClean="0"/>
+              <a:t>Tener más seguridad respecto a la construcción del dato diario.</a:t>
+            </a:r>
+            <a:endParaRPr lang="es-CO" sz="1800" dirty="0"/>
+          </a:p>
+          <a:p>
+            <a:pPr marL="0" indent="0">
+              <a:buNone/>
+            </a:pPr>
+            <a:r>
+              <a:rPr lang="es-CO" sz="1800" dirty="0"/>
+              <a:t> </a:t>
+            </a:r>
+          </a:p>
+          <a:p>
+            <a:pPr marL="0" indent="0">
+              <a:buNone/>
+            </a:pPr>
+            <a:r>
+              <a:rPr lang="es-CO" dirty="0"/>
+              <a:t>En qué vamos?</a:t>
+            </a:r>
+          </a:p>
+          <a:p>
+            <a:pPr marL="0" indent="0">
+              <a:buNone/>
+            </a:pPr>
+            <a:endParaRPr lang="es-CO" sz="1800" dirty="0"/>
+          </a:p>
+          <a:p>
+            <a:r>
+              <a:rPr lang="es-CO" sz="1800" dirty="0" smtClean="0"/>
+              <a:t>Algoritmos </a:t>
+            </a:r>
+            <a:r>
+              <a:rPr lang="es-CO" sz="1800" dirty="0"/>
+              <a:t>en R que facilitan el análisis, desde </a:t>
+            </a:r>
+            <a:r>
+              <a:rPr lang="es-CO" sz="1800" dirty="0" smtClean="0"/>
+              <a:t>estandarización </a:t>
+            </a:r>
+            <a:r>
+              <a:rPr lang="es-CO" sz="1800" dirty="0"/>
+              <a:t>de </a:t>
+            </a:r>
+            <a:r>
+              <a:rPr lang="es-CO" sz="1800" dirty="0" smtClean="0"/>
+              <a:t>fuentes</a:t>
+            </a:r>
+            <a:r>
+              <a:rPr lang="es-CO" sz="1800" dirty="0"/>
+              <a:t>* hasta la salida de series </a:t>
+            </a:r>
+            <a:r>
+              <a:rPr lang="es-CO" sz="1800" dirty="0" smtClean="0"/>
+              <a:t>usables.</a:t>
+            </a:r>
+            <a:r>
+              <a:rPr lang="es-CO" sz="1800" dirty="0"/>
+              <a:t> </a:t>
+            </a:r>
+          </a:p>
+          <a:p>
+            <a:r>
+              <a:rPr lang="es-CO" sz="1800" dirty="0"/>
+              <a:t>Existen manuales de uso disponibles para la manipulación de estos algoritmos.</a:t>
+            </a:r>
+          </a:p>
+          <a:p>
+            <a:pPr marL="0" indent="0">
+              <a:buNone/>
+            </a:pPr>
+            <a:endParaRPr lang="es-CO" sz="1800" dirty="0"/>
+          </a:p>
+          <a:p>
+            <a:pPr marL="0" indent="0">
+              <a:buNone/>
+            </a:pPr>
+            <a:r>
+              <a:rPr lang="es-CO" dirty="0" smtClean="0"/>
+              <a:t>A seguir:</a:t>
+            </a:r>
+            <a:r>
+              <a:rPr lang="es-CO" dirty="0"/>
+              <a:t> </a:t>
+            </a:r>
+          </a:p>
+          <a:p>
+            <a:r>
+              <a:rPr lang="es-CO" sz="1800" dirty="0"/>
+              <a:t>Involucrar otras fuentes de tipo satelital, </a:t>
+            </a:r>
+            <a:r>
+              <a:rPr lang="es-CO" sz="1800" dirty="0" smtClean="0"/>
+              <a:t>ante la ausencia de información en tierra (estaciones).</a:t>
+            </a:r>
+          </a:p>
+          <a:p>
+            <a:r>
+              <a:rPr lang="es-CO" sz="1800" dirty="0" smtClean="0"/>
+              <a:t>Agilizar el procesamiento (peso de la información).</a:t>
+            </a:r>
+          </a:p>
+          <a:p>
+            <a:r>
+              <a:rPr lang="es-CO" sz="1800" dirty="0" smtClean="0"/>
+              <a:t>Visualización.</a:t>
+            </a:r>
+            <a:endParaRPr lang="es-CO" sz="1800" dirty="0"/>
+          </a:p>
+        </p:txBody>
+      </p:sp>
+    </p:spTree>
+    <p:extLst>
+      <p:ext uri="{BB962C8B-B14F-4D97-AF65-F5344CB8AC3E}">
+        <p14:creationId xmlns:p14="http://schemas.microsoft.com/office/powerpoint/2010/main" val="3857023452"/>
+      </p:ext>
+    </p:extLst>
+  </p:cSld>
+  <p:clrMapOvr>
+    <a:masterClrMapping/>
+  </p:clrMapOvr>
+  <p:timing>
+    <p:tnLst>
+      <p:par>
+        <p:cTn id="1" dur="indefinite" restart="never" nodeType="tmRoot">
+          <p:childTnLst>
+            <p:seq concurrent="1" nextAc="seek">
+              <p:cTn id="2" dur="indefinite" nodeType="mainSeq">
+                <p:childTnLst>
+                  <p:par>
+                    <p:cTn id="3" fill="hold">
+                      <p:stCondLst>
+                        <p:cond delay="indefinite"/>
+                      </p:stCondLst>
+                      <p:childTnLst>
+                        <p:par>
+                          <p:cTn id="4" fill="hold">
+                            <p:stCondLst>
+                              <p:cond delay="0"/>
+                            </p:stCondLst>
+                            <p:childTnLst>
+                              <p:par>
+                                <p:cTn id="5" presetID="2" presetClass="entr" presetSubtype="4" fill="hold" nodeType="clickEffect">
+                                  <p:stCondLst>
+                                    <p:cond delay="0"/>
+                                  </p:stCondLst>
+                                  <p:childTnLst>
+                                    <p:set>
+                                      <p:cBhvr>
+                                        <p:cTn id="6" dur="1" fill="hold">
+                                          <p:stCondLst>
+                                            <p:cond delay="0"/>
+                                          </p:stCondLst>
+                                        </p:cTn>
+                                        <p:tgtEl>
+                                          <p:spTgt spid="3">
+                                            <p:txEl>
+                                              <p:pRg st="2" end="2"/>
+                                            </p:txEl>
+                                          </p:spTgt>
+                                        </p:tgtEl>
+                                        <p:attrNameLst>
+                                          <p:attrName>style.visibility</p:attrName>
+                                        </p:attrNameLst>
+                                      </p:cBhvr>
+                                      <p:to>
+                                        <p:strVal val="visible"/>
+                                      </p:to>
+                                    </p:set>
+                                    <p:anim calcmode="lin" valueType="num">
+                                      <p:cBhvr additive="base">
+                                        <p:cTn id="7" dur="500" fill="hold"/>
+                                        <p:tgtEl>
+                                          <p:spTgt spid="3">
+                                            <p:txEl>
+                                              <p:pRg st="2" end="2"/>
+                                            </p:txEl>
+                                          </p:spTgt>
+                                        </p:tgtEl>
+                                        <p:attrNameLst>
+                                          <p:attrName>ppt_x</p:attrName>
+                                        </p:attrNameLst>
+                                      </p:cBhvr>
+                                      <p:tavLst>
+                                        <p:tav tm="0">
+                                          <p:val>
+                                            <p:strVal val="#ppt_x"/>
+                                          </p:val>
+                                        </p:tav>
+                                        <p:tav tm="100000">
+                                          <p:val>
+                                            <p:strVal val="#ppt_x"/>
+                                          </p:val>
+                                        </p:tav>
+                                      </p:tavLst>
+                                    </p:anim>
+                                    <p:anim calcmode="lin" valueType="num">
+                                      <p:cBhvr additive="base">
+                                        <p:cTn id="8" dur="500" fill="hold"/>
+                                        <p:tgtEl>
+                                          <p:spTgt spid="3">
+                                            <p:txEl>
+                                              <p:pRg st="2" end="2"/>
+                                            </p:txEl>
+                                          </p:spTgt>
+                                        </p:tgtEl>
+                                        <p:attrNameLst>
+                                          <p:attrName>ppt_y</p:attrName>
+                                        </p:attrNameLst>
+                                      </p:cBhvr>
+                                      <p:tavLst>
+                                        <p:tav tm="0">
+                                          <p:val>
+                                            <p:strVal val="1+#ppt_h/2"/>
+                                          </p:val>
+                                        </p:tav>
+                                        <p:tav tm="100000">
+                                          <p:val>
+                                            <p:strVal val="#ppt_y"/>
+                                          </p:val>
+                                        </p:tav>
+                                      </p:tavLst>
+                                    </p:anim>
+                                  </p:childTnLst>
+                                </p:cTn>
+                              </p:par>
+                              <p:par>
+                                <p:cTn id="9" presetID="2" presetClass="entr" presetSubtype="4" fill="hold" nodeType="withEffect">
+                                  <p:stCondLst>
+                                    <p:cond delay="0"/>
+                                  </p:stCondLst>
+                                  <p:childTnLst>
+                                    <p:set>
+                                      <p:cBhvr>
+                                        <p:cTn id="10" dur="1" fill="hold">
+                                          <p:stCondLst>
+                                            <p:cond delay="0"/>
+                                          </p:stCondLst>
+                                        </p:cTn>
+                                        <p:tgtEl>
+                                          <p:spTgt spid="3">
+                                            <p:txEl>
+                                              <p:pRg st="3" end="3"/>
+                                            </p:txEl>
+                                          </p:spTgt>
+                                        </p:tgtEl>
+                                        <p:attrNameLst>
+                                          <p:attrName>style.visibility</p:attrName>
+                                        </p:attrNameLst>
+                                      </p:cBhvr>
+                                      <p:to>
+                                        <p:strVal val="visible"/>
+                                      </p:to>
+                                    </p:set>
+                                    <p:anim calcmode="lin" valueType="num">
+                                      <p:cBhvr additive="base">
+                                        <p:cTn id="11" dur="500" fill="hold"/>
+                                        <p:tgtEl>
+                                          <p:spTgt spid="3">
+                                            <p:txEl>
+                                              <p:pRg st="3" end="3"/>
+                                            </p:txEl>
+                                          </p:spTgt>
+                                        </p:tgtEl>
+                                        <p:attrNameLst>
+                                          <p:attrName>ppt_x</p:attrName>
+                                        </p:attrNameLst>
+                                      </p:cBhvr>
+                                      <p:tavLst>
+                                        <p:tav tm="0">
+                                          <p:val>
+                                            <p:strVal val="#ppt_x"/>
+                                          </p:val>
+                                        </p:tav>
+                                        <p:tav tm="100000">
+                                          <p:val>
+                                            <p:strVal val="#ppt_x"/>
+                                          </p:val>
+                                        </p:tav>
+                                      </p:tavLst>
+                                    </p:anim>
+                                    <p:anim calcmode="lin" valueType="num">
+                                      <p:cBhvr additive="base">
+                                        <p:cTn id="12" dur="500" fill="hold"/>
+                                        <p:tgtEl>
+                                          <p:spTgt spid="3">
+                                            <p:txEl>
+                                              <p:pRg st="3" end="3"/>
+                                            </p:txEl>
+                                          </p:spTgt>
+                                        </p:tgtEl>
+                                        <p:attrNameLst>
+                                          <p:attrName>ppt_y</p:attrName>
+                                        </p:attrNameLst>
+                                      </p:cBhvr>
+                                      <p:tavLst>
+                                        <p:tav tm="0">
+                                          <p:val>
+                                            <p:strVal val="1+#ppt_h/2"/>
+                                          </p:val>
+                                        </p:tav>
+                                        <p:tav tm="100000">
+                                          <p:val>
+                                            <p:strVal val="#ppt_y"/>
+                                          </p:val>
+                                        </p:tav>
+                                      </p:tavLst>
+                                    </p:anim>
+                                  </p:childTnLst>
+                                </p:cTn>
+                              </p:par>
+                            </p:childTnLst>
+                          </p:cTn>
+                        </p:par>
+                      </p:childTnLst>
+                    </p:cTn>
+                  </p:par>
+                  <p:par>
+                    <p:cTn id="13" fill="hold">
+                      <p:stCondLst>
+                        <p:cond delay="indefinite"/>
+                      </p:stCondLst>
+                      <p:childTnLst>
+                        <p:par>
+                          <p:cTn id="14" fill="hold">
+                            <p:stCondLst>
+                              <p:cond delay="0"/>
+                            </p:stCondLst>
+                            <p:childTnLst>
+                              <p:par>
+                                <p:cTn id="15" presetID="2" presetClass="entr" presetSubtype="4" fill="hold" nodeType="clickEffect">
+                                  <p:stCondLst>
+                                    <p:cond delay="0"/>
+                                  </p:stCondLst>
+                                  <p:childTnLst>
+                                    <p:set>
+                                      <p:cBhvr>
+                                        <p:cTn id="16" dur="1" fill="hold">
+                                          <p:stCondLst>
+                                            <p:cond delay="0"/>
+                                          </p:stCondLst>
+                                        </p:cTn>
+                                        <p:tgtEl>
+                                          <p:spTgt spid="3">
+                                            <p:txEl>
+                                              <p:pRg st="7" end="7"/>
+                                            </p:txEl>
+                                          </p:spTgt>
+                                        </p:tgtEl>
+                                        <p:attrNameLst>
+                                          <p:attrName>style.visibility</p:attrName>
+                                        </p:attrNameLst>
+                                      </p:cBhvr>
+                                      <p:to>
+                                        <p:strVal val="visible"/>
+                                      </p:to>
+                                    </p:set>
+                                    <p:anim calcmode="lin" valueType="num">
+                                      <p:cBhvr additive="base">
+                                        <p:cTn id="17" dur="500" fill="hold"/>
+                                        <p:tgtEl>
+                                          <p:spTgt spid="3">
+                                            <p:txEl>
+                                              <p:pRg st="7" end="7"/>
+                                            </p:txEl>
+                                          </p:spTgt>
+                                        </p:tgtEl>
+                                        <p:attrNameLst>
+                                          <p:attrName>ppt_x</p:attrName>
+                                        </p:attrNameLst>
+                                      </p:cBhvr>
+                                      <p:tavLst>
+                                        <p:tav tm="0">
+                                          <p:val>
+                                            <p:strVal val="#ppt_x"/>
+                                          </p:val>
+                                        </p:tav>
+                                        <p:tav tm="100000">
+                                          <p:val>
+                                            <p:strVal val="#ppt_x"/>
+                                          </p:val>
+                                        </p:tav>
+                                      </p:tavLst>
+                                    </p:anim>
+                                    <p:anim calcmode="lin" valueType="num">
+                                      <p:cBhvr additive="base">
+                                        <p:cTn id="18" dur="500" fill="hold"/>
+                                        <p:tgtEl>
+                                          <p:spTgt spid="3">
+                                            <p:txEl>
+                                              <p:pRg st="7" end="7"/>
+                                            </p:txEl>
+                                          </p:spTgt>
+                                        </p:tgtEl>
+                                        <p:attrNameLst>
+                                          <p:attrName>ppt_y</p:attrName>
+                                        </p:attrNameLst>
+                                      </p:cBhvr>
+                                      <p:tavLst>
+                                        <p:tav tm="0">
+                                          <p:val>
+                                            <p:strVal val="1+#ppt_h/2"/>
+                                          </p:val>
+                                        </p:tav>
+                                        <p:tav tm="100000">
+                                          <p:val>
+                                            <p:strVal val="#ppt_y"/>
+                                          </p:val>
+                                        </p:tav>
+                                      </p:tavLst>
+                                    </p:anim>
+                                  </p:childTnLst>
+                                </p:cTn>
+                              </p:par>
+                              <p:par>
+                                <p:cTn id="19" presetID="2" presetClass="entr" presetSubtype="4" fill="hold" nodeType="withEffect">
+                                  <p:stCondLst>
+                                    <p:cond delay="0"/>
+                                  </p:stCondLst>
+                                  <p:childTnLst>
+                                    <p:set>
+                                      <p:cBhvr>
+                                        <p:cTn id="20" dur="1" fill="hold">
+                                          <p:stCondLst>
+                                            <p:cond delay="0"/>
+                                          </p:stCondLst>
+                                        </p:cTn>
+                                        <p:tgtEl>
+                                          <p:spTgt spid="3">
+                                            <p:txEl>
+                                              <p:pRg st="8" end="8"/>
+                                            </p:txEl>
+                                          </p:spTgt>
+                                        </p:tgtEl>
+                                        <p:attrNameLst>
+                                          <p:attrName>style.visibility</p:attrName>
+                                        </p:attrNameLst>
+                                      </p:cBhvr>
+                                      <p:to>
+                                        <p:strVal val="visible"/>
+                                      </p:to>
+                                    </p:set>
+                                    <p:anim calcmode="lin" valueType="num">
+                                      <p:cBhvr additive="base">
+                                        <p:cTn id="21" dur="500" fill="hold"/>
+                                        <p:tgtEl>
+                                          <p:spTgt spid="3">
+                                            <p:txEl>
+                                              <p:pRg st="8" end="8"/>
+                                            </p:txEl>
+                                          </p:spTgt>
+                                        </p:tgtEl>
+                                        <p:attrNameLst>
+                                          <p:attrName>ppt_x</p:attrName>
+                                        </p:attrNameLst>
+                                      </p:cBhvr>
+                                      <p:tavLst>
+                                        <p:tav tm="0">
+                                          <p:val>
+                                            <p:strVal val="#ppt_x"/>
+                                          </p:val>
+                                        </p:tav>
+                                        <p:tav tm="100000">
+                                          <p:val>
+                                            <p:strVal val="#ppt_x"/>
+                                          </p:val>
+                                        </p:tav>
+                                      </p:tavLst>
+                                    </p:anim>
+                                    <p:anim calcmode="lin" valueType="num">
+                                      <p:cBhvr additive="base">
+                                        <p:cTn id="22" dur="500" fill="hold"/>
+                                        <p:tgtEl>
+                                          <p:spTgt spid="3">
+                                            <p:txEl>
+                                              <p:pRg st="8" end="8"/>
+                                            </p:txEl>
+                                          </p:spTgt>
+                                        </p:tgtEl>
+                                        <p:attrNameLst>
+                                          <p:attrName>ppt_y</p:attrName>
+                                        </p:attrNameLst>
+                                      </p:cBhvr>
+                                      <p:tavLst>
+                                        <p:tav tm="0">
+                                          <p:val>
+                                            <p:strVal val="1+#ppt_h/2"/>
+                                          </p:val>
+                                        </p:tav>
+                                        <p:tav tm="100000">
+                                          <p:val>
+                                            <p:strVal val="#ppt_y"/>
+                                          </p:val>
+                                        </p:tav>
+                                      </p:tavLst>
+                                    </p:anim>
+                                  </p:childTnLst>
+                                </p:cTn>
+                              </p:par>
+                            </p:childTnLst>
+                          </p:cTn>
+                        </p:par>
+                      </p:childTnLst>
+                    </p:cTn>
+                  </p:par>
+                  <p:par>
+                    <p:cTn id="23" fill="hold">
+                      <p:stCondLst>
+                        <p:cond delay="indefinite"/>
+                      </p:stCondLst>
+                      <p:childTnLst>
+                        <p:par>
+                          <p:cTn id="24" fill="hold">
+                            <p:stCondLst>
+                              <p:cond delay="0"/>
+                            </p:stCondLst>
+                            <p:childTnLst>
+                              <p:par>
+                                <p:cTn id="25" presetID="2" presetClass="entr" presetSubtype="4" fill="hold" nodeType="clickEffect">
+                                  <p:stCondLst>
+                                    <p:cond delay="0"/>
+                                  </p:stCondLst>
+                                  <p:childTnLst>
+                                    <p:set>
+                                      <p:cBhvr>
+                                        <p:cTn id="26" dur="1" fill="hold">
+                                          <p:stCondLst>
+                                            <p:cond delay="0"/>
+                                          </p:stCondLst>
+                                        </p:cTn>
+                                        <p:tgtEl>
+                                          <p:spTgt spid="3">
+                                            <p:txEl>
+                                              <p:pRg st="11" end="11"/>
+                                            </p:txEl>
+                                          </p:spTgt>
+                                        </p:tgtEl>
+                                        <p:attrNameLst>
+                                          <p:attrName>style.visibility</p:attrName>
+                                        </p:attrNameLst>
+                                      </p:cBhvr>
+                                      <p:to>
+                                        <p:strVal val="visible"/>
+                                      </p:to>
+                                    </p:set>
+                                    <p:anim calcmode="lin" valueType="num">
+                                      <p:cBhvr additive="base">
+                                        <p:cTn id="27" dur="500" fill="hold"/>
+                                        <p:tgtEl>
+                                          <p:spTgt spid="3">
+                                            <p:txEl>
+                                              <p:pRg st="11" end="11"/>
+                                            </p:txEl>
+                                          </p:spTgt>
+                                        </p:tgtEl>
+                                        <p:attrNameLst>
+                                          <p:attrName>ppt_x</p:attrName>
+                                        </p:attrNameLst>
+                                      </p:cBhvr>
+                                      <p:tavLst>
+                                        <p:tav tm="0">
+                                          <p:val>
+                                            <p:strVal val="#ppt_x"/>
+                                          </p:val>
+                                        </p:tav>
+                                        <p:tav tm="100000">
+                                          <p:val>
+                                            <p:strVal val="#ppt_x"/>
+                                          </p:val>
+                                        </p:tav>
+                                      </p:tavLst>
+                                    </p:anim>
+                                    <p:anim calcmode="lin" valueType="num">
+                                      <p:cBhvr additive="base">
+                                        <p:cTn id="28" dur="500" fill="hold"/>
+                                        <p:tgtEl>
+                                          <p:spTgt spid="3">
+                                            <p:txEl>
+                                              <p:pRg st="11" end="11"/>
+                                            </p:txEl>
+                                          </p:spTgt>
+                                        </p:tgtEl>
+                                        <p:attrNameLst>
+                                          <p:attrName>ppt_y</p:attrName>
+                                        </p:attrNameLst>
+                                      </p:cBhvr>
+                                      <p:tavLst>
+                                        <p:tav tm="0">
+                                          <p:val>
+                                            <p:strVal val="1+#ppt_h/2"/>
+                                          </p:val>
+                                        </p:tav>
+                                        <p:tav tm="100000">
+                                          <p:val>
+                                            <p:strVal val="#ppt_y"/>
+                                          </p:val>
+                                        </p:tav>
+                                      </p:tavLst>
+                                    </p:anim>
+                                  </p:childTnLst>
+                                </p:cTn>
+                              </p:par>
+                              <p:par>
+                                <p:cTn id="29" presetID="2" presetClass="entr" presetSubtype="4" fill="hold" nodeType="withEffect">
+                                  <p:stCondLst>
+                                    <p:cond delay="0"/>
+                                  </p:stCondLst>
+                                  <p:childTnLst>
+                                    <p:set>
+                                      <p:cBhvr>
+                                        <p:cTn id="30" dur="1" fill="hold">
+                                          <p:stCondLst>
+                                            <p:cond delay="0"/>
+                                          </p:stCondLst>
+                                        </p:cTn>
+                                        <p:tgtEl>
+                                          <p:spTgt spid="3">
+                                            <p:txEl>
+                                              <p:pRg st="12" end="12"/>
+                                            </p:txEl>
+                                          </p:spTgt>
+                                        </p:tgtEl>
+                                        <p:attrNameLst>
+                                          <p:attrName>style.visibility</p:attrName>
+                                        </p:attrNameLst>
+                                      </p:cBhvr>
+                                      <p:to>
+                                        <p:strVal val="visible"/>
+                                      </p:to>
+                                    </p:set>
+                                    <p:anim calcmode="lin" valueType="num">
+                                      <p:cBhvr additive="base">
+                                        <p:cTn id="31" dur="500" fill="hold"/>
+                                        <p:tgtEl>
+                                          <p:spTgt spid="3">
+                                            <p:txEl>
+                                              <p:pRg st="12" end="12"/>
+                                            </p:txEl>
+                                          </p:spTgt>
+                                        </p:tgtEl>
+                                        <p:attrNameLst>
+                                          <p:attrName>ppt_x</p:attrName>
+                                        </p:attrNameLst>
+                                      </p:cBhvr>
+                                      <p:tavLst>
+                                        <p:tav tm="0">
+                                          <p:val>
+                                            <p:strVal val="#ppt_x"/>
+                                          </p:val>
+                                        </p:tav>
+                                        <p:tav tm="100000">
+                                          <p:val>
+                                            <p:strVal val="#ppt_x"/>
+                                          </p:val>
+                                        </p:tav>
+                                      </p:tavLst>
+                                    </p:anim>
+                                    <p:anim calcmode="lin" valueType="num">
+                                      <p:cBhvr additive="base">
+                                        <p:cTn id="32" dur="500" fill="hold"/>
+                                        <p:tgtEl>
+                                          <p:spTgt spid="3">
+                                            <p:txEl>
+                                              <p:pRg st="12" end="12"/>
+                                            </p:txEl>
+                                          </p:spTgt>
+                                        </p:tgtEl>
+                                        <p:attrNameLst>
+                                          <p:attrName>ppt_y</p:attrName>
+                                        </p:attrNameLst>
+                                      </p:cBhvr>
+                                      <p:tavLst>
+                                        <p:tav tm="0">
+                                          <p:val>
+                                            <p:strVal val="1+#ppt_h/2"/>
+                                          </p:val>
+                                        </p:tav>
+                                        <p:tav tm="100000">
+                                          <p:val>
+                                            <p:strVal val="#ppt_y"/>
+                                          </p:val>
+                                        </p:tav>
+                                      </p:tavLst>
+                                    </p:anim>
+                                  </p:childTnLst>
+                                </p:cTn>
+                              </p:par>
+                              <p:par>
+                                <p:cTn id="33" presetID="2" presetClass="entr" presetSubtype="4" fill="hold" nodeType="withEffect">
+                                  <p:stCondLst>
+                                    <p:cond delay="0"/>
+                                  </p:stCondLst>
+                                  <p:childTnLst>
+                                    <p:set>
+                                      <p:cBhvr>
+                                        <p:cTn id="34" dur="1" fill="hold">
+                                          <p:stCondLst>
+                                            <p:cond delay="0"/>
+                                          </p:stCondLst>
+                                        </p:cTn>
+                                        <p:tgtEl>
+                                          <p:spTgt spid="3">
+                                            <p:txEl>
+                                              <p:pRg st="13" end="13"/>
+                                            </p:txEl>
+                                          </p:spTgt>
+                                        </p:tgtEl>
+                                        <p:attrNameLst>
+                                          <p:attrName>style.visibility</p:attrName>
+                                        </p:attrNameLst>
+                                      </p:cBhvr>
+                                      <p:to>
+                                        <p:strVal val="visible"/>
+                                      </p:to>
+                                    </p:set>
+                                    <p:anim calcmode="lin" valueType="num">
+                                      <p:cBhvr additive="base">
+                                        <p:cTn id="35" dur="500" fill="hold"/>
+                                        <p:tgtEl>
+                                          <p:spTgt spid="3">
+                                            <p:txEl>
+                                              <p:pRg st="13" end="13"/>
+                                            </p:txEl>
+                                          </p:spTgt>
+                                        </p:tgtEl>
+                                        <p:attrNameLst>
+                                          <p:attrName>ppt_x</p:attrName>
+                                        </p:attrNameLst>
+                                      </p:cBhvr>
+                                      <p:tavLst>
+                                        <p:tav tm="0">
+                                          <p:val>
+                                            <p:strVal val="#ppt_x"/>
+                                          </p:val>
+                                        </p:tav>
+                                        <p:tav tm="100000">
+                                          <p:val>
+                                            <p:strVal val="#ppt_x"/>
+                                          </p:val>
+                                        </p:tav>
+                                      </p:tavLst>
+                                    </p:anim>
+                                    <p:anim calcmode="lin" valueType="num">
+                                      <p:cBhvr additive="base">
+                                        <p:cTn id="36" dur="500" fill="hold"/>
+                                        <p:tgtEl>
+                                          <p:spTgt spid="3">
+                                            <p:txEl>
+                                              <p:pRg st="13" end="13"/>
+                                            </p:txEl>
+                                          </p:spTgt>
+                                        </p:tgtEl>
+                                        <p:attrNameLst>
+                                          <p:attrName>ppt_y</p:attrName>
+                                        </p:attrNameLst>
+                                      </p:cBhvr>
+                                      <p:tavLst>
+                                        <p:tav tm="0">
+                                          <p:val>
+                                            <p:strVal val="1+#ppt_h/2"/>
+                                          </p:val>
+                                        </p:tav>
+                                        <p:tav tm="100000">
+                                          <p:val>
+                                            <p:strVal val="#ppt_y"/>
+                                          </p:val>
+                                        </p:tav>
+                                      </p:tavLst>
+                                    </p:anim>
+                                  </p:childTnLst>
+                                </p:cTn>
+                              </p:par>
+                            </p:childTnLst>
+                          </p:cTn>
+                        </p:par>
+                      </p:childTnLst>
+                    </p:cTn>
+                  </p:par>
+                </p:childTnLst>
+              </p:cTn>
+              <p:prevCondLst>
+                <p:cond evt="onPrev" delay="0">
+                  <p:tgtEl>
+                    <p:sldTgt/>
+                  </p:tgtEl>
+                </p:cond>
+              </p:prevCondLst>
+              <p:nextCondLst>
+                <p:cond evt="onNext" delay="0">
+                  <p:tgtEl>
+                    <p:sldTgt/>
+                  </p:tgtEl>
+                </p:cond>
+              </p:nextCondLst>
+            </p:seq>
+          </p:childTnLst>
+        </p:cTn>
+      </p:par>
+    </p:tnLst>
+  </p:timing>
+</p:sld>
+</file>
+
+<file path=ppt/slides/slide22.xml><?xml version="1.0" encoding="utf-8"?>
+<p:sld xmlns:a="http://schemas.openxmlformats.org/drawingml/2006/main" xmlns:r="http://schemas.openxmlformats.org/officeDocument/2006/relationships" xmlns:p="http://schemas.openxmlformats.org/presentationml/2006/main">
+  <p:cSld>
+    <p:spTree>
+      <p:nvGrpSpPr>
+        <p:cNvPr id="1" name=""/>
+        <p:cNvGrpSpPr/>
+        <p:nvPr/>
+      </p:nvGrpSpPr>
+      <p:grpSpPr>
+        <a:xfrm>
+          <a:off x="0" y="0"/>
+          <a:ext cx="0" cy="0"/>
+          <a:chOff x="0" y="0"/>
+          <a:chExt cx="0" cy="0"/>
+        </a:xfrm>
+      </p:grpSpPr>
+      <p:sp>
+        <p:nvSpPr>
+          <p:cNvPr id="2" name="Title 1"/>
+          <p:cNvSpPr>
+            <a:spLocks noGrp="1"/>
+          </p:cNvSpPr>
+          <p:nvPr>
+            <p:ph type="title"/>
+          </p:nvPr>
+        </p:nvSpPr>
+        <p:spPr/>
+        <p:txBody>
+          <a:bodyPr/>
+          <a:lstStyle/>
+          <a:p>
+            <a:r>
+              <a:rPr lang="es-CO" dirty="0" smtClean="0"/>
+              <a:t>Enlaces de interés…</a:t>
+            </a:r>
+            <a:endParaRPr lang="es-CO" dirty="0"/>
+          </a:p>
+        </p:txBody>
+      </p:sp>
+      <p:sp>
+        <p:nvSpPr>
+          <p:cNvPr id="3" name="Content Placeholder 2"/>
+          <p:cNvSpPr>
+            <a:spLocks noGrp="1"/>
+          </p:cNvSpPr>
+          <p:nvPr>
+            <p:ph idx="1"/>
+          </p:nvPr>
+        </p:nvSpPr>
+        <p:spPr>
+          <a:xfrm>
+            <a:off x="230659" y="1825625"/>
+            <a:ext cx="11689492" cy="5042919"/>
+          </a:xfrm>
+        </p:spPr>
+        <p:txBody>
+          <a:bodyPr>
+            <a:normAutofit/>
+          </a:bodyPr>
+          <a:lstStyle/>
+          <a:p>
+            <a:pPr marL="0" indent="0">
+              <a:buNone/>
+            </a:pPr>
+            <a:r>
+              <a:rPr lang="es-CO" dirty="0" smtClean="0"/>
+              <a:t>Software R y </a:t>
+            </a:r>
+            <a:r>
+              <a:rPr lang="es-CO" dirty="0" err="1" smtClean="0"/>
+              <a:t>Rstudio</a:t>
+            </a:r>
+            <a:endParaRPr lang="es-CO" dirty="0"/>
+          </a:p>
+          <a:p>
+            <a:pPr lvl="1">
+              <a:buFont typeface="Wingdings" panose="05000000000000000000" pitchFamily="2" charset="2"/>
+              <a:buChar char="ü"/>
+            </a:pPr>
+            <a:r>
+              <a:rPr lang="es-CO" dirty="0">
+                <a:solidFill>
+                  <a:schemeClr val="accent5">
+                    <a:lumMod val="75000"/>
+                  </a:schemeClr>
+                </a:solidFill>
+                <a:hlinkClick r:id="rId2"/>
+              </a:rPr>
+              <a:t>https://cran.r-project.org</a:t>
+            </a:r>
+            <a:r>
+              <a:rPr lang="es-CO" dirty="0" smtClean="0">
+                <a:solidFill>
+                  <a:schemeClr val="accent5">
+                    <a:lumMod val="75000"/>
+                  </a:schemeClr>
+                </a:solidFill>
+                <a:hlinkClick r:id="rId2"/>
+              </a:rPr>
+              <a:t>/</a:t>
+            </a:r>
+            <a:endParaRPr lang="es-CO" dirty="0">
+              <a:solidFill>
+                <a:schemeClr val="accent5">
+                  <a:lumMod val="75000"/>
+                </a:schemeClr>
+              </a:solidFill>
+            </a:endParaRPr>
+          </a:p>
+          <a:p>
+            <a:pPr lvl="1">
+              <a:buFont typeface="Wingdings" panose="05000000000000000000" pitchFamily="2" charset="2"/>
+              <a:buChar char="ü"/>
+            </a:pPr>
+            <a:r>
+              <a:rPr lang="es-CO" dirty="0">
+                <a:solidFill>
+                  <a:schemeClr val="accent5">
+                    <a:lumMod val="75000"/>
+                  </a:schemeClr>
+                </a:solidFill>
+                <a:hlinkClick r:id="rId3"/>
+              </a:rPr>
+              <a:t>https://www.rstudio.com</a:t>
+            </a:r>
+            <a:r>
+              <a:rPr lang="es-CO" dirty="0" smtClean="0">
+                <a:solidFill>
+                  <a:schemeClr val="accent5">
+                    <a:lumMod val="75000"/>
+                  </a:schemeClr>
+                </a:solidFill>
+                <a:hlinkClick r:id="rId3"/>
+              </a:rPr>
+              <a:t>/</a:t>
+            </a:r>
+            <a:endParaRPr lang="es-CO" dirty="0">
+              <a:solidFill>
+                <a:schemeClr val="accent5">
+                  <a:lumMod val="75000"/>
+                </a:schemeClr>
+              </a:solidFill>
+            </a:endParaRPr>
+          </a:p>
+          <a:p>
+            <a:pPr marL="0" indent="0">
+              <a:buNone/>
+            </a:pPr>
+            <a:r>
+              <a:rPr lang="es-CO" dirty="0" smtClean="0"/>
+              <a:t>Scripts y manuales de metodología.</a:t>
+            </a:r>
+          </a:p>
+          <a:p>
+            <a:pPr lvl="1">
+              <a:buFont typeface="Wingdings" panose="05000000000000000000" pitchFamily="2" charset="2"/>
+              <a:buChar char="ü"/>
+            </a:pPr>
+            <a:r>
+              <a:rPr lang="es-CO" dirty="0" smtClean="0">
+                <a:solidFill>
+                  <a:schemeClr val="accent5">
+                    <a:lumMod val="75000"/>
+                  </a:schemeClr>
+                </a:solidFill>
+                <a:hlinkClick r:id="rId4"/>
+              </a:rPr>
+              <a:t>https</a:t>
+            </a:r>
+            <a:r>
+              <a:rPr lang="es-CO" dirty="0">
+                <a:solidFill>
+                  <a:schemeClr val="accent5">
+                    <a:lumMod val="75000"/>
+                  </a:schemeClr>
+                </a:solidFill>
+                <a:hlinkClick r:id="rId4"/>
+              </a:rPr>
+              <a:t>://</a:t>
+            </a:r>
+            <a:r>
+              <a:rPr lang="es-CO" dirty="0" smtClean="0">
+                <a:solidFill>
+                  <a:schemeClr val="accent5">
+                    <a:lumMod val="75000"/>
+                  </a:schemeClr>
+                </a:solidFill>
+                <a:hlinkClick r:id="rId4"/>
+              </a:rPr>
+              <a:t>github.com/victor1130/Scripts_Clima</a:t>
+            </a:r>
+            <a:endParaRPr lang="es-CO" dirty="0" smtClean="0">
+              <a:solidFill>
+                <a:schemeClr val="accent5">
+                  <a:lumMod val="75000"/>
+                </a:schemeClr>
+              </a:solidFill>
+            </a:endParaRPr>
+          </a:p>
+          <a:p>
+            <a:pPr marL="0" indent="0">
+              <a:buNone/>
+            </a:pPr>
+            <a:r>
+              <a:rPr lang="es-CO" dirty="0" smtClean="0"/>
+              <a:t>Ecuación para convertir brillo a energía solar.</a:t>
+            </a:r>
+          </a:p>
+          <a:p>
+            <a:pPr lvl="1">
+              <a:buFont typeface="Wingdings" panose="05000000000000000000" pitchFamily="2" charset="2"/>
+              <a:buChar char="ü"/>
+            </a:pPr>
+            <a:r>
+              <a:rPr lang="es-CO" dirty="0" smtClean="0">
+                <a:solidFill>
+                  <a:schemeClr val="accent5">
+                    <a:lumMod val="75000"/>
+                  </a:schemeClr>
+                </a:solidFill>
+                <a:hlinkClick r:id="rId5"/>
+              </a:rPr>
+              <a:t>ftp</a:t>
+            </a:r>
+            <a:r>
+              <a:rPr lang="es-CO" dirty="0">
+                <a:solidFill>
+                  <a:schemeClr val="accent5">
+                    <a:lumMod val="75000"/>
+                  </a:schemeClr>
+                </a:solidFill>
+                <a:hlinkClick r:id="rId5"/>
+              </a:rPr>
+              <a:t>://</a:t>
+            </a:r>
+            <a:r>
+              <a:rPr lang="es-CO" dirty="0" smtClean="0">
+                <a:solidFill>
+                  <a:schemeClr val="accent5">
+                    <a:lumMod val="75000"/>
+                  </a:schemeClr>
+                </a:solidFill>
+                <a:hlinkClick r:id="rId5"/>
+              </a:rPr>
+              <a:t>ftp.fao.org/docrep/fao/009/x0490s/x0490s01.pdf</a:t>
+            </a:r>
+            <a:endParaRPr lang="es-CO" dirty="0" smtClean="0">
+              <a:solidFill>
+                <a:schemeClr val="accent5">
+                  <a:lumMod val="75000"/>
+                </a:schemeClr>
+              </a:solidFill>
+            </a:endParaRPr>
+          </a:p>
+          <a:p>
+            <a:pPr marL="0" indent="0">
+              <a:buNone/>
+            </a:pPr>
+            <a:r>
+              <a:rPr lang="es-CO" dirty="0" smtClean="0"/>
+              <a:t>Metodología RMAWGEN</a:t>
+            </a:r>
+          </a:p>
+          <a:p>
+            <a:pPr lvl="1">
+              <a:buFont typeface="Wingdings" panose="05000000000000000000" pitchFamily="2" charset="2"/>
+              <a:buChar char="ü"/>
+            </a:pPr>
+            <a:r>
+              <a:rPr lang="es-CO" dirty="0" smtClean="0">
+                <a:solidFill>
+                  <a:schemeClr val="accent5">
+                    <a:lumMod val="75000"/>
+                  </a:schemeClr>
+                </a:solidFill>
+                <a:hlinkClick r:id="rId6"/>
+              </a:rPr>
+              <a:t>http</a:t>
+            </a:r>
+            <a:r>
+              <a:rPr lang="es-CO" dirty="0">
+                <a:solidFill>
+                  <a:schemeClr val="accent5">
+                    <a:lumMod val="75000"/>
+                  </a:schemeClr>
+                </a:solidFill>
+                <a:hlinkClick r:id="rId6"/>
+              </a:rPr>
+              <a:t>://</a:t>
+            </a:r>
+            <a:r>
+              <a:rPr lang="es-CO" dirty="0" smtClean="0">
+                <a:solidFill>
+                  <a:schemeClr val="accent5">
+                    <a:lumMod val="75000"/>
+                  </a:schemeClr>
+                </a:solidFill>
+                <a:hlinkClick r:id="rId6"/>
+              </a:rPr>
+              <a:t>presentations.copernicus.org/EGU2012-14026_presentation.pdf</a:t>
+            </a:r>
+            <a:endParaRPr lang="es-CO" dirty="0" smtClean="0">
+              <a:solidFill>
+                <a:schemeClr val="accent5">
+                  <a:lumMod val="75000"/>
+                </a:schemeClr>
+              </a:solidFill>
+            </a:endParaRPr>
+          </a:p>
+          <a:p>
+            <a:endParaRPr lang="es-CO" dirty="0" smtClean="0"/>
+          </a:p>
+          <a:p>
+            <a:endParaRPr lang="es-CO" dirty="0"/>
+          </a:p>
+        </p:txBody>
+      </p:sp>
+    </p:spTree>
+    <p:extLst>
+      <p:ext uri="{BB962C8B-B14F-4D97-AF65-F5344CB8AC3E}">
+        <p14:creationId xmlns:p14="http://schemas.microsoft.com/office/powerpoint/2010/main" val="889554074"/>
+      </p:ext>
+    </p:extLst>
+  </p:cSld>
+  <p:clrMapOvr>
+    <a:masterClrMapping/>
+  </p:clrMapOvr>
+  <p:timing>
+    <p:tnLst>
+      <p:par>
+        <p:cTn id="1" dur="indefinite" restart="never" nodeType="tmRoot"/>
+      </p:par>
+    </p:tnLst>
+  </p:timing>
+</p:sld>
+</file>
+
+<file path=ppt/slides/slide23.xml><?xml version="1.0" encoding="utf-8"?>
+<p:sld xmlns:a="http://schemas.openxmlformats.org/drawingml/2006/main" xmlns:r="http://schemas.openxmlformats.org/officeDocument/2006/relationships" xmlns:p="http://schemas.openxmlformats.org/presentationml/2006/main">
+  <p:cSld>
+    <p:spTree>
+      <p:nvGrpSpPr>
+        <p:cNvPr id="1" name=""/>
+        <p:cNvGrpSpPr/>
+        <p:nvPr/>
+      </p:nvGrpSpPr>
+      <p:grpSpPr>
+        <a:xfrm>
+          <a:off x="0" y="0"/>
+          <a:ext cx="0" cy="0"/>
+          <a:chOff x="0" y="0"/>
+          <a:chExt cx="0" cy="0"/>
+        </a:xfrm>
+      </p:grpSpPr>
+      <p:sp>
+        <p:nvSpPr>
           <p:cNvPr id="2" name="Title 1"/>
           <p:cNvSpPr>
             <a:spLocks noGrp="1"/>
@@ -6329,11 +7650,7 @@
             </a:pPr>
             <a:r>
               <a:rPr lang="es-CO" dirty="0" smtClean="0"/>
-              <a:t>Datos libres de </a:t>
-            </a:r>
-            <a:r>
-              <a:rPr lang="es-CO" dirty="0" smtClean="0"/>
-              <a:t>clima.</a:t>
+              <a:t>Datos libres de clima.</a:t>
             </a:r>
             <a:endParaRPr lang="es-CO" dirty="0"/>
           </a:p>
@@ -6349,6 +7666,7 @@
                     <a:lumMod val="75000"/>
                   </a:schemeClr>
                 </a:solidFill>
+                <a:hlinkClick r:id="rId2"/>
               </a:rPr>
               <a:t>https://</a:t>
             </a:r>
@@ -6359,15 +7677,34 @@
                     <a:lumMod val="75000"/>
                   </a:schemeClr>
                 </a:solidFill>
+                <a:hlinkClick r:id="rId2"/>
               </a:rPr>
               <a:t>data.noaa.gov/dataset/global-surface-summary-of-the-day-gsod</a:t>
             </a:r>
+            <a:endParaRPr lang="es-CO" dirty="0" smtClean="0">
+              <a:solidFill>
+                <a:schemeClr val="accent5">
+                  <a:lumMod val="75000"/>
+                </a:schemeClr>
+              </a:solidFill>
+            </a:endParaRPr>
           </a:p>
           <a:p>
             <a:pPr lvl="1">
               <a:buFont typeface="Wingdings" panose="05000000000000000000" pitchFamily="2" charset="2"/>
               <a:buChar char="ü"/>
             </a:pPr>
+            <a:r>
+              <a:rPr lang="es-CO" dirty="0" smtClean="0">
+                <a:solidFill>
+                  <a:schemeClr val="accent5">
+                    <a:lumMod val="75000"/>
+                  </a:schemeClr>
+                </a:solidFill>
+                <a:hlinkClick r:id="rId3"/>
+              </a:rPr>
+              <a:t>https</a:t>
+            </a:r>
             <a:r>
               <a:rPr lang="es-CO" dirty="0">
                 <a:solidFill>
@@ -6375,8 +7712,9 @@
                     <a:lumMod val="75000"/>
                   </a:schemeClr>
                 </a:solidFill>
+                <a:hlinkClick r:id="rId3"/>
               </a:rPr>
-              <a:t>https://</a:t>
+              <a:t>://</a:t>
             </a:r>
             <a:r>
               <a:rPr lang="es-CO" dirty="0" smtClean="0">
@@ -6385,6 +7723,7 @@
                     <a:lumMod val="75000"/>
                   </a:schemeClr>
                 </a:solidFill>
+                <a:hlinkClick r:id="rId3"/>
               </a:rPr>
               <a:t>www.car.gov.co/index.php?idcategoria=10571</a:t>
             </a:r>
@@ -6408,6 +7747,7 @@
                     <a:lumMod val="75000"/>
                   </a:schemeClr>
                 </a:solidFill>
+                <a:hlinkClick r:id="rId4"/>
               </a:rPr>
               <a:t>http://</a:t>
             </a:r>
@@ -6418,6 +7758,7 @@
                     <a:lumMod val="75000"/>
                   </a:schemeClr>
                 </a:solidFill>
+                <a:hlinkClick r:id="rId4"/>
               </a:rPr>
               <a:t>www.ideam.gov.co/solicitud-de-informacion</a:t>
             </a:r>
@@ -6441,6 +7782,7 @@
                     <a:lumMod val="75000"/>
                   </a:schemeClr>
                 </a:solidFill>
+                <a:hlinkClick r:id="rId5"/>
               </a:rPr>
               <a:t>http</a:t>
             </a:r>
@@ -6451,6 +7793,7 @@
                     <a:lumMod val="75000"/>
                   </a:schemeClr>
                 </a:solidFill>
+                <a:hlinkClick r:id="rId5"/>
               </a:rPr>
               <a:t>://chg.geog.ucsb.edu/data/chirps</a:t>
             </a:r>
@@ -6461,9 +7804,17 @@
                     <a:lumMod val="75000"/>
                   </a:schemeClr>
                 </a:solidFill>
+                <a:hlinkClick r:id="rId5"/>
               </a:rPr>
               <a:t>/</a:t>
             </a:r>
+            <a:endParaRPr lang="es-CO" dirty="0" smtClean="0">
+              <a:solidFill>
+                <a:schemeClr val="accent5">
+                  <a:lumMod val="75000"/>
+                </a:schemeClr>
+              </a:solidFill>
+            </a:endParaRPr>
           </a:p>
           <a:p>
             <a:pPr marL="457200" lvl="1" indent="0">
@@ -6498,6 +7849,7 @@
                     <a:lumMod val="75000"/>
                   </a:schemeClr>
                 </a:solidFill>
+                <a:hlinkClick r:id="rId6"/>
               </a:rPr>
               <a:t>http://</a:t>
             </a:r>
@@ -6508,239 +7860,17 @@
                     <a:lumMod val="75000"/>
                   </a:schemeClr>
                 </a:solidFill>
+                <a:hlinkClick r:id="rId6"/>
               </a:rPr>
               <a:t>www.diva-gis.org/Data</a:t>
             </a:r>
-          </a:p>
-        </p:txBody>
-      </p:sp>
-      <p:sp>
-        <p:nvSpPr>
-          <p:cNvPr id="4" name="Rectangle 3">
-            <a:hlinkClick r:id="rId2"/>
-          </p:cNvPr>
-          <p:cNvSpPr/>
-          <p:nvPr/>
-        </p:nvSpPr>
-        <p:spPr>
-          <a:xfrm>
-            <a:off x="1012371" y="2334986"/>
-            <a:ext cx="8948058" cy="277585"/>
-          </a:xfrm>
-          <a:prstGeom prst="rect">
-            <a:avLst/>
-          </a:prstGeom>
-          <a:noFill/>
-          <a:ln>
-            <a:noFill/>
-          </a:ln>
-        </p:spPr>
-        <p:style>
-          <a:lnRef idx="2">
-            <a:schemeClr val="accent1">
-              <a:shade val="50000"/>
-            </a:schemeClr>
-          </a:lnRef>
-          <a:fillRef idx="1">
-            <a:schemeClr val="accent1"/>
-          </a:fillRef>
-          <a:effectRef idx="0">
-            <a:schemeClr val="accent1"/>
-          </a:effectRef>
-          <a:fontRef idx="minor">
-            <a:schemeClr val="lt1"/>
-          </a:fontRef>
-        </p:style>
-        <p:txBody>
-          <a:bodyPr rtlCol="0" anchor="ctr"/>
-          <a:lstStyle/>
-          <a:p>
-            <a:pPr algn="ctr"/>
-            <a:endParaRPr lang="es-CO"/>
-          </a:p>
-        </p:txBody>
-      </p:sp>
-      <p:sp>
-        <p:nvSpPr>
-          <p:cNvPr id="5" name="Rectangle 4">
-            <a:hlinkClick r:id="rId3"/>
-          </p:cNvPr>
-          <p:cNvSpPr/>
-          <p:nvPr/>
-        </p:nvSpPr>
-        <p:spPr>
-          <a:xfrm>
-            <a:off x="1012371" y="2730105"/>
-            <a:ext cx="8948058" cy="277585"/>
-          </a:xfrm>
-          <a:prstGeom prst="rect">
-            <a:avLst/>
-          </a:prstGeom>
-          <a:noFill/>
-          <a:ln>
-            <a:noFill/>
-          </a:ln>
-        </p:spPr>
-        <p:style>
-          <a:lnRef idx="2">
-            <a:schemeClr val="accent1">
-              <a:shade val="50000"/>
-            </a:schemeClr>
-          </a:lnRef>
-          <a:fillRef idx="1">
-            <a:schemeClr val="accent1"/>
-          </a:fillRef>
-          <a:effectRef idx="0">
-            <a:schemeClr val="accent1"/>
-          </a:effectRef>
-          <a:fontRef idx="minor">
-            <a:schemeClr val="lt1"/>
-          </a:fontRef>
-        </p:style>
-        <p:txBody>
-          <a:bodyPr rtlCol="0" anchor="ctr"/>
-          <a:lstStyle/>
-          <a:p>
-            <a:pPr algn="ctr"/>
-            <a:endParaRPr lang="es-CO"/>
-          </a:p>
-        </p:txBody>
-      </p:sp>
-      <p:sp>
-        <p:nvSpPr>
-          <p:cNvPr id="6" name="Rectangle 5">
-            <a:hlinkClick r:id="rId4"/>
-          </p:cNvPr>
-          <p:cNvSpPr/>
-          <p:nvPr/>
-        </p:nvSpPr>
-        <p:spPr>
-          <a:xfrm>
-            <a:off x="1012371" y="3123861"/>
-            <a:ext cx="8948058" cy="277585"/>
-          </a:xfrm>
-          <a:prstGeom prst="rect">
-            <a:avLst/>
-          </a:prstGeom>
-          <a:noFill/>
-          <a:ln>
-            <a:noFill/>
-          </a:ln>
-        </p:spPr>
-        <p:style>
-          <a:lnRef idx="2">
-            <a:schemeClr val="accent1">
-              <a:shade val="50000"/>
-            </a:schemeClr>
-          </a:lnRef>
-          <a:fillRef idx="1">
-            <a:schemeClr val="accent1"/>
-          </a:fillRef>
-          <a:effectRef idx="0">
-            <a:schemeClr val="accent1"/>
-          </a:effectRef>
-          <a:fontRef idx="minor">
-            <a:schemeClr val="lt1"/>
-          </a:fontRef>
-        </p:style>
-        <p:txBody>
-          <a:bodyPr rtlCol="0" anchor="ctr"/>
-          <a:lstStyle/>
-          <a:p>
-            <a:pPr algn="ctr"/>
-            <a:endParaRPr lang="es-CO"/>
-          </a:p>
-        </p:txBody>
-      </p:sp>
-      <p:sp>
-        <p:nvSpPr>
-          <p:cNvPr id="7" name="Rectangle 6">
-            <a:hlinkClick r:id="rId5"/>
-          </p:cNvPr>
-          <p:cNvSpPr/>
-          <p:nvPr/>
-        </p:nvSpPr>
-        <p:spPr>
-          <a:xfrm>
-            <a:off x="1012371" y="3507921"/>
-            <a:ext cx="8948058" cy="277585"/>
-          </a:xfrm>
-          <a:prstGeom prst="rect">
-            <a:avLst/>
-          </a:prstGeom>
-          <a:noFill/>
-          <a:ln>
-            <a:noFill/>
-          </a:ln>
-        </p:spPr>
-        <p:style>
-          <a:lnRef idx="2">
-            <a:schemeClr val="accent1">
-              <a:shade val="50000"/>
-            </a:schemeClr>
-          </a:lnRef>
-          <a:fillRef idx="1">
-            <a:schemeClr val="accent1"/>
-          </a:fillRef>
-          <a:effectRef idx="0">
-            <a:schemeClr val="accent1"/>
-          </a:effectRef>
-          <a:fontRef idx="minor">
-            <a:schemeClr val="lt1"/>
-          </a:fontRef>
-        </p:style>
-        <p:txBody>
-          <a:bodyPr rtlCol="0" anchor="ctr"/>
-          <a:lstStyle/>
-          <a:p>
-            <a:pPr algn="ctr"/>
-            <a:endParaRPr lang="es-CO"/>
-          </a:p>
-        </p:txBody>
-      </p:sp>
-      <p:sp>
-        <p:nvSpPr>
-          <p:cNvPr id="8" name="Rectangle 7">
-            <a:hlinkClick r:id="rId6"/>
-          </p:cNvPr>
-          <p:cNvSpPr/>
-          <p:nvPr/>
-        </p:nvSpPr>
-        <p:spPr>
-          <a:xfrm>
-            <a:off x="1012371" y="4806043"/>
-            <a:ext cx="8948058" cy="277585"/>
-          </a:xfrm>
-          <a:prstGeom prst="rect">
-            <a:avLst/>
-          </a:prstGeom>
-          <a:noFill/>
-          <a:ln>
-            <a:noFill/>
-          </a:ln>
-        </p:spPr>
-        <p:style>
-          <a:lnRef idx="2">
-            <a:schemeClr val="accent1">
-              <a:shade val="50000"/>
-            </a:schemeClr>
-          </a:lnRef>
-          <a:fillRef idx="1">
-            <a:schemeClr val="accent1"/>
-          </a:fillRef>
-          <a:effectRef idx="0">
-            <a:schemeClr val="accent1"/>
-          </a:effectRef>
-          <a:fontRef idx="minor">
-            <a:schemeClr val="lt1"/>
-          </a:fontRef>
-        </p:style>
-        <p:txBody>
-          <a:bodyPr rtlCol="0" anchor="ctr"/>
-          <a:lstStyle/>
-          <a:p>
-            <a:pPr algn="ctr"/>
-            <a:endParaRPr lang="es-CO"/>
+            <a:endParaRPr lang="es-CO" dirty="0" smtClean="0">
+              <a:solidFill>
+                <a:schemeClr val="accent5">
+                  <a:lumMod val="75000"/>
+                </a:schemeClr>
+              </a:solidFill>
+            </a:endParaRPr>
           </a:p>
         </p:txBody>
       </p:sp>
@@ -6803,7 +7933,7 @@
           <a:p>
             <a:r>
               <a:rPr lang="en-US" dirty="0" smtClean="0"/>
-              <a:t>Fuentes…</a:t>
+              <a:t>Fuentes.</a:t>
             </a:r>
             <a:endParaRPr lang="es-CO" dirty="0"/>
           </a:p>
@@ -6835,7 +7965,7 @@
         </p:blipFill>
         <p:spPr>
           <a:xfrm>
-            <a:off x="838199" y="1617698"/>
+            <a:off x="1422399" y="1604998"/>
             <a:ext cx="1587501" cy="1543051"/>
           </a:xfrm>
         </p:spPr>
@@ -6864,7 +7994,7 @@
         </p:blipFill>
         <p:spPr>
           <a:xfrm>
-            <a:off x="4719444" y="1617697"/>
+            <a:off x="4531018" y="1604997"/>
             <a:ext cx="2753109" cy="1543051"/>
           </a:xfrm>
           <a:prstGeom prst="rect">
@@ -6893,7 +8023,7 @@
         </p:blipFill>
         <p:spPr>
           <a:xfrm>
-            <a:off x="9409792" y="1617697"/>
+            <a:off x="8805245" y="1604997"/>
             <a:ext cx="1532680" cy="1543051"/>
           </a:xfrm>
           <a:prstGeom prst="rect">
@@ -6925,7 +8055,7 @@
         </p:blipFill>
         <p:spPr>
           <a:xfrm>
-            <a:off x="6150425" y="4594360"/>
+            <a:off x="6325950" y="4594512"/>
             <a:ext cx="2070620" cy="1634700"/>
           </a:xfrm>
           <a:prstGeom prst="rect">
@@ -6957,7 +8087,7 @@
         </p:blipFill>
         <p:spPr>
           <a:xfrm>
-            <a:off x="9409792" y="4607212"/>
+            <a:off x="8931096" y="4594512"/>
             <a:ext cx="1634700" cy="1634700"/>
           </a:xfrm>
           <a:prstGeom prst="rect">
@@ -6990,7 +8120,7 @@
         </p:blipFill>
         <p:spPr bwMode="auto">
           <a:xfrm>
-            <a:off x="838199" y="4995937"/>
+            <a:off x="1422399" y="4983237"/>
             <a:ext cx="1673225" cy="867824"/>
           </a:xfrm>
           <a:prstGeom prst="rect">
@@ -7026,7 +8156,7 @@
         </p:blipFill>
         <p:spPr>
           <a:xfrm>
-            <a:off x="3454624" y="4995937"/>
+            <a:off x="4038824" y="4983237"/>
             <a:ext cx="1752600" cy="857250"/>
           </a:xfrm>
           <a:prstGeom prst="rect">
@@ -7118,7 +8248,7 @@
         </p:blipFill>
         <p:spPr>
           <a:xfrm>
-            <a:off x="2590800" y="1179448"/>
+            <a:off x="2590800" y="963548"/>
             <a:ext cx="7010400" cy="5465892"/>
           </a:xfrm>
           <a:prstGeom prst="rect">
@@ -8310,7 +9440,7 @@
         </p:blipFill>
         <p:spPr>
           <a:xfrm>
-            <a:off x="4273563" y="4253456"/>
+            <a:off x="4197363" y="4740677"/>
             <a:ext cx="1822437" cy="1571223"/>
           </a:xfrm>
           <a:prstGeom prst="rect">
@@ -8334,7 +9464,7 @@
         </p:blipFill>
         <p:spPr>
           <a:xfrm>
-            <a:off x="7674898" y="4316980"/>
+            <a:off x="7013548" y="4740677"/>
             <a:ext cx="2688753" cy="1444177"/>
           </a:xfrm>
           <a:prstGeom prst="rect">
@@ -8357,7 +9487,7 @@
         </p:blipFill>
         <p:spPr>
           <a:xfrm>
-            <a:off x="1503767" y="4765511"/>
+            <a:off x="2367367" y="4740677"/>
             <a:ext cx="836248" cy="547118"/>
           </a:xfrm>
           <a:prstGeom prst="rect">
@@ -8764,13 +9894,13 @@
           <p:nvPr>
             <p:extLst>
               <p:ext uri="{D42A27DB-BD31-4B8C-83A1-F6EECF244321}">
-                <p14:modId xmlns:p14="http://schemas.microsoft.com/office/powerpoint/2010/main" val="199615866"/>
+                <p14:modId xmlns:p14="http://schemas.microsoft.com/office/powerpoint/2010/main" val="2089397827"/>
               </p:ext>
             </p:extLst>
           </p:nvPr>
         </p:nvGraphicFramePr>
         <p:xfrm>
-          <a:off x="1903046" y="3181512"/>
+          <a:off x="1382346" y="3100467"/>
           <a:ext cx="8128002" cy="1371600"/>
         </p:xfrm>
         <a:graphic>
@@ -9157,7 +10287,7 @@
           <a:p>
             <a:r>
               <a:rPr lang="es-CO" dirty="0" smtClean="0"/>
-              <a:t>Control de calidad…</a:t>
+              <a:t>Control de calidad horaria…</a:t>
             </a:r>
             <a:endParaRPr lang="es-CO" dirty="0"/>
           </a:p>
@@ -9173,7 +10303,12 @@
             <p:ph idx="1"/>
           </p:nvPr>
         </p:nvSpPr>
-        <p:spPr/>
+        <p:spPr>
+          <a:xfrm>
+            <a:off x="838200" y="1416676"/>
+            <a:ext cx="10515600" cy="4760287"/>
+          </a:xfrm>
+        </p:spPr>
         <p:txBody>
           <a:bodyPr>
             <a:noAutofit/>
@@ -9183,51 +10318,58 @@
             <a:pPr marL="0" indent="0" algn="just">
               <a:buNone/>
             </a:pPr>
+            <a:endParaRPr lang="es-CO" sz="3200" dirty="0"/>
+          </a:p>
+          <a:p>
+            <a:pPr algn="just"/>
             <a:r>
               <a:rPr lang="es-CO" sz="3200" dirty="0" smtClean="0"/>
-              <a:t>La limpieza de los datos permite el tratamiento de información horaria y diaria.</a:t>
-            </a:r>
-          </a:p>
-          <a:p>
-            <a:pPr marL="0" indent="0" algn="just">
-              <a:buNone/>
-            </a:pPr>
-            <a:endParaRPr lang="es-CO" sz="3200" dirty="0"/>
+              <a:t>Horas duplicadas.</a:t>
+            </a:r>
           </a:p>
           <a:p>
             <a:pPr algn="just"/>
             <a:r>
               <a:rPr lang="es-CO" sz="3200" dirty="0" smtClean="0"/>
-              <a:t>Valores de referencia según la zona y la historia.</a:t>
+              <a:t>Registros con </a:t>
+            </a:r>
+            <a:r>
+              <a:rPr lang="es-CO" sz="3200" dirty="0" err="1" smtClean="0"/>
+              <a:t>dif</a:t>
+            </a:r>
+            <a:r>
+              <a:rPr lang="es-CO" sz="3200" dirty="0" smtClean="0"/>
+              <a:t>&gt;=30 min duplicados.</a:t>
             </a:r>
           </a:p>
           <a:p>
             <a:pPr algn="just"/>
             <a:r>
               <a:rPr lang="es-CO" sz="3200" dirty="0" smtClean="0"/>
-              <a:t>3 o 4 Desviaciones estándar.</a:t>
+              <a:t>Valores referencia </a:t>
+            </a:r>
+            <a:r>
+              <a:rPr lang="es-CO" sz="3200" dirty="0"/>
+              <a:t>según la zona </a:t>
+            </a:r>
+            <a:r>
+              <a:rPr lang="es-CO" sz="3200" dirty="0" smtClean="0"/>
+              <a:t>/ historia.</a:t>
             </a:r>
           </a:p>
           <a:p>
             <a:pPr algn="just"/>
             <a:r>
+              <a:rPr lang="es-CO" sz="3200" dirty="0"/>
+              <a:t>Análisis por intervalos horarios</a:t>
+            </a:r>
+            <a:r>
               <a:rPr lang="es-CO" sz="3200" dirty="0" smtClean="0"/>
-              <a:t>Análisis por intervalos horarios.</a:t>
+              <a:t>.</a:t>
             </a:r>
           </a:p>
           <a:p>
             <a:pPr algn="just"/>
-            <a:r>
-              <a:rPr lang="es-CO" sz="3200" dirty="0" smtClean="0"/>
-              <a:t>Detección de duplicados.</a:t>
-            </a:r>
-          </a:p>
-          <a:p>
-            <a:pPr algn="just"/>
-            <a:r>
-              <a:rPr lang="es-CO" sz="3200" dirty="0" smtClean="0"/>
-              <a:t>Ayudas gráficas.</a:t>
-            </a:r>
             <a:endParaRPr lang="es-CO" sz="3200" dirty="0"/>
           </a:p>
         </p:txBody>
@@ -9278,7 +10420,7 @@
                                         <p:tgtEl>
                                           <p:spTgt spid="3">
                                             <p:txEl>
-                                              <p:pRg st="2" end="2"/>
+                                              <p:pRg st="1" end="1"/>
                                             </p:txEl>
                                           </p:spTgt>
                                         </p:tgtEl>
@@ -9296,7 +10438,7 @@
                                         <p:tgtEl>
                                           <p:spTgt spid="3">
                                             <p:txEl>
-                                              <p:pRg st="2" end="2"/>
+                                              <p:pRg st="1" end="1"/>
                                             </p:txEl>
                                           </p:spTgt>
                                         </p:tgtEl>
@@ -9323,7 +10465,7 @@
                                         <p:tgtEl>
                                           <p:spTgt spid="3">
                                             <p:txEl>
-                                              <p:pRg st="2" end="2"/>
+                                              <p:pRg st="1" end="1"/>
                                             </p:txEl>
                                           </p:spTgt>
                                         </p:tgtEl>
@@ -9381,7 +10523,7 @@
                                         <p:tgtEl>
                                           <p:spTgt spid="3">
                                             <p:txEl>
-                                              <p:pRg st="3" end="3"/>
+                                              <p:pRg st="2" end="2"/>
                                             </p:txEl>
                                           </p:spTgt>
                                         </p:tgtEl>
@@ -9399,7 +10541,7 @@
                                         <p:tgtEl>
                                           <p:spTgt spid="3">
                                             <p:txEl>
-                                              <p:pRg st="3" end="3"/>
+                                              <p:pRg st="2" end="2"/>
                                             </p:txEl>
                                           </p:spTgt>
                                         </p:tgtEl>
@@ -9426,7 +10568,7 @@
                                         <p:tgtEl>
                                           <p:spTgt spid="3">
                                             <p:txEl>
-                                              <p:pRg st="3" end="3"/>
+                                              <p:pRg st="2" end="2"/>
                                             </p:txEl>
                                           </p:spTgt>
                                         </p:tgtEl>
@@ -9484,7 +10626,7 @@
                                         <p:tgtEl>
                                           <p:spTgt spid="3">
                                             <p:txEl>
-                                              <p:pRg st="4" end="4"/>
+                                              <p:pRg st="3" end="3"/>
                                             </p:txEl>
                                           </p:spTgt>
                                         </p:tgtEl>
@@ -9502,7 +10644,7 @@
                                         <p:tgtEl>
                                           <p:spTgt spid="3">
                                             <p:txEl>
-                                              <p:pRg st="4" end="4"/>
+                                              <p:pRg st="3" end="3"/>
                                             </p:txEl>
                                           </p:spTgt>
                                         </p:tgtEl>
@@ -9529,7 +10671,7 @@
                                         <p:tgtEl>
                                           <p:spTgt spid="3">
                                             <p:txEl>
-                                              <p:pRg st="4" end="4"/>
+                                              <p:pRg st="3" end="3"/>
                                             </p:txEl>
                                           </p:spTgt>
                                         </p:tgtEl>
@@ -9587,7 +10729,7 @@
                                         <p:tgtEl>
                                           <p:spTgt spid="3">
                                             <p:txEl>
-                                              <p:pRg st="5" end="5"/>
+                                              <p:pRg st="4" end="4"/>
                                             </p:txEl>
                                           </p:spTgt>
                                         </p:tgtEl>
@@ -9605,7 +10747,7 @@
                                         <p:tgtEl>
                                           <p:spTgt spid="3">
                                             <p:txEl>
-                                              <p:pRg st="5" end="5"/>
+                                              <p:pRg st="4" end="4"/>
                                             </p:txEl>
                                           </p:spTgt>
                                         </p:tgtEl>
@@ -9632,110 +10774,7 @@
                                         <p:tgtEl>
                                           <p:spTgt spid="3">
                                             <p:txEl>
-                                              <p:pRg st="5" end="5"/>
-                                            </p:txEl>
-                                          </p:spTgt>
-                                        </p:tgtEl>
-                                        <p:attrNameLst>
-                                          <p:attrName>ppt_y</p:attrName>
-                                        </p:attrNameLst>
-                                      </p:cBhvr>
-                                      <p:tavLst>
-                                        <p:tav tm="0">
-                                          <p:val>
-                                            <p:strVal val="1+#ppt_h/2"/>
-                                          </p:val>
-                                        </p:tav>
-                                        <p:tav tm="100000">
-                                          <p:val>
-                                            <p:strVal val="#ppt_y"/>
-                                          </p:val>
-                                        </p:tav>
-                                      </p:tavLst>
-                                    </p:anim>
-                                  </p:childTnLst>
-                                </p:cTn>
-                              </p:par>
-                            </p:childTnLst>
-                          </p:cTn>
-                        </p:par>
-                      </p:childTnLst>
-                    </p:cTn>
-                  </p:par>
-                  <p:par>
-                    <p:cTn id="27" fill="hold">
-                      <p:stCondLst>
-                        <p:cond delay="indefinite"/>
-                      </p:stCondLst>
-                      <p:childTnLst>
-                        <p:par>
-                          <p:cTn id="28" fill="hold">
-                            <p:stCondLst>
-                              <p:cond delay="0"/>
-                            </p:stCondLst>
-                            <p:childTnLst>
-                              <p:par>
-                                <p:cTn id="29" presetID="2" presetClass="entr" presetSubtype="4" fill="hold" nodeType="clickEffect">
-                                  <p:stCondLst>
-                                    <p:cond delay="0"/>
-                                  </p:stCondLst>
-                                  <p:childTnLst>
-                                    <p:set>
-                                      <p:cBhvr>
-                                        <p:cTn id="30" dur="1" fill="hold">
-                                          <p:stCondLst>
-                                            <p:cond delay="0"/>
-                                          </p:stCondLst>
-                                        </p:cTn>
-                                        <p:tgtEl>
-                                          <p:spTgt spid="3">
-                                            <p:txEl>
-                                              <p:pRg st="6" end="6"/>
-                                            </p:txEl>
-                                          </p:spTgt>
-                                        </p:tgtEl>
-                                        <p:attrNameLst>
-                                          <p:attrName>style.visibility</p:attrName>
-                                        </p:attrNameLst>
-                                      </p:cBhvr>
-                                      <p:to>
-                                        <p:strVal val="visible"/>
-                                      </p:to>
-                                    </p:set>
-                                    <p:anim calcmode="lin" valueType="num">
-                                      <p:cBhvr additive="base">
-                                        <p:cTn id="31" dur="500" fill="hold"/>
-                                        <p:tgtEl>
-                                          <p:spTgt spid="3">
-                                            <p:txEl>
-                                              <p:pRg st="6" end="6"/>
-                                            </p:txEl>
-                                          </p:spTgt>
-                                        </p:tgtEl>
-                                        <p:attrNameLst>
-                                          <p:attrName>ppt_x</p:attrName>
-                                        </p:attrNameLst>
-                                      </p:cBhvr>
-                                      <p:tavLst>
-                                        <p:tav tm="0">
-                                          <p:val>
-                                            <p:strVal val="#ppt_x"/>
-                                          </p:val>
-                                        </p:tav>
-                                        <p:tav tm="100000">
-                                          <p:val>
-                                            <p:strVal val="#ppt_x"/>
-                                          </p:val>
-                                        </p:tav>
-                                      </p:tavLst>
-                                    </p:anim>
-                                    <p:anim calcmode="lin" valueType="num">
-                                      <p:cBhvr additive="base">
-                                        <p:cTn id="32" dur="500" fill="hold"/>
-                                        <p:tgtEl>
-                                          <p:spTgt spid="3">
-                                            <p:txEl>
-                                              <p:pRg st="6" end="6"/>
+                                              <p:pRg st="4" end="4"/>
                                             </p:txEl>
                                           </p:spTgt>
                                         </p:tgtEl>

--- a/Tratamiento de datos climáticos.pptx
+++ b/Tratamiento de datos climáticos.pptx
@@ -25,9 +25,8 @@
     <p:sldId id="268" r:id="rId19"/>
     <p:sldId id="270" r:id="rId20"/>
     <p:sldId id="271" r:id="rId21"/>
-    <p:sldId id="278" r:id="rId22"/>
-    <p:sldId id="273" r:id="rId23"/>
-    <p:sldId id="277" r:id="rId24"/>
+    <p:sldId id="273" r:id="rId22"/>
+    <p:sldId id="277" r:id="rId23"/>
   </p:sldIdLst>
   <p:sldSz cx="12192000" cy="6858000"/>
   <p:notesSz cx="6858000" cy="9144000"/>
@@ -314,7 +313,7 @@
           <a:p>
             <a:fld id="{F478E455-2610-4EC8-99BC-ED6763E081C6}" type="datetimeFigureOut">
               <a:rPr lang="es-CO" smtClean="0"/>
-              <a:t>06/01/2017</a:t>
+              <a:t>31/01/2017</a:t>
             </a:fld>
             <a:endParaRPr lang="es-CO"/>
           </a:p>
@@ -484,7 +483,7 @@
           <a:p>
             <a:fld id="{F478E455-2610-4EC8-99BC-ED6763E081C6}" type="datetimeFigureOut">
               <a:rPr lang="es-CO" smtClean="0"/>
-              <a:t>06/01/2017</a:t>
+              <a:t>31/01/2017</a:t>
             </a:fld>
             <a:endParaRPr lang="es-CO"/>
           </a:p>
@@ -664,7 +663,7 @@
           <a:p>
             <a:fld id="{F478E455-2610-4EC8-99BC-ED6763E081C6}" type="datetimeFigureOut">
               <a:rPr lang="es-CO" smtClean="0"/>
-              <a:t>06/01/2017</a:t>
+              <a:t>31/01/2017</a:t>
             </a:fld>
             <a:endParaRPr lang="es-CO"/>
           </a:p>
@@ -834,7 +833,7 @@
           <a:p>
             <a:fld id="{F478E455-2610-4EC8-99BC-ED6763E081C6}" type="datetimeFigureOut">
               <a:rPr lang="es-CO" smtClean="0"/>
-              <a:t>06/01/2017</a:t>
+              <a:t>31/01/2017</a:t>
             </a:fld>
             <a:endParaRPr lang="es-CO"/>
           </a:p>
@@ -1080,7 +1079,7 @@
           <a:p>
             <a:fld id="{F478E455-2610-4EC8-99BC-ED6763E081C6}" type="datetimeFigureOut">
               <a:rPr lang="es-CO" smtClean="0"/>
-              <a:t>06/01/2017</a:t>
+              <a:t>31/01/2017</a:t>
             </a:fld>
             <a:endParaRPr lang="es-CO"/>
           </a:p>
@@ -1312,7 +1311,7 @@
           <a:p>
             <a:fld id="{F478E455-2610-4EC8-99BC-ED6763E081C6}" type="datetimeFigureOut">
               <a:rPr lang="es-CO" smtClean="0"/>
-              <a:t>06/01/2017</a:t>
+              <a:t>31/01/2017</a:t>
             </a:fld>
             <a:endParaRPr lang="es-CO"/>
           </a:p>
@@ -1679,7 +1678,7 @@
           <a:p>
             <a:fld id="{F478E455-2610-4EC8-99BC-ED6763E081C6}" type="datetimeFigureOut">
               <a:rPr lang="es-CO" smtClean="0"/>
-              <a:t>06/01/2017</a:t>
+              <a:t>31/01/2017</a:t>
             </a:fld>
             <a:endParaRPr lang="es-CO"/>
           </a:p>
@@ -1797,7 +1796,7 @@
           <a:p>
             <a:fld id="{F478E455-2610-4EC8-99BC-ED6763E081C6}" type="datetimeFigureOut">
               <a:rPr lang="es-CO" smtClean="0"/>
-              <a:t>06/01/2017</a:t>
+              <a:t>31/01/2017</a:t>
             </a:fld>
             <a:endParaRPr lang="es-CO"/>
           </a:p>
@@ -1892,7 +1891,7 @@
           <a:p>
             <a:fld id="{F478E455-2610-4EC8-99BC-ED6763E081C6}" type="datetimeFigureOut">
               <a:rPr lang="es-CO" smtClean="0"/>
-              <a:t>06/01/2017</a:t>
+              <a:t>31/01/2017</a:t>
             </a:fld>
             <a:endParaRPr lang="es-CO"/>
           </a:p>
@@ -2169,7 +2168,7 @@
           <a:p>
             <a:fld id="{F478E455-2610-4EC8-99BC-ED6763E081C6}" type="datetimeFigureOut">
               <a:rPr lang="es-CO" smtClean="0"/>
-              <a:t>06/01/2017</a:t>
+              <a:t>31/01/2017</a:t>
             </a:fld>
             <a:endParaRPr lang="es-CO"/>
           </a:p>
@@ -2422,7 +2421,7 @@
           <a:p>
             <a:fld id="{F478E455-2610-4EC8-99BC-ED6763E081C6}" type="datetimeFigureOut">
               <a:rPr lang="es-CO" smtClean="0"/>
-              <a:t>06/01/2017</a:t>
+              <a:t>31/01/2017</a:t>
             </a:fld>
             <a:endParaRPr lang="es-CO"/>
           </a:p>
@@ -2635,7 +2634,7 @@
           <a:p>
             <a:fld id="{F478E455-2610-4EC8-99BC-ED6763E081C6}" type="datetimeFigureOut">
               <a:rPr lang="es-CO" smtClean="0"/>
-              <a:t>06/01/2017</a:t>
+              <a:t>31/01/2017</a:t>
             </a:fld>
             <a:endParaRPr lang="es-CO"/>
           </a:p>
@@ -3297,7 +3296,7 @@
           <a:p>
             <a:r>
               <a:rPr lang="es-CO" dirty="0" smtClean="0"/>
-              <a:t>Control de calidad diaria…</a:t>
+              <a:t>Control de calidad diaria.</a:t>
             </a:r>
             <a:endParaRPr lang="es-CO" dirty="0"/>
           </a:p>
@@ -3929,7 +3928,7 @@
             </a:r>
             <a:r>
               <a:rPr lang="es-CO" dirty="0" smtClean="0"/>
-              <a:t>horarios…</a:t>
+              <a:t>horarios.</a:t>
             </a:r>
             <a:endParaRPr lang="es-CO" dirty="0"/>
           </a:p>
@@ -4456,7 +4455,7 @@
           <a:p>
             <a:r>
               <a:rPr lang="es-CO" dirty="0" smtClean="0"/>
-              <a:t>Control de calidad…</a:t>
+              <a:t>Control de calidad.</a:t>
             </a:r>
             <a:endParaRPr lang="es-CO" dirty="0"/>
           </a:p>
@@ -4593,7 +4592,7 @@
             <a:pPr algn="just"/>
             <a:r>
               <a:rPr lang="es-CO" dirty="0" smtClean="0"/>
-              <a:t>Unir duplicidad de fuentes de información…</a:t>
+              <a:t>Unir duplicidad de fuentes de información.</a:t>
             </a:r>
             <a:endParaRPr lang="es-CO" dirty="0"/>
           </a:p>
@@ -4700,7 +4699,7 @@
           <a:p>
             <a:r>
               <a:rPr lang="es-CO" dirty="0" smtClean="0"/>
-              <a:t>Llenado de faltantes</a:t>
+              <a:t>Llenado de faltantes.</a:t>
             </a:r>
             <a:endParaRPr lang="es-CO" dirty="0"/>
           </a:p>
@@ -4819,7 +4818,7 @@
           <a:p>
             <a:r>
               <a:rPr lang="es-CO" dirty="0" smtClean="0"/>
-              <a:t>Llenado de faltantes</a:t>
+              <a:t>Llenado de faltantes.</a:t>
             </a:r>
             <a:endParaRPr lang="es-CO" dirty="0"/>
           </a:p>
@@ -4908,7 +4907,7 @@
           <a:p>
             <a:r>
               <a:rPr lang="es-CO" dirty="0" smtClean="0"/>
-              <a:t>Llenado de faltantes</a:t>
+              <a:t>Llenado de faltantes.</a:t>
             </a:r>
             <a:endParaRPr lang="es-CO" dirty="0"/>
           </a:p>
@@ -5018,14 +5017,14 @@
           <a:p>
             <a:r>
               <a:rPr lang="es-CO" dirty="0" smtClean="0"/>
-              <a:t>Resultados…</a:t>
+              <a:t>Resultados.</a:t>
             </a:r>
             <a:endParaRPr lang="es-CO" dirty="0"/>
           </a:p>
         </p:txBody>
       </p:sp>
-      <mc:AlternateContent xmlns:mc="http://schemas.openxmlformats.org/markup-compatibility/2006">
-        <mc:Choice xmlns:a14="http://schemas.microsoft.com/office/drawing/2010/main" Requires="a14">
+      <mc:AlternateContent xmlns:mc="http://schemas.openxmlformats.org/markup-compatibility/2006" xmlns:a14="http://schemas.microsoft.com/office/drawing/2010/main">
+        <mc:Choice Requires="a14">
           <p:sp>
             <p:nvSpPr>
               <p:cNvPr id="3" name="Content Placeholder 2"/>
@@ -5136,7 +5135,7 @@
             </p:txBody>
           </p:sp>
         </mc:Choice>
-        <mc:Fallback>
+        <mc:Fallback xmlns="">
           <p:sp>
             <p:nvSpPr>
               <p:cNvPr id="3" name="Content Placeholder 2"/>
@@ -5170,8 +5169,8 @@
           </p:sp>
         </mc:Fallback>
       </mc:AlternateContent>
-      <mc:AlternateContent xmlns:mc="http://schemas.openxmlformats.org/markup-compatibility/2006">
-        <mc:Choice xmlns:a14="http://schemas.microsoft.com/office/drawing/2010/main" Requires="a14">
+      <mc:AlternateContent xmlns:mc="http://schemas.openxmlformats.org/markup-compatibility/2006" xmlns:a14="http://schemas.microsoft.com/office/drawing/2010/main">
+        <mc:Choice Requires="a14">
           <p:sp>
             <p:nvSpPr>
               <p:cNvPr id="4" name="Rectangle 3"/>
@@ -5264,7 +5263,7 @@
             </p:txBody>
           </p:sp>
         </mc:Choice>
-        <mc:Fallback>
+        <mc:Fallback xmlns="">
           <p:sp>
             <p:nvSpPr>
               <p:cNvPr id="4" name="Rectangle 3"/>
@@ -5306,8 +5305,8 @@
           </p:sp>
         </mc:Fallback>
       </mc:AlternateContent>
-      <mc:AlternateContent xmlns:mc="http://schemas.openxmlformats.org/markup-compatibility/2006">
-        <mc:Choice xmlns:a14="http://schemas.microsoft.com/office/drawing/2010/main" Requires="a14">
+      <mc:AlternateContent xmlns:mc="http://schemas.openxmlformats.org/markup-compatibility/2006" xmlns:a14="http://schemas.microsoft.com/office/drawing/2010/main">
+        <mc:Choice Requires="a14">
           <p:sp>
             <p:nvSpPr>
               <p:cNvPr id="6" name="Rectangle 5"/>
@@ -5400,7 +5399,7 @@
             </p:txBody>
           </p:sp>
         </mc:Choice>
-        <mc:Fallback>
+        <mc:Fallback xmlns="">
           <p:sp>
             <p:nvSpPr>
               <p:cNvPr id="6" name="Rectangle 5"/>
@@ -5442,8 +5441,8 @@
           </p:sp>
         </mc:Fallback>
       </mc:AlternateContent>
-      <mc:AlternateContent xmlns:mc="http://schemas.openxmlformats.org/markup-compatibility/2006">
-        <mc:Choice xmlns:a14="http://schemas.microsoft.com/office/drawing/2010/main" Requires="a14">
+      <mc:AlternateContent xmlns:mc="http://schemas.openxmlformats.org/markup-compatibility/2006" xmlns:a14="http://schemas.microsoft.com/office/drawing/2010/main">
+        <mc:Choice Requires="a14">
           <p:sp>
             <p:nvSpPr>
               <p:cNvPr id="8" name="Rectangle 7"/>
@@ -5536,7 +5535,7 @@
             </p:txBody>
           </p:sp>
         </mc:Choice>
-        <mc:Fallback>
+        <mc:Fallback xmlns="">
           <p:sp>
             <p:nvSpPr>
               <p:cNvPr id="8" name="Rectangle 7"/>
@@ -5962,7 +5961,7 @@
           <a:p>
             <a:r>
               <a:rPr lang="es-CO" dirty="0" smtClean="0"/>
-              <a:t>Resultados…</a:t>
+              <a:t>Resultados.</a:t>
             </a:r>
             <a:endParaRPr lang="es-CO" dirty="0"/>
           </a:p>
@@ -6052,7 +6051,7 @@
           <a:p>
             <a:r>
               <a:rPr lang="es-CO" dirty="0" smtClean="0"/>
-              <a:t>Resultados…</a:t>
+              <a:t>Resultados.</a:t>
             </a:r>
             <a:endParaRPr lang="es-CO" dirty="0"/>
           </a:p>
@@ -6300,7 +6299,7 @@
           <a:p>
             <a:r>
               <a:rPr lang="es-CO" dirty="0" smtClean="0"/>
-              <a:t>Resultados…</a:t>
+              <a:t>Resultados.</a:t>
             </a:r>
             <a:endParaRPr lang="es-CO" dirty="0"/>
           </a:p>
@@ -6375,6 +6374,29 @@
       </p:grpSpPr>
       <p:sp>
         <p:nvSpPr>
+          <p:cNvPr id="2" name="Title 1"/>
+          <p:cNvSpPr>
+            <a:spLocks noGrp="1"/>
+          </p:cNvSpPr>
+          <p:nvPr>
+            <p:ph type="title"/>
+          </p:nvPr>
+        </p:nvSpPr>
+        <p:spPr/>
+        <p:txBody>
+          <a:bodyPr/>
+          <a:lstStyle/>
+          <a:p>
+            <a:r>
+              <a:rPr lang="es-CO" dirty="0" smtClean="0"/>
+              <a:t>Enlaces de interés…</a:t>
+            </a:r>
+            <a:endParaRPr lang="es-CO" dirty="0"/>
+          </a:p>
+        </p:txBody>
+      </p:sp>
+      <p:sp>
+        <p:nvSpPr>
           <p:cNvPr id="3" name="Content Placeholder 2"/>
           <p:cNvSpPr>
             <a:spLocks noGrp="1"/>
@@ -6385,13 +6407,13 @@
         </p:nvSpPr>
         <p:spPr>
           <a:xfrm>
-            <a:off x="838200" y="450760"/>
-            <a:ext cx="10515600" cy="5988677"/>
+            <a:off x="230659" y="1825625"/>
+            <a:ext cx="11689492" cy="5042919"/>
           </a:xfrm>
         </p:spPr>
         <p:txBody>
           <a:bodyPr>
-            <a:noAutofit/>
+            <a:normAutofit/>
           </a:bodyPr>
           <a:lstStyle/>
           <a:p>
@@ -6399,164 +6421,266 @@
               <a:buNone/>
             </a:pPr>
             <a:r>
-              <a:rPr lang="es-CO" dirty="0"/>
-              <a:t>A </a:t>
-            </a:r>
-            <a:r>
               <a:rPr lang="es-CO" dirty="0" smtClean="0"/>
-              <a:t>dónde </a:t>
-            </a:r>
-            <a:r>
-              <a:rPr lang="es-CO" dirty="0"/>
-              <a:t>queremos llegar?</a:t>
-            </a:r>
+              <a:t>Software R y </a:t>
+            </a:r>
+            <a:r>
+              <a:rPr lang="es-CO" dirty="0" err="1" smtClean="0"/>
+              <a:t>Rstudio</a:t>
+            </a:r>
+            <a:r>
+              <a:rPr lang="es-CO" dirty="0" smtClean="0"/>
+              <a:t>.</a:t>
+            </a:r>
+            <a:endParaRPr lang="es-CO" dirty="0"/>
+          </a:p>
+          <a:p>
+            <a:pPr lvl="1">
+              <a:buFont typeface="Wingdings" panose="05000000000000000000" pitchFamily="2" charset="2"/>
+              <a:buChar char="ü"/>
+            </a:pPr>
+            <a:r>
+              <a:rPr lang="es-CO" dirty="0">
+                <a:solidFill>
+                  <a:schemeClr val="accent5">
+                    <a:lumMod val="75000"/>
+                  </a:schemeClr>
+                </a:solidFill>
+                <a:hlinkClick r:id="rId2"/>
+              </a:rPr>
+              <a:t>https://cran.r-project.org</a:t>
+            </a:r>
+            <a:r>
+              <a:rPr lang="es-CO" dirty="0" smtClean="0">
+                <a:solidFill>
+                  <a:schemeClr val="accent5">
+                    <a:lumMod val="75000"/>
+                  </a:schemeClr>
+                </a:solidFill>
+                <a:hlinkClick r:id="rId2"/>
+              </a:rPr>
+              <a:t>/</a:t>
+            </a:r>
+            <a:endParaRPr lang="es-CO" dirty="0">
+              <a:solidFill>
+                <a:schemeClr val="accent5">
+                  <a:lumMod val="75000"/>
+                </a:schemeClr>
+              </a:solidFill>
+            </a:endParaRPr>
+          </a:p>
+          <a:p>
+            <a:pPr lvl="1">
+              <a:buFont typeface="Wingdings" panose="05000000000000000000" pitchFamily="2" charset="2"/>
+              <a:buChar char="ü"/>
+            </a:pPr>
+            <a:r>
+              <a:rPr lang="es-CO" dirty="0">
+                <a:solidFill>
+                  <a:schemeClr val="accent5">
+                    <a:lumMod val="75000"/>
+                  </a:schemeClr>
+                </a:solidFill>
+                <a:hlinkClick r:id="rId3"/>
+              </a:rPr>
+              <a:t>https://www.rstudio.com</a:t>
+            </a:r>
+            <a:r>
+              <a:rPr lang="es-CO" dirty="0" smtClean="0">
+                <a:solidFill>
+                  <a:schemeClr val="accent5">
+                    <a:lumMod val="75000"/>
+                  </a:schemeClr>
+                </a:solidFill>
+                <a:hlinkClick r:id="rId3"/>
+              </a:rPr>
+              <a:t>/</a:t>
+            </a:r>
+            <a:endParaRPr lang="es-CO" dirty="0">
+              <a:solidFill>
+                <a:schemeClr val="accent5">
+                  <a:lumMod val="75000"/>
+                </a:schemeClr>
+              </a:solidFill>
+            </a:endParaRPr>
           </a:p>
           <a:p>
             <a:pPr marL="0" indent="0">
               <a:buNone/>
             </a:pPr>
             <a:r>
-              <a:rPr lang="es-CO" sz="1800" dirty="0"/>
-              <a:t> </a:t>
-            </a:r>
-          </a:p>
-          <a:p>
-            <a:r>
-              <a:rPr lang="es-CO" sz="1800" dirty="0"/>
-              <a:t>Poder integrar fuentes de información NO diaria en el análisis </a:t>
-            </a:r>
-            <a:r>
-              <a:rPr lang="es-CO" sz="1800" dirty="0" smtClean="0"/>
-              <a:t>(estaciones </a:t>
-            </a:r>
-            <a:r>
-              <a:rPr lang="es-CO" sz="1800" dirty="0"/>
-              <a:t>automáticas</a:t>
-            </a:r>
-            <a:r>
-              <a:rPr lang="es-CO" sz="1800" dirty="0" smtClean="0"/>
-              <a:t>).</a:t>
-            </a:r>
-          </a:p>
-          <a:p>
-            <a:r>
-              <a:rPr lang="es-CO" sz="1800" dirty="0" smtClean="0"/>
-              <a:t>Tener más seguridad respecto a la construcción del dato diario.</a:t>
-            </a:r>
-            <a:endParaRPr lang="es-CO" sz="1800" dirty="0"/>
+              <a:rPr lang="es-CO" dirty="0" smtClean="0"/>
+              <a:t>Scripts y manuales de metodología.</a:t>
+            </a:r>
+          </a:p>
+          <a:p>
+            <a:pPr lvl="1">
+              <a:buFont typeface="Wingdings" panose="05000000000000000000" pitchFamily="2" charset="2"/>
+              <a:buChar char="ü"/>
+            </a:pPr>
+            <a:r>
+              <a:rPr lang="es-CO" dirty="0" smtClean="0">
+                <a:solidFill>
+                  <a:schemeClr val="accent5">
+                    <a:lumMod val="75000"/>
+                  </a:schemeClr>
+                </a:solidFill>
+                <a:hlinkClick r:id="rId4"/>
+              </a:rPr>
+              <a:t>https</a:t>
+            </a:r>
+            <a:r>
+              <a:rPr lang="es-CO" dirty="0">
+                <a:solidFill>
+                  <a:schemeClr val="accent5">
+                    <a:lumMod val="75000"/>
+                  </a:schemeClr>
+                </a:solidFill>
+                <a:hlinkClick r:id="rId4"/>
+              </a:rPr>
+              <a:t>://</a:t>
+            </a:r>
+            <a:r>
+              <a:rPr lang="es-CO" dirty="0" smtClean="0">
+                <a:solidFill>
+                  <a:schemeClr val="accent5">
+                    <a:lumMod val="75000"/>
+                  </a:schemeClr>
+                </a:solidFill>
+                <a:hlinkClick r:id="rId4"/>
+              </a:rPr>
+              <a:t>github.com/victor1130/Scripts_Clima</a:t>
+            </a:r>
+            <a:endParaRPr lang="es-CO" dirty="0" smtClean="0">
+              <a:solidFill>
+                <a:schemeClr val="accent5">
+                  <a:lumMod val="75000"/>
+                </a:schemeClr>
+              </a:solidFill>
+            </a:endParaRPr>
           </a:p>
           <a:p>
             <a:pPr marL="0" indent="0">
               <a:buNone/>
             </a:pPr>
             <a:r>
-              <a:rPr lang="es-CO" sz="1800" dirty="0"/>
-              <a:t> </a:t>
-            </a:r>
+              <a:rPr lang="es-CO" dirty="0" smtClean="0"/>
+              <a:t>Ecuación para convertir brillo a energía solar.</a:t>
+            </a:r>
+          </a:p>
+          <a:p>
+            <a:pPr lvl="1">
+              <a:buFont typeface="Wingdings" panose="05000000000000000000" pitchFamily="2" charset="2"/>
+              <a:buChar char="ü"/>
+            </a:pPr>
+            <a:r>
+              <a:rPr lang="es-CO" dirty="0" smtClean="0">
+                <a:solidFill>
+                  <a:schemeClr val="accent5">
+                    <a:lumMod val="75000"/>
+                  </a:schemeClr>
+                </a:solidFill>
+                <a:hlinkClick r:id="rId5"/>
+              </a:rPr>
+              <a:t>ftp</a:t>
+            </a:r>
+            <a:r>
+              <a:rPr lang="es-CO" dirty="0">
+                <a:solidFill>
+                  <a:schemeClr val="accent5">
+                    <a:lumMod val="75000"/>
+                  </a:schemeClr>
+                </a:solidFill>
+                <a:hlinkClick r:id="rId5"/>
+              </a:rPr>
+              <a:t>://</a:t>
+            </a:r>
+            <a:r>
+              <a:rPr lang="es-CO" dirty="0" smtClean="0">
+                <a:solidFill>
+                  <a:schemeClr val="accent5">
+                    <a:lumMod val="75000"/>
+                  </a:schemeClr>
+                </a:solidFill>
+                <a:hlinkClick r:id="rId5"/>
+              </a:rPr>
+              <a:t>ftp.fao.org/docrep/fao/009/x0490s/x0490s01.pdf</a:t>
+            </a:r>
+            <a:endParaRPr lang="es-CO" dirty="0" smtClean="0">
+              <a:solidFill>
+                <a:schemeClr val="accent5">
+                  <a:lumMod val="75000"/>
+                </a:schemeClr>
+              </a:solidFill>
+            </a:endParaRPr>
           </a:p>
           <a:p>
             <a:pPr marL="0" indent="0">
               <a:buNone/>
             </a:pPr>
             <a:r>
-              <a:rPr lang="es-CO" dirty="0"/>
-              <a:t>En qué vamos?</a:t>
-            </a:r>
-          </a:p>
-          <a:p>
-            <a:pPr marL="0" indent="0">
-              <a:buNone/>
+              <a:rPr lang="es-CO" dirty="0" smtClean="0"/>
+              <a:t>Metodología RMAWGEN</a:t>
+            </a:r>
+          </a:p>
+          <a:p>
+            <a:pPr lvl="1">
+              <a:buFont typeface="Wingdings" panose="05000000000000000000" pitchFamily="2" charset="2"/>
+              <a:buChar char="ü"/>
             </a:pPr>
-            <a:endParaRPr lang="es-CO" sz="1800" dirty="0"/>
-          </a:p>
-          <a:p>
-            <a:r>
-              <a:rPr lang="es-CO" sz="1800" dirty="0" smtClean="0"/>
-              <a:t>Algoritmos </a:t>
-            </a:r>
-            <a:r>
-              <a:rPr lang="es-CO" sz="1800" dirty="0"/>
-              <a:t>en R que facilitan el análisis, desde </a:t>
-            </a:r>
-            <a:r>
-              <a:rPr lang="es-CO" sz="1800" dirty="0" smtClean="0"/>
-              <a:t>estandarización </a:t>
-            </a:r>
-            <a:r>
-              <a:rPr lang="es-CO" sz="1800" dirty="0"/>
-              <a:t>de </a:t>
-            </a:r>
-            <a:r>
-              <a:rPr lang="es-CO" sz="1800" dirty="0" smtClean="0"/>
-              <a:t>fuentes</a:t>
-            </a:r>
-            <a:r>
-              <a:rPr lang="es-CO" sz="1800" dirty="0"/>
-              <a:t>* hasta la salida de series </a:t>
-            </a:r>
-            <a:r>
-              <a:rPr lang="es-CO" sz="1800" dirty="0" smtClean="0"/>
-              <a:t>usables.</a:t>
-            </a:r>
-            <a:r>
-              <a:rPr lang="es-CO" sz="1800" dirty="0"/>
-              <a:t> </a:t>
-            </a:r>
-          </a:p>
-          <a:p>
-            <a:r>
-              <a:rPr lang="es-CO" sz="1800" dirty="0"/>
-              <a:t>Existen manuales de uso disponibles para la manipulación de estos algoritmos.</a:t>
-            </a:r>
-          </a:p>
-          <a:p>
-            <a:pPr marL="0" indent="0">
-              <a:buNone/>
-            </a:pPr>
-            <a:endParaRPr lang="es-CO" sz="1800" dirty="0"/>
-          </a:p>
-          <a:p>
-            <a:pPr marL="0" indent="0">
-              <a:buNone/>
-            </a:pPr>
-            <a:r>
-              <a:rPr lang="es-CO" dirty="0" smtClean="0"/>
-              <a:t>A seguir:</a:t>
-            </a:r>
-            <a:r>
-              <a:rPr lang="es-CO" dirty="0"/>
-              <a:t> </a:t>
-            </a:r>
-          </a:p>
-          <a:p>
-            <a:r>
-              <a:rPr lang="es-CO" sz="1800" dirty="0"/>
-              <a:t>Involucrar otras fuentes de tipo satelital, </a:t>
-            </a:r>
-            <a:r>
-              <a:rPr lang="es-CO" sz="1800" dirty="0" smtClean="0"/>
-              <a:t>ante la ausencia de información en tierra (estaciones).</a:t>
-            </a:r>
-          </a:p>
-          <a:p>
-            <a:r>
-              <a:rPr lang="es-CO" sz="1800" dirty="0" smtClean="0"/>
-              <a:t>Agilizar el procesamiento (peso de la información).</a:t>
-            </a:r>
-          </a:p>
-          <a:p>
-            <a:r>
-              <a:rPr lang="es-CO" sz="1800" dirty="0" smtClean="0"/>
-              <a:t>Visualización.</a:t>
-            </a:r>
-            <a:endParaRPr lang="es-CO" sz="1800" dirty="0"/>
+            <a:r>
+              <a:rPr lang="es-CO" dirty="0" smtClean="0">
+                <a:solidFill>
+                  <a:schemeClr val="accent5">
+                    <a:lumMod val="75000"/>
+                  </a:schemeClr>
+                </a:solidFill>
+                <a:hlinkClick r:id="rId6"/>
+              </a:rPr>
+              <a:t>http</a:t>
+            </a:r>
+            <a:r>
+              <a:rPr lang="es-CO" dirty="0">
+                <a:solidFill>
+                  <a:schemeClr val="accent5">
+                    <a:lumMod val="75000"/>
+                  </a:schemeClr>
+                </a:solidFill>
+                <a:hlinkClick r:id="rId6"/>
+              </a:rPr>
+              <a:t>://</a:t>
+            </a:r>
+            <a:r>
+              <a:rPr lang="es-CO" dirty="0" smtClean="0">
+                <a:solidFill>
+                  <a:schemeClr val="accent5">
+                    <a:lumMod val="75000"/>
+                  </a:schemeClr>
+                </a:solidFill>
+                <a:hlinkClick r:id="rId6"/>
+              </a:rPr>
+              <a:t>presentations.copernicus.org/EGU2012-14026_presentation.pdf</a:t>
+            </a:r>
+            <a:endParaRPr lang="es-CO" dirty="0" smtClean="0">
+              <a:solidFill>
+                <a:schemeClr val="accent5">
+                  <a:lumMod val="75000"/>
+                </a:schemeClr>
+              </a:solidFill>
+            </a:endParaRPr>
+          </a:p>
+          <a:p>
+            <a:endParaRPr lang="es-CO" dirty="0" smtClean="0"/>
+          </a:p>
+          <a:p>
+            <a:endParaRPr lang="es-CO" dirty="0"/>
           </a:p>
         </p:txBody>
       </p:sp>
     </p:spTree>
     <p:extLst>
       <p:ext uri="{BB962C8B-B14F-4D97-AF65-F5344CB8AC3E}">
-        <p14:creationId xmlns:p14="http://schemas.microsoft.com/office/powerpoint/2010/main" val="3857023452"/>
+        <p14:creationId xmlns:p14="http://schemas.microsoft.com/office/powerpoint/2010/main" val="889554074"/>
       </p:ext>
     </p:extLst>
   </p:cSld>
@@ -6566,679 +6690,7 @@
   <p:timing>
     <p:tnLst>
       <p:par>
-        <p:cTn id="1" dur="indefinite" restart="never" nodeType="tmRoot">
-          <p:childTnLst>
-            <p:seq concurrent="1" nextAc="seek">
-              <p:cTn id="2" dur="indefinite" nodeType="mainSeq">
-                <p:childTnLst>
-                  <p:par>
-                    <p:cTn id="3" fill="hold">
-                      <p:stCondLst>
-                        <p:cond delay="indefinite"/>
-                      </p:stCondLst>
-                      <p:childTnLst>
-                        <p:par>
-                          <p:cTn id="4" fill="hold">
-                            <p:stCondLst>
-                              <p:cond delay="0"/>
-                            </p:stCondLst>
-                            <p:childTnLst>
-                              <p:par>
-                                <p:cTn id="5" presetID="2" presetClass="entr" presetSubtype="4" fill="hold" nodeType="clickEffect">
-                                  <p:stCondLst>
-                                    <p:cond delay="0"/>
-                                  </p:stCondLst>
-                                  <p:childTnLst>
-                                    <p:set>
-                                      <p:cBhvr>
-                                        <p:cTn id="6" dur="1" fill="hold">
-                                          <p:stCondLst>
-                                            <p:cond delay="0"/>
-                                          </p:stCondLst>
-                                        </p:cTn>
-                                        <p:tgtEl>
-                                          <p:spTgt spid="3">
-                                            <p:txEl>
-                                              <p:pRg st="2" end="2"/>
-                                            </p:txEl>
-                                          </p:spTgt>
-                                        </p:tgtEl>
-                                        <p:attrNameLst>
-                                          <p:attrName>style.visibility</p:attrName>
-                                        </p:attrNameLst>
-                                      </p:cBhvr>
-                                      <p:to>
-                                        <p:strVal val="visible"/>
-                                      </p:to>
-                                    </p:set>
-                                    <p:anim calcmode="lin" valueType="num">
-                                      <p:cBhvr additive="base">
-                                        <p:cTn id="7" dur="500" fill="hold"/>
-                                        <p:tgtEl>
-                                          <p:spTgt spid="3">
-                                            <p:txEl>
-                                              <p:pRg st="2" end="2"/>
-                                            </p:txEl>
-                                          </p:spTgt>
-                                        </p:tgtEl>
-                                        <p:attrNameLst>
-                                          <p:attrName>ppt_x</p:attrName>
-                                        </p:attrNameLst>
-                                      </p:cBhvr>
-                                      <p:tavLst>
-                                        <p:tav tm="0">
-                                          <p:val>
-                                            <p:strVal val="#ppt_x"/>
-                                          </p:val>
-                                        </p:tav>
-                                        <p:tav tm="100000">
-                                          <p:val>
-                                            <p:strVal val="#ppt_x"/>
-                                          </p:val>
-                                        </p:tav>
-                                      </p:tavLst>
-                                    </p:anim>
-                                    <p:anim calcmode="lin" valueType="num">
-                                      <p:cBhvr additive="base">
-                                        <p:cTn id="8" dur="500" fill="hold"/>
-                                        <p:tgtEl>
-                                          <p:spTgt spid="3">
-                                            <p:txEl>
-                                              <p:pRg st="2" end="2"/>
-                                            </p:txEl>
-                                          </p:spTgt>
-                                        </p:tgtEl>
-                                        <p:attrNameLst>
-                                          <p:attrName>ppt_y</p:attrName>
-                                        </p:attrNameLst>
-                                      </p:cBhvr>
-                                      <p:tavLst>
-                                        <p:tav tm="0">
-                                          <p:val>
-                                            <p:strVal val="1+#ppt_h/2"/>
-                                          </p:val>
-                                        </p:tav>
-                                        <p:tav tm="100000">
-                                          <p:val>
-                                            <p:strVal val="#ppt_y"/>
-                                          </p:val>
-                                        </p:tav>
-                                      </p:tavLst>
-                                    </p:anim>
-                                  </p:childTnLst>
-                                </p:cTn>
-                              </p:par>
-                              <p:par>
-                                <p:cTn id="9" presetID="2" presetClass="entr" presetSubtype="4" fill="hold" nodeType="withEffect">
-                                  <p:stCondLst>
-                                    <p:cond delay="0"/>
-                                  </p:stCondLst>
-                                  <p:childTnLst>
-                                    <p:set>
-                                      <p:cBhvr>
-                                        <p:cTn id="10" dur="1" fill="hold">
-                                          <p:stCondLst>
-                                            <p:cond delay="0"/>
-                                          </p:stCondLst>
-                                        </p:cTn>
-                                        <p:tgtEl>
-                                          <p:spTgt spid="3">
-                                            <p:txEl>
-                                              <p:pRg st="3" end="3"/>
-                                            </p:txEl>
-                                          </p:spTgt>
-                                        </p:tgtEl>
-                                        <p:attrNameLst>
-                                          <p:attrName>style.visibility</p:attrName>
-                                        </p:attrNameLst>
-                                      </p:cBhvr>
-                                      <p:to>
-                                        <p:strVal val="visible"/>
-                                      </p:to>
-                                    </p:set>
-                                    <p:anim calcmode="lin" valueType="num">
-                                      <p:cBhvr additive="base">
-                                        <p:cTn id="11" dur="500" fill="hold"/>
-                                        <p:tgtEl>
-                                          <p:spTgt spid="3">
-                                            <p:txEl>
-                                              <p:pRg st="3" end="3"/>
-                                            </p:txEl>
-                                          </p:spTgt>
-                                        </p:tgtEl>
-                                        <p:attrNameLst>
-                                          <p:attrName>ppt_x</p:attrName>
-                                        </p:attrNameLst>
-                                      </p:cBhvr>
-                                      <p:tavLst>
-                                        <p:tav tm="0">
-                                          <p:val>
-                                            <p:strVal val="#ppt_x"/>
-                                          </p:val>
-                                        </p:tav>
-                                        <p:tav tm="100000">
-                                          <p:val>
-                                            <p:strVal val="#ppt_x"/>
-                                          </p:val>
-                                        </p:tav>
-                                      </p:tavLst>
-                                    </p:anim>
-                                    <p:anim calcmode="lin" valueType="num">
-                                      <p:cBhvr additive="base">
-                                        <p:cTn id="12" dur="500" fill="hold"/>
-                                        <p:tgtEl>
-                                          <p:spTgt spid="3">
-                                            <p:txEl>
-                                              <p:pRg st="3" end="3"/>
-                                            </p:txEl>
-                                          </p:spTgt>
-                                        </p:tgtEl>
-                                        <p:attrNameLst>
-                                          <p:attrName>ppt_y</p:attrName>
-                                        </p:attrNameLst>
-                                      </p:cBhvr>
-                                      <p:tavLst>
-                                        <p:tav tm="0">
-                                          <p:val>
-                                            <p:strVal val="1+#ppt_h/2"/>
-                                          </p:val>
-                                        </p:tav>
-                                        <p:tav tm="100000">
-                                          <p:val>
-                                            <p:strVal val="#ppt_y"/>
-                                          </p:val>
-                                        </p:tav>
-                                      </p:tavLst>
-                                    </p:anim>
-                                  </p:childTnLst>
-                                </p:cTn>
-                              </p:par>
-                            </p:childTnLst>
-                          </p:cTn>
-                        </p:par>
-                      </p:childTnLst>
-                    </p:cTn>
-                  </p:par>
-                  <p:par>
-                    <p:cTn id="13" fill="hold">
-                      <p:stCondLst>
-                        <p:cond delay="indefinite"/>
-                      </p:stCondLst>
-                      <p:childTnLst>
-                        <p:par>
-                          <p:cTn id="14" fill="hold">
-                            <p:stCondLst>
-                              <p:cond delay="0"/>
-                            </p:stCondLst>
-                            <p:childTnLst>
-                              <p:par>
-                                <p:cTn id="15" presetID="2" presetClass="entr" presetSubtype="4" fill="hold" nodeType="clickEffect">
-                                  <p:stCondLst>
-                                    <p:cond delay="0"/>
-                                  </p:stCondLst>
-                                  <p:childTnLst>
-                                    <p:set>
-                                      <p:cBhvr>
-                                        <p:cTn id="16" dur="1" fill="hold">
-                                          <p:stCondLst>
-                                            <p:cond delay="0"/>
-                                          </p:stCondLst>
-                                        </p:cTn>
-                                        <p:tgtEl>
-                                          <p:spTgt spid="3">
-                                            <p:txEl>
-                                              <p:pRg st="7" end="7"/>
-                                            </p:txEl>
-                                          </p:spTgt>
-                                        </p:tgtEl>
-                                        <p:attrNameLst>
-                                          <p:attrName>style.visibility</p:attrName>
-                                        </p:attrNameLst>
-                                      </p:cBhvr>
-                                      <p:to>
-                                        <p:strVal val="visible"/>
-                                      </p:to>
-                                    </p:set>
-                                    <p:anim calcmode="lin" valueType="num">
-                                      <p:cBhvr additive="base">
-                                        <p:cTn id="17" dur="500" fill="hold"/>
-                                        <p:tgtEl>
-                                          <p:spTgt spid="3">
-                                            <p:txEl>
-                                              <p:pRg st="7" end="7"/>
-                                            </p:txEl>
-                                          </p:spTgt>
-                                        </p:tgtEl>
-                                        <p:attrNameLst>
-                                          <p:attrName>ppt_x</p:attrName>
-                                        </p:attrNameLst>
-                                      </p:cBhvr>
-                                      <p:tavLst>
-                                        <p:tav tm="0">
-                                          <p:val>
-                                            <p:strVal val="#ppt_x"/>
-                                          </p:val>
-                                        </p:tav>
-                                        <p:tav tm="100000">
-                                          <p:val>
-                                            <p:strVal val="#ppt_x"/>
-                                          </p:val>
-                                        </p:tav>
-                                      </p:tavLst>
-                                    </p:anim>
-                                    <p:anim calcmode="lin" valueType="num">
-                                      <p:cBhvr additive="base">
-                                        <p:cTn id="18" dur="500" fill="hold"/>
-                                        <p:tgtEl>
-                                          <p:spTgt spid="3">
-                                            <p:txEl>
-                                              <p:pRg st="7" end="7"/>
-                                            </p:txEl>
-                                          </p:spTgt>
-                                        </p:tgtEl>
-                                        <p:attrNameLst>
-                                          <p:attrName>ppt_y</p:attrName>
-                                        </p:attrNameLst>
-                                      </p:cBhvr>
-                                      <p:tavLst>
-                                        <p:tav tm="0">
-                                          <p:val>
-                                            <p:strVal val="1+#ppt_h/2"/>
-                                          </p:val>
-                                        </p:tav>
-                                        <p:tav tm="100000">
-                                          <p:val>
-                                            <p:strVal val="#ppt_y"/>
-                                          </p:val>
-                                        </p:tav>
-                                      </p:tavLst>
-                                    </p:anim>
-                                  </p:childTnLst>
-                                </p:cTn>
-                              </p:par>
-                              <p:par>
-                                <p:cTn id="19" presetID="2" presetClass="entr" presetSubtype="4" fill="hold" nodeType="withEffect">
-                                  <p:stCondLst>
-                                    <p:cond delay="0"/>
-                                  </p:stCondLst>
-                                  <p:childTnLst>
-                                    <p:set>
-                                      <p:cBhvr>
-                                        <p:cTn id="20" dur="1" fill="hold">
-                                          <p:stCondLst>
-                                            <p:cond delay="0"/>
-                                          </p:stCondLst>
-                                        </p:cTn>
-                                        <p:tgtEl>
-                                          <p:spTgt spid="3">
-                                            <p:txEl>
-                                              <p:pRg st="8" end="8"/>
-                                            </p:txEl>
-                                          </p:spTgt>
-                                        </p:tgtEl>
-                                        <p:attrNameLst>
-                                          <p:attrName>style.visibility</p:attrName>
-                                        </p:attrNameLst>
-                                      </p:cBhvr>
-                                      <p:to>
-                                        <p:strVal val="visible"/>
-                                      </p:to>
-                                    </p:set>
-                                    <p:anim calcmode="lin" valueType="num">
-                                      <p:cBhvr additive="base">
-                                        <p:cTn id="21" dur="500" fill="hold"/>
-                                        <p:tgtEl>
-                                          <p:spTgt spid="3">
-                                            <p:txEl>
-                                              <p:pRg st="8" end="8"/>
-                                            </p:txEl>
-                                          </p:spTgt>
-                                        </p:tgtEl>
-                                        <p:attrNameLst>
-                                          <p:attrName>ppt_x</p:attrName>
-                                        </p:attrNameLst>
-                                      </p:cBhvr>
-                                      <p:tavLst>
-                                        <p:tav tm="0">
-                                          <p:val>
-                                            <p:strVal val="#ppt_x"/>
-                                          </p:val>
-                                        </p:tav>
-                                        <p:tav tm="100000">
-                                          <p:val>
-                                            <p:strVal val="#ppt_x"/>
-                                          </p:val>
-                                        </p:tav>
-                                      </p:tavLst>
-                                    </p:anim>
-                                    <p:anim calcmode="lin" valueType="num">
-                                      <p:cBhvr additive="base">
-                                        <p:cTn id="22" dur="500" fill="hold"/>
-                                        <p:tgtEl>
-                                          <p:spTgt spid="3">
-                                            <p:txEl>
-                                              <p:pRg st="8" end="8"/>
-                                            </p:txEl>
-                                          </p:spTgt>
-                                        </p:tgtEl>
-                                        <p:attrNameLst>
-                                          <p:attrName>ppt_y</p:attrName>
-                                        </p:attrNameLst>
-                                      </p:cBhvr>
-                                      <p:tavLst>
-                                        <p:tav tm="0">
-                                          <p:val>
-                                            <p:strVal val="1+#ppt_h/2"/>
-                                          </p:val>
-                                        </p:tav>
-                                        <p:tav tm="100000">
-                                          <p:val>
-                                            <p:strVal val="#ppt_y"/>
-                                          </p:val>
-                                        </p:tav>
-                                      </p:tavLst>
-                                    </p:anim>
-                                  </p:childTnLst>
-                                </p:cTn>
-                              </p:par>
-                            </p:childTnLst>
-                          </p:cTn>
-                        </p:par>
-                      </p:childTnLst>
-                    </p:cTn>
-                  </p:par>
-                  <p:par>
-                    <p:cTn id="23" fill="hold">
-                      <p:stCondLst>
-                        <p:cond delay="indefinite"/>
-                      </p:stCondLst>
-                      <p:childTnLst>
-                        <p:par>
-                          <p:cTn id="24" fill="hold">
-                            <p:stCondLst>
-                              <p:cond delay="0"/>
-                            </p:stCondLst>
-                            <p:childTnLst>
-                              <p:par>
-                                <p:cTn id="25" presetID="2" presetClass="entr" presetSubtype="4" fill="hold" nodeType="clickEffect">
-                                  <p:stCondLst>
-                                    <p:cond delay="0"/>
-                                  </p:stCondLst>
-                                  <p:childTnLst>
-                                    <p:set>
-                                      <p:cBhvr>
-                                        <p:cTn id="26" dur="1" fill="hold">
-                                          <p:stCondLst>
-                                            <p:cond delay="0"/>
-                                          </p:stCondLst>
-                                        </p:cTn>
-                                        <p:tgtEl>
-                                          <p:spTgt spid="3">
-                                            <p:txEl>
-                                              <p:pRg st="11" end="11"/>
-                                            </p:txEl>
-                                          </p:spTgt>
-                                        </p:tgtEl>
-                                        <p:attrNameLst>
-                                          <p:attrName>style.visibility</p:attrName>
-                                        </p:attrNameLst>
-                                      </p:cBhvr>
-                                      <p:to>
-                                        <p:strVal val="visible"/>
-                                      </p:to>
-                                    </p:set>
-                                    <p:anim calcmode="lin" valueType="num">
-                                      <p:cBhvr additive="base">
-                                        <p:cTn id="27" dur="500" fill="hold"/>
-                                        <p:tgtEl>
-                                          <p:spTgt spid="3">
-                                            <p:txEl>
-                                              <p:pRg st="11" end="11"/>
-                                            </p:txEl>
-                                          </p:spTgt>
-                                        </p:tgtEl>
-                                        <p:attrNameLst>
-                                          <p:attrName>ppt_x</p:attrName>
-                                        </p:attrNameLst>
-                                      </p:cBhvr>
-                                      <p:tavLst>
-                                        <p:tav tm="0">
-                                          <p:val>
-                                            <p:strVal val="#ppt_x"/>
-                                          </p:val>
-                                        </p:tav>
-                                        <p:tav tm="100000">
-                                          <p:val>
-                                            <p:strVal val="#ppt_x"/>
-                                          </p:val>
-                                        </p:tav>
-                                      </p:tavLst>
-                                    </p:anim>
-                                    <p:anim calcmode="lin" valueType="num">
-                                      <p:cBhvr additive="base">
-                                        <p:cTn id="28" dur="500" fill="hold"/>
-                                        <p:tgtEl>
-                                          <p:spTgt spid="3">
-                                            <p:txEl>
-                                              <p:pRg st="11" end="11"/>
-                                            </p:txEl>
-                                          </p:spTgt>
-                                        </p:tgtEl>
-                                        <p:attrNameLst>
-                                          <p:attrName>ppt_y</p:attrName>
-                                        </p:attrNameLst>
-                                      </p:cBhvr>
-                                      <p:tavLst>
-                                        <p:tav tm="0">
-                                          <p:val>
-                                            <p:strVal val="1+#ppt_h/2"/>
-                                          </p:val>
-                                        </p:tav>
-                                        <p:tav tm="100000">
-                                          <p:val>
-                                            <p:strVal val="#ppt_y"/>
-                                          </p:val>
-                                        </p:tav>
-                                      </p:tavLst>
-                                    </p:anim>
-                                  </p:childTnLst>
-                                </p:cTn>
-                              </p:par>
-                              <p:par>
-                                <p:cTn id="29" presetID="2" presetClass="entr" presetSubtype="4" fill="hold" nodeType="withEffect">
-                                  <p:stCondLst>
-                                    <p:cond delay="0"/>
-                                  </p:stCondLst>
-                                  <p:childTnLst>
-                                    <p:set>
-                                      <p:cBhvr>
-                                        <p:cTn id="30" dur="1" fill="hold">
-                                          <p:stCondLst>
-                                            <p:cond delay="0"/>
-                                          </p:stCondLst>
-                                        </p:cTn>
-                                        <p:tgtEl>
-                                          <p:spTgt spid="3">
-                                            <p:txEl>
-                                              <p:pRg st="12" end="12"/>
-                                            </p:txEl>
-                                          </p:spTgt>
-                                        </p:tgtEl>
-                                        <p:attrNameLst>
-                                          <p:attrName>style.visibility</p:attrName>
-                                        </p:attrNameLst>
-                                      </p:cBhvr>
-                                      <p:to>
-                                        <p:strVal val="visible"/>
-                                      </p:to>
-                                    </p:set>
-                                    <p:anim calcmode="lin" valueType="num">
-                                      <p:cBhvr additive="base">
-                                        <p:cTn id="31" dur="500" fill="hold"/>
-                                        <p:tgtEl>
-                                          <p:spTgt spid="3">
-                                            <p:txEl>
-                                              <p:pRg st="12" end="12"/>
-                                            </p:txEl>
-                                          </p:spTgt>
-                                        </p:tgtEl>
-                                        <p:attrNameLst>
-                                          <p:attrName>ppt_x</p:attrName>
-                                        </p:attrNameLst>
-                                      </p:cBhvr>
-                                      <p:tavLst>
-                                        <p:tav tm="0">
-                                          <p:val>
-                                            <p:strVal val="#ppt_x"/>
-                                          </p:val>
-                                        </p:tav>
-                                        <p:tav tm="100000">
-                                          <p:val>
-                                            <p:strVal val="#ppt_x"/>
-                                          </p:val>
-                                        </p:tav>
-                                      </p:tavLst>
-                                    </p:anim>
-                                    <p:anim calcmode="lin" valueType="num">
-                                      <p:cBhvr additive="base">
-                                        <p:cTn id="32" dur="500" fill="hold"/>
-                                        <p:tgtEl>
-                                          <p:spTgt spid="3">
-                                            <p:txEl>
-                                              <p:pRg st="12" end="12"/>
-                                            </p:txEl>
-                                          </p:spTgt>
-                                        </p:tgtEl>
-                                        <p:attrNameLst>
-                                          <p:attrName>ppt_y</p:attrName>
-                                        </p:attrNameLst>
-                                      </p:cBhvr>
-                                      <p:tavLst>
-                                        <p:tav tm="0">
-                                          <p:val>
-                                            <p:strVal val="1+#ppt_h/2"/>
-                                          </p:val>
-                                        </p:tav>
-                                        <p:tav tm="100000">
-                                          <p:val>
-                                            <p:strVal val="#ppt_y"/>
-                                          </p:val>
-                                        </p:tav>
-                                      </p:tavLst>
-                                    </p:anim>
-                                  </p:childTnLst>
-                                </p:cTn>
-                              </p:par>
-                              <p:par>
-                                <p:cTn id="33" presetID="2" presetClass="entr" presetSubtype="4" fill="hold" nodeType="withEffect">
-                                  <p:stCondLst>
-                                    <p:cond delay="0"/>
-                                  </p:stCondLst>
-                                  <p:childTnLst>
-                                    <p:set>
-                                      <p:cBhvr>
-                                        <p:cTn id="34" dur="1" fill="hold">
-                                          <p:stCondLst>
-                                            <p:cond delay="0"/>
-                                          </p:stCondLst>
-                                        </p:cTn>
-                                        <p:tgtEl>
-                                          <p:spTgt spid="3">
-                                            <p:txEl>
-                                              <p:pRg st="13" end="13"/>
-                                            </p:txEl>
-                                          </p:spTgt>
-                                        </p:tgtEl>
-                                        <p:attrNameLst>
-                                          <p:attrName>style.visibility</p:attrName>
-                                        </p:attrNameLst>
-                                      </p:cBhvr>
-                                      <p:to>
-                                        <p:strVal val="visible"/>
-                                      </p:to>
-                                    </p:set>
-                                    <p:anim calcmode="lin" valueType="num">
-                                      <p:cBhvr additive="base">
-                                        <p:cTn id="35" dur="500" fill="hold"/>
-                                        <p:tgtEl>
-                                          <p:spTgt spid="3">
-                                            <p:txEl>
-                                              <p:pRg st="13" end="13"/>
-                                            </p:txEl>
-                                          </p:spTgt>
-                                        </p:tgtEl>
-                                        <p:attrNameLst>
-                                          <p:attrName>ppt_x</p:attrName>
-                                        </p:attrNameLst>
-                                      </p:cBhvr>
-                                      <p:tavLst>
-                                        <p:tav tm="0">
-                                          <p:val>
-                                            <p:strVal val="#ppt_x"/>
-                                          </p:val>
-                                        </p:tav>
-                                        <p:tav tm="100000">
-                                          <p:val>
-                                            <p:strVal val="#ppt_x"/>
-                                          </p:val>
-                                        </p:tav>
-                                      </p:tavLst>
-                                    </p:anim>
-                                    <p:anim calcmode="lin" valueType="num">
-                                      <p:cBhvr additive="base">
-                                        <p:cTn id="36" dur="500" fill="hold"/>
-                                        <p:tgtEl>
-                                          <p:spTgt spid="3">
-                                            <p:txEl>
-                                              <p:pRg st="13" end="13"/>
-                                            </p:txEl>
-                                          </p:spTgt>
-                                        </p:tgtEl>
-                                        <p:attrNameLst>
-                                          <p:attrName>ppt_y</p:attrName>
-                                        </p:attrNameLst>
-                                      </p:cBhvr>
-                                      <p:tavLst>
-                                        <p:tav tm="0">
-                                          <p:val>
-                                            <p:strVal val="1+#ppt_h/2"/>
-                                          </p:val>
-                                        </p:tav>
-                                        <p:tav tm="100000">
-                                          <p:val>
-                                            <p:strVal val="#ppt_y"/>
-                                          </p:val>
-                                        </p:tav>
-                                      </p:tavLst>
-                                    </p:anim>
-                                  </p:childTnLst>
-                                </p:cTn>
-                              </p:par>
-                            </p:childTnLst>
-                          </p:cTn>
-                        </p:par>
-                      </p:childTnLst>
-                    </p:cTn>
-                  </p:par>
-                </p:childTnLst>
-              </p:cTn>
-              <p:prevCondLst>
-                <p:cond evt="onPrev" delay="0">
-                  <p:tgtEl>
-                    <p:sldTgt/>
-                  </p:tgtEl>
-                </p:cond>
-              </p:prevCondLst>
-              <p:nextCondLst>
-                <p:cond evt="onNext" delay="0">
-                  <p:tgtEl>
-                    <p:sldTgt/>
-                  </p:tgtEl>
-                </p:cond>
-              </p:nextCondLst>
-            </p:seq>
-          </p:childTnLst>
-        </p:cTn>
+        <p:cTn id="1" dur="indefinite" restart="never" nodeType="tmRoot"/>
       </p:par>
     </p:tnLst>
   </p:timing>
@@ -7298,344 +6750,6 @@
         <p:spPr>
           <a:xfrm>
             <a:off x="230659" y="1825625"/>
-            <a:ext cx="11689492" cy="5042919"/>
-          </a:xfrm>
-        </p:spPr>
-        <p:txBody>
-          <a:bodyPr>
-            <a:normAutofit/>
-          </a:bodyPr>
-          <a:lstStyle/>
-          <a:p>
-            <a:pPr marL="0" indent="0">
-              <a:buNone/>
-            </a:pPr>
-            <a:r>
-              <a:rPr lang="es-CO" dirty="0" smtClean="0"/>
-              <a:t>Software R y </a:t>
-            </a:r>
-            <a:r>
-              <a:rPr lang="es-CO" dirty="0" err="1" smtClean="0"/>
-              <a:t>Rstudio</a:t>
-            </a:r>
-            <a:endParaRPr lang="es-CO" dirty="0"/>
-          </a:p>
-          <a:p>
-            <a:pPr lvl="1">
-              <a:buFont typeface="Wingdings" panose="05000000000000000000" pitchFamily="2" charset="2"/>
-              <a:buChar char="ü"/>
-            </a:pPr>
-            <a:r>
-              <a:rPr lang="es-CO" dirty="0">
-                <a:solidFill>
-                  <a:schemeClr val="accent5">
-                    <a:lumMod val="75000"/>
-                  </a:schemeClr>
-                </a:solidFill>
-                <a:hlinkClick r:id="rId2"/>
-              </a:rPr>
-              <a:t>https://cran.r-project.org</a:t>
-            </a:r>
-            <a:r>
-              <a:rPr lang="es-CO" dirty="0" smtClean="0">
-                <a:solidFill>
-                  <a:schemeClr val="accent5">
-                    <a:lumMod val="75000"/>
-                  </a:schemeClr>
-                </a:solidFill>
-                <a:hlinkClick r:id="rId2"/>
-              </a:rPr>
-              <a:t>/</a:t>
-            </a:r>
-            <a:endParaRPr lang="es-CO" dirty="0">
-              <a:solidFill>
-                <a:schemeClr val="accent5">
-                  <a:lumMod val="75000"/>
-                </a:schemeClr>
-              </a:solidFill>
-            </a:endParaRPr>
-          </a:p>
-          <a:p>
-            <a:pPr lvl="1">
-              <a:buFont typeface="Wingdings" panose="05000000000000000000" pitchFamily="2" charset="2"/>
-              <a:buChar char="ü"/>
-            </a:pPr>
-            <a:r>
-              <a:rPr lang="es-CO" dirty="0">
-                <a:solidFill>
-                  <a:schemeClr val="accent5">
-                    <a:lumMod val="75000"/>
-                  </a:schemeClr>
-                </a:solidFill>
-                <a:hlinkClick r:id="rId3"/>
-              </a:rPr>
-              <a:t>https://www.rstudio.com</a:t>
-            </a:r>
-            <a:r>
-              <a:rPr lang="es-CO" dirty="0" smtClean="0">
-                <a:solidFill>
-                  <a:schemeClr val="accent5">
-                    <a:lumMod val="75000"/>
-                  </a:schemeClr>
-                </a:solidFill>
-                <a:hlinkClick r:id="rId3"/>
-              </a:rPr>
-              <a:t>/</a:t>
-            </a:r>
-            <a:endParaRPr lang="es-CO" dirty="0">
-              <a:solidFill>
-                <a:schemeClr val="accent5">
-                  <a:lumMod val="75000"/>
-                </a:schemeClr>
-              </a:solidFill>
-            </a:endParaRPr>
-          </a:p>
-          <a:p>
-            <a:pPr marL="0" indent="0">
-              <a:buNone/>
-            </a:pPr>
-            <a:r>
-              <a:rPr lang="es-CO" dirty="0" smtClean="0"/>
-              <a:t>Scripts y manuales de metodología.</a:t>
-            </a:r>
-          </a:p>
-          <a:p>
-            <a:pPr lvl="1">
-              <a:buFont typeface="Wingdings" panose="05000000000000000000" pitchFamily="2" charset="2"/>
-              <a:buChar char="ü"/>
-            </a:pPr>
-            <a:r>
-              <a:rPr lang="es-CO" dirty="0" smtClean="0">
-                <a:solidFill>
-                  <a:schemeClr val="accent5">
-                    <a:lumMod val="75000"/>
-                  </a:schemeClr>
-                </a:solidFill>
-                <a:hlinkClick r:id="rId4"/>
-              </a:rPr>
-              <a:t>https</a:t>
-            </a:r>
-            <a:r>
-              <a:rPr lang="es-CO" dirty="0">
-                <a:solidFill>
-                  <a:schemeClr val="accent5">
-                    <a:lumMod val="75000"/>
-                  </a:schemeClr>
-                </a:solidFill>
-                <a:hlinkClick r:id="rId4"/>
-              </a:rPr>
-              <a:t>://</a:t>
-            </a:r>
-            <a:r>
-              <a:rPr lang="es-CO" dirty="0" smtClean="0">
-                <a:solidFill>
-                  <a:schemeClr val="accent5">
-                    <a:lumMod val="75000"/>
-                  </a:schemeClr>
-                </a:solidFill>
-                <a:hlinkClick r:id="rId4"/>
-              </a:rPr>
-              <a:t>github.com/victor1130/Scripts_Clima</a:t>
-            </a:r>
-            <a:endParaRPr lang="es-CO" dirty="0" smtClean="0">
-              <a:solidFill>
-                <a:schemeClr val="accent5">
-                  <a:lumMod val="75000"/>
-                </a:schemeClr>
-              </a:solidFill>
-            </a:endParaRPr>
-          </a:p>
-          <a:p>
-            <a:pPr marL="0" indent="0">
-              <a:buNone/>
-            </a:pPr>
-            <a:r>
-              <a:rPr lang="es-CO" dirty="0" smtClean="0"/>
-              <a:t>Ecuación para convertir brillo a energía solar.</a:t>
-            </a:r>
-          </a:p>
-          <a:p>
-            <a:pPr lvl="1">
-              <a:buFont typeface="Wingdings" panose="05000000000000000000" pitchFamily="2" charset="2"/>
-              <a:buChar char="ü"/>
-            </a:pPr>
-            <a:r>
-              <a:rPr lang="es-CO" dirty="0" smtClean="0">
-                <a:solidFill>
-                  <a:schemeClr val="accent5">
-                    <a:lumMod val="75000"/>
-                  </a:schemeClr>
-                </a:solidFill>
-                <a:hlinkClick r:id="rId5"/>
-              </a:rPr>
-              <a:t>ftp</a:t>
-            </a:r>
-            <a:r>
-              <a:rPr lang="es-CO" dirty="0">
-                <a:solidFill>
-                  <a:schemeClr val="accent5">
-                    <a:lumMod val="75000"/>
-                  </a:schemeClr>
-                </a:solidFill>
-                <a:hlinkClick r:id="rId5"/>
-              </a:rPr>
-              <a:t>://</a:t>
-            </a:r>
-            <a:r>
-              <a:rPr lang="es-CO" dirty="0" smtClean="0">
-                <a:solidFill>
-                  <a:schemeClr val="accent5">
-                    <a:lumMod val="75000"/>
-                  </a:schemeClr>
-                </a:solidFill>
-                <a:hlinkClick r:id="rId5"/>
-              </a:rPr>
-              <a:t>ftp.fao.org/docrep/fao/009/x0490s/x0490s01.pdf</a:t>
-            </a:r>
-            <a:endParaRPr lang="es-CO" dirty="0" smtClean="0">
-              <a:solidFill>
-                <a:schemeClr val="accent5">
-                  <a:lumMod val="75000"/>
-                </a:schemeClr>
-              </a:solidFill>
-            </a:endParaRPr>
-          </a:p>
-          <a:p>
-            <a:pPr marL="0" indent="0">
-              <a:buNone/>
-            </a:pPr>
-            <a:r>
-              <a:rPr lang="es-CO" dirty="0" smtClean="0"/>
-              <a:t>Metodología RMAWGEN</a:t>
-            </a:r>
-          </a:p>
-          <a:p>
-            <a:pPr lvl="1">
-              <a:buFont typeface="Wingdings" panose="05000000000000000000" pitchFamily="2" charset="2"/>
-              <a:buChar char="ü"/>
-            </a:pPr>
-            <a:r>
-              <a:rPr lang="es-CO" dirty="0" smtClean="0">
-                <a:solidFill>
-                  <a:schemeClr val="accent5">
-                    <a:lumMod val="75000"/>
-                  </a:schemeClr>
-                </a:solidFill>
-                <a:hlinkClick r:id="rId6"/>
-              </a:rPr>
-              <a:t>http</a:t>
-            </a:r>
-            <a:r>
-              <a:rPr lang="es-CO" dirty="0">
-                <a:solidFill>
-                  <a:schemeClr val="accent5">
-                    <a:lumMod val="75000"/>
-                  </a:schemeClr>
-                </a:solidFill>
-                <a:hlinkClick r:id="rId6"/>
-              </a:rPr>
-              <a:t>://</a:t>
-            </a:r>
-            <a:r>
-              <a:rPr lang="es-CO" dirty="0" smtClean="0">
-                <a:solidFill>
-                  <a:schemeClr val="accent5">
-                    <a:lumMod val="75000"/>
-                  </a:schemeClr>
-                </a:solidFill>
-                <a:hlinkClick r:id="rId6"/>
-              </a:rPr>
-              <a:t>presentations.copernicus.org/EGU2012-14026_presentation.pdf</a:t>
-            </a:r>
-            <a:endParaRPr lang="es-CO" dirty="0" smtClean="0">
-              <a:solidFill>
-                <a:schemeClr val="accent5">
-                  <a:lumMod val="75000"/>
-                </a:schemeClr>
-              </a:solidFill>
-            </a:endParaRPr>
-          </a:p>
-          <a:p>
-            <a:endParaRPr lang="es-CO" dirty="0" smtClean="0"/>
-          </a:p>
-          <a:p>
-            <a:endParaRPr lang="es-CO" dirty="0"/>
-          </a:p>
-        </p:txBody>
-      </p:sp>
-    </p:spTree>
-    <p:extLst>
-      <p:ext uri="{BB962C8B-B14F-4D97-AF65-F5344CB8AC3E}">
-        <p14:creationId xmlns:p14="http://schemas.microsoft.com/office/powerpoint/2010/main" val="889554074"/>
-      </p:ext>
-    </p:extLst>
-  </p:cSld>
-  <p:clrMapOvr>
-    <a:masterClrMapping/>
-  </p:clrMapOvr>
-  <p:timing>
-    <p:tnLst>
-      <p:par>
-        <p:cTn id="1" dur="indefinite" restart="never" nodeType="tmRoot"/>
-      </p:par>
-    </p:tnLst>
-  </p:timing>
-</p:sld>
-</file>
-
-<file path=ppt/slides/slide23.xml><?xml version="1.0" encoding="utf-8"?>
-<p:sld xmlns:a="http://schemas.openxmlformats.org/drawingml/2006/main" xmlns:r="http://schemas.openxmlformats.org/officeDocument/2006/relationships" xmlns:p="http://schemas.openxmlformats.org/presentationml/2006/main">
-  <p:cSld>
-    <p:spTree>
-      <p:nvGrpSpPr>
-        <p:cNvPr id="1" name=""/>
-        <p:cNvGrpSpPr/>
-        <p:nvPr/>
-      </p:nvGrpSpPr>
-      <p:grpSpPr>
-        <a:xfrm>
-          <a:off x="0" y="0"/>
-          <a:ext cx="0" cy="0"/>
-          <a:chOff x="0" y="0"/>
-          <a:chExt cx="0" cy="0"/>
-        </a:xfrm>
-      </p:grpSpPr>
-      <p:sp>
-        <p:nvSpPr>
-          <p:cNvPr id="2" name="Title 1"/>
-          <p:cNvSpPr>
-            <a:spLocks noGrp="1"/>
-          </p:cNvSpPr>
-          <p:nvPr>
-            <p:ph type="title"/>
-          </p:nvPr>
-        </p:nvSpPr>
-        <p:spPr/>
-        <p:txBody>
-          <a:bodyPr/>
-          <a:lstStyle/>
-          <a:p>
-            <a:r>
-              <a:rPr lang="es-CO" dirty="0" smtClean="0"/>
-              <a:t>Enlaces de interés…</a:t>
-            </a:r>
-            <a:endParaRPr lang="es-CO" dirty="0"/>
-          </a:p>
-        </p:txBody>
-      </p:sp>
-      <p:sp>
-        <p:nvSpPr>
-          <p:cNvPr id="3" name="Content Placeholder 2"/>
-          <p:cNvSpPr>
-            <a:spLocks noGrp="1"/>
-          </p:cNvSpPr>
-          <p:nvPr>
-            <p:ph idx="1"/>
-          </p:nvPr>
-        </p:nvSpPr>
-        <p:spPr>
-          <a:xfrm>
-            <a:off x="230659" y="1825625"/>
             <a:ext cx="11689492" cy="4351338"/>
           </a:xfrm>
         </p:spPr>
@@ -7807,6 +6921,41 @@
                 <a:hlinkClick r:id="rId5"/>
               </a:rPr>
               <a:t>/</a:t>
+            </a:r>
+            <a:endParaRPr lang="es-CO" dirty="0" smtClean="0">
+              <a:solidFill>
+                <a:schemeClr val="accent5">
+                  <a:lumMod val="75000"/>
+                </a:schemeClr>
+              </a:solidFill>
+            </a:endParaRPr>
+          </a:p>
+          <a:p>
+            <a:pPr lvl="1">
+              <a:buFont typeface="Wingdings" panose="05000000000000000000" pitchFamily="2" charset="2"/>
+              <a:buChar char="ü"/>
+            </a:pPr>
+            <a:r>
+              <a:rPr lang="es-CO" dirty="0">
+                <a:solidFill>
+                  <a:schemeClr val="accent5">
+                    <a:lumMod val="75000"/>
+                  </a:schemeClr>
+                </a:solidFill>
+                <a:hlinkClick r:id="rId6"/>
+              </a:rPr>
+              <a:t>http://</a:t>
+            </a:r>
+            <a:r>
+              <a:rPr lang="es-CO" dirty="0" smtClean="0">
+                <a:solidFill>
+                  <a:schemeClr val="accent5">
+                    <a:lumMod val="75000"/>
+                  </a:schemeClr>
+                </a:solidFill>
+                <a:hlinkClick r:id="rId6"/>
+              </a:rPr>
+              <a:t>apps.ciat.cgiarad.org/meteoro/includes/contents/main.xhtml</a:t>
             </a:r>
             <a:endParaRPr lang="es-CO" dirty="0" smtClean="0">
               <a:solidFill>
@@ -7849,7 +6998,7 @@
                     <a:lumMod val="75000"/>
                   </a:schemeClr>
                 </a:solidFill>
-                <a:hlinkClick r:id="rId6"/>
+                <a:hlinkClick r:id="rId7"/>
               </a:rPr>
               <a:t>http://</a:t>
             </a:r>
@@ -7860,7 +7009,7 @@
                     <a:lumMod val="75000"/>
                   </a:schemeClr>
                 </a:solidFill>
-                <a:hlinkClick r:id="rId6"/>
+                <a:hlinkClick r:id="rId7"/>
               </a:rPr>
               <a:t>www.diva-gis.org/Data</a:t>
             </a:r>
@@ -8226,8 +7375,8 @@
               <a:t>Qué tengo</a:t>
             </a:r>
             <a:r>
-              <a:rPr lang="en-US" dirty="0" smtClean="0"/>
-              <a:t>?…</a:t>
+              <a:rPr lang="en-US" dirty="0"/>
+              <a:t>?</a:t>
             </a:r>
             <a:endParaRPr lang="es-CO" dirty="0"/>
           </a:p>
@@ -8315,7 +7464,7 @@
           <a:p>
             <a:r>
               <a:rPr lang="en-US" dirty="0" smtClean="0"/>
-              <a:t>IMPORTANTE!!!...</a:t>
+              <a:t>IMPORTANTE!!!</a:t>
             </a:r>
             <a:endParaRPr lang="es-CO" dirty="0"/>
           </a:p>
@@ -9361,7 +8510,7 @@
           <a:p>
             <a:r>
               <a:rPr lang="es-CO" dirty="0" smtClean="0"/>
-              <a:t>Estandarización de la información…</a:t>
+              <a:t>Estandarización de la información.</a:t>
             </a:r>
             <a:endParaRPr lang="es-CO" dirty="0"/>
           </a:p>
@@ -9851,7 +9000,7 @@
           <a:p>
             <a:r>
               <a:rPr lang="es-CO" dirty="0" smtClean="0"/>
-              <a:t>Valores de referencia</a:t>
+              <a:t>Valores de referencia.</a:t>
             </a:r>
             <a:endParaRPr lang="es-CO" dirty="0"/>
           </a:p>
@@ -10287,7 +9436,7 @@
           <a:p>
             <a:r>
               <a:rPr lang="es-CO" dirty="0" smtClean="0"/>
-              <a:t>Control de calidad horaria…</a:t>
+              <a:t>Control de calidad horaria.</a:t>
             </a:r>
             <a:endParaRPr lang="es-CO" dirty="0"/>
           </a:p>

--- a/Tratamiento de datos climáticos.pptx
+++ b/Tratamiento de datos climáticos.pptx
@@ -313,7 +313,7 @@
           <a:p>
             <a:fld id="{F478E455-2610-4EC8-99BC-ED6763E081C6}" type="datetimeFigureOut">
               <a:rPr lang="es-CO" smtClean="0"/>
-              <a:t>31/01/2017</a:t>
+              <a:t>16/03/2017</a:t>
             </a:fld>
             <a:endParaRPr lang="es-CO"/>
           </a:p>
@@ -483,7 +483,7 @@
           <a:p>
             <a:fld id="{F478E455-2610-4EC8-99BC-ED6763E081C6}" type="datetimeFigureOut">
               <a:rPr lang="es-CO" smtClean="0"/>
-              <a:t>31/01/2017</a:t>
+              <a:t>16/03/2017</a:t>
             </a:fld>
             <a:endParaRPr lang="es-CO"/>
           </a:p>
@@ -663,7 +663,7 @@
           <a:p>
             <a:fld id="{F478E455-2610-4EC8-99BC-ED6763E081C6}" type="datetimeFigureOut">
               <a:rPr lang="es-CO" smtClean="0"/>
-              <a:t>31/01/2017</a:t>
+              <a:t>16/03/2017</a:t>
             </a:fld>
             <a:endParaRPr lang="es-CO"/>
           </a:p>
@@ -833,7 +833,7 @@
           <a:p>
             <a:fld id="{F478E455-2610-4EC8-99BC-ED6763E081C6}" type="datetimeFigureOut">
               <a:rPr lang="es-CO" smtClean="0"/>
-              <a:t>31/01/2017</a:t>
+              <a:t>16/03/2017</a:t>
             </a:fld>
             <a:endParaRPr lang="es-CO"/>
           </a:p>
@@ -1079,7 +1079,7 @@
           <a:p>
             <a:fld id="{F478E455-2610-4EC8-99BC-ED6763E081C6}" type="datetimeFigureOut">
               <a:rPr lang="es-CO" smtClean="0"/>
-              <a:t>31/01/2017</a:t>
+              <a:t>16/03/2017</a:t>
             </a:fld>
             <a:endParaRPr lang="es-CO"/>
           </a:p>
@@ -1311,7 +1311,7 @@
           <a:p>
             <a:fld id="{F478E455-2610-4EC8-99BC-ED6763E081C6}" type="datetimeFigureOut">
               <a:rPr lang="es-CO" smtClean="0"/>
-              <a:t>31/01/2017</a:t>
+              <a:t>16/03/2017</a:t>
             </a:fld>
             <a:endParaRPr lang="es-CO"/>
           </a:p>
@@ -1678,7 +1678,7 @@
           <a:p>
             <a:fld id="{F478E455-2610-4EC8-99BC-ED6763E081C6}" type="datetimeFigureOut">
               <a:rPr lang="es-CO" smtClean="0"/>
-              <a:t>31/01/2017</a:t>
+              <a:t>16/03/2017</a:t>
             </a:fld>
             <a:endParaRPr lang="es-CO"/>
           </a:p>
@@ -1796,7 +1796,7 @@
           <a:p>
             <a:fld id="{F478E455-2610-4EC8-99BC-ED6763E081C6}" type="datetimeFigureOut">
               <a:rPr lang="es-CO" smtClean="0"/>
-              <a:t>31/01/2017</a:t>
+              <a:t>16/03/2017</a:t>
             </a:fld>
             <a:endParaRPr lang="es-CO"/>
           </a:p>
@@ -1891,7 +1891,7 @@
           <a:p>
             <a:fld id="{F478E455-2610-4EC8-99BC-ED6763E081C6}" type="datetimeFigureOut">
               <a:rPr lang="es-CO" smtClean="0"/>
-              <a:t>31/01/2017</a:t>
+              <a:t>16/03/2017</a:t>
             </a:fld>
             <a:endParaRPr lang="es-CO"/>
           </a:p>
@@ -2168,7 +2168,7 @@
           <a:p>
             <a:fld id="{F478E455-2610-4EC8-99BC-ED6763E081C6}" type="datetimeFigureOut">
               <a:rPr lang="es-CO" smtClean="0"/>
-              <a:t>31/01/2017</a:t>
+              <a:t>16/03/2017</a:t>
             </a:fld>
             <a:endParaRPr lang="es-CO"/>
           </a:p>
@@ -2421,7 +2421,7 @@
           <a:p>
             <a:fld id="{F478E455-2610-4EC8-99BC-ED6763E081C6}" type="datetimeFigureOut">
               <a:rPr lang="es-CO" smtClean="0"/>
-              <a:t>31/01/2017</a:t>
+              <a:t>16/03/2017</a:t>
             </a:fld>
             <a:endParaRPr lang="es-CO"/>
           </a:p>
@@ -2634,7 +2634,7 @@
           <a:p>
             <a:fld id="{F478E455-2610-4EC8-99BC-ED6763E081C6}" type="datetimeFigureOut">
               <a:rPr lang="es-CO" smtClean="0"/>
-              <a:t>31/01/2017</a:t>
+              <a:t>16/03/2017</a:t>
             </a:fld>
             <a:endParaRPr lang="es-CO"/>
           </a:p>

--- a/Tratamiento de datos climáticos.pptx
+++ b/Tratamiento de datos climáticos.pptx
@@ -6966,6 +6966,41 @@
             </a:endParaRPr>
           </a:p>
           <a:p>
+            <a:pPr lvl="1">
+              <a:buFont typeface="Wingdings" panose="05000000000000000000" pitchFamily="2" charset="2"/>
+              <a:buChar char="ü"/>
+            </a:pPr>
+            <a:r>
+              <a:rPr lang="es-CO" dirty="0">
+                <a:solidFill>
+                  <a:schemeClr val="accent5">
+                    <a:lumMod val="75000"/>
+                  </a:schemeClr>
+                </a:solidFill>
+                <a:hlinkClick r:id="rId7"/>
+              </a:rPr>
+              <a:t>ftp://ftp.chg.ucsb.edu/pub/org/chg/products/CHIRPS-2.0/global_daily/tifs/p05</a:t>
+            </a:r>
+            <a:r>
+              <a:rPr lang="es-CO" dirty="0" smtClean="0">
+                <a:solidFill>
+                  <a:schemeClr val="accent5">
+                    <a:lumMod val="75000"/>
+                  </a:schemeClr>
+                </a:solidFill>
+                <a:hlinkClick r:id="rId7"/>
+              </a:rPr>
+              <a:t>/</a:t>
+            </a:r>
+            <a:endParaRPr lang="es-CO" dirty="0" smtClean="0">
+              <a:solidFill>
+                <a:schemeClr val="accent5">
+                  <a:lumMod val="75000"/>
+                </a:schemeClr>
+              </a:solidFill>
+            </a:endParaRPr>
+          </a:p>
+          <a:p>
             <a:pPr marL="457200" lvl="1" indent="0">
               <a:buNone/>
             </a:pPr>
@@ -6998,7 +7033,7 @@
                     <a:lumMod val="75000"/>
                   </a:schemeClr>
                 </a:solidFill>
-                <a:hlinkClick r:id="rId7"/>
+                <a:hlinkClick r:id="rId8"/>
               </a:rPr>
               <a:t>http://</a:t>
             </a:r>
@@ -7009,7 +7044,7 @@
                     <a:lumMod val="75000"/>
                   </a:schemeClr>
                 </a:solidFill>
-                <a:hlinkClick r:id="rId7"/>
+                <a:hlinkClick r:id="rId8"/>
               </a:rPr>
               <a:t>www.diva-gis.org/Data</a:t>
             </a:r>
@@ -9488,7 +9523,15 @@
             </a:r>
             <a:r>
               <a:rPr lang="es-CO" sz="3200" dirty="0" smtClean="0"/>
-              <a:t>&gt;=30 min duplicados.</a:t>
+              <a:t>&gt;=30 </a:t>
+            </a:r>
+            <a:r>
+              <a:rPr lang="es-CO" sz="3200" dirty="0" smtClean="0"/>
+              <a:t>minutos </a:t>
+            </a:r>
+            <a:r>
+              <a:rPr lang="es-CO" sz="3200" dirty="0" smtClean="0"/>
+              <a:t>duplicados.</a:t>
             </a:r>
           </a:p>
           <a:p>
